--- a/documents/php_ofms.pptx
+++ b/documents/php_ofms.pptx
@@ -5,14 +5,22 @@
     <p:sldMasterId id="2147483648" r:id="rId1"/>
   </p:sldMasterIdLst>
   <p:sldIdLst>
-    <p:sldId id="256" r:id="rId2"/>
-    <p:sldId id="257" r:id="rId3"/>
-    <p:sldId id="264" r:id="rId4"/>
-    <p:sldId id="261" r:id="rId5"/>
-    <p:sldId id="263" r:id="rId6"/>
-    <p:sldId id="262" r:id="rId7"/>
-    <p:sldId id="260" r:id="rId8"/>
-    <p:sldId id="258" r:id="rId9"/>
+    <p:sldId id="265" r:id="rId2"/>
+    <p:sldId id="256" r:id="rId3"/>
+    <p:sldId id="268" r:id="rId4"/>
+    <p:sldId id="257" r:id="rId5"/>
+    <p:sldId id="269" r:id="rId6"/>
+    <p:sldId id="264" r:id="rId7"/>
+    <p:sldId id="271" r:id="rId8"/>
+    <p:sldId id="272" r:id="rId9"/>
+    <p:sldId id="261" r:id="rId10"/>
+    <p:sldId id="263" r:id="rId11"/>
+    <p:sldId id="262" r:id="rId12"/>
+    <p:sldId id="274" r:id="rId13"/>
+    <p:sldId id="273" r:id="rId14"/>
+    <p:sldId id="260" r:id="rId15"/>
+    <p:sldId id="258" r:id="rId16"/>
+    <p:sldId id="270" r:id="rId17"/>
   </p:sldIdLst>
   <p:sldSz cx="9144000" cy="6858000" type="screen4x3"/>
   <p:notesSz cx="6858000" cy="9144000"/>
@@ -3104,68 +3112,261 @@
       </p:grpSpPr>
       <p:sp>
         <p:nvSpPr>
-          <p:cNvPr id="21" name="矩形 20"/>
-          <p:cNvSpPr/>
-          <p:nvPr/>
-        </p:nvSpPr>
-        <p:spPr>
-          <a:xfrm>
-            <a:off x="5724128" y="2132857"/>
-            <a:ext cx="2520280" cy="3644166"/>
-          </a:xfrm>
-          <a:prstGeom prst="rect">
-            <a:avLst/>
-          </a:prstGeom>
-          <a:solidFill>
-            <a:schemeClr val="accent3">
-              <a:lumMod val="60000"/>
-              <a:lumOff val="40000"/>
-            </a:schemeClr>
-          </a:solidFill>
-          <a:ln>
-            <a:solidFill>
-              <a:schemeClr val="accent3">
-                <a:lumMod val="60000"/>
-                <a:lumOff val="40000"/>
-              </a:schemeClr>
-            </a:solidFill>
-          </a:ln>
+          <p:cNvPr id="1026" name="Rectangle 2"/>
+          <p:cNvSpPr>
+            <a:spLocks noGrp="1" noChangeArrowheads="1"/>
+          </p:cNvSpPr>
+          <p:nvPr>
+            <p:ph type="title"/>
+          </p:nvPr>
+        </p:nvSpPr>
+        <p:spPr>
+          <a:xfrm>
+            <a:off x="763588" y="995680"/>
+            <a:ext cx="7542212" cy="5232083"/>
+          </a:xfrm>
+          <a:noFill/>
+          <a:ln/>
+          <a:extLst>
+            <a:ext uri="{91240B29-F687-4F45-9708-019B960494DF}">
+              <a14:hiddenLine xmlns:a14="http://schemas.microsoft.com/office/drawing/2010/main" w="12700">
+                <a:solidFill>
+                  <a:schemeClr val="tx1"/>
+                </a:solidFill>
+                <a:miter lim="800000"/>
+                <a:headEnd/>
+                <a:tailEnd/>
+              </a14:hiddenLine>
+            </a:ext>
+          </a:extLst>
+        </p:spPr>
+        <p:txBody>
+          <a:bodyPr lIns="90488" tIns="44450" rIns="90488" bIns="44450">
+            <a:normAutofit fontScale="90000"/>
+          </a:bodyPr>
+          <a:lstStyle/>
+          <a:p>
+            <a:pPr algn="ctr">
+              <a:lnSpc>
+                <a:spcPct val="95000"/>
+              </a:lnSpc>
+            </a:pPr>
+            <a:r>
+              <a:rPr lang="fr-FR" altLang="en-US" sz="5000" dirty="0">
+                <a:latin typeface="Times New Roman" panose="02020603050405020304" pitchFamily="18" charset="0"/>
+              </a:rPr>
+              <a:t/>
+            </a:r>
+            <a:br>
+              <a:rPr lang="fr-FR" altLang="en-US" sz="5000" dirty="0">
+                <a:latin typeface="Times New Roman" panose="02020603050405020304" pitchFamily="18" charset="0"/>
+              </a:rPr>
+            </a:br>
+            <a:r>
+              <a:rPr lang="en-US" sz="5400" b="1" dirty="0">
+                <a:latin typeface="Times New Roman" panose="02020603050405020304" pitchFamily="18" charset="0"/>
+                <a:cs typeface="Times New Roman" panose="02020603050405020304" pitchFamily="18" charset="0"/>
+              </a:rPr>
+              <a:t>Online File </a:t>
+            </a:r>
+            <a:r>
+              <a:rPr lang="en-US" sz="5400" b="1" dirty="0" smtClean="0">
+                <a:latin typeface="Times New Roman" panose="02020603050405020304" pitchFamily="18" charset="0"/>
+                <a:cs typeface="Times New Roman" panose="02020603050405020304" pitchFamily="18" charset="0"/>
+              </a:rPr>
+              <a:t/>
+            </a:r>
+            <a:br>
+              <a:rPr lang="en-US" sz="5400" b="1" dirty="0" smtClean="0">
+                <a:latin typeface="Times New Roman" panose="02020603050405020304" pitchFamily="18" charset="0"/>
+                <a:cs typeface="Times New Roman" panose="02020603050405020304" pitchFamily="18" charset="0"/>
+              </a:rPr>
+            </a:br>
+            <a:r>
+              <a:rPr lang="en-US" sz="5400" b="1" dirty="0" smtClean="0">
+                <a:latin typeface="Times New Roman" panose="02020603050405020304" pitchFamily="18" charset="0"/>
+                <a:cs typeface="Times New Roman" panose="02020603050405020304" pitchFamily="18" charset="0"/>
+              </a:rPr>
+              <a:t>Management </a:t>
+            </a:r>
+            <a:r>
+              <a:rPr lang="en-US" sz="5400" b="1" dirty="0">
+                <a:latin typeface="Times New Roman" panose="02020603050405020304" pitchFamily="18" charset="0"/>
+                <a:cs typeface="Times New Roman" panose="02020603050405020304" pitchFamily="18" charset="0"/>
+              </a:rPr>
+              <a:t>System</a:t>
+            </a:r>
+            <a:r>
+              <a:rPr lang="en-CA" sz="5400" dirty="0"/>
+              <a:t/>
+            </a:r>
+            <a:br>
+              <a:rPr lang="en-CA" sz="5400" dirty="0"/>
+            </a:br>
+            <a:r>
+              <a:rPr lang="fr-FR" altLang="en-US" sz="5000" dirty="0">
+                <a:latin typeface="Times New Roman" panose="02020603050405020304" pitchFamily="18" charset="0"/>
+              </a:rPr>
+              <a:t/>
+            </a:r>
+            <a:br>
+              <a:rPr lang="fr-FR" altLang="en-US" sz="5000" dirty="0">
+                <a:latin typeface="Times New Roman" panose="02020603050405020304" pitchFamily="18" charset="0"/>
+              </a:rPr>
+            </a:br>
+            <a:r>
+              <a:rPr lang="fr-FR" altLang="en-US" sz="5000" dirty="0">
+                <a:latin typeface="Times New Roman" panose="02020603050405020304" pitchFamily="18" charset="0"/>
+              </a:rPr>
+              <a:t/>
+            </a:r>
+            <a:br>
+              <a:rPr lang="fr-FR" altLang="en-US" sz="5000" dirty="0">
+                <a:latin typeface="Times New Roman" panose="02020603050405020304" pitchFamily="18" charset="0"/>
+              </a:rPr>
+            </a:br>
+            <a:r>
+              <a:rPr lang="fr-FR" altLang="en-US" sz="3600" dirty="0">
+                <a:latin typeface="Times New Roman" panose="02020603050405020304" pitchFamily="18" charset="0"/>
+              </a:rPr>
+              <a:t/>
+            </a:r>
+            <a:br>
+              <a:rPr lang="fr-FR" altLang="en-US" sz="3600" dirty="0">
+                <a:latin typeface="Times New Roman" panose="02020603050405020304" pitchFamily="18" charset="0"/>
+              </a:rPr>
+            </a:br>
+            <a:r>
+              <a:rPr lang="fr-FR" altLang="en-US" sz="3600" dirty="0">
+                <a:latin typeface="Times New Roman" panose="02020603050405020304" pitchFamily="18" charset="0"/>
+              </a:rPr>
+              <a:t>Team Members:      Wei &amp; Yas</a:t>
+            </a:r>
+            <a:br>
+              <a:rPr lang="fr-FR" altLang="en-US" sz="3600" dirty="0">
+                <a:latin typeface="Times New Roman" panose="02020603050405020304" pitchFamily="18" charset="0"/>
+              </a:rPr>
+            </a:br>
+            <a:endParaRPr lang="en-US" altLang="en-US" sz="3600" dirty="0">
+              <a:latin typeface="Times New Roman" panose="02020603050405020304" pitchFamily="18" charset="0"/>
+            </a:endParaRPr>
+          </a:p>
+        </p:txBody>
+      </p:sp>
+    </p:spTree>
+    <p:extLst>
+      <p:ext uri="{BB962C8B-B14F-4D97-AF65-F5344CB8AC3E}">
+        <p14:creationId xmlns:p14="http://schemas.microsoft.com/office/powerpoint/2010/main" val="2344785180"/>
+      </p:ext>
+    </p:extLst>
+  </p:cSld>
+  <p:clrMapOvr>
+    <a:masterClrMapping/>
+  </p:clrMapOvr>
+  <p:transition/>
+  <p:timing>
+    <p:tnLst>
+      <p:par>
+        <p:cTn id="1" dur="indefinite" restart="never" nodeType="tmRoot"/>
+      </p:par>
+    </p:tnLst>
+  </p:timing>
+</p:sld>
+</file>
+
+<file path=ppt/slides/slide10.xml><?xml version="1.0" encoding="utf-8"?>
+<p:sld xmlns:a="http://schemas.openxmlformats.org/drawingml/2006/main" xmlns:r="http://schemas.openxmlformats.org/officeDocument/2006/relationships" xmlns:p="http://schemas.openxmlformats.org/presentationml/2006/main">
+  <p:cSld>
+    <p:spTree>
+      <p:nvGrpSpPr>
+        <p:cNvPr id="1" name=""/>
+        <p:cNvGrpSpPr/>
+        <p:nvPr/>
+      </p:nvGrpSpPr>
+      <p:grpSpPr>
+        <a:xfrm>
+          <a:off x="0" y="0"/>
+          <a:ext cx="0" cy="0"/>
+          <a:chOff x="0" y="0"/>
+          <a:chExt cx="0" cy="0"/>
+        </a:xfrm>
+      </p:grpSpPr>
+      <p:sp>
+        <p:nvSpPr>
+          <p:cNvPr id="4" name="标题 57"/>
+          <p:cNvSpPr>
+            <a:spLocks noGrp="1"/>
+          </p:cNvSpPr>
+          <p:nvPr>
+            <p:ph type="title"/>
+          </p:nvPr>
+        </p:nvSpPr>
+        <p:spPr>
+          <a:xfrm>
+            <a:off x="457200" y="274638"/>
+            <a:ext cx="8229600" cy="634082"/>
+          </a:xfrm>
+        </p:spPr>
+        <p:txBody>
+          <a:bodyPr>
+            <a:normAutofit fontScale="90000"/>
+          </a:bodyPr>
+          <a:lstStyle/>
+          <a:p>
+            <a:r>
+              <a:rPr lang="en-CA" b="1" dirty="0">
+                <a:solidFill>
+                  <a:srgbClr val="0070C0"/>
+                </a:solidFill>
+                <a:latin typeface="Times New Roman" panose="02020603050405020304" pitchFamily="18" charset="0"/>
+                <a:cs typeface="Times New Roman" panose="02020603050405020304" pitchFamily="18" charset="0"/>
+              </a:rPr>
+              <a:t>Challenges and Solutions </a:t>
+            </a:r>
+          </a:p>
+        </p:txBody>
+      </p:sp>
+      <p:cxnSp>
+        <p:nvCxnSpPr>
+          <p:cNvPr id="5" name="直接连接符 4"/>
+          <p:cNvCxnSpPr/>
+          <p:nvPr/>
+        </p:nvCxnSpPr>
+        <p:spPr>
+          <a:xfrm>
+            <a:off x="467544" y="980728"/>
+            <a:ext cx="8280920" cy="0"/>
+          </a:xfrm>
+          <a:prstGeom prst="line">
+            <a:avLst/>
+          </a:prstGeom>
+          <a:ln cmpd="sng"/>
         </p:spPr>
         <p:style>
-          <a:lnRef idx="2">
-            <a:schemeClr val="accent1">
-              <a:shade val="50000"/>
-            </a:schemeClr>
+          <a:lnRef idx="1">
+            <a:schemeClr val="accent1"/>
           </a:lnRef>
-          <a:fillRef idx="1">
+          <a:fillRef idx="0">
             <a:schemeClr val="accent1"/>
           </a:fillRef>
           <a:effectRef idx="0">
             <a:schemeClr val="accent1"/>
           </a:effectRef>
           <a:fontRef idx="minor">
-            <a:schemeClr val="lt1"/>
+            <a:schemeClr val="tx1"/>
           </a:fontRef>
         </p:style>
-        <p:txBody>
-          <a:bodyPr rtlCol="0" anchor="ctr"/>
-          <a:lstStyle/>
-          <a:p>
-            <a:pPr algn="ctr"/>
-            <a:endParaRPr lang="en-CA"/>
-          </a:p>
-        </p:txBody>
-      </p:sp>
+      </p:cxnSp>
       <p:pic>
         <p:nvPicPr>
-          <p:cNvPr id="7" name="图片 6"/>
+          <p:cNvPr id="8" name="图片 7"/>
           <p:cNvPicPr>
             <a:picLocks noChangeAspect="1"/>
           </p:cNvPicPr>
           <p:nvPr/>
         </p:nvPicPr>
         <p:blipFill>
-          <a:blip r:embed="rId2" cstate="print">
+          <a:blip r:embed="rId2">
             <a:extLst>
               <a:ext uri="{28A0092B-C50C-407E-A947-70E740481C1C}">
                 <a14:useLocalDpi xmlns:a14="http://schemas.microsoft.com/office/drawing/2010/main" val="0"/>
@@ -3178,8 +3379,8 @@
         </p:blipFill>
         <p:spPr>
           <a:xfrm>
-            <a:off x="565084" y="3577223"/>
-            <a:ext cx="865955" cy="865955"/>
+            <a:off x="2736175" y="1052736"/>
+            <a:ext cx="3384376" cy="245555"/>
           </a:xfrm>
           <a:prstGeom prst="rect">
             <a:avLst/>
@@ -3188,7 +3389,7 @@
       </p:pic>
       <p:pic>
         <p:nvPicPr>
-          <p:cNvPr id="8" name="图片 7"/>
+          <p:cNvPr id="10" name="图片 9"/>
           <p:cNvPicPr>
             <a:picLocks noChangeAspect="1"/>
           </p:cNvPicPr>
@@ -3208,8 +3409,8 @@
         </p:blipFill>
         <p:spPr>
           <a:xfrm>
-            <a:off x="2115747" y="3430193"/>
-            <a:ext cx="1160016" cy="1160016"/>
+            <a:off x="1763688" y="1729881"/>
+            <a:ext cx="5328592" cy="1987151"/>
           </a:xfrm>
           <a:prstGeom prst="rect">
             <a:avLst/>
@@ -3218,14 +3419,14 @@
       </p:pic>
       <p:pic>
         <p:nvPicPr>
-          <p:cNvPr id="10" name="图片 9"/>
+          <p:cNvPr id="11" name="图片 10"/>
           <p:cNvPicPr>
             <a:picLocks noChangeAspect="1"/>
           </p:cNvPicPr>
           <p:nvPr/>
         </p:nvPicPr>
         <p:blipFill>
-          <a:blip r:embed="rId4" cstate="print">
+          <a:blip r:embed="rId4">
             <a:extLst>
               <a:ext uri="{28A0092B-C50C-407E-A947-70E740481C1C}">
                 <a14:useLocalDpi xmlns:a14="http://schemas.microsoft.com/office/drawing/2010/main" val="0"/>
@@ -3238,17 +3439,95 @@
         </p:blipFill>
         <p:spPr>
           <a:xfrm>
-            <a:off x="2191699" y="5272967"/>
-            <a:ext cx="1008112" cy="1008112"/>
+            <a:off x="2514331" y="4278285"/>
+            <a:ext cx="3833124" cy="1166939"/>
           </a:xfrm>
           <a:prstGeom prst="rect">
             <a:avLst/>
           </a:prstGeom>
         </p:spPr>
       </p:pic>
+      <p:cxnSp>
+        <p:nvCxnSpPr>
+          <p:cNvPr id="13" name="直接箭头连接符 12"/>
+          <p:cNvCxnSpPr>
+            <a:stCxn id="8" idx="2"/>
+            <a:endCxn id="10" idx="0"/>
+          </p:cNvCxnSpPr>
+          <p:nvPr/>
+        </p:nvCxnSpPr>
+        <p:spPr>
+          <a:xfrm flipH="1">
+            <a:off x="4427984" y="1298291"/>
+            <a:ext cx="379" cy="431590"/>
+          </a:xfrm>
+          <a:prstGeom prst="straightConnector1">
+            <a:avLst/>
+          </a:prstGeom>
+          <a:ln>
+            <a:solidFill>
+              <a:srgbClr val="FF0000"/>
+            </a:solidFill>
+            <a:tailEnd type="arrow"/>
+          </a:ln>
+        </p:spPr>
+        <p:style>
+          <a:lnRef idx="1">
+            <a:schemeClr val="accent1"/>
+          </a:lnRef>
+          <a:fillRef idx="0">
+            <a:schemeClr val="accent1"/>
+          </a:fillRef>
+          <a:effectRef idx="0">
+            <a:schemeClr val="accent1"/>
+          </a:effectRef>
+          <a:fontRef idx="minor">
+            <a:schemeClr val="tx1"/>
+          </a:fontRef>
+        </p:style>
+      </p:cxnSp>
+      <p:cxnSp>
+        <p:nvCxnSpPr>
+          <p:cNvPr id="16" name="直接箭头连接符 15"/>
+          <p:cNvCxnSpPr>
+            <a:stCxn id="10" idx="2"/>
+            <a:endCxn id="11" idx="0"/>
+          </p:cNvCxnSpPr>
+          <p:nvPr/>
+        </p:nvCxnSpPr>
+        <p:spPr>
+          <a:xfrm>
+            <a:off x="4427984" y="3717032"/>
+            <a:ext cx="2909" cy="561253"/>
+          </a:xfrm>
+          <a:prstGeom prst="straightConnector1">
+            <a:avLst/>
+          </a:prstGeom>
+          <a:ln>
+            <a:solidFill>
+              <a:srgbClr val="FF0000"/>
+            </a:solidFill>
+            <a:tailEnd type="arrow"/>
+          </a:ln>
+        </p:spPr>
+        <p:style>
+          <a:lnRef idx="1">
+            <a:schemeClr val="accent1"/>
+          </a:lnRef>
+          <a:fillRef idx="0">
+            <a:schemeClr val="accent1"/>
+          </a:fillRef>
+          <a:effectRef idx="0">
+            <a:schemeClr val="accent1"/>
+          </a:effectRef>
+          <a:fontRef idx="minor">
+            <a:schemeClr val="tx1"/>
+          </a:fontRef>
+        </p:style>
+      </p:cxnSp>
       <p:pic>
         <p:nvPicPr>
-          <p:cNvPr id="15" name="图片 14"/>
+          <p:cNvPr id="6" name="图片 5"/>
           <p:cNvPicPr>
             <a:picLocks noChangeAspect="1"/>
           </p:cNvPicPr>
@@ -3268,8 +3547,407 @@
         </p:blipFill>
         <p:spPr>
           <a:xfrm>
-            <a:off x="6441297" y="4105815"/>
-            <a:ext cx="1080000" cy="1051327"/>
+            <a:off x="443794" y="6005598"/>
+            <a:ext cx="7981770" cy="447738"/>
+          </a:xfrm>
+          <a:prstGeom prst="rect">
+            <a:avLst/>
+          </a:prstGeom>
+        </p:spPr>
+      </p:pic>
+      <p:cxnSp>
+        <p:nvCxnSpPr>
+          <p:cNvPr id="9" name="直接箭头连接符 8"/>
+          <p:cNvCxnSpPr>
+            <a:stCxn id="11" idx="2"/>
+            <a:endCxn id="6" idx="0"/>
+          </p:cNvCxnSpPr>
+          <p:nvPr/>
+        </p:nvCxnSpPr>
+        <p:spPr>
+          <a:xfrm>
+            <a:off x="4430893" y="5445224"/>
+            <a:ext cx="3786" cy="560374"/>
+          </a:xfrm>
+          <a:prstGeom prst="straightConnector1">
+            <a:avLst/>
+          </a:prstGeom>
+          <a:ln>
+            <a:solidFill>
+              <a:srgbClr val="FF0000"/>
+            </a:solidFill>
+            <a:tailEnd type="arrow"/>
+          </a:ln>
+        </p:spPr>
+        <p:style>
+          <a:lnRef idx="1">
+            <a:schemeClr val="accent1"/>
+          </a:lnRef>
+          <a:fillRef idx="0">
+            <a:schemeClr val="accent1"/>
+          </a:fillRef>
+          <a:effectRef idx="0">
+            <a:schemeClr val="accent1"/>
+          </a:effectRef>
+          <a:fontRef idx="minor">
+            <a:schemeClr val="tx1"/>
+          </a:fontRef>
+        </p:style>
+      </p:cxnSp>
+    </p:spTree>
+    <p:extLst>
+      <p:ext uri="{BB962C8B-B14F-4D97-AF65-F5344CB8AC3E}">
+        <p14:creationId xmlns:p14="http://schemas.microsoft.com/office/powerpoint/2010/main" val="3827495786"/>
+      </p:ext>
+    </p:extLst>
+  </p:cSld>
+  <p:clrMapOvr>
+    <a:masterClrMapping/>
+  </p:clrMapOvr>
+  <p:timing>
+    <p:tnLst>
+      <p:par>
+        <p:cTn id="1" dur="indefinite" restart="never" nodeType="tmRoot"/>
+      </p:par>
+    </p:tnLst>
+  </p:timing>
+</p:sld>
+</file>
+
+<file path=ppt/slides/slide11.xml><?xml version="1.0" encoding="utf-8"?>
+<p:sld xmlns:a="http://schemas.openxmlformats.org/drawingml/2006/main" xmlns:r="http://schemas.openxmlformats.org/officeDocument/2006/relationships" xmlns:p="http://schemas.openxmlformats.org/presentationml/2006/main">
+  <p:cSld>
+    <p:spTree>
+      <p:nvGrpSpPr>
+        <p:cNvPr id="1" name=""/>
+        <p:cNvGrpSpPr/>
+        <p:nvPr/>
+      </p:nvGrpSpPr>
+      <p:grpSpPr>
+        <a:xfrm>
+          <a:off x="0" y="0"/>
+          <a:ext cx="0" cy="0"/>
+          <a:chOff x="0" y="0"/>
+          <a:chExt cx="0" cy="0"/>
+        </a:xfrm>
+      </p:grpSpPr>
+      <p:sp>
+        <p:nvSpPr>
+          <p:cNvPr id="4" name="标题 57"/>
+          <p:cNvSpPr>
+            <a:spLocks noGrp="1"/>
+          </p:cNvSpPr>
+          <p:nvPr>
+            <p:ph type="title"/>
+          </p:nvPr>
+        </p:nvSpPr>
+        <p:spPr>
+          <a:xfrm>
+            <a:off x="457200" y="274638"/>
+            <a:ext cx="8229600" cy="634082"/>
+          </a:xfrm>
+        </p:spPr>
+        <p:txBody>
+          <a:bodyPr>
+            <a:normAutofit fontScale="90000"/>
+          </a:bodyPr>
+          <a:lstStyle/>
+          <a:p>
+            <a:r>
+              <a:rPr lang="en-CA" b="1" dirty="0">
+                <a:solidFill>
+                  <a:srgbClr val="0070C0"/>
+                </a:solidFill>
+                <a:latin typeface="Times New Roman" panose="02020603050405020304" pitchFamily="18" charset="0"/>
+                <a:cs typeface="Times New Roman" panose="02020603050405020304" pitchFamily="18" charset="0"/>
+              </a:rPr>
+              <a:t>What we learned </a:t>
+            </a:r>
+            <a:endParaRPr lang="en-CA" b="1" dirty="0">
+              <a:solidFill>
+                <a:srgbClr val="0070C0"/>
+              </a:solidFill>
+              <a:latin typeface="Times New Roman" panose="02020603050405020304" pitchFamily="18" charset="0"/>
+              <a:cs typeface="Times New Roman" panose="02020603050405020304" pitchFamily="18" charset="0"/>
+            </a:endParaRPr>
+          </a:p>
+        </p:txBody>
+      </p:sp>
+      <p:cxnSp>
+        <p:nvCxnSpPr>
+          <p:cNvPr id="5" name="直接连接符 4"/>
+          <p:cNvCxnSpPr/>
+          <p:nvPr/>
+        </p:nvCxnSpPr>
+        <p:spPr>
+          <a:xfrm>
+            <a:off x="467544" y="980728"/>
+            <a:ext cx="8280920" cy="0"/>
+          </a:xfrm>
+          <a:prstGeom prst="line">
+            <a:avLst/>
+          </a:prstGeom>
+          <a:ln cmpd="sng"/>
+        </p:spPr>
+        <p:style>
+          <a:lnRef idx="1">
+            <a:schemeClr val="accent1"/>
+          </a:lnRef>
+          <a:fillRef idx="0">
+            <a:schemeClr val="accent1"/>
+          </a:fillRef>
+          <a:effectRef idx="0">
+            <a:schemeClr val="accent1"/>
+          </a:effectRef>
+          <a:fontRef idx="minor">
+            <a:schemeClr val="tx1"/>
+          </a:fontRef>
+        </p:style>
+      </p:cxnSp>
+    </p:spTree>
+    <p:extLst>
+      <p:ext uri="{BB962C8B-B14F-4D97-AF65-F5344CB8AC3E}">
+        <p14:creationId xmlns:p14="http://schemas.microsoft.com/office/powerpoint/2010/main" val="2697211698"/>
+      </p:ext>
+    </p:extLst>
+  </p:cSld>
+  <p:clrMapOvr>
+    <a:masterClrMapping/>
+  </p:clrMapOvr>
+  <p:timing>
+    <p:tnLst>
+      <p:par>
+        <p:cTn id="1" dur="indefinite" restart="never" nodeType="tmRoot"/>
+      </p:par>
+    </p:tnLst>
+  </p:timing>
+</p:sld>
+</file>
+
+<file path=ppt/slides/slide12.xml><?xml version="1.0" encoding="utf-8"?>
+<p:sld xmlns:a="http://schemas.openxmlformats.org/drawingml/2006/main" xmlns:r="http://schemas.openxmlformats.org/officeDocument/2006/relationships" xmlns:p="http://schemas.openxmlformats.org/presentationml/2006/main">
+  <p:cSld>
+    <p:spTree>
+      <p:nvGrpSpPr>
+        <p:cNvPr id="1" name=""/>
+        <p:cNvGrpSpPr/>
+        <p:nvPr/>
+      </p:nvGrpSpPr>
+      <p:grpSpPr>
+        <a:xfrm>
+          <a:off x="0" y="0"/>
+          <a:ext cx="0" cy="0"/>
+          <a:chOff x="0" y="0"/>
+          <a:chExt cx="0" cy="0"/>
+        </a:xfrm>
+      </p:grpSpPr>
+      <p:sp>
+        <p:nvSpPr>
+          <p:cNvPr id="4" name="标题 57"/>
+          <p:cNvSpPr>
+            <a:spLocks noGrp="1"/>
+          </p:cNvSpPr>
+          <p:nvPr>
+            <p:ph type="title"/>
+          </p:nvPr>
+        </p:nvSpPr>
+        <p:spPr>
+          <a:xfrm>
+            <a:off x="457200" y="274638"/>
+            <a:ext cx="8229600" cy="634082"/>
+          </a:xfrm>
+        </p:spPr>
+        <p:txBody>
+          <a:bodyPr>
+            <a:normAutofit fontScale="90000"/>
+          </a:bodyPr>
+          <a:lstStyle/>
+          <a:p>
+            <a:r>
+              <a:rPr lang="en-CA" b="1" dirty="0">
+                <a:solidFill>
+                  <a:srgbClr val="0070C0"/>
+                </a:solidFill>
+                <a:latin typeface="Times New Roman" panose="02020603050405020304" pitchFamily="18" charset="0"/>
+                <a:cs typeface="Times New Roman" panose="02020603050405020304" pitchFamily="18" charset="0"/>
+              </a:rPr>
+              <a:t>What we learned </a:t>
+            </a:r>
+            <a:endParaRPr lang="en-CA" b="1" dirty="0">
+              <a:solidFill>
+                <a:srgbClr val="0070C0"/>
+              </a:solidFill>
+              <a:latin typeface="Times New Roman" panose="02020603050405020304" pitchFamily="18" charset="0"/>
+              <a:cs typeface="Times New Roman" panose="02020603050405020304" pitchFamily="18" charset="0"/>
+            </a:endParaRPr>
+          </a:p>
+        </p:txBody>
+      </p:sp>
+      <p:cxnSp>
+        <p:nvCxnSpPr>
+          <p:cNvPr id="5" name="直接连接符 4"/>
+          <p:cNvCxnSpPr/>
+          <p:nvPr/>
+        </p:nvCxnSpPr>
+        <p:spPr>
+          <a:xfrm>
+            <a:off x="467544" y="980728"/>
+            <a:ext cx="8280920" cy="0"/>
+          </a:xfrm>
+          <a:prstGeom prst="line">
+            <a:avLst/>
+          </a:prstGeom>
+          <a:ln cmpd="sng"/>
+        </p:spPr>
+        <p:style>
+          <a:lnRef idx="1">
+            <a:schemeClr val="accent1"/>
+          </a:lnRef>
+          <a:fillRef idx="0">
+            <a:schemeClr val="accent1"/>
+          </a:fillRef>
+          <a:effectRef idx="0">
+            <a:schemeClr val="accent1"/>
+          </a:effectRef>
+          <a:fontRef idx="minor">
+            <a:schemeClr val="tx1"/>
+          </a:fontRef>
+        </p:style>
+      </p:cxnSp>
+    </p:spTree>
+    <p:extLst>
+      <p:ext uri="{BB962C8B-B14F-4D97-AF65-F5344CB8AC3E}">
+        <p14:creationId xmlns:p14="http://schemas.microsoft.com/office/powerpoint/2010/main" val="1120035153"/>
+      </p:ext>
+    </p:extLst>
+  </p:cSld>
+  <p:clrMapOvr>
+    <a:masterClrMapping/>
+  </p:clrMapOvr>
+  <p:timing>
+    <p:tnLst>
+      <p:par>
+        <p:cTn id="1" dur="indefinite" restart="never" nodeType="tmRoot"/>
+      </p:par>
+    </p:tnLst>
+  </p:timing>
+</p:sld>
+</file>
+
+<file path=ppt/slides/slide13.xml><?xml version="1.0" encoding="utf-8"?>
+<p:sld xmlns:a="http://schemas.openxmlformats.org/drawingml/2006/main" xmlns:r="http://schemas.openxmlformats.org/officeDocument/2006/relationships" xmlns:p="http://schemas.openxmlformats.org/presentationml/2006/main">
+  <p:cSld>
+    <p:spTree>
+      <p:nvGrpSpPr>
+        <p:cNvPr id="1" name=""/>
+        <p:cNvGrpSpPr/>
+        <p:nvPr/>
+      </p:nvGrpSpPr>
+      <p:grpSpPr>
+        <a:xfrm>
+          <a:off x="0" y="0"/>
+          <a:ext cx="0" cy="0"/>
+          <a:chOff x="0" y="0"/>
+          <a:chExt cx="0" cy="0"/>
+        </a:xfrm>
+      </p:grpSpPr>
+      <p:sp>
+        <p:nvSpPr>
+          <p:cNvPr id="4" name="标题 57"/>
+          <p:cNvSpPr>
+            <a:spLocks noGrp="1"/>
+          </p:cNvSpPr>
+          <p:nvPr>
+            <p:ph type="title"/>
+          </p:nvPr>
+        </p:nvSpPr>
+        <p:spPr>
+          <a:xfrm>
+            <a:off x="457200" y="274638"/>
+            <a:ext cx="8229600" cy="634082"/>
+          </a:xfrm>
+        </p:spPr>
+        <p:txBody>
+          <a:bodyPr>
+            <a:normAutofit fontScale="90000"/>
+          </a:bodyPr>
+          <a:lstStyle/>
+          <a:p>
+            <a:r>
+              <a:rPr lang="en-CA" b="1" dirty="0">
+                <a:solidFill>
+                  <a:srgbClr val="0070C0"/>
+                </a:solidFill>
+                <a:latin typeface="Times New Roman" panose="02020603050405020304" pitchFamily="18" charset="0"/>
+                <a:cs typeface="Times New Roman" panose="02020603050405020304" pitchFamily="18" charset="0"/>
+              </a:rPr>
+              <a:t>What we learned </a:t>
+            </a:r>
+            <a:endParaRPr lang="en-CA" b="1" dirty="0">
+              <a:solidFill>
+                <a:srgbClr val="0070C0"/>
+              </a:solidFill>
+              <a:latin typeface="Times New Roman" panose="02020603050405020304" pitchFamily="18" charset="0"/>
+              <a:cs typeface="Times New Roman" panose="02020603050405020304" pitchFamily="18" charset="0"/>
+            </a:endParaRPr>
+          </a:p>
+        </p:txBody>
+      </p:sp>
+      <p:cxnSp>
+        <p:nvCxnSpPr>
+          <p:cNvPr id="5" name="直接连接符 4"/>
+          <p:cNvCxnSpPr/>
+          <p:nvPr/>
+        </p:nvCxnSpPr>
+        <p:spPr>
+          <a:xfrm>
+            <a:off x="467544" y="980728"/>
+            <a:ext cx="8280920" cy="0"/>
+          </a:xfrm>
+          <a:prstGeom prst="line">
+            <a:avLst/>
+          </a:prstGeom>
+          <a:ln cmpd="sng"/>
+        </p:spPr>
+        <p:style>
+          <a:lnRef idx="1">
+            <a:schemeClr val="accent1"/>
+          </a:lnRef>
+          <a:fillRef idx="0">
+            <a:schemeClr val="accent1"/>
+          </a:fillRef>
+          <a:effectRef idx="0">
+            <a:schemeClr val="accent1"/>
+          </a:effectRef>
+          <a:fontRef idx="minor">
+            <a:schemeClr val="tx1"/>
+          </a:fontRef>
+        </p:style>
+      </p:cxnSp>
+      <p:pic>
+        <p:nvPicPr>
+          <p:cNvPr id="6" name="图片 5"/>
+          <p:cNvPicPr>
+            <a:picLocks noChangeAspect="1"/>
+          </p:cNvPicPr>
+          <p:nvPr/>
+        </p:nvPicPr>
+        <p:blipFill>
+          <a:blip r:embed="rId2">
+            <a:extLst>
+              <a:ext uri="{28A0092B-C50C-407E-A947-70E740481C1C}">
+                <a14:useLocalDpi xmlns:a14="http://schemas.microsoft.com/office/drawing/2010/main" val="0"/>
+              </a:ext>
+            </a:extLst>
+          </a:blip>
+          <a:stretch>
+            <a:fillRect/>
+          </a:stretch>
+        </p:blipFill>
+        <p:spPr>
+          <a:xfrm>
+            <a:off x="456468" y="1052736"/>
+            <a:ext cx="4475572" cy="1296144"/>
           </a:xfrm>
           <a:prstGeom prst="rect">
             <a:avLst/>
@@ -3278,7 +3956,97 @@
       </p:pic>
       <p:pic>
         <p:nvPicPr>
-          <p:cNvPr id="19" name="图片 18"/>
+          <p:cNvPr id="10" name="图片 9"/>
+          <p:cNvPicPr>
+            <a:picLocks noChangeAspect="1"/>
+          </p:cNvPicPr>
+          <p:nvPr/>
+        </p:nvPicPr>
+        <p:blipFill>
+          <a:blip r:embed="rId3">
+            <a:extLst>
+              <a:ext uri="{28A0092B-C50C-407E-A947-70E740481C1C}">
+                <a14:useLocalDpi xmlns:a14="http://schemas.microsoft.com/office/drawing/2010/main" val="0"/>
+              </a:ext>
+            </a:extLst>
+          </a:blip>
+          <a:stretch>
+            <a:fillRect/>
+          </a:stretch>
+        </p:blipFill>
+        <p:spPr>
+          <a:xfrm>
+            <a:off x="467544" y="3068960"/>
+            <a:ext cx="4392446" cy="1569510"/>
+          </a:xfrm>
+          <a:prstGeom prst="rect">
+            <a:avLst/>
+          </a:prstGeom>
+        </p:spPr>
+      </p:pic>
+      <p:pic>
+        <p:nvPicPr>
+          <p:cNvPr id="12" name="图片 11"/>
+          <p:cNvPicPr>
+            <a:picLocks noChangeAspect="1"/>
+          </p:cNvPicPr>
+          <p:nvPr/>
+        </p:nvPicPr>
+        <p:blipFill>
+          <a:blip r:embed="rId4">
+            <a:extLst>
+              <a:ext uri="{28A0092B-C50C-407E-A947-70E740481C1C}">
+                <a14:useLocalDpi xmlns:a14="http://schemas.microsoft.com/office/drawing/2010/main" val="0"/>
+              </a:ext>
+            </a:extLst>
+          </a:blip>
+          <a:stretch>
+            <a:fillRect/>
+          </a:stretch>
+        </p:blipFill>
+        <p:spPr>
+          <a:xfrm>
+            <a:off x="5580112" y="2204864"/>
+            <a:ext cx="3168352" cy="1760196"/>
+          </a:xfrm>
+          <a:prstGeom prst="rect">
+            <a:avLst/>
+          </a:prstGeom>
+        </p:spPr>
+      </p:pic>
+      <p:pic>
+        <p:nvPicPr>
+          <p:cNvPr id="14" name="图片 13"/>
+          <p:cNvPicPr>
+            <a:picLocks noChangeAspect="1"/>
+          </p:cNvPicPr>
+          <p:nvPr/>
+        </p:nvPicPr>
+        <p:blipFill>
+          <a:blip r:embed="rId5">
+            <a:extLst>
+              <a:ext uri="{28A0092B-C50C-407E-A947-70E740481C1C}">
+                <a14:useLocalDpi xmlns:a14="http://schemas.microsoft.com/office/drawing/2010/main" val="0"/>
+              </a:ext>
+            </a:extLst>
+          </a:blip>
+          <a:stretch>
+            <a:fillRect/>
+          </a:stretch>
+        </p:blipFill>
+        <p:spPr>
+          <a:xfrm>
+            <a:off x="5571783" y="4221088"/>
+            <a:ext cx="3176681" cy="1786398"/>
+          </a:xfrm>
+          <a:prstGeom prst="rect">
+            <a:avLst/>
+          </a:prstGeom>
+        </p:spPr>
+      </p:pic>
+      <p:pic>
+        <p:nvPicPr>
+          <p:cNvPr id="16" name="图片 15"/>
           <p:cNvPicPr>
             <a:picLocks noChangeAspect="1"/>
           </p:cNvPicPr>
@@ -3298,24 +4066,352 @@
         </p:blipFill>
         <p:spPr>
           <a:xfrm>
-            <a:off x="4140585" y="2829873"/>
-            <a:ext cx="1080000" cy="1051425"/>
+            <a:off x="1649659" y="5229200"/>
+            <a:ext cx="3210373" cy="1438476"/>
           </a:xfrm>
           <a:prstGeom prst="rect">
             <a:avLst/>
           </a:prstGeom>
         </p:spPr>
       </p:pic>
+      <p:cxnSp>
+        <p:nvCxnSpPr>
+          <p:cNvPr id="18" name="曲线连接符 17"/>
+          <p:cNvCxnSpPr>
+            <a:stCxn id="6" idx="3"/>
+            <a:endCxn id="12" idx="0"/>
+          </p:cNvCxnSpPr>
+          <p:nvPr/>
+        </p:nvCxnSpPr>
+        <p:spPr>
+          <a:xfrm>
+            <a:off x="4932040" y="1700808"/>
+            <a:ext cx="2232248" cy="504056"/>
+          </a:xfrm>
+          <a:prstGeom prst="curvedConnector2">
+            <a:avLst/>
+          </a:prstGeom>
+          <a:ln>
+            <a:solidFill>
+              <a:srgbClr val="FF0000"/>
+            </a:solidFill>
+            <a:tailEnd type="arrow"/>
+          </a:ln>
+        </p:spPr>
+        <p:style>
+          <a:lnRef idx="1">
+            <a:schemeClr val="accent1"/>
+          </a:lnRef>
+          <a:fillRef idx="0">
+            <a:schemeClr val="accent1"/>
+          </a:fillRef>
+          <a:effectRef idx="0">
+            <a:schemeClr val="accent1"/>
+          </a:effectRef>
+          <a:fontRef idx="minor">
+            <a:schemeClr val="tx1"/>
+          </a:fontRef>
+        </p:style>
+      </p:cxnSp>
+      <p:cxnSp>
+        <p:nvCxnSpPr>
+          <p:cNvPr id="20" name="曲线连接符 19"/>
+          <p:cNvCxnSpPr>
+            <a:stCxn id="12" idx="1"/>
+            <a:endCxn id="10" idx="3"/>
+          </p:cNvCxnSpPr>
+          <p:nvPr/>
+        </p:nvCxnSpPr>
+        <p:spPr>
+          <a:xfrm rot="10800000" flipV="1">
+            <a:off x="4859990" y="3084961"/>
+            <a:ext cx="720122" cy="768753"/>
+          </a:xfrm>
+          <a:prstGeom prst="curvedConnector3">
+            <a:avLst/>
+          </a:prstGeom>
+          <a:ln>
+            <a:solidFill>
+              <a:srgbClr val="FF0000"/>
+            </a:solidFill>
+            <a:tailEnd type="arrow"/>
+          </a:ln>
+        </p:spPr>
+        <p:style>
+          <a:lnRef idx="1">
+            <a:schemeClr val="accent1"/>
+          </a:lnRef>
+          <a:fillRef idx="0">
+            <a:schemeClr val="accent1"/>
+          </a:fillRef>
+          <a:effectRef idx="0">
+            <a:schemeClr val="accent1"/>
+          </a:effectRef>
+          <a:fontRef idx="minor">
+            <a:schemeClr val="tx1"/>
+          </a:fontRef>
+        </p:style>
+      </p:cxnSp>
+      <p:cxnSp>
+        <p:nvCxnSpPr>
+          <p:cNvPr id="22" name="曲线连接符 21"/>
+          <p:cNvCxnSpPr>
+            <a:stCxn id="10" idx="2"/>
+            <a:endCxn id="14" idx="1"/>
+          </p:cNvCxnSpPr>
+          <p:nvPr/>
+        </p:nvCxnSpPr>
+        <p:spPr>
+          <a:xfrm rot="16200000" flipH="1">
+            <a:off x="3879867" y="3422370"/>
+            <a:ext cx="475817" cy="2908016"/>
+          </a:xfrm>
+          <a:prstGeom prst="curvedConnector2">
+            <a:avLst/>
+          </a:prstGeom>
+          <a:ln>
+            <a:solidFill>
+              <a:srgbClr val="FF0000"/>
+            </a:solidFill>
+            <a:tailEnd type="arrow"/>
+          </a:ln>
+        </p:spPr>
+        <p:style>
+          <a:lnRef idx="1">
+            <a:schemeClr val="accent1"/>
+          </a:lnRef>
+          <a:fillRef idx="0">
+            <a:schemeClr val="accent1"/>
+          </a:fillRef>
+          <a:effectRef idx="0">
+            <a:schemeClr val="accent1"/>
+          </a:effectRef>
+          <a:fontRef idx="minor">
+            <a:schemeClr val="tx1"/>
+          </a:fontRef>
+        </p:style>
+      </p:cxnSp>
+      <p:cxnSp>
+        <p:nvCxnSpPr>
+          <p:cNvPr id="24" name="曲线连接符 23"/>
+          <p:cNvCxnSpPr/>
+          <p:nvPr/>
+        </p:nvCxnSpPr>
+        <p:spPr>
+          <a:xfrm flipV="1">
+            <a:off x="3635896" y="4437112"/>
+            <a:ext cx="1935887" cy="1800200"/>
+          </a:xfrm>
+          <a:prstGeom prst="curvedConnector3">
+            <a:avLst/>
+          </a:prstGeom>
+          <a:ln>
+            <a:solidFill>
+              <a:schemeClr val="tx1"/>
+            </a:solidFill>
+            <a:tailEnd type="arrow"/>
+          </a:ln>
+        </p:spPr>
+        <p:style>
+          <a:lnRef idx="1">
+            <a:schemeClr val="accent1"/>
+          </a:lnRef>
+          <a:fillRef idx="0">
+            <a:schemeClr val="accent1"/>
+          </a:fillRef>
+          <a:effectRef idx="0">
+            <a:schemeClr val="accent1"/>
+          </a:effectRef>
+          <a:fontRef idx="minor">
+            <a:schemeClr val="tx1"/>
+          </a:fontRef>
+        </p:style>
+      </p:cxnSp>
+      <p:cxnSp>
+        <p:nvCxnSpPr>
+          <p:cNvPr id="26" name="曲线连接符 25"/>
+          <p:cNvCxnSpPr/>
+          <p:nvPr/>
+        </p:nvCxnSpPr>
+        <p:spPr>
+          <a:xfrm flipV="1">
+            <a:off x="4603839" y="5114287"/>
+            <a:ext cx="2848481" cy="1411057"/>
+          </a:xfrm>
+          <a:prstGeom prst="curvedConnector3">
+            <a:avLst/>
+          </a:prstGeom>
+          <a:ln>
+            <a:solidFill>
+              <a:schemeClr val="tx1"/>
+            </a:solidFill>
+            <a:tailEnd type="arrow"/>
+          </a:ln>
+        </p:spPr>
+        <p:style>
+          <a:lnRef idx="1">
+            <a:schemeClr val="accent1"/>
+          </a:lnRef>
+          <a:fillRef idx="0">
+            <a:schemeClr val="accent1"/>
+          </a:fillRef>
+          <a:effectRef idx="0">
+            <a:schemeClr val="accent1"/>
+          </a:effectRef>
+          <a:fontRef idx="minor">
+            <a:schemeClr val="tx1"/>
+          </a:fontRef>
+        </p:style>
+      </p:cxnSp>
+      <p:cxnSp>
+        <p:nvCxnSpPr>
+          <p:cNvPr id="31" name="曲线连接符 30"/>
+          <p:cNvCxnSpPr/>
+          <p:nvPr/>
+        </p:nvCxnSpPr>
+        <p:spPr>
+          <a:xfrm rot="10800000">
+            <a:off x="4499993" y="3356992"/>
+            <a:ext cx="2660131" cy="112346"/>
+          </a:xfrm>
+          <a:prstGeom prst="curvedConnector3">
+            <a:avLst/>
+          </a:prstGeom>
+          <a:ln>
+            <a:solidFill>
+              <a:schemeClr val="tx1"/>
+            </a:solidFill>
+            <a:tailEnd type="arrow"/>
+          </a:ln>
+        </p:spPr>
+        <p:style>
+          <a:lnRef idx="1">
+            <a:schemeClr val="accent1"/>
+          </a:lnRef>
+          <a:fillRef idx="0">
+            <a:schemeClr val="accent1"/>
+          </a:fillRef>
+          <a:effectRef idx="0">
+            <a:schemeClr val="accent1"/>
+          </a:effectRef>
+          <a:fontRef idx="minor">
+            <a:schemeClr val="tx1"/>
+          </a:fontRef>
+        </p:style>
+      </p:cxnSp>
+    </p:spTree>
+    <p:extLst>
+      <p:ext uri="{BB962C8B-B14F-4D97-AF65-F5344CB8AC3E}">
+        <p14:creationId xmlns:p14="http://schemas.microsoft.com/office/powerpoint/2010/main" val="3820958830"/>
+      </p:ext>
+    </p:extLst>
+  </p:cSld>
+  <p:clrMapOvr>
+    <a:masterClrMapping/>
+  </p:clrMapOvr>
+  <p:timing>
+    <p:tnLst>
+      <p:par>
+        <p:cTn id="1" dur="indefinite" restart="never" nodeType="tmRoot"/>
+      </p:par>
+    </p:tnLst>
+  </p:timing>
+</p:sld>
+</file>
+
+<file path=ppt/slides/slide14.xml><?xml version="1.0" encoding="utf-8"?>
+<p:sld xmlns:a="http://schemas.openxmlformats.org/drawingml/2006/main" xmlns:r="http://schemas.openxmlformats.org/officeDocument/2006/relationships" xmlns:p="http://schemas.openxmlformats.org/presentationml/2006/main">
+  <p:cSld>
+    <p:spTree>
+      <p:nvGrpSpPr>
+        <p:cNvPr id="1" name=""/>
+        <p:cNvGrpSpPr/>
+        <p:nvPr/>
+      </p:nvGrpSpPr>
+      <p:grpSpPr>
+        <a:xfrm>
+          <a:off x="0" y="0"/>
+          <a:ext cx="0" cy="0"/>
+          <a:chOff x="0" y="0"/>
+          <a:chExt cx="0" cy="0"/>
+        </a:xfrm>
+      </p:grpSpPr>
+      <p:sp>
+        <p:nvSpPr>
+          <p:cNvPr id="4" name="标题 57"/>
+          <p:cNvSpPr>
+            <a:spLocks noGrp="1"/>
+          </p:cNvSpPr>
+          <p:nvPr>
+            <p:ph type="title"/>
+          </p:nvPr>
+        </p:nvSpPr>
+        <p:spPr>
+          <a:xfrm>
+            <a:off x="457200" y="274638"/>
+            <a:ext cx="8229600" cy="634082"/>
+          </a:xfrm>
+        </p:spPr>
+        <p:txBody>
+          <a:bodyPr>
+            <a:normAutofit fontScale="90000"/>
+          </a:bodyPr>
+          <a:lstStyle/>
+          <a:p>
+            <a:r>
+              <a:rPr lang="en-CA" b="1" dirty="0">
+                <a:solidFill>
+                  <a:srgbClr val="0070C0"/>
+                </a:solidFill>
+                <a:latin typeface="Times New Roman" panose="02020603050405020304" pitchFamily="18" charset="0"/>
+                <a:cs typeface="Times New Roman" panose="02020603050405020304" pitchFamily="18" charset="0"/>
+              </a:rPr>
+              <a:t>What we learned </a:t>
+            </a:r>
+          </a:p>
+        </p:txBody>
+      </p:sp>
+      <p:cxnSp>
+        <p:nvCxnSpPr>
+          <p:cNvPr id="5" name="直接连接符 4"/>
+          <p:cNvCxnSpPr/>
+          <p:nvPr/>
+        </p:nvCxnSpPr>
+        <p:spPr>
+          <a:xfrm>
+            <a:off x="467544" y="980728"/>
+            <a:ext cx="8280920" cy="0"/>
+          </a:xfrm>
+          <a:prstGeom prst="line">
+            <a:avLst/>
+          </a:prstGeom>
+          <a:ln cmpd="sng"/>
+        </p:spPr>
+        <p:style>
+          <a:lnRef idx="1">
+            <a:schemeClr val="accent1"/>
+          </a:lnRef>
+          <a:fillRef idx="0">
+            <a:schemeClr val="accent1"/>
+          </a:fillRef>
+          <a:effectRef idx="0">
+            <a:schemeClr val="accent1"/>
+          </a:effectRef>
+          <a:fontRef idx="minor">
+            <a:schemeClr val="tx1"/>
+          </a:fontRef>
+        </p:style>
+      </p:cxnSp>
       <p:pic>
         <p:nvPicPr>
-          <p:cNvPr id="20" name="图片 19"/>
+          <p:cNvPr id="8" name="图片 7"/>
           <p:cNvPicPr>
             <a:picLocks noChangeAspect="1"/>
           </p:cNvPicPr>
           <p:nvPr/>
         </p:nvPicPr>
         <p:blipFill>
-          <a:blip r:embed="rId7">
+          <a:blip r:embed="rId2">
             <a:extLst>
               <a:ext uri="{28A0092B-C50C-407E-A947-70E740481C1C}">
                 <a14:useLocalDpi xmlns:a14="http://schemas.microsoft.com/office/drawing/2010/main" val="0"/>
@@ -3328,431 +4424,24 @@
         </p:blipFill>
         <p:spPr>
           <a:xfrm>
-            <a:off x="4140585" y="4077060"/>
-            <a:ext cx="1080000" cy="1051425"/>
+            <a:off x="467544" y="1124744"/>
+            <a:ext cx="5287113" cy="1057423"/>
           </a:xfrm>
           <a:prstGeom prst="rect">
             <a:avLst/>
           </a:prstGeom>
         </p:spPr>
       </p:pic>
-      <p:cxnSp>
-        <p:nvCxnSpPr>
-          <p:cNvPr id="23" name="直接箭头连接符 22"/>
-          <p:cNvCxnSpPr>
-            <a:stCxn id="7" idx="3"/>
-            <a:endCxn id="8" idx="1"/>
-          </p:cNvCxnSpPr>
-          <p:nvPr/>
-        </p:nvCxnSpPr>
-        <p:spPr>
-          <a:xfrm>
-            <a:off x="1431039" y="4010201"/>
-            <a:ext cx="684708" cy="0"/>
-          </a:xfrm>
-          <a:prstGeom prst="straightConnector1">
-            <a:avLst/>
-          </a:prstGeom>
-          <a:ln>
-            <a:solidFill>
-              <a:srgbClr val="0070C0"/>
-            </a:solidFill>
-            <a:tailEnd type="arrow"/>
-          </a:ln>
-        </p:spPr>
-        <p:style>
-          <a:lnRef idx="1">
-            <a:schemeClr val="accent1"/>
-          </a:lnRef>
-          <a:fillRef idx="0">
-            <a:schemeClr val="accent1"/>
-          </a:fillRef>
-          <a:effectRef idx="0">
-            <a:schemeClr val="accent1"/>
-          </a:effectRef>
-          <a:fontRef idx="minor">
-            <a:schemeClr val="tx1"/>
-          </a:fontRef>
-        </p:style>
-      </p:cxnSp>
-      <p:cxnSp>
-        <p:nvCxnSpPr>
-          <p:cNvPr id="26" name="直接箭头连接符 25"/>
-          <p:cNvCxnSpPr>
-            <a:stCxn id="8" idx="2"/>
-            <a:endCxn id="10" idx="0"/>
-          </p:cNvCxnSpPr>
-          <p:nvPr/>
-        </p:nvCxnSpPr>
-        <p:spPr>
-          <a:xfrm>
-            <a:off x="2695755" y="4590209"/>
-            <a:ext cx="0" cy="682758"/>
-          </a:xfrm>
-          <a:prstGeom prst="straightConnector1">
-            <a:avLst/>
-          </a:prstGeom>
-          <a:ln>
-            <a:solidFill>
-              <a:srgbClr val="0070C0"/>
-            </a:solidFill>
-            <a:headEnd type="arrow"/>
-            <a:tailEnd type="arrow"/>
-          </a:ln>
-        </p:spPr>
-        <p:style>
-          <a:lnRef idx="1">
-            <a:schemeClr val="accent1"/>
-          </a:lnRef>
-          <a:fillRef idx="0">
-            <a:schemeClr val="accent1"/>
-          </a:fillRef>
-          <a:effectRef idx="0">
-            <a:schemeClr val="accent1"/>
-          </a:effectRef>
-          <a:fontRef idx="minor">
-            <a:schemeClr val="tx1"/>
-          </a:fontRef>
-        </p:style>
-      </p:cxnSp>
-      <p:cxnSp>
-        <p:nvCxnSpPr>
-          <p:cNvPr id="31" name="直接箭头连接符 30"/>
-          <p:cNvCxnSpPr>
-            <a:stCxn id="8" idx="3"/>
-            <a:endCxn id="19" idx="1"/>
-          </p:cNvCxnSpPr>
-          <p:nvPr/>
-        </p:nvCxnSpPr>
-        <p:spPr>
-          <a:xfrm flipV="1">
-            <a:off x="3275763" y="3355586"/>
-            <a:ext cx="864822" cy="654615"/>
-          </a:xfrm>
-          <a:prstGeom prst="straightConnector1">
-            <a:avLst/>
-          </a:prstGeom>
-          <a:ln>
-            <a:solidFill>
-              <a:srgbClr val="FF0000"/>
-            </a:solidFill>
-            <a:tailEnd type="arrow"/>
-          </a:ln>
-        </p:spPr>
-        <p:style>
-          <a:lnRef idx="1">
-            <a:schemeClr val="accent1"/>
-          </a:lnRef>
-          <a:fillRef idx="0">
-            <a:schemeClr val="accent1"/>
-          </a:fillRef>
-          <a:effectRef idx="0">
-            <a:schemeClr val="accent1"/>
-          </a:effectRef>
-          <a:fontRef idx="minor">
-            <a:schemeClr val="tx1"/>
-          </a:fontRef>
-        </p:style>
-      </p:cxnSp>
-      <p:cxnSp>
-        <p:nvCxnSpPr>
-          <p:cNvPr id="33" name="直接箭头连接符 32"/>
-          <p:cNvCxnSpPr>
-            <a:stCxn id="8" idx="3"/>
-            <a:endCxn id="20" idx="1"/>
-          </p:cNvCxnSpPr>
-          <p:nvPr/>
-        </p:nvCxnSpPr>
-        <p:spPr>
-          <a:xfrm>
-            <a:off x="3275763" y="4010201"/>
-            <a:ext cx="864822" cy="592572"/>
-          </a:xfrm>
-          <a:prstGeom prst="straightConnector1">
-            <a:avLst/>
-          </a:prstGeom>
-          <a:ln>
-            <a:solidFill>
-              <a:srgbClr val="0070C0"/>
-            </a:solidFill>
-            <a:tailEnd type="arrow"/>
-          </a:ln>
-        </p:spPr>
-        <p:style>
-          <a:lnRef idx="1">
-            <a:schemeClr val="accent1"/>
-          </a:lnRef>
-          <a:fillRef idx="0">
-            <a:schemeClr val="accent1"/>
-          </a:fillRef>
-          <a:effectRef idx="0">
-            <a:schemeClr val="accent1"/>
-          </a:effectRef>
-          <a:fontRef idx="minor">
-            <a:schemeClr val="tx1"/>
-          </a:fontRef>
-        </p:style>
-      </p:cxnSp>
-      <p:cxnSp>
-        <p:nvCxnSpPr>
-          <p:cNvPr id="39" name="直接箭头连接符 38"/>
-          <p:cNvCxnSpPr>
-            <a:stCxn id="19" idx="3"/>
-          </p:cNvCxnSpPr>
-          <p:nvPr/>
-        </p:nvCxnSpPr>
-        <p:spPr>
-          <a:xfrm>
-            <a:off x="5220585" y="3355586"/>
-            <a:ext cx="1220712" cy="1275893"/>
-          </a:xfrm>
-          <a:prstGeom prst="straightConnector1">
-            <a:avLst/>
-          </a:prstGeom>
-          <a:ln>
-            <a:solidFill>
-              <a:srgbClr val="FF0000"/>
-            </a:solidFill>
-            <a:tailEnd type="arrow"/>
-          </a:ln>
-        </p:spPr>
-        <p:style>
-          <a:lnRef idx="1">
-            <a:schemeClr val="accent1"/>
-          </a:lnRef>
-          <a:fillRef idx="0">
-            <a:schemeClr val="accent1"/>
-          </a:fillRef>
-          <a:effectRef idx="0">
-            <a:schemeClr val="accent1"/>
-          </a:effectRef>
-          <a:fontRef idx="minor">
-            <a:schemeClr val="tx1"/>
-          </a:fontRef>
-        </p:style>
-      </p:cxnSp>
-      <p:cxnSp>
-        <p:nvCxnSpPr>
-          <p:cNvPr id="45" name="直接箭头连接符 44"/>
-          <p:cNvCxnSpPr>
-            <a:stCxn id="20" idx="3"/>
-          </p:cNvCxnSpPr>
-          <p:nvPr/>
-        </p:nvCxnSpPr>
-        <p:spPr>
-          <a:xfrm>
-            <a:off x="5220585" y="4602773"/>
-            <a:ext cx="1220712" cy="28706"/>
-          </a:xfrm>
-          <a:prstGeom prst="straightConnector1">
-            <a:avLst/>
-          </a:prstGeom>
-          <a:ln>
-            <a:tailEnd type="arrow"/>
-          </a:ln>
-        </p:spPr>
-        <p:style>
-          <a:lnRef idx="1">
-            <a:schemeClr val="accent1"/>
-          </a:lnRef>
-          <a:fillRef idx="0">
-            <a:schemeClr val="accent1"/>
-          </a:fillRef>
-          <a:effectRef idx="0">
-            <a:schemeClr val="accent1"/>
-          </a:effectRef>
-          <a:fontRef idx="minor">
-            <a:schemeClr val="tx1"/>
-          </a:fontRef>
-        </p:style>
-      </p:cxnSp>
-      <p:cxnSp>
-        <p:nvCxnSpPr>
-          <p:cNvPr id="56" name="肘形连接符 55"/>
-          <p:cNvCxnSpPr>
-            <a:stCxn id="21" idx="0"/>
-            <a:endCxn id="8" idx="0"/>
-          </p:cNvCxnSpPr>
-          <p:nvPr/>
-        </p:nvCxnSpPr>
-        <p:spPr>
-          <a:xfrm rot="16200000" flipH="1" flipV="1">
-            <a:off x="4191344" y="637268"/>
-            <a:ext cx="1297336" cy="4288513"/>
-          </a:xfrm>
-          <a:prstGeom prst="bentConnector3">
-            <a:avLst>
-              <a:gd name="adj1" fmla="val -40505"/>
-            </a:avLst>
-          </a:prstGeom>
-          <a:ln>
-            <a:solidFill>
-              <a:srgbClr val="0070C0"/>
-            </a:solidFill>
-            <a:tailEnd type="arrow"/>
-          </a:ln>
-        </p:spPr>
-        <p:style>
-          <a:lnRef idx="1">
-            <a:schemeClr val="accent1"/>
-          </a:lnRef>
-          <a:fillRef idx="0">
-            <a:schemeClr val="accent1"/>
-          </a:fillRef>
-          <a:effectRef idx="0">
-            <a:schemeClr val="accent1"/>
-          </a:effectRef>
-          <a:fontRef idx="minor">
-            <a:schemeClr val="tx1"/>
-          </a:fontRef>
-        </p:style>
-      </p:cxnSp>
-      <p:sp>
-        <p:nvSpPr>
-          <p:cNvPr id="57" name="矩形 56"/>
-          <p:cNvSpPr/>
-          <p:nvPr/>
-        </p:nvSpPr>
-        <p:spPr>
-          <a:xfrm>
-            <a:off x="3776641" y="1200614"/>
-            <a:ext cx="974947" cy="400110"/>
-          </a:xfrm>
-          <a:prstGeom prst="rect">
-            <a:avLst/>
-          </a:prstGeom>
-          <a:noFill/>
-        </p:spPr>
-        <p:txBody>
-          <a:bodyPr wrap="none" lIns="91440" tIns="45720" rIns="91440" bIns="45720">
-            <a:spAutoFit/>
-          </a:bodyPr>
-          <a:lstStyle/>
-          <a:p>
-            <a:pPr algn="ctr"/>
-            <a:r>
-              <a:rPr lang="en-CA" altLang="zh-CN" sz="2000" b="1" cap="none" spc="0" dirty="0" smtClean="0">
-                <a:ln w="17780" cmpd="sng">
-                  <a:solidFill>
-                    <a:schemeClr val="accent1"/>
-                  </a:solidFill>
-                  <a:prstDash val="solid"/>
-                  <a:miter lim="800000"/>
-                </a:ln>
-                <a:solidFill>
-                  <a:srgbClr val="0070C0"/>
-                </a:solidFill>
-                <a:effectLst>
-                  <a:outerShdw blurRad="50800" algn="tl" rotWithShape="0">
-                    <a:srgbClr val="000000"/>
-                  </a:outerShdw>
-                </a:effectLst>
-              </a:rPr>
-              <a:t>Log out</a:t>
-            </a:r>
-            <a:endParaRPr lang="zh-CN" altLang="en-US" sz="2000" b="1" cap="none" spc="0" dirty="0">
-              <a:ln w="17780" cmpd="sng">
-                <a:solidFill>
-                  <a:schemeClr val="accent1"/>
-                </a:solidFill>
-                <a:prstDash val="solid"/>
-                <a:miter lim="800000"/>
-              </a:ln>
-              <a:solidFill>
-                <a:srgbClr val="0070C0"/>
-              </a:solidFill>
-              <a:effectLst>
-                <a:outerShdw blurRad="50800" algn="tl" rotWithShape="0">
-                  <a:srgbClr val="000000"/>
-                </a:outerShdw>
-              </a:effectLst>
-            </a:endParaRPr>
-          </a:p>
-        </p:txBody>
-      </p:sp>
-      <p:sp>
-        <p:nvSpPr>
-          <p:cNvPr id="58" name="标题 57"/>
-          <p:cNvSpPr>
-            <a:spLocks noGrp="1"/>
-          </p:cNvSpPr>
-          <p:nvPr>
-            <p:ph type="title"/>
-          </p:nvPr>
-        </p:nvSpPr>
-        <p:spPr>
-          <a:xfrm>
-            <a:off x="457200" y="274638"/>
-            <a:ext cx="8229600" cy="634082"/>
-          </a:xfrm>
-        </p:spPr>
-        <p:txBody>
-          <a:bodyPr>
-            <a:normAutofit fontScale="90000"/>
-          </a:bodyPr>
-          <a:lstStyle/>
-          <a:p>
-            <a:r>
-              <a:rPr lang="en-CA" b="1" dirty="0" smtClean="0">
-                <a:solidFill>
-                  <a:srgbClr val="0070C0"/>
-                </a:solidFill>
-                <a:latin typeface="Times New Roman" panose="02020603050405020304" pitchFamily="18" charset="0"/>
-                <a:cs typeface="Times New Roman" panose="02020603050405020304" pitchFamily="18" charset="0"/>
-              </a:rPr>
-              <a:t>Solution Overview  </a:t>
-            </a:r>
-            <a:endParaRPr lang="en-CA" b="1" dirty="0">
-              <a:solidFill>
-                <a:srgbClr val="0070C0"/>
-              </a:solidFill>
-              <a:latin typeface="Times New Roman" panose="02020603050405020304" pitchFamily="18" charset="0"/>
-              <a:cs typeface="Times New Roman" panose="02020603050405020304" pitchFamily="18" charset="0"/>
-            </a:endParaRPr>
-          </a:p>
-        </p:txBody>
-      </p:sp>
-      <p:cxnSp>
-        <p:nvCxnSpPr>
-          <p:cNvPr id="60" name="直接连接符 59"/>
-          <p:cNvCxnSpPr/>
-          <p:nvPr/>
-        </p:nvCxnSpPr>
-        <p:spPr>
-          <a:xfrm>
-            <a:off x="467544" y="980728"/>
-            <a:ext cx="8280920" cy="0"/>
-          </a:xfrm>
-          <a:prstGeom prst="line">
-            <a:avLst/>
-          </a:prstGeom>
-          <a:ln cmpd="sng"/>
-        </p:spPr>
-        <p:style>
-          <a:lnRef idx="1">
-            <a:schemeClr val="accent1"/>
-          </a:lnRef>
-          <a:fillRef idx="0">
-            <a:schemeClr val="accent1"/>
-          </a:fillRef>
-          <a:effectRef idx="0">
-            <a:schemeClr val="accent1"/>
-          </a:effectRef>
-          <a:fontRef idx="minor">
-            <a:schemeClr val="tx1"/>
-          </a:fontRef>
-        </p:style>
-      </p:cxnSp>
       <p:pic>
         <p:nvPicPr>
-          <p:cNvPr id="3" name="图片 2"/>
+          <p:cNvPr id="10" name="图片 9"/>
           <p:cNvPicPr>
             <a:picLocks noChangeAspect="1"/>
           </p:cNvPicPr>
           <p:nvPr/>
         </p:nvPicPr>
         <p:blipFill>
-          <a:blip r:embed="rId8">
+          <a:blip r:embed="rId3">
             <a:extLst>
               <a:ext uri="{28A0092B-C50C-407E-A947-70E740481C1C}">
                 <a14:useLocalDpi xmlns:a14="http://schemas.microsoft.com/office/drawing/2010/main" val="0"/>
@@ -3765,8 +4454,68 @@
         </p:blipFill>
         <p:spPr>
           <a:xfrm>
-            <a:off x="6441297" y="2827393"/>
-            <a:ext cx="1076475" cy="1047896"/>
+            <a:off x="467544" y="3429000"/>
+            <a:ext cx="5410956" cy="1362265"/>
+          </a:xfrm>
+          <a:prstGeom prst="rect">
+            <a:avLst/>
+          </a:prstGeom>
+        </p:spPr>
+      </p:pic>
+      <p:pic>
+        <p:nvPicPr>
+          <p:cNvPr id="12" name="图片 11"/>
+          <p:cNvPicPr>
+            <a:picLocks noChangeAspect="1"/>
+          </p:cNvPicPr>
+          <p:nvPr/>
+        </p:nvPicPr>
+        <p:blipFill>
+          <a:blip r:embed="rId4">
+            <a:extLst>
+              <a:ext uri="{28A0092B-C50C-407E-A947-70E740481C1C}">
+                <a14:useLocalDpi xmlns:a14="http://schemas.microsoft.com/office/drawing/2010/main" val="0"/>
+              </a:ext>
+            </a:extLst>
+          </a:blip>
+          <a:stretch>
+            <a:fillRect/>
+          </a:stretch>
+        </p:blipFill>
+        <p:spPr>
+          <a:xfrm>
+            <a:off x="5074435" y="2264814"/>
+            <a:ext cx="3602021" cy="1092178"/>
+          </a:xfrm>
+          <a:prstGeom prst="rect">
+            <a:avLst/>
+          </a:prstGeom>
+        </p:spPr>
+      </p:pic>
+      <p:pic>
+        <p:nvPicPr>
+          <p:cNvPr id="14" name="图片 13"/>
+          <p:cNvPicPr>
+            <a:picLocks noChangeAspect="1"/>
+          </p:cNvPicPr>
+          <p:nvPr/>
+        </p:nvPicPr>
+        <p:blipFill>
+          <a:blip r:embed="rId5">
+            <a:extLst>
+              <a:ext uri="{28A0092B-C50C-407E-A947-70E740481C1C}">
+                <a14:useLocalDpi xmlns:a14="http://schemas.microsoft.com/office/drawing/2010/main" val="0"/>
+              </a:ext>
+            </a:extLst>
+          </a:blip>
+          <a:stretch>
+            <a:fillRect/>
+          </a:stretch>
+        </p:blipFill>
+        <p:spPr>
+          <a:xfrm>
+            <a:off x="6519021" y="4312816"/>
+            <a:ext cx="1581371" cy="1752845"/>
           </a:xfrm>
           <a:prstGeom prst="rect">
             <a:avLst/>
@@ -3775,18 +4524,19 @@
       </p:pic>
       <p:cxnSp>
         <p:nvCxnSpPr>
-          <p:cNvPr id="5" name="直接箭头连接符 4"/>
+          <p:cNvPr id="18" name="曲线连接符 17"/>
           <p:cNvCxnSpPr>
-            <a:stCxn id="19" idx="3"/>
+            <a:stCxn id="8" idx="3"/>
+            <a:endCxn id="12" idx="0"/>
           </p:cNvCxnSpPr>
           <p:nvPr/>
         </p:nvCxnSpPr>
         <p:spPr>
-          <a:xfrm flipV="1">
-            <a:off x="5220585" y="3351341"/>
-            <a:ext cx="1220712" cy="4245"/>
-          </a:xfrm>
-          <a:prstGeom prst="straightConnector1">
+          <a:xfrm>
+            <a:off x="5754657" y="1653456"/>
+            <a:ext cx="1120789" cy="611358"/>
+          </a:xfrm>
+          <a:prstGeom prst="curvedConnector2">
             <a:avLst/>
           </a:prstGeom>
           <a:ln>
@@ -3795,6 +4545,517 @@
             </a:solidFill>
             <a:tailEnd type="arrow"/>
           </a:ln>
+        </p:spPr>
+        <p:style>
+          <a:lnRef idx="1">
+            <a:schemeClr val="accent1"/>
+          </a:lnRef>
+          <a:fillRef idx="0">
+            <a:schemeClr val="accent1"/>
+          </a:fillRef>
+          <a:effectRef idx="0">
+            <a:schemeClr val="accent1"/>
+          </a:effectRef>
+          <a:fontRef idx="minor">
+            <a:schemeClr val="tx1"/>
+          </a:fontRef>
+        </p:style>
+      </p:cxnSp>
+      <p:cxnSp>
+        <p:nvCxnSpPr>
+          <p:cNvPr id="23" name="曲线连接符 22"/>
+          <p:cNvCxnSpPr>
+            <a:stCxn id="12" idx="1"/>
+            <a:endCxn id="10" idx="0"/>
+          </p:cNvCxnSpPr>
+          <p:nvPr/>
+        </p:nvCxnSpPr>
+        <p:spPr>
+          <a:xfrm rot="10800000" flipV="1">
+            <a:off x="3173023" y="2810902"/>
+            <a:ext cx="1901413" cy="618097"/>
+          </a:xfrm>
+          <a:prstGeom prst="curvedConnector2">
+            <a:avLst/>
+          </a:prstGeom>
+          <a:ln>
+            <a:solidFill>
+              <a:srgbClr val="FF0000"/>
+            </a:solidFill>
+            <a:tailEnd type="arrow"/>
+          </a:ln>
+        </p:spPr>
+        <p:style>
+          <a:lnRef idx="1">
+            <a:schemeClr val="accent1"/>
+          </a:lnRef>
+          <a:fillRef idx="0">
+            <a:schemeClr val="accent1"/>
+          </a:fillRef>
+          <a:effectRef idx="0">
+            <a:schemeClr val="accent1"/>
+          </a:effectRef>
+          <a:fontRef idx="minor">
+            <a:schemeClr val="tx1"/>
+          </a:fontRef>
+        </p:style>
+      </p:cxnSp>
+      <p:cxnSp>
+        <p:nvCxnSpPr>
+          <p:cNvPr id="25" name="曲线连接符 24"/>
+          <p:cNvCxnSpPr/>
+          <p:nvPr/>
+        </p:nvCxnSpPr>
+        <p:spPr>
+          <a:xfrm>
+            <a:off x="3563888" y="4110132"/>
+            <a:ext cx="3311558" cy="1695132"/>
+          </a:xfrm>
+          <a:prstGeom prst="curvedConnector3">
+            <a:avLst/>
+          </a:prstGeom>
+          <a:ln>
+            <a:solidFill>
+              <a:schemeClr val="tx1"/>
+            </a:solidFill>
+            <a:tailEnd type="arrow"/>
+          </a:ln>
+        </p:spPr>
+        <p:style>
+          <a:lnRef idx="1">
+            <a:schemeClr val="accent1"/>
+          </a:lnRef>
+          <a:fillRef idx="0">
+            <a:schemeClr val="accent1"/>
+          </a:fillRef>
+          <a:effectRef idx="0">
+            <a:schemeClr val="accent1"/>
+          </a:effectRef>
+          <a:fontRef idx="minor">
+            <a:schemeClr val="tx1"/>
+          </a:fontRef>
+        </p:style>
+      </p:cxnSp>
+      <p:cxnSp>
+        <p:nvCxnSpPr>
+          <p:cNvPr id="27" name="曲线连接符 26"/>
+          <p:cNvCxnSpPr/>
+          <p:nvPr/>
+        </p:nvCxnSpPr>
+        <p:spPr>
+          <a:xfrm rot="16200000" flipH="1">
+            <a:off x="5703390" y="4560390"/>
+            <a:ext cx="1440159" cy="1337620"/>
+          </a:xfrm>
+          <a:prstGeom prst="curvedConnector3">
+            <a:avLst/>
+          </a:prstGeom>
+          <a:ln>
+            <a:solidFill>
+              <a:schemeClr val="tx1"/>
+            </a:solidFill>
+            <a:tailEnd type="arrow"/>
+          </a:ln>
+        </p:spPr>
+        <p:style>
+          <a:lnRef idx="1">
+            <a:schemeClr val="accent1"/>
+          </a:lnRef>
+          <a:fillRef idx="0">
+            <a:schemeClr val="accent1"/>
+          </a:fillRef>
+          <a:effectRef idx="0">
+            <a:schemeClr val="accent1"/>
+          </a:effectRef>
+          <a:fontRef idx="minor">
+            <a:schemeClr val="tx1"/>
+          </a:fontRef>
+        </p:style>
+      </p:cxnSp>
+    </p:spTree>
+    <p:extLst>
+      <p:ext uri="{BB962C8B-B14F-4D97-AF65-F5344CB8AC3E}">
+        <p14:creationId xmlns:p14="http://schemas.microsoft.com/office/powerpoint/2010/main" val="4212714149"/>
+      </p:ext>
+    </p:extLst>
+  </p:cSld>
+  <p:clrMapOvr>
+    <a:masterClrMapping/>
+  </p:clrMapOvr>
+  <p:timing>
+    <p:tnLst>
+      <p:par>
+        <p:cTn id="1" dur="indefinite" restart="never" nodeType="tmRoot"/>
+      </p:par>
+    </p:tnLst>
+  </p:timing>
+</p:sld>
+</file>
+
+<file path=ppt/slides/slide15.xml><?xml version="1.0" encoding="utf-8"?>
+<p:sld xmlns:a="http://schemas.openxmlformats.org/drawingml/2006/main" xmlns:r="http://schemas.openxmlformats.org/officeDocument/2006/relationships" xmlns:p="http://schemas.openxmlformats.org/presentationml/2006/main">
+  <p:cSld>
+    <p:spTree>
+      <p:nvGrpSpPr>
+        <p:cNvPr id="1" name=""/>
+        <p:cNvGrpSpPr/>
+        <p:nvPr/>
+      </p:nvGrpSpPr>
+      <p:grpSpPr>
+        <a:xfrm>
+          <a:off x="0" y="0"/>
+          <a:ext cx="0" cy="0"/>
+          <a:chOff x="0" y="0"/>
+          <a:chExt cx="0" cy="0"/>
+        </a:xfrm>
+      </p:grpSpPr>
+      <p:sp>
+        <p:nvSpPr>
+          <p:cNvPr id="27" name="标题 57"/>
+          <p:cNvSpPr>
+            <a:spLocks noGrp="1"/>
+          </p:cNvSpPr>
+          <p:nvPr>
+            <p:ph type="title"/>
+          </p:nvPr>
+        </p:nvSpPr>
+        <p:spPr>
+          <a:xfrm>
+            <a:off x="457200" y="274638"/>
+            <a:ext cx="8229600" cy="634082"/>
+          </a:xfrm>
+        </p:spPr>
+        <p:txBody>
+          <a:bodyPr>
+            <a:normAutofit fontScale="90000"/>
+          </a:bodyPr>
+          <a:lstStyle/>
+          <a:p>
+            <a:r>
+              <a:rPr lang="en-CA" b="1" dirty="0" smtClean="0">
+                <a:solidFill>
+                  <a:srgbClr val="0070C0"/>
+                </a:solidFill>
+                <a:latin typeface="Times New Roman" panose="02020603050405020304" pitchFamily="18" charset="0"/>
+                <a:cs typeface="Times New Roman" panose="02020603050405020304" pitchFamily="18" charset="0"/>
+              </a:rPr>
+              <a:t>Future Work  </a:t>
+            </a:r>
+            <a:endParaRPr lang="en-CA" b="1" dirty="0">
+              <a:solidFill>
+                <a:srgbClr val="0070C0"/>
+              </a:solidFill>
+              <a:latin typeface="Times New Roman" panose="02020603050405020304" pitchFamily="18" charset="0"/>
+              <a:cs typeface="Times New Roman" panose="02020603050405020304" pitchFamily="18" charset="0"/>
+            </a:endParaRPr>
+          </a:p>
+        </p:txBody>
+      </p:sp>
+      <p:cxnSp>
+        <p:nvCxnSpPr>
+          <p:cNvPr id="28" name="直接连接符 27"/>
+          <p:cNvCxnSpPr/>
+          <p:nvPr/>
+        </p:nvCxnSpPr>
+        <p:spPr>
+          <a:xfrm>
+            <a:off x="467544" y="980728"/>
+            <a:ext cx="8280920" cy="0"/>
+          </a:xfrm>
+          <a:prstGeom prst="line">
+            <a:avLst/>
+          </a:prstGeom>
+          <a:ln cmpd="sng"/>
+        </p:spPr>
+        <p:style>
+          <a:lnRef idx="1">
+            <a:schemeClr val="accent1"/>
+          </a:lnRef>
+          <a:fillRef idx="0">
+            <a:schemeClr val="accent1"/>
+          </a:fillRef>
+          <a:effectRef idx="0">
+            <a:schemeClr val="accent1"/>
+          </a:effectRef>
+          <a:fontRef idx="minor">
+            <a:schemeClr val="tx1"/>
+          </a:fontRef>
+        </p:style>
+      </p:cxnSp>
+      <p:pic>
+        <p:nvPicPr>
+          <p:cNvPr id="2" name="图片 1"/>
+          <p:cNvPicPr>
+            <a:picLocks noChangeAspect="1"/>
+          </p:cNvPicPr>
+          <p:nvPr/>
+        </p:nvPicPr>
+        <p:blipFill>
+          <a:blip r:embed="rId2">
+            <a:extLst>
+              <a:ext uri="{28A0092B-C50C-407E-A947-70E740481C1C}">
+                <a14:useLocalDpi xmlns:a14="http://schemas.microsoft.com/office/drawing/2010/main" val="0"/>
+              </a:ext>
+            </a:extLst>
+          </a:blip>
+          <a:stretch>
+            <a:fillRect/>
+          </a:stretch>
+        </p:blipFill>
+        <p:spPr>
+          <a:xfrm>
+            <a:off x="5180977" y="2132856"/>
+            <a:ext cx="3590925" cy="2905125"/>
+          </a:xfrm>
+          <a:prstGeom prst="rect">
+            <a:avLst/>
+          </a:prstGeom>
+        </p:spPr>
+      </p:pic>
+      <p:pic>
+        <p:nvPicPr>
+          <p:cNvPr id="3" name="图片 2"/>
+          <p:cNvPicPr>
+            <a:picLocks noChangeAspect="1"/>
+          </p:cNvPicPr>
+          <p:nvPr/>
+        </p:nvPicPr>
+        <p:blipFill>
+          <a:blip r:embed="rId3">
+            <a:extLst>
+              <a:ext uri="{28A0092B-C50C-407E-A947-70E740481C1C}">
+                <a14:useLocalDpi xmlns:a14="http://schemas.microsoft.com/office/drawing/2010/main" val="0"/>
+              </a:ext>
+            </a:extLst>
+          </a:blip>
+          <a:stretch>
+            <a:fillRect/>
+          </a:stretch>
+        </p:blipFill>
+        <p:spPr>
+          <a:xfrm>
+            <a:off x="467544" y="1408882"/>
+            <a:ext cx="4345156" cy="4040233"/>
+          </a:xfrm>
+          <a:prstGeom prst="rect">
+            <a:avLst/>
+          </a:prstGeom>
+        </p:spPr>
+      </p:pic>
+    </p:spTree>
+    <p:extLst>
+      <p:ext uri="{BB962C8B-B14F-4D97-AF65-F5344CB8AC3E}">
+        <p14:creationId xmlns:p14="http://schemas.microsoft.com/office/powerpoint/2010/main" val="3571590492"/>
+      </p:ext>
+    </p:extLst>
+  </p:cSld>
+  <p:clrMapOvr>
+    <a:masterClrMapping/>
+  </p:clrMapOvr>
+  <p:timing>
+    <p:tnLst>
+      <p:par>
+        <p:cTn id="1" dur="indefinite" restart="never" nodeType="tmRoot"/>
+      </p:par>
+    </p:tnLst>
+  </p:timing>
+</p:sld>
+</file>
+
+<file path=ppt/slides/slide16.xml><?xml version="1.0" encoding="utf-8"?>
+<p:sld xmlns:a="http://schemas.openxmlformats.org/drawingml/2006/main" xmlns:r="http://schemas.openxmlformats.org/officeDocument/2006/relationships" xmlns:p="http://schemas.openxmlformats.org/presentationml/2006/main">
+  <p:cSld>
+    <p:spTree>
+      <p:nvGrpSpPr>
+        <p:cNvPr id="1" name=""/>
+        <p:cNvGrpSpPr/>
+        <p:nvPr/>
+      </p:nvGrpSpPr>
+      <p:grpSpPr>
+        <a:xfrm>
+          <a:off x="0" y="0"/>
+          <a:ext cx="0" cy="0"/>
+          <a:chOff x="0" y="0"/>
+          <a:chExt cx="0" cy="0"/>
+        </a:xfrm>
+      </p:grpSpPr>
+      <p:sp>
+        <p:nvSpPr>
+          <p:cNvPr id="27" name="标题 57"/>
+          <p:cNvSpPr>
+            <a:spLocks noGrp="1"/>
+          </p:cNvSpPr>
+          <p:nvPr>
+            <p:ph type="title"/>
+          </p:nvPr>
+        </p:nvSpPr>
+        <p:spPr>
+          <a:xfrm>
+            <a:off x="457200" y="274638"/>
+            <a:ext cx="8229600" cy="634082"/>
+          </a:xfrm>
+        </p:spPr>
+        <p:txBody>
+          <a:bodyPr>
+            <a:normAutofit fontScale="90000"/>
+          </a:bodyPr>
+          <a:lstStyle/>
+          <a:p>
+            <a:r>
+              <a:rPr lang="en-CA" b="1" dirty="0" smtClean="0">
+                <a:solidFill>
+                  <a:srgbClr val="0070C0"/>
+                </a:solidFill>
+                <a:latin typeface="Times New Roman" panose="02020603050405020304" pitchFamily="18" charset="0"/>
+                <a:cs typeface="Times New Roman" panose="02020603050405020304" pitchFamily="18" charset="0"/>
+              </a:rPr>
+              <a:t>Summary</a:t>
+            </a:r>
+            <a:endParaRPr lang="en-CA" b="1" dirty="0">
+              <a:solidFill>
+                <a:srgbClr val="0070C0"/>
+              </a:solidFill>
+              <a:latin typeface="Times New Roman" panose="02020603050405020304" pitchFamily="18" charset="0"/>
+              <a:cs typeface="Times New Roman" panose="02020603050405020304" pitchFamily="18" charset="0"/>
+            </a:endParaRPr>
+          </a:p>
+        </p:txBody>
+      </p:sp>
+      <p:cxnSp>
+        <p:nvCxnSpPr>
+          <p:cNvPr id="28" name="直接连接符 27"/>
+          <p:cNvCxnSpPr/>
+          <p:nvPr/>
+        </p:nvCxnSpPr>
+        <p:spPr>
+          <a:xfrm>
+            <a:off x="467544" y="980728"/>
+            <a:ext cx="8280920" cy="0"/>
+          </a:xfrm>
+          <a:prstGeom prst="line">
+            <a:avLst/>
+          </a:prstGeom>
+          <a:ln cmpd="sng"/>
+        </p:spPr>
+        <p:style>
+          <a:lnRef idx="1">
+            <a:schemeClr val="accent1"/>
+          </a:lnRef>
+          <a:fillRef idx="0">
+            <a:schemeClr val="accent1"/>
+          </a:fillRef>
+          <a:effectRef idx="0">
+            <a:schemeClr val="accent1"/>
+          </a:effectRef>
+          <a:fontRef idx="minor">
+            <a:schemeClr val="tx1"/>
+          </a:fontRef>
+        </p:style>
+      </p:cxnSp>
+    </p:spTree>
+    <p:extLst>
+      <p:ext uri="{BB962C8B-B14F-4D97-AF65-F5344CB8AC3E}">
+        <p14:creationId xmlns:p14="http://schemas.microsoft.com/office/powerpoint/2010/main" val="2104121394"/>
+      </p:ext>
+    </p:extLst>
+  </p:cSld>
+  <p:clrMapOvr>
+    <a:masterClrMapping/>
+  </p:clrMapOvr>
+  <p:timing>
+    <p:tnLst>
+      <p:par>
+        <p:cTn id="1" dur="indefinite" restart="never" nodeType="tmRoot"/>
+      </p:par>
+    </p:tnLst>
+  </p:timing>
+</p:sld>
+</file>
+
+<file path=ppt/slides/slide2.xml><?xml version="1.0" encoding="utf-8"?>
+<p:sld xmlns:a="http://schemas.openxmlformats.org/drawingml/2006/main" xmlns:r="http://schemas.openxmlformats.org/officeDocument/2006/relationships" xmlns:p="http://schemas.openxmlformats.org/presentationml/2006/main">
+  <p:cSld>
+    <p:spTree>
+      <p:nvGrpSpPr>
+        <p:cNvPr id="1" name=""/>
+        <p:cNvGrpSpPr/>
+        <p:nvPr/>
+      </p:nvGrpSpPr>
+      <p:grpSpPr>
+        <a:xfrm>
+          <a:off x="0" y="0"/>
+          <a:ext cx="0" cy="0"/>
+          <a:chOff x="0" y="0"/>
+          <a:chExt cx="0" cy="0"/>
+        </a:xfrm>
+      </p:grpSpPr>
+      <p:sp>
+        <p:nvSpPr>
+          <p:cNvPr id="58" name="标题 57"/>
+          <p:cNvSpPr>
+            <a:spLocks noGrp="1"/>
+          </p:cNvSpPr>
+          <p:nvPr>
+            <p:ph type="title"/>
+          </p:nvPr>
+        </p:nvSpPr>
+        <p:spPr>
+          <a:xfrm>
+            <a:off x="493204" y="188640"/>
+            <a:ext cx="8229600" cy="634082"/>
+          </a:xfrm>
+        </p:spPr>
+        <p:txBody>
+          <a:bodyPr>
+            <a:normAutofit fontScale="90000"/>
+          </a:bodyPr>
+          <a:lstStyle/>
+          <a:p>
+            <a:r>
+              <a:rPr lang="en-US" altLang="en-US" b="1" dirty="0">
+                <a:solidFill>
+                  <a:srgbClr val="0070C0"/>
+                </a:solidFill>
+                <a:latin typeface="Times New Roman" panose="02020603050405020304" pitchFamily="18" charset="0"/>
+                <a:cs typeface="Times New Roman" panose="02020603050405020304" pitchFamily="18" charset="0"/>
+              </a:rPr>
+              <a:t>Purpose </a:t>
+            </a:r>
+            <a:r>
+              <a:rPr lang="en-US" altLang="en-US" b="1" dirty="0" smtClean="0">
+                <a:solidFill>
+                  <a:srgbClr val="0070C0"/>
+                </a:solidFill>
+                <a:latin typeface="Times New Roman" panose="02020603050405020304" pitchFamily="18" charset="0"/>
+                <a:cs typeface="Times New Roman" panose="02020603050405020304" pitchFamily="18" charset="0"/>
+              </a:rPr>
+              <a:t>Of The System</a:t>
+            </a:r>
+            <a:endParaRPr lang="en-CA" b="1" dirty="0">
+              <a:solidFill>
+                <a:srgbClr val="0070C0"/>
+              </a:solidFill>
+              <a:latin typeface="Times New Roman" panose="02020603050405020304" pitchFamily="18" charset="0"/>
+              <a:cs typeface="Times New Roman" panose="02020603050405020304" pitchFamily="18" charset="0"/>
+            </a:endParaRPr>
+          </a:p>
+        </p:txBody>
+      </p:sp>
+      <p:cxnSp>
+        <p:nvCxnSpPr>
+          <p:cNvPr id="60" name="直接连接符 59"/>
+          <p:cNvCxnSpPr/>
+          <p:nvPr/>
+        </p:nvCxnSpPr>
+        <p:spPr>
+          <a:xfrm>
+            <a:off x="467544" y="980728"/>
+            <a:ext cx="8280920" cy="0"/>
+          </a:xfrm>
+          <a:prstGeom prst="line">
+            <a:avLst/>
+          </a:prstGeom>
+          <a:ln cmpd="sng"/>
         </p:spPr>
         <p:style>
           <a:lnRef idx="1">
@@ -3831,7 +5092,753 @@
 </p:sld>
 </file>
 
-<file path=ppt/slides/slide2.xml><?xml version="1.0" encoding="utf-8"?>
+<file path=ppt/slides/slide3.xml><?xml version="1.0" encoding="utf-8"?>
+<p:sld xmlns:a="http://schemas.openxmlformats.org/drawingml/2006/main" xmlns:r="http://schemas.openxmlformats.org/officeDocument/2006/relationships" xmlns:p="http://schemas.openxmlformats.org/presentationml/2006/main">
+  <p:cSld>
+    <p:spTree>
+      <p:nvGrpSpPr>
+        <p:cNvPr id="1" name=""/>
+        <p:cNvGrpSpPr/>
+        <p:nvPr/>
+      </p:nvGrpSpPr>
+      <p:grpSpPr>
+        <a:xfrm>
+          <a:off x="0" y="0"/>
+          <a:ext cx="0" cy="0"/>
+          <a:chOff x="0" y="0"/>
+          <a:chExt cx="0" cy="0"/>
+        </a:xfrm>
+      </p:grpSpPr>
+      <p:sp>
+        <p:nvSpPr>
+          <p:cNvPr id="21" name="矩形 20"/>
+          <p:cNvSpPr/>
+          <p:nvPr/>
+        </p:nvSpPr>
+        <p:spPr>
+          <a:xfrm>
+            <a:off x="5724128" y="2132857"/>
+            <a:ext cx="2520280" cy="3644166"/>
+          </a:xfrm>
+          <a:prstGeom prst="rect">
+            <a:avLst/>
+          </a:prstGeom>
+          <a:solidFill>
+            <a:schemeClr val="accent3">
+              <a:lumMod val="60000"/>
+              <a:lumOff val="40000"/>
+            </a:schemeClr>
+          </a:solidFill>
+          <a:ln>
+            <a:solidFill>
+              <a:schemeClr val="accent3">
+                <a:lumMod val="60000"/>
+                <a:lumOff val="40000"/>
+              </a:schemeClr>
+            </a:solidFill>
+          </a:ln>
+        </p:spPr>
+        <p:style>
+          <a:lnRef idx="2">
+            <a:schemeClr val="accent1">
+              <a:shade val="50000"/>
+            </a:schemeClr>
+          </a:lnRef>
+          <a:fillRef idx="1">
+            <a:schemeClr val="accent1"/>
+          </a:fillRef>
+          <a:effectRef idx="0">
+            <a:schemeClr val="accent1"/>
+          </a:effectRef>
+          <a:fontRef idx="minor">
+            <a:schemeClr val="lt1"/>
+          </a:fontRef>
+        </p:style>
+        <p:txBody>
+          <a:bodyPr rtlCol="0" anchor="ctr"/>
+          <a:lstStyle/>
+          <a:p>
+            <a:pPr algn="ctr"/>
+            <a:endParaRPr lang="en-CA"/>
+          </a:p>
+        </p:txBody>
+      </p:sp>
+      <p:pic>
+        <p:nvPicPr>
+          <p:cNvPr id="7" name="图片 6"/>
+          <p:cNvPicPr>
+            <a:picLocks noChangeAspect="1"/>
+          </p:cNvPicPr>
+          <p:nvPr/>
+        </p:nvPicPr>
+        <p:blipFill>
+          <a:blip r:embed="rId2" cstate="print">
+            <a:extLst>
+              <a:ext uri="{28A0092B-C50C-407E-A947-70E740481C1C}">
+                <a14:useLocalDpi xmlns:a14="http://schemas.microsoft.com/office/drawing/2010/main" val="0"/>
+              </a:ext>
+            </a:extLst>
+          </a:blip>
+          <a:stretch>
+            <a:fillRect/>
+          </a:stretch>
+        </p:blipFill>
+        <p:spPr>
+          <a:xfrm>
+            <a:off x="565084" y="3577223"/>
+            <a:ext cx="865955" cy="865955"/>
+          </a:xfrm>
+          <a:prstGeom prst="rect">
+            <a:avLst/>
+          </a:prstGeom>
+        </p:spPr>
+      </p:pic>
+      <p:pic>
+        <p:nvPicPr>
+          <p:cNvPr id="8" name="图片 7"/>
+          <p:cNvPicPr>
+            <a:picLocks noChangeAspect="1"/>
+          </p:cNvPicPr>
+          <p:nvPr/>
+        </p:nvPicPr>
+        <p:blipFill>
+          <a:blip r:embed="rId3">
+            <a:extLst>
+              <a:ext uri="{28A0092B-C50C-407E-A947-70E740481C1C}">
+                <a14:useLocalDpi xmlns:a14="http://schemas.microsoft.com/office/drawing/2010/main" val="0"/>
+              </a:ext>
+            </a:extLst>
+          </a:blip>
+          <a:stretch>
+            <a:fillRect/>
+          </a:stretch>
+        </p:blipFill>
+        <p:spPr>
+          <a:xfrm>
+            <a:off x="2115747" y="3430193"/>
+            <a:ext cx="1160016" cy="1160016"/>
+          </a:xfrm>
+          <a:prstGeom prst="rect">
+            <a:avLst/>
+          </a:prstGeom>
+        </p:spPr>
+      </p:pic>
+      <p:pic>
+        <p:nvPicPr>
+          <p:cNvPr id="10" name="图片 9"/>
+          <p:cNvPicPr>
+            <a:picLocks noChangeAspect="1"/>
+          </p:cNvPicPr>
+          <p:nvPr/>
+        </p:nvPicPr>
+        <p:blipFill>
+          <a:blip r:embed="rId4" cstate="print">
+            <a:extLst>
+              <a:ext uri="{28A0092B-C50C-407E-A947-70E740481C1C}">
+                <a14:useLocalDpi xmlns:a14="http://schemas.microsoft.com/office/drawing/2010/main" val="0"/>
+              </a:ext>
+            </a:extLst>
+          </a:blip>
+          <a:stretch>
+            <a:fillRect/>
+          </a:stretch>
+        </p:blipFill>
+        <p:spPr>
+          <a:xfrm>
+            <a:off x="2191699" y="5272967"/>
+            <a:ext cx="1008112" cy="1008112"/>
+          </a:xfrm>
+          <a:prstGeom prst="rect">
+            <a:avLst/>
+          </a:prstGeom>
+        </p:spPr>
+      </p:pic>
+      <p:pic>
+        <p:nvPicPr>
+          <p:cNvPr id="15" name="图片 14"/>
+          <p:cNvPicPr>
+            <a:picLocks noChangeAspect="1"/>
+          </p:cNvPicPr>
+          <p:nvPr/>
+        </p:nvPicPr>
+        <p:blipFill>
+          <a:blip r:embed="rId5">
+            <a:extLst>
+              <a:ext uri="{28A0092B-C50C-407E-A947-70E740481C1C}">
+                <a14:useLocalDpi xmlns:a14="http://schemas.microsoft.com/office/drawing/2010/main" val="0"/>
+              </a:ext>
+            </a:extLst>
+          </a:blip>
+          <a:stretch>
+            <a:fillRect/>
+          </a:stretch>
+        </p:blipFill>
+        <p:spPr>
+          <a:xfrm>
+            <a:off x="6441297" y="4105815"/>
+            <a:ext cx="1080000" cy="1051327"/>
+          </a:xfrm>
+          <a:prstGeom prst="rect">
+            <a:avLst/>
+          </a:prstGeom>
+        </p:spPr>
+      </p:pic>
+      <p:pic>
+        <p:nvPicPr>
+          <p:cNvPr id="19" name="图片 18"/>
+          <p:cNvPicPr>
+            <a:picLocks noChangeAspect="1"/>
+          </p:cNvPicPr>
+          <p:nvPr/>
+        </p:nvPicPr>
+        <p:blipFill>
+          <a:blip r:embed="rId6">
+            <a:extLst>
+              <a:ext uri="{28A0092B-C50C-407E-A947-70E740481C1C}">
+                <a14:useLocalDpi xmlns:a14="http://schemas.microsoft.com/office/drawing/2010/main" val="0"/>
+              </a:ext>
+            </a:extLst>
+          </a:blip>
+          <a:stretch>
+            <a:fillRect/>
+          </a:stretch>
+        </p:blipFill>
+        <p:spPr>
+          <a:xfrm>
+            <a:off x="4140585" y="2829873"/>
+            <a:ext cx="1080000" cy="1051425"/>
+          </a:xfrm>
+          <a:prstGeom prst="rect">
+            <a:avLst/>
+          </a:prstGeom>
+        </p:spPr>
+      </p:pic>
+      <p:pic>
+        <p:nvPicPr>
+          <p:cNvPr id="20" name="图片 19"/>
+          <p:cNvPicPr>
+            <a:picLocks noChangeAspect="1"/>
+          </p:cNvPicPr>
+          <p:nvPr/>
+        </p:nvPicPr>
+        <p:blipFill>
+          <a:blip r:embed="rId7">
+            <a:extLst>
+              <a:ext uri="{28A0092B-C50C-407E-A947-70E740481C1C}">
+                <a14:useLocalDpi xmlns:a14="http://schemas.microsoft.com/office/drawing/2010/main" val="0"/>
+              </a:ext>
+            </a:extLst>
+          </a:blip>
+          <a:stretch>
+            <a:fillRect/>
+          </a:stretch>
+        </p:blipFill>
+        <p:spPr>
+          <a:xfrm>
+            <a:off x="4140585" y="4077060"/>
+            <a:ext cx="1080000" cy="1051425"/>
+          </a:xfrm>
+          <a:prstGeom prst="rect">
+            <a:avLst/>
+          </a:prstGeom>
+        </p:spPr>
+      </p:pic>
+      <p:cxnSp>
+        <p:nvCxnSpPr>
+          <p:cNvPr id="23" name="直接箭头连接符 22"/>
+          <p:cNvCxnSpPr>
+            <a:stCxn id="7" idx="3"/>
+            <a:endCxn id="8" idx="1"/>
+          </p:cNvCxnSpPr>
+          <p:nvPr/>
+        </p:nvCxnSpPr>
+        <p:spPr>
+          <a:xfrm>
+            <a:off x="1431039" y="4010201"/>
+            <a:ext cx="684708" cy="0"/>
+          </a:xfrm>
+          <a:prstGeom prst="straightConnector1">
+            <a:avLst/>
+          </a:prstGeom>
+          <a:ln>
+            <a:solidFill>
+              <a:srgbClr val="0070C0"/>
+            </a:solidFill>
+            <a:tailEnd type="arrow"/>
+          </a:ln>
+        </p:spPr>
+        <p:style>
+          <a:lnRef idx="1">
+            <a:schemeClr val="accent1"/>
+          </a:lnRef>
+          <a:fillRef idx="0">
+            <a:schemeClr val="accent1"/>
+          </a:fillRef>
+          <a:effectRef idx="0">
+            <a:schemeClr val="accent1"/>
+          </a:effectRef>
+          <a:fontRef idx="minor">
+            <a:schemeClr val="tx1"/>
+          </a:fontRef>
+        </p:style>
+      </p:cxnSp>
+      <p:cxnSp>
+        <p:nvCxnSpPr>
+          <p:cNvPr id="26" name="直接箭头连接符 25"/>
+          <p:cNvCxnSpPr>
+            <a:stCxn id="8" idx="2"/>
+            <a:endCxn id="10" idx="0"/>
+          </p:cNvCxnSpPr>
+          <p:nvPr/>
+        </p:nvCxnSpPr>
+        <p:spPr>
+          <a:xfrm>
+            <a:off x="2695755" y="4590209"/>
+            <a:ext cx="0" cy="682758"/>
+          </a:xfrm>
+          <a:prstGeom prst="straightConnector1">
+            <a:avLst/>
+          </a:prstGeom>
+          <a:ln>
+            <a:solidFill>
+              <a:srgbClr val="0070C0"/>
+            </a:solidFill>
+            <a:headEnd type="arrow"/>
+            <a:tailEnd type="arrow"/>
+          </a:ln>
+        </p:spPr>
+        <p:style>
+          <a:lnRef idx="1">
+            <a:schemeClr val="accent1"/>
+          </a:lnRef>
+          <a:fillRef idx="0">
+            <a:schemeClr val="accent1"/>
+          </a:fillRef>
+          <a:effectRef idx="0">
+            <a:schemeClr val="accent1"/>
+          </a:effectRef>
+          <a:fontRef idx="minor">
+            <a:schemeClr val="tx1"/>
+          </a:fontRef>
+        </p:style>
+      </p:cxnSp>
+      <p:cxnSp>
+        <p:nvCxnSpPr>
+          <p:cNvPr id="31" name="直接箭头连接符 30"/>
+          <p:cNvCxnSpPr>
+            <a:stCxn id="8" idx="3"/>
+            <a:endCxn id="19" idx="1"/>
+          </p:cNvCxnSpPr>
+          <p:nvPr/>
+        </p:nvCxnSpPr>
+        <p:spPr>
+          <a:xfrm flipV="1">
+            <a:off x="3275763" y="3355586"/>
+            <a:ext cx="864822" cy="654615"/>
+          </a:xfrm>
+          <a:prstGeom prst="straightConnector1">
+            <a:avLst/>
+          </a:prstGeom>
+          <a:ln>
+            <a:solidFill>
+              <a:srgbClr val="FF0000"/>
+            </a:solidFill>
+            <a:tailEnd type="arrow"/>
+          </a:ln>
+        </p:spPr>
+        <p:style>
+          <a:lnRef idx="1">
+            <a:schemeClr val="accent1"/>
+          </a:lnRef>
+          <a:fillRef idx="0">
+            <a:schemeClr val="accent1"/>
+          </a:fillRef>
+          <a:effectRef idx="0">
+            <a:schemeClr val="accent1"/>
+          </a:effectRef>
+          <a:fontRef idx="minor">
+            <a:schemeClr val="tx1"/>
+          </a:fontRef>
+        </p:style>
+      </p:cxnSp>
+      <p:cxnSp>
+        <p:nvCxnSpPr>
+          <p:cNvPr id="33" name="直接箭头连接符 32"/>
+          <p:cNvCxnSpPr>
+            <a:stCxn id="8" idx="3"/>
+            <a:endCxn id="20" idx="1"/>
+          </p:cNvCxnSpPr>
+          <p:nvPr/>
+        </p:nvCxnSpPr>
+        <p:spPr>
+          <a:xfrm>
+            <a:off x="3275763" y="4010201"/>
+            <a:ext cx="864822" cy="592572"/>
+          </a:xfrm>
+          <a:prstGeom prst="straightConnector1">
+            <a:avLst/>
+          </a:prstGeom>
+          <a:ln>
+            <a:solidFill>
+              <a:srgbClr val="0070C0"/>
+            </a:solidFill>
+            <a:tailEnd type="arrow"/>
+          </a:ln>
+        </p:spPr>
+        <p:style>
+          <a:lnRef idx="1">
+            <a:schemeClr val="accent1"/>
+          </a:lnRef>
+          <a:fillRef idx="0">
+            <a:schemeClr val="accent1"/>
+          </a:fillRef>
+          <a:effectRef idx="0">
+            <a:schemeClr val="accent1"/>
+          </a:effectRef>
+          <a:fontRef idx="minor">
+            <a:schemeClr val="tx1"/>
+          </a:fontRef>
+        </p:style>
+      </p:cxnSp>
+      <p:cxnSp>
+        <p:nvCxnSpPr>
+          <p:cNvPr id="39" name="直接箭头连接符 38"/>
+          <p:cNvCxnSpPr>
+            <a:stCxn id="19" idx="3"/>
+          </p:cNvCxnSpPr>
+          <p:nvPr/>
+        </p:nvCxnSpPr>
+        <p:spPr>
+          <a:xfrm>
+            <a:off x="5220585" y="3355586"/>
+            <a:ext cx="1220712" cy="1275893"/>
+          </a:xfrm>
+          <a:prstGeom prst="straightConnector1">
+            <a:avLst/>
+          </a:prstGeom>
+          <a:ln>
+            <a:solidFill>
+              <a:srgbClr val="FF0000"/>
+            </a:solidFill>
+            <a:tailEnd type="arrow"/>
+          </a:ln>
+        </p:spPr>
+        <p:style>
+          <a:lnRef idx="1">
+            <a:schemeClr val="accent1"/>
+          </a:lnRef>
+          <a:fillRef idx="0">
+            <a:schemeClr val="accent1"/>
+          </a:fillRef>
+          <a:effectRef idx="0">
+            <a:schemeClr val="accent1"/>
+          </a:effectRef>
+          <a:fontRef idx="minor">
+            <a:schemeClr val="tx1"/>
+          </a:fontRef>
+        </p:style>
+      </p:cxnSp>
+      <p:cxnSp>
+        <p:nvCxnSpPr>
+          <p:cNvPr id="45" name="直接箭头连接符 44"/>
+          <p:cNvCxnSpPr>
+            <a:stCxn id="20" idx="3"/>
+          </p:cNvCxnSpPr>
+          <p:nvPr/>
+        </p:nvCxnSpPr>
+        <p:spPr>
+          <a:xfrm>
+            <a:off x="5220585" y="4602773"/>
+            <a:ext cx="1220712" cy="28706"/>
+          </a:xfrm>
+          <a:prstGeom prst="straightConnector1">
+            <a:avLst/>
+          </a:prstGeom>
+          <a:ln>
+            <a:tailEnd type="arrow"/>
+          </a:ln>
+        </p:spPr>
+        <p:style>
+          <a:lnRef idx="1">
+            <a:schemeClr val="accent1"/>
+          </a:lnRef>
+          <a:fillRef idx="0">
+            <a:schemeClr val="accent1"/>
+          </a:fillRef>
+          <a:effectRef idx="0">
+            <a:schemeClr val="accent1"/>
+          </a:effectRef>
+          <a:fontRef idx="minor">
+            <a:schemeClr val="tx1"/>
+          </a:fontRef>
+        </p:style>
+      </p:cxnSp>
+      <p:cxnSp>
+        <p:nvCxnSpPr>
+          <p:cNvPr id="56" name="肘形连接符 55"/>
+          <p:cNvCxnSpPr>
+            <a:stCxn id="21" idx="0"/>
+            <a:endCxn id="8" idx="0"/>
+          </p:cNvCxnSpPr>
+          <p:nvPr/>
+        </p:nvCxnSpPr>
+        <p:spPr>
+          <a:xfrm rot="16200000" flipH="1" flipV="1">
+            <a:off x="4191344" y="637268"/>
+            <a:ext cx="1297336" cy="4288513"/>
+          </a:xfrm>
+          <a:prstGeom prst="bentConnector3">
+            <a:avLst>
+              <a:gd name="adj1" fmla="val -40505"/>
+            </a:avLst>
+          </a:prstGeom>
+          <a:ln>
+            <a:solidFill>
+              <a:srgbClr val="0070C0"/>
+            </a:solidFill>
+            <a:tailEnd type="arrow"/>
+          </a:ln>
+        </p:spPr>
+        <p:style>
+          <a:lnRef idx="1">
+            <a:schemeClr val="accent1"/>
+          </a:lnRef>
+          <a:fillRef idx="0">
+            <a:schemeClr val="accent1"/>
+          </a:fillRef>
+          <a:effectRef idx="0">
+            <a:schemeClr val="accent1"/>
+          </a:effectRef>
+          <a:fontRef idx="minor">
+            <a:schemeClr val="tx1"/>
+          </a:fontRef>
+        </p:style>
+      </p:cxnSp>
+      <p:sp>
+        <p:nvSpPr>
+          <p:cNvPr id="57" name="矩形 56"/>
+          <p:cNvSpPr/>
+          <p:nvPr/>
+        </p:nvSpPr>
+        <p:spPr>
+          <a:xfrm>
+            <a:off x="3776641" y="1200614"/>
+            <a:ext cx="974947" cy="400110"/>
+          </a:xfrm>
+          <a:prstGeom prst="rect">
+            <a:avLst/>
+          </a:prstGeom>
+          <a:noFill/>
+        </p:spPr>
+        <p:txBody>
+          <a:bodyPr wrap="none" lIns="91440" tIns="45720" rIns="91440" bIns="45720">
+            <a:spAutoFit/>
+          </a:bodyPr>
+          <a:lstStyle/>
+          <a:p>
+            <a:pPr algn="ctr"/>
+            <a:r>
+              <a:rPr lang="en-CA" altLang="zh-CN" sz="2000" b="1" cap="none" spc="0" dirty="0" smtClean="0">
+                <a:ln w="17780" cmpd="sng">
+                  <a:solidFill>
+                    <a:schemeClr val="accent1"/>
+                  </a:solidFill>
+                  <a:prstDash val="solid"/>
+                  <a:miter lim="800000"/>
+                </a:ln>
+                <a:solidFill>
+                  <a:srgbClr val="0070C0"/>
+                </a:solidFill>
+                <a:effectLst>
+                  <a:outerShdw blurRad="50800" algn="tl" rotWithShape="0">
+                    <a:srgbClr val="000000"/>
+                  </a:outerShdw>
+                </a:effectLst>
+              </a:rPr>
+              <a:t>Log out</a:t>
+            </a:r>
+            <a:endParaRPr lang="zh-CN" altLang="en-US" sz="2000" b="1" cap="none" spc="0" dirty="0">
+              <a:ln w="17780" cmpd="sng">
+                <a:solidFill>
+                  <a:schemeClr val="accent1"/>
+                </a:solidFill>
+                <a:prstDash val="solid"/>
+                <a:miter lim="800000"/>
+              </a:ln>
+              <a:solidFill>
+                <a:srgbClr val="0070C0"/>
+              </a:solidFill>
+              <a:effectLst>
+                <a:outerShdw blurRad="50800" algn="tl" rotWithShape="0">
+                  <a:srgbClr val="000000"/>
+                </a:outerShdw>
+              </a:effectLst>
+            </a:endParaRPr>
+          </a:p>
+        </p:txBody>
+      </p:sp>
+      <p:sp>
+        <p:nvSpPr>
+          <p:cNvPr id="58" name="标题 57"/>
+          <p:cNvSpPr>
+            <a:spLocks noGrp="1"/>
+          </p:cNvSpPr>
+          <p:nvPr>
+            <p:ph type="title"/>
+          </p:nvPr>
+        </p:nvSpPr>
+        <p:spPr>
+          <a:xfrm>
+            <a:off x="493204" y="188640"/>
+            <a:ext cx="8229600" cy="634082"/>
+          </a:xfrm>
+        </p:spPr>
+        <p:txBody>
+          <a:bodyPr>
+            <a:normAutofit fontScale="90000"/>
+          </a:bodyPr>
+          <a:lstStyle/>
+          <a:p>
+            <a:r>
+              <a:rPr lang="en-CA" b="1" dirty="0" smtClean="0">
+                <a:solidFill>
+                  <a:srgbClr val="0070C0"/>
+                </a:solidFill>
+                <a:latin typeface="Times New Roman" panose="02020603050405020304" pitchFamily="18" charset="0"/>
+                <a:cs typeface="Times New Roman" panose="02020603050405020304" pitchFamily="18" charset="0"/>
+              </a:rPr>
+              <a:t>Solution Overview  </a:t>
+            </a:r>
+            <a:endParaRPr lang="en-CA" b="1" dirty="0">
+              <a:solidFill>
+                <a:srgbClr val="0070C0"/>
+              </a:solidFill>
+              <a:latin typeface="Times New Roman" panose="02020603050405020304" pitchFamily="18" charset="0"/>
+              <a:cs typeface="Times New Roman" panose="02020603050405020304" pitchFamily="18" charset="0"/>
+            </a:endParaRPr>
+          </a:p>
+        </p:txBody>
+      </p:sp>
+      <p:cxnSp>
+        <p:nvCxnSpPr>
+          <p:cNvPr id="60" name="直接连接符 59"/>
+          <p:cNvCxnSpPr/>
+          <p:nvPr/>
+        </p:nvCxnSpPr>
+        <p:spPr>
+          <a:xfrm>
+            <a:off x="467544" y="980728"/>
+            <a:ext cx="8280920" cy="0"/>
+          </a:xfrm>
+          <a:prstGeom prst="line">
+            <a:avLst/>
+          </a:prstGeom>
+          <a:ln cmpd="sng"/>
+        </p:spPr>
+        <p:style>
+          <a:lnRef idx="1">
+            <a:schemeClr val="accent1"/>
+          </a:lnRef>
+          <a:fillRef idx="0">
+            <a:schemeClr val="accent1"/>
+          </a:fillRef>
+          <a:effectRef idx="0">
+            <a:schemeClr val="accent1"/>
+          </a:effectRef>
+          <a:fontRef idx="minor">
+            <a:schemeClr val="tx1"/>
+          </a:fontRef>
+        </p:style>
+      </p:cxnSp>
+      <p:pic>
+        <p:nvPicPr>
+          <p:cNvPr id="3" name="图片 2"/>
+          <p:cNvPicPr>
+            <a:picLocks noChangeAspect="1"/>
+          </p:cNvPicPr>
+          <p:nvPr/>
+        </p:nvPicPr>
+        <p:blipFill>
+          <a:blip r:embed="rId8">
+            <a:extLst>
+              <a:ext uri="{28A0092B-C50C-407E-A947-70E740481C1C}">
+                <a14:useLocalDpi xmlns:a14="http://schemas.microsoft.com/office/drawing/2010/main" val="0"/>
+              </a:ext>
+            </a:extLst>
+          </a:blip>
+          <a:stretch>
+            <a:fillRect/>
+          </a:stretch>
+        </p:blipFill>
+        <p:spPr>
+          <a:xfrm>
+            <a:off x="6441297" y="2827393"/>
+            <a:ext cx="1076475" cy="1047896"/>
+          </a:xfrm>
+          <a:prstGeom prst="rect">
+            <a:avLst/>
+          </a:prstGeom>
+        </p:spPr>
+      </p:pic>
+      <p:cxnSp>
+        <p:nvCxnSpPr>
+          <p:cNvPr id="5" name="直接箭头连接符 4"/>
+          <p:cNvCxnSpPr>
+            <a:stCxn id="19" idx="3"/>
+          </p:cNvCxnSpPr>
+          <p:nvPr/>
+        </p:nvCxnSpPr>
+        <p:spPr>
+          <a:xfrm flipV="1">
+            <a:off x="5220585" y="3351341"/>
+            <a:ext cx="1220712" cy="4245"/>
+          </a:xfrm>
+          <a:prstGeom prst="straightConnector1">
+            <a:avLst/>
+          </a:prstGeom>
+          <a:ln>
+            <a:solidFill>
+              <a:srgbClr val="FF0000"/>
+            </a:solidFill>
+            <a:tailEnd type="arrow"/>
+          </a:ln>
+        </p:spPr>
+        <p:style>
+          <a:lnRef idx="1">
+            <a:schemeClr val="accent1"/>
+          </a:lnRef>
+          <a:fillRef idx="0">
+            <a:schemeClr val="accent1"/>
+          </a:fillRef>
+          <a:effectRef idx="0">
+            <a:schemeClr val="accent1"/>
+          </a:effectRef>
+          <a:fontRef idx="minor">
+            <a:schemeClr val="tx1"/>
+          </a:fontRef>
+        </p:style>
+      </p:cxnSp>
+    </p:spTree>
+    <p:extLst>
+      <p:ext uri="{BB962C8B-B14F-4D97-AF65-F5344CB8AC3E}">
+        <p14:creationId xmlns:p14="http://schemas.microsoft.com/office/powerpoint/2010/main" val="801707571"/>
+      </p:ext>
+    </p:extLst>
+  </p:cSld>
+  <p:clrMapOvr>
+    <a:masterClrMapping/>
+  </p:clrMapOvr>
+  <p:timing>
+    <p:tnLst>
+      <p:par>
+        <p:cTn id="1" dur="indefinite" restart="never" nodeType="tmRoot"/>
+      </p:par>
+    </p:tnLst>
+  </p:timing>
+</p:sld>
+</file>
+
+<file path=ppt/slides/slide4.xml><?xml version="1.0" encoding="utf-8"?>
 <p:sld xmlns:a="http://schemas.openxmlformats.org/drawingml/2006/main" xmlns:r="http://schemas.openxmlformats.org/officeDocument/2006/relationships" xmlns:p="http://schemas.openxmlformats.org/presentationml/2006/main">
   <p:cSld>
     <p:spTree>
@@ -5138,846 +7145,6 @@
 </p:sld>
 </file>
 
-<file path=ppt/slides/slide3.xml><?xml version="1.0" encoding="utf-8"?>
-<p:sld xmlns:a="http://schemas.openxmlformats.org/drawingml/2006/main" xmlns:r="http://schemas.openxmlformats.org/officeDocument/2006/relationships" xmlns:p="http://schemas.openxmlformats.org/presentationml/2006/main">
-  <p:cSld>
-    <p:spTree>
-      <p:nvGrpSpPr>
-        <p:cNvPr id="1" name=""/>
-        <p:cNvGrpSpPr/>
-        <p:nvPr/>
-      </p:nvGrpSpPr>
-      <p:grpSpPr>
-        <a:xfrm>
-          <a:off x="0" y="0"/>
-          <a:ext cx="0" cy="0"/>
-          <a:chOff x="0" y="0"/>
-          <a:chExt cx="0" cy="0"/>
-        </a:xfrm>
-      </p:grpSpPr>
-      <p:sp>
-        <p:nvSpPr>
-          <p:cNvPr id="4" name="标题 57"/>
-          <p:cNvSpPr>
-            <a:spLocks noGrp="1"/>
-          </p:cNvSpPr>
-          <p:nvPr>
-            <p:ph type="title"/>
-          </p:nvPr>
-        </p:nvSpPr>
-        <p:spPr>
-          <a:xfrm>
-            <a:off x="457200" y="274638"/>
-            <a:ext cx="8229600" cy="634082"/>
-          </a:xfrm>
-        </p:spPr>
-        <p:txBody>
-          <a:bodyPr>
-            <a:normAutofit fontScale="90000"/>
-          </a:bodyPr>
-          <a:lstStyle/>
-          <a:p>
-            <a:r>
-              <a:rPr lang="en-CA" b="1" dirty="0">
-                <a:solidFill>
-                  <a:srgbClr val="0070C0"/>
-                </a:solidFill>
-                <a:latin typeface="Times New Roman" panose="02020603050405020304" pitchFamily="18" charset="0"/>
-                <a:cs typeface="Times New Roman" panose="02020603050405020304" pitchFamily="18" charset="0"/>
-              </a:rPr>
-              <a:t>Challenges and Solutions </a:t>
-            </a:r>
-          </a:p>
-        </p:txBody>
-      </p:sp>
-      <p:cxnSp>
-        <p:nvCxnSpPr>
-          <p:cNvPr id="5" name="直接连接符 4"/>
-          <p:cNvCxnSpPr/>
-          <p:nvPr/>
-        </p:nvCxnSpPr>
-        <p:spPr>
-          <a:xfrm>
-            <a:off x="467544" y="980728"/>
-            <a:ext cx="8280920" cy="0"/>
-          </a:xfrm>
-          <a:prstGeom prst="line">
-            <a:avLst/>
-          </a:prstGeom>
-          <a:ln cmpd="sng"/>
-        </p:spPr>
-        <p:style>
-          <a:lnRef idx="1">
-            <a:schemeClr val="accent1"/>
-          </a:lnRef>
-          <a:fillRef idx="0">
-            <a:schemeClr val="accent1"/>
-          </a:fillRef>
-          <a:effectRef idx="0">
-            <a:schemeClr val="accent1"/>
-          </a:effectRef>
-          <a:fontRef idx="minor">
-            <a:schemeClr val="tx1"/>
-          </a:fontRef>
-        </p:style>
-      </p:cxnSp>
-      <p:pic>
-        <p:nvPicPr>
-          <p:cNvPr id="3" name="图片 2"/>
-          <p:cNvPicPr>
-            <a:picLocks noChangeAspect="1"/>
-          </p:cNvPicPr>
-          <p:nvPr/>
-        </p:nvPicPr>
-        <p:blipFill>
-          <a:blip r:embed="rId2">
-            <a:extLst>
-              <a:ext uri="{28A0092B-C50C-407E-A947-70E740481C1C}">
-                <a14:useLocalDpi xmlns:a14="http://schemas.microsoft.com/office/drawing/2010/main" val="0"/>
-              </a:ext>
-            </a:extLst>
-          </a:blip>
-          <a:stretch>
-            <a:fillRect/>
-          </a:stretch>
-        </p:blipFill>
-        <p:spPr>
-          <a:xfrm>
-            <a:off x="467544" y="1196752"/>
-            <a:ext cx="3384376" cy="314369"/>
-          </a:xfrm>
-          <a:prstGeom prst="rect">
-            <a:avLst/>
-          </a:prstGeom>
-        </p:spPr>
-      </p:pic>
-      <p:pic>
-        <p:nvPicPr>
-          <p:cNvPr id="12" name="图片 11"/>
-          <p:cNvPicPr>
-            <a:picLocks noChangeAspect="1"/>
-          </p:cNvPicPr>
-          <p:nvPr/>
-        </p:nvPicPr>
-        <p:blipFill>
-          <a:blip r:embed="rId3">
-            <a:extLst>
-              <a:ext uri="{28A0092B-C50C-407E-A947-70E740481C1C}">
-                <a14:useLocalDpi xmlns:a14="http://schemas.microsoft.com/office/drawing/2010/main" val="0"/>
-              </a:ext>
-            </a:extLst>
-          </a:blip>
-          <a:stretch>
-            <a:fillRect/>
-          </a:stretch>
-        </p:blipFill>
-        <p:spPr>
-          <a:xfrm>
-            <a:off x="3851921" y="2004494"/>
-            <a:ext cx="4896544" cy="1064466"/>
-          </a:xfrm>
-          <a:prstGeom prst="rect">
-            <a:avLst/>
-          </a:prstGeom>
-        </p:spPr>
-      </p:pic>
-      <p:pic>
-        <p:nvPicPr>
-          <p:cNvPr id="14" name="图片 13"/>
-          <p:cNvPicPr>
-            <a:picLocks noChangeAspect="1"/>
-          </p:cNvPicPr>
-          <p:nvPr/>
-        </p:nvPicPr>
-        <p:blipFill>
-          <a:blip r:embed="rId4">
-            <a:extLst>
-              <a:ext uri="{28A0092B-C50C-407E-A947-70E740481C1C}">
-                <a14:useLocalDpi xmlns:a14="http://schemas.microsoft.com/office/drawing/2010/main" val="0"/>
-              </a:ext>
-            </a:extLst>
-          </a:blip>
-          <a:stretch>
-            <a:fillRect/>
-          </a:stretch>
-        </p:blipFill>
-        <p:spPr>
-          <a:xfrm>
-            <a:off x="3851920" y="4689562"/>
-            <a:ext cx="4896534" cy="971686"/>
-          </a:xfrm>
-          <a:prstGeom prst="rect">
-            <a:avLst/>
-          </a:prstGeom>
-        </p:spPr>
-      </p:pic>
-      <p:pic>
-        <p:nvPicPr>
-          <p:cNvPr id="16" name="图片 15"/>
-          <p:cNvPicPr>
-            <a:picLocks noChangeAspect="1"/>
-          </p:cNvPicPr>
-          <p:nvPr/>
-        </p:nvPicPr>
-        <p:blipFill>
-          <a:blip r:embed="rId5">
-            <a:extLst>
-              <a:ext uri="{28A0092B-C50C-407E-A947-70E740481C1C}">
-                <a14:useLocalDpi xmlns:a14="http://schemas.microsoft.com/office/drawing/2010/main" val="0"/>
-              </a:ext>
-            </a:extLst>
-          </a:blip>
-          <a:stretch>
-            <a:fillRect/>
-          </a:stretch>
-        </p:blipFill>
-        <p:spPr>
-          <a:xfrm>
-            <a:off x="467544" y="3178221"/>
-            <a:ext cx="3384376" cy="1690939"/>
-          </a:xfrm>
-          <a:prstGeom prst="rect">
-            <a:avLst/>
-          </a:prstGeom>
-          <a:ln>
-            <a:solidFill>
-              <a:schemeClr val="bg1"/>
-            </a:solidFill>
-          </a:ln>
-        </p:spPr>
-      </p:pic>
-      <p:pic>
-        <p:nvPicPr>
-          <p:cNvPr id="17" name="图片 16"/>
-          <p:cNvPicPr>
-            <a:picLocks noChangeAspect="1"/>
-          </p:cNvPicPr>
-          <p:nvPr/>
-        </p:nvPicPr>
-        <p:blipFill>
-          <a:blip r:embed="rId6">
-            <a:extLst>
-              <a:ext uri="{28A0092B-C50C-407E-A947-70E740481C1C}">
-                <a14:useLocalDpi xmlns:a14="http://schemas.microsoft.com/office/drawing/2010/main" val="0"/>
-              </a:ext>
-            </a:extLst>
-          </a:blip>
-          <a:stretch>
-            <a:fillRect/>
-          </a:stretch>
-        </p:blipFill>
-        <p:spPr>
-          <a:xfrm>
-            <a:off x="467544" y="5999334"/>
-            <a:ext cx="3384376" cy="381994"/>
-          </a:xfrm>
-          <a:prstGeom prst="rect">
-            <a:avLst/>
-          </a:prstGeom>
-        </p:spPr>
-      </p:pic>
-      <p:cxnSp>
-        <p:nvCxnSpPr>
-          <p:cNvPr id="21" name="曲线连接符 20"/>
-          <p:cNvCxnSpPr>
-            <a:stCxn id="12" idx="1"/>
-            <a:endCxn id="16" idx="0"/>
-          </p:cNvCxnSpPr>
-          <p:nvPr/>
-        </p:nvCxnSpPr>
-        <p:spPr>
-          <a:xfrm rot="10800000" flipV="1">
-            <a:off x="2159733" y="2536727"/>
-            <a:ext cx="1692189" cy="641494"/>
-          </a:xfrm>
-          <a:prstGeom prst="curvedConnector2">
-            <a:avLst/>
-          </a:prstGeom>
-          <a:ln>
-            <a:solidFill>
-              <a:srgbClr val="FF0000"/>
-            </a:solidFill>
-            <a:tailEnd type="arrow"/>
-          </a:ln>
-        </p:spPr>
-        <p:style>
-          <a:lnRef idx="1">
-            <a:schemeClr val="accent1"/>
-          </a:lnRef>
-          <a:fillRef idx="0">
-            <a:schemeClr val="accent1"/>
-          </a:fillRef>
-          <a:effectRef idx="0">
-            <a:schemeClr val="accent1"/>
-          </a:effectRef>
-          <a:fontRef idx="minor">
-            <a:schemeClr val="tx1"/>
-          </a:fontRef>
-        </p:style>
-      </p:cxnSp>
-      <p:cxnSp>
-        <p:nvCxnSpPr>
-          <p:cNvPr id="23" name="曲线连接符 22"/>
-          <p:cNvCxnSpPr>
-            <a:stCxn id="3" idx="3"/>
-            <a:endCxn id="12" idx="0"/>
-          </p:cNvCxnSpPr>
-          <p:nvPr/>
-        </p:nvCxnSpPr>
-        <p:spPr>
-          <a:xfrm>
-            <a:off x="3851920" y="1353937"/>
-            <a:ext cx="2448273" cy="650557"/>
-          </a:xfrm>
-          <a:prstGeom prst="curvedConnector2">
-            <a:avLst/>
-          </a:prstGeom>
-          <a:ln>
-            <a:solidFill>
-              <a:srgbClr val="FF0000"/>
-            </a:solidFill>
-            <a:tailEnd type="arrow"/>
-          </a:ln>
-        </p:spPr>
-        <p:style>
-          <a:lnRef idx="1">
-            <a:schemeClr val="accent1"/>
-          </a:lnRef>
-          <a:fillRef idx="0">
-            <a:schemeClr val="accent1"/>
-          </a:fillRef>
-          <a:effectRef idx="0">
-            <a:schemeClr val="accent1"/>
-          </a:effectRef>
-          <a:fontRef idx="minor">
-            <a:schemeClr val="tx1"/>
-          </a:fontRef>
-        </p:style>
-      </p:cxnSp>
-      <p:cxnSp>
-        <p:nvCxnSpPr>
-          <p:cNvPr id="25" name="曲线连接符 24"/>
-          <p:cNvCxnSpPr>
-            <a:stCxn id="16" idx="3"/>
-            <a:endCxn id="14" idx="0"/>
-          </p:cNvCxnSpPr>
-          <p:nvPr/>
-        </p:nvCxnSpPr>
-        <p:spPr>
-          <a:xfrm>
-            <a:off x="3851920" y="4023691"/>
-            <a:ext cx="2448267" cy="665871"/>
-          </a:xfrm>
-          <a:prstGeom prst="curvedConnector2">
-            <a:avLst/>
-          </a:prstGeom>
-          <a:ln>
-            <a:solidFill>
-              <a:srgbClr val="FF0000"/>
-            </a:solidFill>
-            <a:tailEnd type="arrow"/>
-          </a:ln>
-        </p:spPr>
-        <p:style>
-          <a:lnRef idx="1">
-            <a:schemeClr val="accent1"/>
-          </a:lnRef>
-          <a:fillRef idx="0">
-            <a:schemeClr val="accent1"/>
-          </a:fillRef>
-          <a:effectRef idx="0">
-            <a:schemeClr val="accent1"/>
-          </a:effectRef>
-          <a:fontRef idx="minor">
-            <a:schemeClr val="tx1"/>
-          </a:fontRef>
-        </p:style>
-      </p:cxnSp>
-      <p:cxnSp>
-        <p:nvCxnSpPr>
-          <p:cNvPr id="27" name="曲线连接符 26"/>
-          <p:cNvCxnSpPr>
-            <a:endCxn id="17" idx="0"/>
-          </p:cNvCxnSpPr>
-          <p:nvPr/>
-        </p:nvCxnSpPr>
-        <p:spPr>
-          <a:xfrm rot="16200000" flipH="1">
-            <a:off x="676543" y="4516145"/>
-            <a:ext cx="1778246" cy="1188132"/>
-          </a:xfrm>
-          <a:prstGeom prst="curvedConnector3">
-            <a:avLst>
-              <a:gd name="adj1" fmla="val 50000"/>
-            </a:avLst>
-          </a:prstGeom>
-          <a:ln>
-            <a:solidFill>
-              <a:schemeClr val="tx1"/>
-            </a:solidFill>
-            <a:tailEnd type="arrow"/>
-          </a:ln>
-        </p:spPr>
-        <p:style>
-          <a:lnRef idx="1">
-            <a:schemeClr val="accent1"/>
-          </a:lnRef>
-          <a:fillRef idx="0">
-            <a:schemeClr val="accent1"/>
-          </a:fillRef>
-          <a:effectRef idx="0">
-            <a:schemeClr val="accent1"/>
-          </a:effectRef>
-          <a:fontRef idx="minor">
-            <a:schemeClr val="tx1"/>
-          </a:fontRef>
-        </p:style>
-      </p:cxnSp>
-    </p:spTree>
-    <p:extLst>
-      <p:ext uri="{BB962C8B-B14F-4D97-AF65-F5344CB8AC3E}">
-        <p14:creationId xmlns:p14="http://schemas.microsoft.com/office/powerpoint/2010/main" val="229076445"/>
-      </p:ext>
-    </p:extLst>
-  </p:cSld>
-  <p:clrMapOvr>
-    <a:masterClrMapping/>
-  </p:clrMapOvr>
-  <p:timing>
-    <p:tnLst>
-      <p:par>
-        <p:cTn id="1" dur="indefinite" restart="never" nodeType="tmRoot"/>
-      </p:par>
-    </p:tnLst>
-  </p:timing>
-</p:sld>
-</file>
-
-<file path=ppt/slides/slide4.xml><?xml version="1.0" encoding="utf-8"?>
-<p:sld xmlns:a="http://schemas.openxmlformats.org/drawingml/2006/main" xmlns:r="http://schemas.openxmlformats.org/officeDocument/2006/relationships" xmlns:p="http://schemas.openxmlformats.org/presentationml/2006/main">
-  <p:cSld>
-    <p:spTree>
-      <p:nvGrpSpPr>
-        <p:cNvPr id="1" name=""/>
-        <p:cNvGrpSpPr/>
-        <p:nvPr/>
-      </p:nvGrpSpPr>
-      <p:grpSpPr>
-        <a:xfrm>
-          <a:off x="0" y="0"/>
-          <a:ext cx="0" cy="0"/>
-          <a:chOff x="0" y="0"/>
-          <a:chExt cx="0" cy="0"/>
-        </a:xfrm>
-      </p:grpSpPr>
-      <p:sp>
-        <p:nvSpPr>
-          <p:cNvPr id="4" name="标题 57"/>
-          <p:cNvSpPr txBox="1">
-            <a:spLocks/>
-          </p:cNvSpPr>
-          <p:nvPr/>
-        </p:nvSpPr>
-        <p:spPr>
-          <a:xfrm>
-            <a:off x="457200" y="274638"/>
-            <a:ext cx="8229600" cy="634082"/>
-          </a:xfrm>
-          <a:prstGeom prst="rect">
-            <a:avLst/>
-          </a:prstGeom>
-        </p:spPr>
-        <p:txBody>
-          <a:bodyPr vert="horz" lIns="91440" tIns="45720" rIns="91440" bIns="45720" rtlCol="0" anchor="ctr">
-            <a:normAutofit fontScale="90000" lnSpcReduction="20000"/>
-          </a:bodyPr>
-          <a:lstStyle>
-            <a:lvl1pPr algn="ctr" defTabSz="914400" rtl="0" eaLnBrk="1" latinLnBrk="0" hangingPunct="1">
-              <a:spcBef>
-                <a:spcPct val="0"/>
-              </a:spcBef>
-              <a:buNone/>
-              <a:defRPr sz="4400" kern="1200">
-                <a:solidFill>
-                  <a:schemeClr val="tx1"/>
-                </a:solidFill>
-                <a:latin typeface="+mj-lt"/>
-                <a:ea typeface="+mj-ea"/>
-                <a:cs typeface="+mj-cs"/>
-              </a:defRPr>
-            </a:lvl1pPr>
-          </a:lstStyle>
-          <a:p>
-            <a:r>
-              <a:rPr lang="en-CA" b="1" dirty="0">
-                <a:solidFill>
-                  <a:srgbClr val="0070C0"/>
-                </a:solidFill>
-                <a:latin typeface="Times New Roman" panose="02020603050405020304" pitchFamily="18" charset="0"/>
-                <a:cs typeface="Times New Roman" panose="02020603050405020304" pitchFamily="18" charset="0"/>
-              </a:rPr>
-              <a:t>Challenges and Solutions </a:t>
-            </a:r>
-          </a:p>
-        </p:txBody>
-      </p:sp>
-      <p:cxnSp>
-        <p:nvCxnSpPr>
-          <p:cNvPr id="5" name="直接连接符 4"/>
-          <p:cNvCxnSpPr/>
-          <p:nvPr/>
-        </p:nvCxnSpPr>
-        <p:spPr>
-          <a:xfrm>
-            <a:off x="467544" y="980728"/>
-            <a:ext cx="8280920" cy="0"/>
-          </a:xfrm>
-          <a:prstGeom prst="line">
-            <a:avLst/>
-          </a:prstGeom>
-          <a:ln cmpd="sng"/>
-        </p:spPr>
-        <p:style>
-          <a:lnRef idx="1">
-            <a:schemeClr val="accent1"/>
-          </a:lnRef>
-          <a:fillRef idx="0">
-            <a:schemeClr val="accent1"/>
-          </a:fillRef>
-          <a:effectRef idx="0">
-            <a:schemeClr val="accent1"/>
-          </a:effectRef>
-          <a:fontRef idx="minor">
-            <a:schemeClr val="tx1"/>
-          </a:fontRef>
-        </p:style>
-      </p:cxnSp>
-      <p:pic>
-        <p:nvPicPr>
-          <p:cNvPr id="6" name="图片 5"/>
-          <p:cNvPicPr>
-            <a:picLocks noChangeAspect="1"/>
-          </p:cNvPicPr>
-          <p:nvPr/>
-        </p:nvPicPr>
-        <p:blipFill>
-          <a:blip r:embed="rId2">
-            <a:extLst>
-              <a:ext uri="{28A0092B-C50C-407E-A947-70E740481C1C}">
-                <a14:useLocalDpi xmlns:a14="http://schemas.microsoft.com/office/drawing/2010/main" val="0"/>
-              </a:ext>
-            </a:extLst>
-          </a:blip>
-          <a:stretch>
-            <a:fillRect/>
-          </a:stretch>
-        </p:blipFill>
-        <p:spPr>
-          <a:xfrm>
-            <a:off x="467543" y="1268760"/>
-            <a:ext cx="3340659" cy="314369"/>
-          </a:xfrm>
-          <a:prstGeom prst="rect">
-            <a:avLst/>
-          </a:prstGeom>
-        </p:spPr>
-      </p:pic>
-      <p:pic>
-        <p:nvPicPr>
-          <p:cNvPr id="8" name="图片 7"/>
-          <p:cNvPicPr>
-            <a:picLocks noChangeAspect="1"/>
-          </p:cNvPicPr>
-          <p:nvPr/>
-        </p:nvPicPr>
-        <p:blipFill>
-          <a:blip r:embed="rId3">
-            <a:extLst>
-              <a:ext uri="{28A0092B-C50C-407E-A947-70E740481C1C}">
-                <a14:useLocalDpi xmlns:a14="http://schemas.microsoft.com/office/drawing/2010/main" val="0"/>
-              </a:ext>
-            </a:extLst>
-          </a:blip>
-          <a:stretch>
-            <a:fillRect/>
-          </a:stretch>
-        </p:blipFill>
-        <p:spPr>
-          <a:xfrm>
-            <a:off x="3808203" y="2141147"/>
-            <a:ext cx="4940261" cy="1071829"/>
-          </a:xfrm>
-          <a:prstGeom prst="rect">
-            <a:avLst/>
-          </a:prstGeom>
-        </p:spPr>
-      </p:pic>
-      <p:pic>
-        <p:nvPicPr>
-          <p:cNvPr id="9" name="图片 8"/>
-          <p:cNvPicPr>
-            <a:picLocks noChangeAspect="1"/>
-          </p:cNvPicPr>
-          <p:nvPr/>
-        </p:nvPicPr>
-        <p:blipFill>
-          <a:blip r:embed="rId4">
-            <a:extLst>
-              <a:ext uri="{28A0092B-C50C-407E-A947-70E740481C1C}">
-                <a14:useLocalDpi xmlns:a14="http://schemas.microsoft.com/office/drawing/2010/main" val="0"/>
-              </a:ext>
-            </a:extLst>
-          </a:blip>
-          <a:stretch>
-            <a:fillRect/>
-          </a:stretch>
-        </p:blipFill>
-        <p:spPr>
-          <a:xfrm>
-            <a:off x="467544" y="3321495"/>
-            <a:ext cx="3340658" cy="1691681"/>
-          </a:xfrm>
-          <a:prstGeom prst="rect">
-            <a:avLst/>
-          </a:prstGeom>
-        </p:spPr>
-      </p:pic>
-      <p:pic>
-        <p:nvPicPr>
-          <p:cNvPr id="10" name="图片 9"/>
-          <p:cNvPicPr>
-            <a:picLocks noChangeAspect="1"/>
-          </p:cNvPicPr>
-          <p:nvPr/>
-        </p:nvPicPr>
-        <p:blipFill>
-          <a:blip r:embed="rId5">
-            <a:extLst>
-              <a:ext uri="{28A0092B-C50C-407E-A947-70E740481C1C}">
-                <a14:useLocalDpi xmlns:a14="http://schemas.microsoft.com/office/drawing/2010/main" val="0"/>
-              </a:ext>
-            </a:extLst>
-          </a:blip>
-          <a:stretch>
-            <a:fillRect/>
-          </a:stretch>
-        </p:blipFill>
-        <p:spPr>
-          <a:xfrm>
-            <a:off x="3808204" y="4883744"/>
-            <a:ext cx="4940260" cy="921520"/>
-          </a:xfrm>
-          <a:prstGeom prst="rect">
-            <a:avLst/>
-          </a:prstGeom>
-        </p:spPr>
-      </p:pic>
-      <p:pic>
-        <p:nvPicPr>
-          <p:cNvPr id="11" name="图片 10"/>
-          <p:cNvPicPr>
-            <a:picLocks noChangeAspect="1"/>
-          </p:cNvPicPr>
-          <p:nvPr/>
-        </p:nvPicPr>
-        <p:blipFill>
-          <a:blip r:embed="rId6">
-            <a:extLst>
-              <a:ext uri="{28A0092B-C50C-407E-A947-70E740481C1C}">
-                <a14:useLocalDpi xmlns:a14="http://schemas.microsoft.com/office/drawing/2010/main" val="0"/>
-              </a:ext>
-            </a:extLst>
-          </a:blip>
-          <a:stretch>
-            <a:fillRect/>
-          </a:stretch>
-        </p:blipFill>
-        <p:spPr>
-          <a:xfrm>
-            <a:off x="467544" y="6066718"/>
-            <a:ext cx="3340658" cy="386618"/>
-          </a:xfrm>
-          <a:prstGeom prst="rect">
-            <a:avLst/>
-          </a:prstGeom>
-        </p:spPr>
-      </p:pic>
-      <p:cxnSp>
-        <p:nvCxnSpPr>
-          <p:cNvPr id="15" name="曲线连接符 14"/>
-          <p:cNvCxnSpPr>
-            <a:stCxn id="6" idx="3"/>
-            <a:endCxn id="8" idx="0"/>
-          </p:cNvCxnSpPr>
-          <p:nvPr/>
-        </p:nvCxnSpPr>
-        <p:spPr>
-          <a:xfrm>
-            <a:off x="3808202" y="1425945"/>
-            <a:ext cx="2470132" cy="715202"/>
-          </a:xfrm>
-          <a:prstGeom prst="curvedConnector2">
-            <a:avLst/>
-          </a:prstGeom>
-          <a:ln>
-            <a:solidFill>
-              <a:srgbClr val="FF0000"/>
-            </a:solidFill>
-            <a:tailEnd type="arrow"/>
-          </a:ln>
-        </p:spPr>
-        <p:style>
-          <a:lnRef idx="1">
-            <a:schemeClr val="accent1"/>
-          </a:lnRef>
-          <a:fillRef idx="0">
-            <a:schemeClr val="accent1"/>
-          </a:fillRef>
-          <a:effectRef idx="0">
-            <a:schemeClr val="accent1"/>
-          </a:effectRef>
-          <a:fontRef idx="minor">
-            <a:schemeClr val="tx1"/>
-          </a:fontRef>
-        </p:style>
-      </p:cxnSp>
-      <p:cxnSp>
-        <p:nvCxnSpPr>
-          <p:cNvPr id="19" name="曲线连接符 18"/>
-          <p:cNvCxnSpPr>
-            <a:stCxn id="8" idx="1"/>
-            <a:endCxn id="9" idx="0"/>
-          </p:cNvCxnSpPr>
-          <p:nvPr/>
-        </p:nvCxnSpPr>
-        <p:spPr>
-          <a:xfrm rot="10800000" flipV="1">
-            <a:off x="2137873" y="2677061"/>
-            <a:ext cx="1670330" cy="644433"/>
-          </a:xfrm>
-          <a:prstGeom prst="curvedConnector2">
-            <a:avLst/>
-          </a:prstGeom>
-          <a:ln>
-            <a:solidFill>
-              <a:srgbClr val="FF0000"/>
-            </a:solidFill>
-            <a:tailEnd type="arrow"/>
-          </a:ln>
-        </p:spPr>
-        <p:style>
-          <a:lnRef idx="1">
-            <a:schemeClr val="accent1"/>
-          </a:lnRef>
-          <a:fillRef idx="0">
-            <a:schemeClr val="accent1"/>
-          </a:fillRef>
-          <a:effectRef idx="0">
-            <a:schemeClr val="accent1"/>
-          </a:effectRef>
-          <a:fontRef idx="minor">
-            <a:schemeClr val="tx1"/>
-          </a:fontRef>
-        </p:style>
-      </p:cxnSp>
-      <p:cxnSp>
-        <p:nvCxnSpPr>
-          <p:cNvPr id="23" name="曲线连接符 22"/>
-          <p:cNvCxnSpPr>
-            <a:stCxn id="9" idx="3"/>
-            <a:endCxn id="10" idx="0"/>
-          </p:cNvCxnSpPr>
-          <p:nvPr/>
-        </p:nvCxnSpPr>
-        <p:spPr>
-          <a:xfrm>
-            <a:off x="3808202" y="4167336"/>
-            <a:ext cx="2470132" cy="716408"/>
-          </a:xfrm>
-          <a:prstGeom prst="curvedConnector2">
-            <a:avLst/>
-          </a:prstGeom>
-          <a:ln>
-            <a:solidFill>
-              <a:srgbClr val="FF0000"/>
-            </a:solidFill>
-            <a:tailEnd type="arrow"/>
-          </a:ln>
-        </p:spPr>
-        <p:style>
-          <a:lnRef idx="1">
-            <a:schemeClr val="accent1"/>
-          </a:lnRef>
-          <a:fillRef idx="0">
-            <a:schemeClr val="accent1"/>
-          </a:fillRef>
-          <a:effectRef idx="0">
-            <a:schemeClr val="accent1"/>
-          </a:effectRef>
-          <a:fontRef idx="minor">
-            <a:schemeClr val="tx1"/>
-          </a:fontRef>
-        </p:style>
-      </p:cxnSp>
-      <p:cxnSp>
-        <p:nvCxnSpPr>
-          <p:cNvPr id="25" name="曲线连接符 24"/>
-          <p:cNvCxnSpPr>
-            <a:stCxn id="10" idx="1"/>
-            <a:endCxn id="11" idx="0"/>
-          </p:cNvCxnSpPr>
-          <p:nvPr/>
-        </p:nvCxnSpPr>
-        <p:spPr>
-          <a:xfrm rot="10800000" flipV="1">
-            <a:off x="2137874" y="5344504"/>
-            <a:ext cx="1670331" cy="722214"/>
-          </a:xfrm>
-          <a:prstGeom prst="curvedConnector2">
-            <a:avLst/>
-          </a:prstGeom>
-          <a:ln>
-            <a:solidFill>
-              <a:srgbClr val="FF0000"/>
-            </a:solidFill>
-            <a:tailEnd type="arrow"/>
-          </a:ln>
-        </p:spPr>
-        <p:style>
-          <a:lnRef idx="1">
-            <a:schemeClr val="accent1"/>
-          </a:lnRef>
-          <a:fillRef idx="0">
-            <a:schemeClr val="accent1"/>
-          </a:fillRef>
-          <a:effectRef idx="0">
-            <a:schemeClr val="accent1"/>
-          </a:effectRef>
-          <a:fontRef idx="minor">
-            <a:schemeClr val="tx1"/>
-          </a:fontRef>
-        </p:style>
-      </p:cxnSp>
-    </p:spTree>
-    <p:extLst>
-      <p:ext uri="{BB962C8B-B14F-4D97-AF65-F5344CB8AC3E}">
-        <p14:creationId xmlns:p14="http://schemas.microsoft.com/office/powerpoint/2010/main" val="4267307649"/>
-      </p:ext>
-    </p:extLst>
-  </p:cSld>
-  <p:clrMapOvr>
-    <a:masterClrMapping/>
-  </p:clrMapOvr>
-  <p:timing>
-    <p:tnLst>
-      <p:par>
-        <p:cTn id="1" dur="indefinite" restart="never" nodeType="tmRoot"/>
-      </p:par>
-    </p:tnLst>
-  </p:timing>
-</p:sld>
-</file>
-
 <file path=ppt/slides/slide5.xml><?xml version="1.0" encoding="utf-8"?>
 <p:sld xmlns:a="http://schemas.openxmlformats.org/drawingml/2006/main" xmlns:r="http://schemas.openxmlformats.org/officeDocument/2006/relationships" xmlns:p="http://schemas.openxmlformats.org/presentationml/2006/main">
   <p:cSld>
@@ -5997,7 +7164,7 @@
       </p:grpSpPr>
       <p:sp>
         <p:nvSpPr>
-          <p:cNvPr id="4" name="标题 57"/>
+          <p:cNvPr id="58" name="标题 57"/>
           <p:cNvSpPr>
             <a:spLocks noGrp="1"/>
           </p:cNvSpPr>
@@ -6007,7 +7174,7 @@
         </p:nvSpPr>
         <p:spPr>
           <a:xfrm>
-            <a:off x="457200" y="274638"/>
+            <a:off x="493204" y="188640"/>
             <a:ext cx="8229600" cy="634082"/>
           </a:xfrm>
         </p:spPr>
@@ -6018,21 +7185,28 @@
           <a:lstStyle/>
           <a:p>
             <a:r>
-              <a:rPr lang="en-CA" b="1" dirty="0">
+              <a:rPr lang="en-CA" b="1" dirty="0" smtClean="0">
                 <a:solidFill>
                   <a:srgbClr val="0070C0"/>
                 </a:solidFill>
                 <a:latin typeface="Times New Roman" panose="02020603050405020304" pitchFamily="18" charset="0"/>
                 <a:cs typeface="Times New Roman" panose="02020603050405020304" pitchFamily="18" charset="0"/>
               </a:rPr>
-              <a:t>Challenges and Solutions </a:t>
-            </a:r>
+              <a:t>Solution Overview  </a:t>
+            </a:r>
+            <a:endParaRPr lang="en-CA" b="1" dirty="0">
+              <a:solidFill>
+                <a:srgbClr val="0070C0"/>
+              </a:solidFill>
+              <a:latin typeface="Times New Roman" panose="02020603050405020304" pitchFamily="18" charset="0"/>
+              <a:cs typeface="Times New Roman" panose="02020603050405020304" pitchFamily="18" charset="0"/>
+            </a:endParaRPr>
           </a:p>
         </p:txBody>
       </p:sp>
       <p:cxnSp>
         <p:nvCxnSpPr>
-          <p:cNvPr id="5" name="直接连接符 4"/>
+          <p:cNvPr id="60" name="直接连接符 59"/>
           <p:cNvCxnSpPr/>
           <p:nvPr/>
         </p:nvCxnSpPr>
@@ -6061,109 +7235,347 @@
           </a:fontRef>
         </p:style>
       </p:cxnSp>
-      <p:pic>
-        <p:nvPicPr>
-          <p:cNvPr id="8" name="图片 7"/>
-          <p:cNvPicPr>
-            <a:picLocks noChangeAspect="1"/>
-          </p:cNvPicPr>
-          <p:nvPr/>
-        </p:nvPicPr>
-        <p:blipFill>
-          <a:blip r:embed="rId2">
-            <a:extLst>
-              <a:ext uri="{28A0092B-C50C-407E-A947-70E740481C1C}">
-                <a14:useLocalDpi xmlns:a14="http://schemas.microsoft.com/office/drawing/2010/main" val="0"/>
-              </a:ext>
-            </a:extLst>
-          </a:blip>
-          <a:stretch>
-            <a:fillRect/>
-          </a:stretch>
-        </p:blipFill>
-        <p:spPr>
-          <a:xfrm>
-            <a:off x="2736175" y="1052736"/>
-            <a:ext cx="3384376" cy="245555"/>
+      <p:sp>
+        <p:nvSpPr>
+          <p:cNvPr id="2" name="矩形 1"/>
+          <p:cNvSpPr/>
+          <p:nvPr/>
+        </p:nvSpPr>
+        <p:spPr>
+          <a:xfrm>
+            <a:off x="1979712" y="1124744"/>
+            <a:ext cx="4968552" cy="1938992"/>
           </a:xfrm>
           <a:prstGeom prst="rect">
             <a:avLst/>
           </a:prstGeom>
-        </p:spPr>
-      </p:pic>
-      <p:pic>
-        <p:nvPicPr>
-          <p:cNvPr id="10" name="图片 9"/>
-          <p:cNvPicPr>
-            <a:picLocks noChangeAspect="1"/>
-          </p:cNvPicPr>
-          <p:nvPr/>
-        </p:nvPicPr>
-        <p:blipFill>
-          <a:blip r:embed="rId3">
-            <a:extLst>
-              <a:ext uri="{28A0092B-C50C-407E-A947-70E740481C1C}">
-                <a14:useLocalDpi xmlns:a14="http://schemas.microsoft.com/office/drawing/2010/main" val="0"/>
-              </a:ext>
-            </a:extLst>
-          </a:blip>
-          <a:stretch>
-            <a:fillRect/>
-          </a:stretch>
-        </p:blipFill>
-        <p:spPr>
-          <a:xfrm>
-            <a:off x="1763688" y="1729881"/>
-            <a:ext cx="5328592" cy="1987151"/>
+          <a:ln>
+            <a:solidFill>
+              <a:srgbClr val="0070C0"/>
+            </a:solidFill>
+          </a:ln>
+        </p:spPr>
+        <p:txBody>
+          <a:bodyPr wrap="square">
+            <a:spAutoFit/>
+          </a:bodyPr>
+          <a:lstStyle/>
+          <a:p>
+            <a:r>
+              <a:rPr lang="en-US" sz="2000" b="1" dirty="0"/>
+              <a:t>The code </a:t>
+            </a:r>
+            <a:r>
+              <a:rPr lang="en-US" sz="2000" b="1" dirty="0" smtClean="0"/>
+              <a:t>we </a:t>
+            </a:r>
+            <a:r>
+              <a:rPr lang="en-US" sz="2000" b="1" dirty="0"/>
+              <a:t>will </a:t>
+            </a:r>
+            <a:r>
+              <a:rPr lang="en-US" sz="2000" b="1" dirty="0" smtClean="0"/>
+              <a:t>develop </a:t>
+            </a:r>
+            <a:r>
+              <a:rPr lang="en-US" sz="2000" b="1" dirty="0"/>
+              <a:t>include some </a:t>
+            </a:r>
+            <a:r>
+              <a:rPr lang="en-US" sz="2000" b="1" dirty="0" smtClean="0"/>
+              <a:t>URLs.</a:t>
+            </a:r>
+          </a:p>
+          <a:p>
+            <a:r>
+              <a:rPr lang="en-US" sz="2000" b="1" dirty="0"/>
+              <a:t>T</a:t>
+            </a:r>
+            <a:r>
+              <a:rPr lang="en-US" sz="2000" b="1" dirty="0" smtClean="0"/>
+              <a:t>he </a:t>
+            </a:r>
+            <a:r>
+              <a:rPr lang="en-US" sz="2000" b="1" dirty="0"/>
+              <a:t>list is shown below:</a:t>
+            </a:r>
+            <a:endParaRPr lang="en-CA" sz="2000" b="1" dirty="0"/>
+          </a:p>
+          <a:p>
+            <a:pPr marL="285750" lvl="0" indent="-285750">
+              <a:buFont typeface="Arial" panose="020B0604020202020204" pitchFamily="34" charset="0"/>
+              <a:buChar char="•"/>
+            </a:pPr>
+            <a:r>
+              <a:rPr lang="en-US" sz="2000" b="1" dirty="0"/>
+              <a:t>/login</a:t>
+            </a:r>
+            <a:endParaRPr lang="en-CA" sz="2000" b="1" dirty="0"/>
+          </a:p>
+          <a:p>
+            <a:pPr marL="285750" lvl="0" indent="-285750">
+              <a:buFont typeface="Arial" panose="020B0604020202020204" pitchFamily="34" charset="0"/>
+              <a:buChar char="•"/>
+            </a:pPr>
+            <a:r>
+              <a:rPr lang="en-US" sz="2000" b="1" dirty="0"/>
+              <a:t>/register</a:t>
+            </a:r>
+            <a:endParaRPr lang="en-CA" sz="2000" b="1" dirty="0"/>
+          </a:p>
+          <a:p>
+            <a:pPr marL="285750" lvl="0" indent="-285750">
+              <a:buFont typeface="Arial" panose="020B0604020202020204" pitchFamily="34" charset="0"/>
+              <a:buChar char="•"/>
+            </a:pPr>
+            <a:r>
+              <a:rPr lang="en-US" sz="2000" b="1" dirty="0"/>
+              <a:t>/passwordreset</a:t>
+            </a:r>
+            <a:endParaRPr lang="en-CA" sz="2000" b="1" dirty="0"/>
+          </a:p>
+          <a:p>
+            <a:pPr marL="285750" lvl="0" indent="-285750">
+              <a:buFont typeface="Arial" panose="020B0604020202020204" pitchFamily="34" charset="0"/>
+              <a:buChar char="•"/>
+            </a:pPr>
+            <a:r>
+              <a:rPr lang="en-US" sz="2000" b="1" dirty="0" smtClean="0"/>
+              <a:t>/</a:t>
+            </a:r>
+            <a:r>
+              <a:rPr lang="en-US" sz="2000" b="1" dirty="0"/>
+              <a:t>logout</a:t>
+            </a:r>
+            <a:endParaRPr lang="en-CA" sz="2000" b="1" dirty="0"/>
+          </a:p>
+        </p:txBody>
+      </p:sp>
+      <p:sp>
+        <p:nvSpPr>
+          <p:cNvPr id="4" name="矩形 3"/>
+          <p:cNvSpPr/>
+          <p:nvPr/>
+        </p:nvSpPr>
+        <p:spPr>
+          <a:xfrm>
+            <a:off x="5796136" y="4298320"/>
+            <a:ext cx="2941538" cy="1938992"/>
           </a:xfrm>
           <a:prstGeom prst="rect">
             <a:avLst/>
           </a:prstGeom>
-        </p:spPr>
-      </p:pic>
-      <p:pic>
-        <p:nvPicPr>
-          <p:cNvPr id="11" name="图片 10"/>
-          <p:cNvPicPr>
-            <a:picLocks noChangeAspect="1"/>
-          </p:cNvPicPr>
-          <p:nvPr/>
-        </p:nvPicPr>
-        <p:blipFill>
-          <a:blip r:embed="rId4">
-            <a:extLst>
-              <a:ext uri="{28A0092B-C50C-407E-A947-70E740481C1C}">
-                <a14:useLocalDpi xmlns:a14="http://schemas.microsoft.com/office/drawing/2010/main" val="0"/>
-              </a:ext>
-            </a:extLst>
-          </a:blip>
-          <a:stretch>
-            <a:fillRect/>
-          </a:stretch>
-        </p:blipFill>
-        <p:spPr>
-          <a:xfrm>
-            <a:off x="2514331" y="4278285"/>
-            <a:ext cx="3833124" cy="1166939"/>
+          <a:ln>
+            <a:solidFill>
+              <a:srgbClr val="0070C0"/>
+            </a:solidFill>
+          </a:ln>
+        </p:spPr>
+        <p:txBody>
+          <a:bodyPr wrap="square">
+            <a:spAutoFit/>
+          </a:bodyPr>
+          <a:lstStyle/>
+          <a:p>
+            <a:pPr lvl="0" algn="ctr"/>
+            <a:r>
+              <a:rPr lang="en-US" sz="2000" b="1" dirty="0" smtClean="0"/>
+              <a:t>Admin</a:t>
+            </a:r>
+          </a:p>
+          <a:p>
+            <a:pPr marL="285750" lvl="0" indent="-285750">
+              <a:buFont typeface="Arial" panose="020B0604020202020204" pitchFamily="34" charset="0"/>
+              <a:buChar char="•"/>
+            </a:pPr>
+            <a:r>
+              <a:rPr lang="en-US" sz="2000" b="1" dirty="0" smtClean="0"/>
+              <a:t>/admin/list</a:t>
+            </a:r>
+            <a:endParaRPr lang="en-CA" sz="2000" b="1" dirty="0"/>
+          </a:p>
+          <a:p>
+            <a:pPr marL="285750" lvl="0" indent="-285750">
+              <a:buFont typeface="Arial" panose="020B0604020202020204" pitchFamily="34" charset="0"/>
+              <a:buChar char="•"/>
+            </a:pPr>
+            <a:r>
+              <a:rPr lang="en-US" sz="2000" b="1" dirty="0"/>
+              <a:t>/</a:t>
+            </a:r>
+            <a:r>
+              <a:rPr lang="en-US" sz="2000" b="1" dirty="0" smtClean="0"/>
+              <a:t>admin/edit/:userid</a:t>
+            </a:r>
+            <a:endParaRPr lang="en-CA" sz="2000" b="1" dirty="0"/>
+          </a:p>
+          <a:p>
+            <a:pPr marL="285750" lvl="0" indent="-285750">
+              <a:buFont typeface="Arial" panose="020B0604020202020204" pitchFamily="34" charset="0"/>
+              <a:buChar char="•"/>
+            </a:pPr>
+            <a:r>
+              <a:rPr lang="en-US" sz="2000" b="1" dirty="0"/>
+              <a:t>/</a:t>
+            </a:r>
+            <a:r>
+              <a:rPr lang="en-US" sz="2000" b="1" dirty="0" smtClean="0"/>
+              <a:t>admin/delete/:userid</a:t>
+            </a:r>
+            <a:endParaRPr lang="en-CA" sz="2000" b="1" dirty="0"/>
+          </a:p>
+          <a:p>
+            <a:pPr marL="285750" lvl="0" indent="-285750">
+              <a:buFont typeface="Arial" panose="020B0604020202020204" pitchFamily="34" charset="0"/>
+              <a:buChar char="•"/>
+            </a:pPr>
+            <a:r>
+              <a:rPr lang="en-US" sz="2000" b="1" dirty="0"/>
+              <a:t>/</a:t>
+            </a:r>
+            <a:r>
+              <a:rPr lang="en-US" sz="2000" b="1" dirty="0" smtClean="0"/>
+              <a:t>admin/block/:userid </a:t>
+            </a:r>
+          </a:p>
+          <a:p>
+            <a:pPr marL="285750" lvl="0" indent="-285750">
+              <a:buFont typeface="Arial" panose="020B0604020202020204" pitchFamily="34" charset="0"/>
+              <a:buChar char="•"/>
+            </a:pPr>
+            <a:r>
+              <a:rPr lang="en-US" sz="2000" b="1" dirty="0" smtClean="0"/>
+              <a:t>/admin/view/:userid</a:t>
+            </a:r>
+            <a:endParaRPr lang="en-CA" sz="2000" b="1" dirty="0"/>
+          </a:p>
+        </p:txBody>
+      </p:sp>
+      <p:sp>
+        <p:nvSpPr>
+          <p:cNvPr id="6" name="矩形 5"/>
+          <p:cNvSpPr/>
+          <p:nvPr/>
+        </p:nvSpPr>
+        <p:spPr>
+          <a:xfrm>
+            <a:off x="467544" y="4266962"/>
+            <a:ext cx="2520280" cy="1938992"/>
           </a:xfrm>
           <a:prstGeom prst="rect">
             <a:avLst/>
           </a:prstGeom>
-        </p:spPr>
-      </p:pic>
+          <a:ln>
+            <a:solidFill>
+              <a:srgbClr val="0070C0"/>
+            </a:solidFill>
+          </a:ln>
+        </p:spPr>
+        <p:txBody>
+          <a:bodyPr wrap="square">
+            <a:spAutoFit/>
+          </a:bodyPr>
+          <a:lstStyle/>
+          <a:p>
+            <a:pPr lvl="0" algn="ctr"/>
+            <a:r>
+              <a:rPr lang="en-US" sz="2000" b="1" dirty="0" smtClean="0"/>
+              <a:t>No-admin User</a:t>
+            </a:r>
+          </a:p>
+          <a:p>
+            <a:pPr marL="285750" lvl="0" indent="-285750">
+              <a:buFont typeface="Arial" panose="020B0604020202020204" pitchFamily="34" charset="0"/>
+              <a:buChar char="•"/>
+            </a:pPr>
+            <a:r>
+              <a:rPr lang="en-US" sz="2000" b="1" dirty="0" smtClean="0"/>
+              <a:t>/upload</a:t>
+            </a:r>
+          </a:p>
+          <a:p>
+            <a:pPr marL="285750" lvl="0" indent="-285750">
+              <a:buFont typeface="Arial" panose="020B0604020202020204" pitchFamily="34" charset="0"/>
+              <a:buChar char="•"/>
+            </a:pPr>
+            <a:r>
+              <a:rPr lang="en-US" sz="2000" b="1" dirty="0" smtClean="0"/>
+              <a:t>/list</a:t>
+            </a:r>
+            <a:endParaRPr lang="en-CA" sz="2000" b="1" dirty="0"/>
+          </a:p>
+          <a:p>
+            <a:pPr marL="285750" lvl="0" indent="-285750">
+              <a:buFont typeface="Arial" panose="020B0604020202020204" pitchFamily="34" charset="0"/>
+              <a:buChar char="•"/>
+            </a:pPr>
+            <a:r>
+              <a:rPr lang="en-US" sz="2000" b="1" dirty="0"/>
+              <a:t>/</a:t>
+            </a:r>
+            <a:r>
+              <a:rPr lang="en-US" sz="2000" b="1" dirty="0" smtClean="0"/>
+              <a:t>download/:</a:t>
+            </a:r>
+            <a:r>
+              <a:rPr lang="en-US" sz="2000" b="1" dirty="0"/>
+              <a:t>fileid</a:t>
+            </a:r>
+            <a:endParaRPr lang="en-CA" sz="2000" b="1" dirty="0"/>
+          </a:p>
+          <a:p>
+            <a:pPr marL="285750" lvl="0" indent="-285750">
+              <a:buFont typeface="Arial" panose="020B0604020202020204" pitchFamily="34" charset="0"/>
+              <a:buChar char="•"/>
+            </a:pPr>
+            <a:r>
+              <a:rPr lang="en-US" sz="2000" b="1" dirty="0"/>
+              <a:t>/</a:t>
+            </a:r>
+            <a:r>
+              <a:rPr lang="en-US" sz="2000" b="1" dirty="0" smtClean="0"/>
+              <a:t>delete/:</a:t>
+            </a:r>
+            <a:r>
+              <a:rPr lang="en-US" sz="2000" b="1" dirty="0"/>
+              <a:t>fileid</a:t>
+            </a:r>
+            <a:endParaRPr lang="en-CA" sz="2000" b="1" dirty="0"/>
+          </a:p>
+          <a:p>
+            <a:pPr marL="285750" lvl="0" indent="-285750">
+              <a:buFont typeface="Arial" panose="020B0604020202020204" pitchFamily="34" charset="0"/>
+              <a:buChar char="•"/>
+            </a:pPr>
+            <a:r>
+              <a:rPr lang="en-US" sz="2000" b="1" dirty="0"/>
+              <a:t>/</a:t>
+            </a:r>
+            <a:r>
+              <a:rPr lang="en-US" sz="2000" b="1" dirty="0" smtClean="0"/>
+              <a:t>rename/:</a:t>
+            </a:r>
+            <a:r>
+              <a:rPr lang="en-US" sz="2000" b="1" dirty="0"/>
+              <a:t>fileid</a:t>
+            </a:r>
+            <a:endParaRPr lang="en-CA" sz="2000" b="1" dirty="0"/>
+          </a:p>
+        </p:txBody>
+      </p:sp>
       <p:cxnSp>
         <p:nvCxnSpPr>
-          <p:cNvPr id="13" name="直接箭头连接符 12"/>
+          <p:cNvPr id="11" name="直接箭头连接符 10"/>
           <p:cNvCxnSpPr>
-            <a:stCxn id="8" idx="2"/>
-            <a:endCxn id="10" idx="0"/>
+            <a:stCxn id="2" idx="2"/>
+            <a:endCxn id="6" idx="0"/>
           </p:cNvCxnSpPr>
           <p:nvPr/>
         </p:nvCxnSpPr>
         <p:spPr>
           <a:xfrm flipH="1">
-            <a:off x="4427984" y="1298291"/>
-            <a:ext cx="379" cy="431590"/>
+            <a:off x="1727684" y="3063736"/>
+            <a:ext cx="2736304" cy="1203226"/>
           </a:xfrm>
           <a:prstGeom prst="straightConnector1">
             <a:avLst/>
@@ -6192,86 +7604,17 @@
       </p:cxnSp>
       <p:cxnSp>
         <p:nvCxnSpPr>
-          <p:cNvPr id="16" name="直接箭头连接符 15"/>
+          <p:cNvPr id="13" name="直接箭头连接符 12"/>
           <p:cNvCxnSpPr>
-            <a:stCxn id="10" idx="2"/>
-            <a:endCxn id="11" idx="0"/>
+            <a:stCxn id="2" idx="2"/>
+            <a:endCxn id="4" idx="0"/>
           </p:cNvCxnSpPr>
           <p:nvPr/>
         </p:nvCxnSpPr>
         <p:spPr>
           <a:xfrm>
-            <a:off x="4427984" y="3717032"/>
-            <a:ext cx="2909" cy="561253"/>
-          </a:xfrm>
-          <a:prstGeom prst="straightConnector1">
-            <a:avLst/>
-          </a:prstGeom>
-          <a:ln>
-            <a:solidFill>
-              <a:srgbClr val="FF0000"/>
-            </a:solidFill>
-            <a:tailEnd type="arrow"/>
-          </a:ln>
-        </p:spPr>
-        <p:style>
-          <a:lnRef idx="1">
-            <a:schemeClr val="accent1"/>
-          </a:lnRef>
-          <a:fillRef idx="0">
-            <a:schemeClr val="accent1"/>
-          </a:fillRef>
-          <a:effectRef idx="0">
-            <a:schemeClr val="accent1"/>
-          </a:effectRef>
-          <a:fontRef idx="minor">
-            <a:schemeClr val="tx1"/>
-          </a:fontRef>
-        </p:style>
-      </p:cxnSp>
-      <p:pic>
-        <p:nvPicPr>
-          <p:cNvPr id="6" name="图片 5"/>
-          <p:cNvPicPr>
-            <a:picLocks noChangeAspect="1"/>
-          </p:cNvPicPr>
-          <p:nvPr/>
-        </p:nvPicPr>
-        <p:blipFill>
-          <a:blip r:embed="rId5">
-            <a:extLst>
-              <a:ext uri="{28A0092B-C50C-407E-A947-70E740481C1C}">
-                <a14:useLocalDpi xmlns:a14="http://schemas.microsoft.com/office/drawing/2010/main" val="0"/>
-              </a:ext>
-            </a:extLst>
-          </a:blip>
-          <a:stretch>
-            <a:fillRect/>
-          </a:stretch>
-        </p:blipFill>
-        <p:spPr>
-          <a:xfrm>
-            <a:off x="443794" y="6005598"/>
-            <a:ext cx="7981770" cy="447738"/>
-          </a:xfrm>
-          <a:prstGeom prst="rect">
-            <a:avLst/>
-          </a:prstGeom>
-        </p:spPr>
-      </p:pic>
-      <p:cxnSp>
-        <p:nvCxnSpPr>
-          <p:cNvPr id="9" name="直接箭头连接符 8"/>
-          <p:cNvCxnSpPr>
-            <a:stCxn id="11" idx="2"/>
-            <a:endCxn id="6" idx="0"/>
-          </p:cNvCxnSpPr>
-          <p:nvPr/>
-        </p:nvCxnSpPr>
-        <p:spPr>
-          <a:xfrm>
-            <a:off x="4430893" y="5445224"/>
-            <a:ext cx="3786" cy="560374"/>
+            <a:off x="4463988" y="3063736"/>
+            <a:ext cx="2802917" cy="1234584"/>
           </a:xfrm>
           <a:prstGeom prst="straightConnector1">
             <a:avLst/>
@@ -6301,7 +7644,7 @@
     </p:spTree>
     <p:extLst>
       <p:ext uri="{BB962C8B-B14F-4D97-AF65-F5344CB8AC3E}">
-        <p14:creationId xmlns:p14="http://schemas.microsoft.com/office/powerpoint/2010/main" val="3827495786"/>
+        <p14:creationId xmlns:p14="http://schemas.microsoft.com/office/powerpoint/2010/main" val="970605240"/>
       </p:ext>
     </p:extLst>
   </p:cSld>
@@ -6365,15 +7708,8 @@
                 <a:latin typeface="Times New Roman" panose="02020603050405020304" pitchFamily="18" charset="0"/>
                 <a:cs typeface="Times New Roman" panose="02020603050405020304" pitchFamily="18" charset="0"/>
               </a:rPr>
-              <a:t>What we learned </a:t>
-            </a:r>
-            <a:endParaRPr lang="en-CA" b="1" dirty="0">
-              <a:solidFill>
-                <a:srgbClr val="0070C0"/>
-              </a:solidFill>
-              <a:latin typeface="Times New Roman" panose="02020603050405020304" pitchFamily="18" charset="0"/>
-              <a:cs typeface="Times New Roman" panose="02020603050405020304" pitchFamily="18" charset="0"/>
-            </a:endParaRPr>
+              <a:t>Challenges and Solutions </a:t>
+            </a:r>
           </a:p>
         </p:txBody>
       </p:sp>
@@ -6392,381 +7728,6 @@
             <a:avLst/>
           </a:prstGeom>
           <a:ln cmpd="sng"/>
-        </p:spPr>
-        <p:style>
-          <a:lnRef idx="1">
-            <a:schemeClr val="accent1"/>
-          </a:lnRef>
-          <a:fillRef idx="0">
-            <a:schemeClr val="accent1"/>
-          </a:fillRef>
-          <a:effectRef idx="0">
-            <a:schemeClr val="accent1"/>
-          </a:effectRef>
-          <a:fontRef idx="minor">
-            <a:schemeClr val="tx1"/>
-          </a:fontRef>
-        </p:style>
-      </p:cxnSp>
-      <p:pic>
-        <p:nvPicPr>
-          <p:cNvPr id="6" name="图片 5"/>
-          <p:cNvPicPr>
-            <a:picLocks noChangeAspect="1"/>
-          </p:cNvPicPr>
-          <p:nvPr/>
-        </p:nvPicPr>
-        <p:blipFill>
-          <a:blip r:embed="rId2">
-            <a:extLst>
-              <a:ext uri="{28A0092B-C50C-407E-A947-70E740481C1C}">
-                <a14:useLocalDpi xmlns:a14="http://schemas.microsoft.com/office/drawing/2010/main" val="0"/>
-              </a:ext>
-            </a:extLst>
-          </a:blip>
-          <a:stretch>
-            <a:fillRect/>
-          </a:stretch>
-        </p:blipFill>
-        <p:spPr>
-          <a:xfrm>
-            <a:off x="456468" y="1052736"/>
-            <a:ext cx="4475572" cy="1296144"/>
-          </a:xfrm>
-          <a:prstGeom prst="rect">
-            <a:avLst/>
-          </a:prstGeom>
-        </p:spPr>
-      </p:pic>
-      <p:pic>
-        <p:nvPicPr>
-          <p:cNvPr id="10" name="图片 9"/>
-          <p:cNvPicPr>
-            <a:picLocks noChangeAspect="1"/>
-          </p:cNvPicPr>
-          <p:nvPr/>
-        </p:nvPicPr>
-        <p:blipFill>
-          <a:blip r:embed="rId3">
-            <a:extLst>
-              <a:ext uri="{28A0092B-C50C-407E-A947-70E740481C1C}">
-                <a14:useLocalDpi xmlns:a14="http://schemas.microsoft.com/office/drawing/2010/main" val="0"/>
-              </a:ext>
-            </a:extLst>
-          </a:blip>
-          <a:stretch>
-            <a:fillRect/>
-          </a:stretch>
-        </p:blipFill>
-        <p:spPr>
-          <a:xfrm>
-            <a:off x="467544" y="3068960"/>
-            <a:ext cx="4392446" cy="1569510"/>
-          </a:xfrm>
-          <a:prstGeom prst="rect">
-            <a:avLst/>
-          </a:prstGeom>
-        </p:spPr>
-      </p:pic>
-      <p:pic>
-        <p:nvPicPr>
-          <p:cNvPr id="12" name="图片 11"/>
-          <p:cNvPicPr>
-            <a:picLocks noChangeAspect="1"/>
-          </p:cNvPicPr>
-          <p:nvPr/>
-        </p:nvPicPr>
-        <p:blipFill>
-          <a:blip r:embed="rId4">
-            <a:extLst>
-              <a:ext uri="{28A0092B-C50C-407E-A947-70E740481C1C}">
-                <a14:useLocalDpi xmlns:a14="http://schemas.microsoft.com/office/drawing/2010/main" val="0"/>
-              </a:ext>
-            </a:extLst>
-          </a:blip>
-          <a:stretch>
-            <a:fillRect/>
-          </a:stretch>
-        </p:blipFill>
-        <p:spPr>
-          <a:xfrm>
-            <a:off x="5580112" y="2204864"/>
-            <a:ext cx="3168352" cy="1760196"/>
-          </a:xfrm>
-          <a:prstGeom prst="rect">
-            <a:avLst/>
-          </a:prstGeom>
-        </p:spPr>
-      </p:pic>
-      <p:pic>
-        <p:nvPicPr>
-          <p:cNvPr id="14" name="图片 13"/>
-          <p:cNvPicPr>
-            <a:picLocks noChangeAspect="1"/>
-          </p:cNvPicPr>
-          <p:nvPr/>
-        </p:nvPicPr>
-        <p:blipFill>
-          <a:blip r:embed="rId5">
-            <a:extLst>
-              <a:ext uri="{28A0092B-C50C-407E-A947-70E740481C1C}">
-                <a14:useLocalDpi xmlns:a14="http://schemas.microsoft.com/office/drawing/2010/main" val="0"/>
-              </a:ext>
-            </a:extLst>
-          </a:blip>
-          <a:stretch>
-            <a:fillRect/>
-          </a:stretch>
-        </p:blipFill>
-        <p:spPr>
-          <a:xfrm>
-            <a:off x="5571783" y="4221088"/>
-            <a:ext cx="3176681" cy="1786398"/>
-          </a:xfrm>
-          <a:prstGeom prst="rect">
-            <a:avLst/>
-          </a:prstGeom>
-        </p:spPr>
-      </p:pic>
-      <p:pic>
-        <p:nvPicPr>
-          <p:cNvPr id="16" name="图片 15"/>
-          <p:cNvPicPr>
-            <a:picLocks noChangeAspect="1"/>
-          </p:cNvPicPr>
-          <p:nvPr/>
-        </p:nvPicPr>
-        <p:blipFill>
-          <a:blip r:embed="rId6">
-            <a:extLst>
-              <a:ext uri="{28A0092B-C50C-407E-A947-70E740481C1C}">
-                <a14:useLocalDpi xmlns:a14="http://schemas.microsoft.com/office/drawing/2010/main" val="0"/>
-              </a:ext>
-            </a:extLst>
-          </a:blip>
-          <a:stretch>
-            <a:fillRect/>
-          </a:stretch>
-        </p:blipFill>
-        <p:spPr>
-          <a:xfrm>
-            <a:off x="1649659" y="5229200"/>
-            <a:ext cx="3210373" cy="1438476"/>
-          </a:xfrm>
-          <a:prstGeom prst="rect">
-            <a:avLst/>
-          </a:prstGeom>
-        </p:spPr>
-      </p:pic>
-      <p:cxnSp>
-        <p:nvCxnSpPr>
-          <p:cNvPr id="18" name="曲线连接符 17"/>
-          <p:cNvCxnSpPr>
-            <a:stCxn id="6" idx="3"/>
-            <a:endCxn id="12" idx="0"/>
-          </p:cNvCxnSpPr>
-          <p:nvPr/>
-        </p:nvCxnSpPr>
-        <p:spPr>
-          <a:xfrm>
-            <a:off x="4932040" y="1700808"/>
-            <a:ext cx="2232248" cy="504056"/>
-          </a:xfrm>
-          <a:prstGeom prst="curvedConnector2">
-            <a:avLst/>
-          </a:prstGeom>
-          <a:ln>
-            <a:solidFill>
-              <a:srgbClr val="FF0000"/>
-            </a:solidFill>
-            <a:tailEnd type="arrow"/>
-          </a:ln>
-        </p:spPr>
-        <p:style>
-          <a:lnRef idx="1">
-            <a:schemeClr val="accent1"/>
-          </a:lnRef>
-          <a:fillRef idx="0">
-            <a:schemeClr val="accent1"/>
-          </a:fillRef>
-          <a:effectRef idx="0">
-            <a:schemeClr val="accent1"/>
-          </a:effectRef>
-          <a:fontRef idx="minor">
-            <a:schemeClr val="tx1"/>
-          </a:fontRef>
-        </p:style>
-      </p:cxnSp>
-      <p:cxnSp>
-        <p:nvCxnSpPr>
-          <p:cNvPr id="20" name="曲线连接符 19"/>
-          <p:cNvCxnSpPr>
-            <a:stCxn id="12" idx="1"/>
-            <a:endCxn id="10" idx="3"/>
-          </p:cNvCxnSpPr>
-          <p:nvPr/>
-        </p:nvCxnSpPr>
-        <p:spPr>
-          <a:xfrm rot="10800000" flipV="1">
-            <a:off x="4859990" y="3084961"/>
-            <a:ext cx="720122" cy="768753"/>
-          </a:xfrm>
-          <a:prstGeom prst="curvedConnector3">
-            <a:avLst/>
-          </a:prstGeom>
-          <a:ln>
-            <a:solidFill>
-              <a:srgbClr val="FF0000"/>
-            </a:solidFill>
-            <a:tailEnd type="arrow"/>
-          </a:ln>
-        </p:spPr>
-        <p:style>
-          <a:lnRef idx="1">
-            <a:schemeClr val="accent1"/>
-          </a:lnRef>
-          <a:fillRef idx="0">
-            <a:schemeClr val="accent1"/>
-          </a:fillRef>
-          <a:effectRef idx="0">
-            <a:schemeClr val="accent1"/>
-          </a:effectRef>
-          <a:fontRef idx="minor">
-            <a:schemeClr val="tx1"/>
-          </a:fontRef>
-        </p:style>
-      </p:cxnSp>
-      <p:cxnSp>
-        <p:nvCxnSpPr>
-          <p:cNvPr id="22" name="曲线连接符 21"/>
-          <p:cNvCxnSpPr>
-            <a:stCxn id="10" idx="2"/>
-            <a:endCxn id="14" idx="1"/>
-          </p:cNvCxnSpPr>
-          <p:nvPr/>
-        </p:nvCxnSpPr>
-        <p:spPr>
-          <a:xfrm rot="16200000" flipH="1">
-            <a:off x="3879867" y="3422370"/>
-            <a:ext cx="475817" cy="2908016"/>
-          </a:xfrm>
-          <a:prstGeom prst="curvedConnector2">
-            <a:avLst/>
-          </a:prstGeom>
-          <a:ln>
-            <a:solidFill>
-              <a:srgbClr val="FF0000"/>
-            </a:solidFill>
-            <a:tailEnd type="arrow"/>
-          </a:ln>
-        </p:spPr>
-        <p:style>
-          <a:lnRef idx="1">
-            <a:schemeClr val="accent1"/>
-          </a:lnRef>
-          <a:fillRef idx="0">
-            <a:schemeClr val="accent1"/>
-          </a:fillRef>
-          <a:effectRef idx="0">
-            <a:schemeClr val="accent1"/>
-          </a:effectRef>
-          <a:fontRef idx="minor">
-            <a:schemeClr val="tx1"/>
-          </a:fontRef>
-        </p:style>
-      </p:cxnSp>
-      <p:cxnSp>
-        <p:nvCxnSpPr>
-          <p:cNvPr id="24" name="曲线连接符 23"/>
-          <p:cNvCxnSpPr/>
-          <p:nvPr/>
-        </p:nvCxnSpPr>
-        <p:spPr>
-          <a:xfrm flipV="1">
-            <a:off x="3635896" y="4437112"/>
-            <a:ext cx="1935887" cy="1800200"/>
-          </a:xfrm>
-          <a:prstGeom prst="curvedConnector3">
-            <a:avLst/>
-          </a:prstGeom>
-          <a:ln>
-            <a:solidFill>
-              <a:schemeClr val="tx1"/>
-            </a:solidFill>
-            <a:tailEnd type="arrow"/>
-          </a:ln>
-        </p:spPr>
-        <p:style>
-          <a:lnRef idx="1">
-            <a:schemeClr val="accent1"/>
-          </a:lnRef>
-          <a:fillRef idx="0">
-            <a:schemeClr val="accent1"/>
-          </a:fillRef>
-          <a:effectRef idx="0">
-            <a:schemeClr val="accent1"/>
-          </a:effectRef>
-          <a:fontRef idx="minor">
-            <a:schemeClr val="tx1"/>
-          </a:fontRef>
-        </p:style>
-      </p:cxnSp>
-      <p:cxnSp>
-        <p:nvCxnSpPr>
-          <p:cNvPr id="26" name="曲线连接符 25"/>
-          <p:cNvCxnSpPr/>
-          <p:nvPr/>
-        </p:nvCxnSpPr>
-        <p:spPr>
-          <a:xfrm flipV="1">
-            <a:off x="4603839" y="5114287"/>
-            <a:ext cx="2848481" cy="1411057"/>
-          </a:xfrm>
-          <a:prstGeom prst="curvedConnector3">
-            <a:avLst/>
-          </a:prstGeom>
-          <a:ln>
-            <a:solidFill>
-              <a:schemeClr val="tx1"/>
-            </a:solidFill>
-            <a:tailEnd type="arrow"/>
-          </a:ln>
-        </p:spPr>
-        <p:style>
-          <a:lnRef idx="1">
-            <a:schemeClr val="accent1"/>
-          </a:lnRef>
-          <a:fillRef idx="0">
-            <a:schemeClr val="accent1"/>
-          </a:fillRef>
-          <a:effectRef idx="0">
-            <a:schemeClr val="accent1"/>
-          </a:effectRef>
-          <a:fontRef idx="minor">
-            <a:schemeClr val="tx1"/>
-          </a:fontRef>
-        </p:style>
-      </p:cxnSp>
-      <p:cxnSp>
-        <p:nvCxnSpPr>
-          <p:cNvPr id="31" name="曲线连接符 30"/>
-          <p:cNvCxnSpPr/>
-          <p:nvPr/>
-        </p:nvCxnSpPr>
-        <p:spPr>
-          <a:xfrm rot="10800000">
-            <a:off x="4499993" y="3356992"/>
-            <a:ext cx="2660131" cy="112346"/>
-          </a:xfrm>
-          <a:prstGeom prst="curvedConnector3">
-            <a:avLst/>
-          </a:prstGeom>
-          <a:ln>
-            <a:solidFill>
-              <a:schemeClr val="tx1"/>
-            </a:solidFill>
-            <a:tailEnd type="arrow"/>
-          </a:ln>
         </p:spPr>
         <p:style>
           <a:lnRef idx="1">
@@ -6786,7 +7747,7 @@
     </p:spTree>
     <p:extLst>
       <p:ext uri="{BB962C8B-B14F-4D97-AF65-F5344CB8AC3E}">
-        <p14:creationId xmlns:p14="http://schemas.microsoft.com/office/powerpoint/2010/main" val="2697211698"/>
+        <p14:creationId xmlns:p14="http://schemas.microsoft.com/office/powerpoint/2010/main" val="229076445"/>
       </p:ext>
     </p:extLst>
   </p:cSld>
@@ -6850,7 +7811,7 @@
                 <a:latin typeface="Times New Roman" panose="02020603050405020304" pitchFamily="18" charset="0"/>
                 <a:cs typeface="Times New Roman" panose="02020603050405020304" pitchFamily="18" charset="0"/>
               </a:rPr>
-              <a:t>What we learned </a:t>
+              <a:t>Challenges and Solutions </a:t>
             </a:r>
           </a:p>
         </p:txBody>
@@ -6870,276 +7831,6 @@
             <a:avLst/>
           </a:prstGeom>
           <a:ln cmpd="sng"/>
-        </p:spPr>
-        <p:style>
-          <a:lnRef idx="1">
-            <a:schemeClr val="accent1"/>
-          </a:lnRef>
-          <a:fillRef idx="0">
-            <a:schemeClr val="accent1"/>
-          </a:fillRef>
-          <a:effectRef idx="0">
-            <a:schemeClr val="accent1"/>
-          </a:effectRef>
-          <a:fontRef idx="minor">
-            <a:schemeClr val="tx1"/>
-          </a:fontRef>
-        </p:style>
-      </p:cxnSp>
-      <p:pic>
-        <p:nvPicPr>
-          <p:cNvPr id="8" name="图片 7"/>
-          <p:cNvPicPr>
-            <a:picLocks noChangeAspect="1"/>
-          </p:cNvPicPr>
-          <p:nvPr/>
-        </p:nvPicPr>
-        <p:blipFill>
-          <a:blip r:embed="rId2">
-            <a:extLst>
-              <a:ext uri="{28A0092B-C50C-407E-A947-70E740481C1C}">
-                <a14:useLocalDpi xmlns:a14="http://schemas.microsoft.com/office/drawing/2010/main" val="0"/>
-              </a:ext>
-            </a:extLst>
-          </a:blip>
-          <a:stretch>
-            <a:fillRect/>
-          </a:stretch>
-        </p:blipFill>
-        <p:spPr>
-          <a:xfrm>
-            <a:off x="467544" y="1124744"/>
-            <a:ext cx="5287113" cy="1057423"/>
-          </a:xfrm>
-          <a:prstGeom prst="rect">
-            <a:avLst/>
-          </a:prstGeom>
-        </p:spPr>
-      </p:pic>
-      <p:pic>
-        <p:nvPicPr>
-          <p:cNvPr id="10" name="图片 9"/>
-          <p:cNvPicPr>
-            <a:picLocks noChangeAspect="1"/>
-          </p:cNvPicPr>
-          <p:nvPr/>
-        </p:nvPicPr>
-        <p:blipFill>
-          <a:blip r:embed="rId3">
-            <a:extLst>
-              <a:ext uri="{28A0092B-C50C-407E-A947-70E740481C1C}">
-                <a14:useLocalDpi xmlns:a14="http://schemas.microsoft.com/office/drawing/2010/main" val="0"/>
-              </a:ext>
-            </a:extLst>
-          </a:blip>
-          <a:stretch>
-            <a:fillRect/>
-          </a:stretch>
-        </p:blipFill>
-        <p:spPr>
-          <a:xfrm>
-            <a:off x="467544" y="3429000"/>
-            <a:ext cx="5410956" cy="1362265"/>
-          </a:xfrm>
-          <a:prstGeom prst="rect">
-            <a:avLst/>
-          </a:prstGeom>
-        </p:spPr>
-      </p:pic>
-      <p:pic>
-        <p:nvPicPr>
-          <p:cNvPr id="12" name="图片 11"/>
-          <p:cNvPicPr>
-            <a:picLocks noChangeAspect="1"/>
-          </p:cNvPicPr>
-          <p:nvPr/>
-        </p:nvPicPr>
-        <p:blipFill>
-          <a:blip r:embed="rId4">
-            <a:extLst>
-              <a:ext uri="{28A0092B-C50C-407E-A947-70E740481C1C}">
-                <a14:useLocalDpi xmlns:a14="http://schemas.microsoft.com/office/drawing/2010/main" val="0"/>
-              </a:ext>
-            </a:extLst>
-          </a:blip>
-          <a:stretch>
-            <a:fillRect/>
-          </a:stretch>
-        </p:blipFill>
-        <p:spPr>
-          <a:xfrm>
-            <a:off x="5074435" y="2264814"/>
-            <a:ext cx="3602021" cy="1092178"/>
-          </a:xfrm>
-          <a:prstGeom prst="rect">
-            <a:avLst/>
-          </a:prstGeom>
-        </p:spPr>
-      </p:pic>
-      <p:pic>
-        <p:nvPicPr>
-          <p:cNvPr id="14" name="图片 13"/>
-          <p:cNvPicPr>
-            <a:picLocks noChangeAspect="1"/>
-          </p:cNvPicPr>
-          <p:nvPr/>
-        </p:nvPicPr>
-        <p:blipFill>
-          <a:blip r:embed="rId5">
-            <a:extLst>
-              <a:ext uri="{28A0092B-C50C-407E-A947-70E740481C1C}">
-                <a14:useLocalDpi xmlns:a14="http://schemas.microsoft.com/office/drawing/2010/main" val="0"/>
-              </a:ext>
-            </a:extLst>
-          </a:blip>
-          <a:stretch>
-            <a:fillRect/>
-          </a:stretch>
-        </p:blipFill>
-        <p:spPr>
-          <a:xfrm>
-            <a:off x="6519021" y="4312816"/>
-            <a:ext cx="1581371" cy="1752845"/>
-          </a:xfrm>
-          <a:prstGeom prst="rect">
-            <a:avLst/>
-          </a:prstGeom>
-        </p:spPr>
-      </p:pic>
-      <p:cxnSp>
-        <p:nvCxnSpPr>
-          <p:cNvPr id="18" name="曲线连接符 17"/>
-          <p:cNvCxnSpPr>
-            <a:stCxn id="8" idx="3"/>
-            <a:endCxn id="12" idx="0"/>
-          </p:cNvCxnSpPr>
-          <p:nvPr/>
-        </p:nvCxnSpPr>
-        <p:spPr>
-          <a:xfrm>
-            <a:off x="5754657" y="1653456"/>
-            <a:ext cx="1120789" cy="611358"/>
-          </a:xfrm>
-          <a:prstGeom prst="curvedConnector2">
-            <a:avLst/>
-          </a:prstGeom>
-          <a:ln>
-            <a:solidFill>
-              <a:srgbClr val="FF0000"/>
-            </a:solidFill>
-            <a:tailEnd type="arrow"/>
-          </a:ln>
-        </p:spPr>
-        <p:style>
-          <a:lnRef idx="1">
-            <a:schemeClr val="accent1"/>
-          </a:lnRef>
-          <a:fillRef idx="0">
-            <a:schemeClr val="accent1"/>
-          </a:fillRef>
-          <a:effectRef idx="0">
-            <a:schemeClr val="accent1"/>
-          </a:effectRef>
-          <a:fontRef idx="minor">
-            <a:schemeClr val="tx1"/>
-          </a:fontRef>
-        </p:style>
-      </p:cxnSp>
-      <p:cxnSp>
-        <p:nvCxnSpPr>
-          <p:cNvPr id="23" name="曲线连接符 22"/>
-          <p:cNvCxnSpPr>
-            <a:stCxn id="12" idx="1"/>
-            <a:endCxn id="10" idx="0"/>
-          </p:cNvCxnSpPr>
-          <p:nvPr/>
-        </p:nvCxnSpPr>
-        <p:spPr>
-          <a:xfrm rot="10800000" flipV="1">
-            <a:off x="3173023" y="2810902"/>
-            <a:ext cx="1901413" cy="618097"/>
-          </a:xfrm>
-          <a:prstGeom prst="curvedConnector2">
-            <a:avLst/>
-          </a:prstGeom>
-          <a:ln>
-            <a:solidFill>
-              <a:srgbClr val="FF0000"/>
-            </a:solidFill>
-            <a:tailEnd type="arrow"/>
-          </a:ln>
-        </p:spPr>
-        <p:style>
-          <a:lnRef idx="1">
-            <a:schemeClr val="accent1"/>
-          </a:lnRef>
-          <a:fillRef idx="0">
-            <a:schemeClr val="accent1"/>
-          </a:fillRef>
-          <a:effectRef idx="0">
-            <a:schemeClr val="accent1"/>
-          </a:effectRef>
-          <a:fontRef idx="minor">
-            <a:schemeClr val="tx1"/>
-          </a:fontRef>
-        </p:style>
-      </p:cxnSp>
-      <p:cxnSp>
-        <p:nvCxnSpPr>
-          <p:cNvPr id="25" name="曲线连接符 24"/>
-          <p:cNvCxnSpPr/>
-          <p:nvPr/>
-        </p:nvCxnSpPr>
-        <p:spPr>
-          <a:xfrm>
-            <a:off x="3563888" y="4110132"/>
-            <a:ext cx="3311558" cy="1695132"/>
-          </a:xfrm>
-          <a:prstGeom prst="curvedConnector3">
-            <a:avLst/>
-          </a:prstGeom>
-          <a:ln>
-            <a:solidFill>
-              <a:schemeClr val="tx1"/>
-            </a:solidFill>
-            <a:tailEnd type="arrow"/>
-          </a:ln>
-        </p:spPr>
-        <p:style>
-          <a:lnRef idx="1">
-            <a:schemeClr val="accent1"/>
-          </a:lnRef>
-          <a:fillRef idx="0">
-            <a:schemeClr val="accent1"/>
-          </a:fillRef>
-          <a:effectRef idx="0">
-            <a:schemeClr val="accent1"/>
-          </a:effectRef>
-          <a:fontRef idx="minor">
-            <a:schemeClr val="tx1"/>
-          </a:fontRef>
-        </p:style>
-      </p:cxnSp>
-      <p:cxnSp>
-        <p:nvCxnSpPr>
-          <p:cNvPr id="27" name="曲线连接符 26"/>
-          <p:cNvCxnSpPr/>
-          <p:nvPr/>
-        </p:nvCxnSpPr>
-        <p:spPr>
-          <a:xfrm rot="16200000" flipH="1">
-            <a:off x="5703390" y="4560390"/>
-            <a:ext cx="1440159" cy="1337620"/>
-          </a:xfrm>
-          <a:prstGeom prst="curvedConnector3">
-            <a:avLst/>
-          </a:prstGeom>
-          <a:ln>
-            <a:solidFill>
-              <a:schemeClr val="tx1"/>
-            </a:solidFill>
-            <a:tailEnd type="arrow"/>
-          </a:ln>
         </p:spPr>
         <p:style>
           <a:lnRef idx="1">
@@ -7159,7 +7850,7 @@
     </p:spTree>
     <p:extLst>
       <p:ext uri="{BB962C8B-B14F-4D97-AF65-F5344CB8AC3E}">
-        <p14:creationId xmlns:p14="http://schemas.microsoft.com/office/powerpoint/2010/main" val="4212714149"/>
+        <p14:creationId xmlns:p14="http://schemas.microsoft.com/office/powerpoint/2010/main" val="3001060692"/>
       </p:ext>
     </p:extLst>
   </p:cSld>
@@ -7195,7 +7886,7 @@
       </p:grpSpPr>
       <p:sp>
         <p:nvSpPr>
-          <p:cNvPr id="27" name="标题 57"/>
+          <p:cNvPr id="4" name="标题 57"/>
           <p:cNvSpPr>
             <a:spLocks noGrp="1"/>
           </p:cNvSpPr>
@@ -7216,28 +7907,21 @@
           <a:lstStyle/>
           <a:p>
             <a:r>
-              <a:rPr lang="en-CA" b="1" dirty="0" smtClean="0">
+              <a:rPr lang="en-CA" b="1" dirty="0">
                 <a:solidFill>
                   <a:srgbClr val="0070C0"/>
                 </a:solidFill>
                 <a:latin typeface="Times New Roman" panose="02020603050405020304" pitchFamily="18" charset="0"/>
                 <a:cs typeface="Times New Roman" panose="02020603050405020304" pitchFamily="18" charset="0"/>
               </a:rPr>
-              <a:t>Future Work  </a:t>
-            </a:r>
-            <a:endParaRPr lang="en-CA" b="1" dirty="0">
-              <a:solidFill>
-                <a:srgbClr val="0070C0"/>
-              </a:solidFill>
-              <a:latin typeface="Times New Roman" panose="02020603050405020304" pitchFamily="18" charset="0"/>
-              <a:cs typeface="Times New Roman" panose="02020603050405020304" pitchFamily="18" charset="0"/>
-            </a:endParaRPr>
+              <a:t>Challenges and Solutions </a:t>
+            </a:r>
           </a:p>
         </p:txBody>
       </p:sp>
       <p:cxnSp>
         <p:nvCxnSpPr>
-          <p:cNvPr id="28" name="直接连接符 27"/>
+          <p:cNvPr id="5" name="直接连接符 4"/>
           <p:cNvCxnSpPr/>
           <p:nvPr/>
         </p:nvCxnSpPr>
@@ -7268,7 +7952,7 @@
       </p:cxnSp>
       <p:pic>
         <p:nvPicPr>
-          <p:cNvPr id="2" name="图片 1"/>
+          <p:cNvPr id="3" name="图片 2"/>
           <p:cNvPicPr>
             <a:picLocks noChangeAspect="1"/>
           </p:cNvPicPr>
@@ -7288,8 +7972,8 @@
         </p:blipFill>
         <p:spPr>
           <a:xfrm>
-            <a:off x="5180977" y="2132856"/>
-            <a:ext cx="3590925" cy="2905125"/>
+            <a:off x="467544" y="1196752"/>
+            <a:ext cx="3384376" cy="314369"/>
           </a:xfrm>
           <a:prstGeom prst="rect">
             <a:avLst/>
@@ -7298,7 +7982,7 @@
       </p:pic>
       <p:pic>
         <p:nvPicPr>
-          <p:cNvPr id="3" name="图片 2"/>
+          <p:cNvPr id="12" name="图片 11"/>
           <p:cNvPicPr>
             <a:picLocks noChangeAspect="1"/>
           </p:cNvPicPr>
@@ -7318,18 +8002,695 @@
         </p:blipFill>
         <p:spPr>
           <a:xfrm>
-            <a:off x="467544" y="1408882"/>
-            <a:ext cx="4345156" cy="4040233"/>
+            <a:off x="3851921" y="2004494"/>
+            <a:ext cx="4896544" cy="1064466"/>
           </a:xfrm>
           <a:prstGeom prst="rect">
             <a:avLst/>
           </a:prstGeom>
         </p:spPr>
       </p:pic>
+      <p:pic>
+        <p:nvPicPr>
+          <p:cNvPr id="14" name="图片 13"/>
+          <p:cNvPicPr>
+            <a:picLocks noChangeAspect="1"/>
+          </p:cNvPicPr>
+          <p:nvPr/>
+        </p:nvPicPr>
+        <p:blipFill>
+          <a:blip r:embed="rId4">
+            <a:extLst>
+              <a:ext uri="{28A0092B-C50C-407E-A947-70E740481C1C}">
+                <a14:useLocalDpi xmlns:a14="http://schemas.microsoft.com/office/drawing/2010/main" val="0"/>
+              </a:ext>
+            </a:extLst>
+          </a:blip>
+          <a:stretch>
+            <a:fillRect/>
+          </a:stretch>
+        </p:blipFill>
+        <p:spPr>
+          <a:xfrm>
+            <a:off x="3851920" y="4689562"/>
+            <a:ext cx="4896534" cy="971686"/>
+          </a:xfrm>
+          <a:prstGeom prst="rect">
+            <a:avLst/>
+          </a:prstGeom>
+        </p:spPr>
+      </p:pic>
+      <p:pic>
+        <p:nvPicPr>
+          <p:cNvPr id="16" name="图片 15"/>
+          <p:cNvPicPr>
+            <a:picLocks noChangeAspect="1"/>
+          </p:cNvPicPr>
+          <p:nvPr/>
+        </p:nvPicPr>
+        <p:blipFill>
+          <a:blip r:embed="rId5">
+            <a:extLst>
+              <a:ext uri="{28A0092B-C50C-407E-A947-70E740481C1C}">
+                <a14:useLocalDpi xmlns:a14="http://schemas.microsoft.com/office/drawing/2010/main" val="0"/>
+              </a:ext>
+            </a:extLst>
+          </a:blip>
+          <a:stretch>
+            <a:fillRect/>
+          </a:stretch>
+        </p:blipFill>
+        <p:spPr>
+          <a:xfrm>
+            <a:off x="467544" y="3178221"/>
+            <a:ext cx="3384376" cy="1690939"/>
+          </a:xfrm>
+          <a:prstGeom prst="rect">
+            <a:avLst/>
+          </a:prstGeom>
+          <a:ln>
+            <a:solidFill>
+              <a:schemeClr val="bg1"/>
+            </a:solidFill>
+          </a:ln>
+        </p:spPr>
+      </p:pic>
+      <p:pic>
+        <p:nvPicPr>
+          <p:cNvPr id="17" name="图片 16"/>
+          <p:cNvPicPr>
+            <a:picLocks noChangeAspect="1"/>
+          </p:cNvPicPr>
+          <p:nvPr/>
+        </p:nvPicPr>
+        <p:blipFill>
+          <a:blip r:embed="rId6">
+            <a:extLst>
+              <a:ext uri="{28A0092B-C50C-407E-A947-70E740481C1C}">
+                <a14:useLocalDpi xmlns:a14="http://schemas.microsoft.com/office/drawing/2010/main" val="0"/>
+              </a:ext>
+            </a:extLst>
+          </a:blip>
+          <a:stretch>
+            <a:fillRect/>
+          </a:stretch>
+        </p:blipFill>
+        <p:spPr>
+          <a:xfrm>
+            <a:off x="467544" y="5999334"/>
+            <a:ext cx="3384376" cy="381994"/>
+          </a:xfrm>
+          <a:prstGeom prst="rect">
+            <a:avLst/>
+          </a:prstGeom>
+        </p:spPr>
+      </p:pic>
+      <p:cxnSp>
+        <p:nvCxnSpPr>
+          <p:cNvPr id="21" name="曲线连接符 20"/>
+          <p:cNvCxnSpPr>
+            <a:stCxn id="12" idx="1"/>
+            <a:endCxn id="16" idx="0"/>
+          </p:cNvCxnSpPr>
+          <p:nvPr/>
+        </p:nvCxnSpPr>
+        <p:spPr>
+          <a:xfrm rot="10800000" flipV="1">
+            <a:off x="2159733" y="2536727"/>
+            <a:ext cx="1692189" cy="641494"/>
+          </a:xfrm>
+          <a:prstGeom prst="curvedConnector2">
+            <a:avLst/>
+          </a:prstGeom>
+          <a:ln>
+            <a:solidFill>
+              <a:srgbClr val="FF0000"/>
+            </a:solidFill>
+            <a:tailEnd type="arrow"/>
+          </a:ln>
+        </p:spPr>
+        <p:style>
+          <a:lnRef idx="1">
+            <a:schemeClr val="accent1"/>
+          </a:lnRef>
+          <a:fillRef idx="0">
+            <a:schemeClr val="accent1"/>
+          </a:fillRef>
+          <a:effectRef idx="0">
+            <a:schemeClr val="accent1"/>
+          </a:effectRef>
+          <a:fontRef idx="minor">
+            <a:schemeClr val="tx1"/>
+          </a:fontRef>
+        </p:style>
+      </p:cxnSp>
+      <p:cxnSp>
+        <p:nvCxnSpPr>
+          <p:cNvPr id="23" name="曲线连接符 22"/>
+          <p:cNvCxnSpPr>
+            <a:stCxn id="3" idx="3"/>
+            <a:endCxn id="12" idx="0"/>
+          </p:cNvCxnSpPr>
+          <p:nvPr/>
+        </p:nvCxnSpPr>
+        <p:spPr>
+          <a:xfrm>
+            <a:off x="3851920" y="1353937"/>
+            <a:ext cx="2448273" cy="650557"/>
+          </a:xfrm>
+          <a:prstGeom prst="curvedConnector2">
+            <a:avLst/>
+          </a:prstGeom>
+          <a:ln>
+            <a:solidFill>
+              <a:srgbClr val="FF0000"/>
+            </a:solidFill>
+            <a:tailEnd type="arrow"/>
+          </a:ln>
+        </p:spPr>
+        <p:style>
+          <a:lnRef idx="1">
+            <a:schemeClr val="accent1"/>
+          </a:lnRef>
+          <a:fillRef idx="0">
+            <a:schemeClr val="accent1"/>
+          </a:fillRef>
+          <a:effectRef idx="0">
+            <a:schemeClr val="accent1"/>
+          </a:effectRef>
+          <a:fontRef idx="minor">
+            <a:schemeClr val="tx1"/>
+          </a:fontRef>
+        </p:style>
+      </p:cxnSp>
+      <p:cxnSp>
+        <p:nvCxnSpPr>
+          <p:cNvPr id="25" name="曲线连接符 24"/>
+          <p:cNvCxnSpPr>
+            <a:stCxn id="16" idx="3"/>
+            <a:endCxn id="14" idx="0"/>
+          </p:cNvCxnSpPr>
+          <p:nvPr/>
+        </p:nvCxnSpPr>
+        <p:spPr>
+          <a:xfrm>
+            <a:off x="3851920" y="4023691"/>
+            <a:ext cx="2448267" cy="665871"/>
+          </a:xfrm>
+          <a:prstGeom prst="curvedConnector2">
+            <a:avLst/>
+          </a:prstGeom>
+          <a:ln>
+            <a:solidFill>
+              <a:srgbClr val="FF0000"/>
+            </a:solidFill>
+            <a:tailEnd type="arrow"/>
+          </a:ln>
+        </p:spPr>
+        <p:style>
+          <a:lnRef idx="1">
+            <a:schemeClr val="accent1"/>
+          </a:lnRef>
+          <a:fillRef idx="0">
+            <a:schemeClr val="accent1"/>
+          </a:fillRef>
+          <a:effectRef idx="0">
+            <a:schemeClr val="accent1"/>
+          </a:effectRef>
+          <a:fontRef idx="minor">
+            <a:schemeClr val="tx1"/>
+          </a:fontRef>
+        </p:style>
+      </p:cxnSp>
+      <p:cxnSp>
+        <p:nvCxnSpPr>
+          <p:cNvPr id="27" name="曲线连接符 26"/>
+          <p:cNvCxnSpPr>
+            <a:endCxn id="17" idx="0"/>
+          </p:cNvCxnSpPr>
+          <p:nvPr/>
+        </p:nvCxnSpPr>
+        <p:spPr>
+          <a:xfrm rot="16200000" flipH="1">
+            <a:off x="676543" y="4516145"/>
+            <a:ext cx="1778246" cy="1188132"/>
+          </a:xfrm>
+          <a:prstGeom prst="curvedConnector3">
+            <a:avLst>
+              <a:gd name="adj1" fmla="val 50000"/>
+            </a:avLst>
+          </a:prstGeom>
+          <a:ln>
+            <a:solidFill>
+              <a:schemeClr val="tx1"/>
+            </a:solidFill>
+            <a:tailEnd type="arrow"/>
+          </a:ln>
+        </p:spPr>
+        <p:style>
+          <a:lnRef idx="1">
+            <a:schemeClr val="accent1"/>
+          </a:lnRef>
+          <a:fillRef idx="0">
+            <a:schemeClr val="accent1"/>
+          </a:fillRef>
+          <a:effectRef idx="0">
+            <a:schemeClr val="accent1"/>
+          </a:effectRef>
+          <a:fontRef idx="minor">
+            <a:schemeClr val="tx1"/>
+          </a:fontRef>
+        </p:style>
+      </p:cxnSp>
     </p:spTree>
     <p:extLst>
       <p:ext uri="{BB962C8B-B14F-4D97-AF65-F5344CB8AC3E}">
-        <p14:creationId xmlns:p14="http://schemas.microsoft.com/office/powerpoint/2010/main" val="3571590492"/>
+        <p14:creationId xmlns:p14="http://schemas.microsoft.com/office/powerpoint/2010/main" val="3135880905"/>
+      </p:ext>
+    </p:extLst>
+  </p:cSld>
+  <p:clrMapOvr>
+    <a:masterClrMapping/>
+  </p:clrMapOvr>
+  <p:timing>
+    <p:tnLst>
+      <p:par>
+        <p:cTn id="1" dur="indefinite" restart="never" nodeType="tmRoot"/>
+      </p:par>
+    </p:tnLst>
+  </p:timing>
+</p:sld>
+</file>
+
+<file path=ppt/slides/slide9.xml><?xml version="1.0" encoding="utf-8"?>
+<p:sld xmlns:a="http://schemas.openxmlformats.org/drawingml/2006/main" xmlns:r="http://schemas.openxmlformats.org/officeDocument/2006/relationships" xmlns:p="http://schemas.openxmlformats.org/presentationml/2006/main">
+  <p:cSld>
+    <p:spTree>
+      <p:nvGrpSpPr>
+        <p:cNvPr id="1" name=""/>
+        <p:cNvGrpSpPr/>
+        <p:nvPr/>
+      </p:nvGrpSpPr>
+      <p:grpSpPr>
+        <a:xfrm>
+          <a:off x="0" y="0"/>
+          <a:ext cx="0" cy="0"/>
+          <a:chOff x="0" y="0"/>
+          <a:chExt cx="0" cy="0"/>
+        </a:xfrm>
+      </p:grpSpPr>
+      <p:sp>
+        <p:nvSpPr>
+          <p:cNvPr id="4" name="标题 57"/>
+          <p:cNvSpPr txBox="1">
+            <a:spLocks/>
+          </p:cNvSpPr>
+          <p:nvPr/>
+        </p:nvSpPr>
+        <p:spPr>
+          <a:xfrm>
+            <a:off x="457200" y="274638"/>
+            <a:ext cx="8229600" cy="634082"/>
+          </a:xfrm>
+          <a:prstGeom prst="rect">
+            <a:avLst/>
+          </a:prstGeom>
+        </p:spPr>
+        <p:txBody>
+          <a:bodyPr vert="horz" lIns="91440" tIns="45720" rIns="91440" bIns="45720" rtlCol="0" anchor="ctr">
+            <a:normAutofit fontScale="90000" lnSpcReduction="20000"/>
+          </a:bodyPr>
+          <a:lstStyle>
+            <a:lvl1pPr algn="ctr" defTabSz="914400" rtl="0" eaLnBrk="1" latinLnBrk="0" hangingPunct="1">
+              <a:spcBef>
+                <a:spcPct val="0"/>
+              </a:spcBef>
+              <a:buNone/>
+              <a:defRPr sz="4400" kern="1200">
+                <a:solidFill>
+                  <a:schemeClr val="tx1"/>
+                </a:solidFill>
+                <a:latin typeface="+mj-lt"/>
+                <a:ea typeface="+mj-ea"/>
+                <a:cs typeface="+mj-cs"/>
+              </a:defRPr>
+            </a:lvl1pPr>
+          </a:lstStyle>
+          <a:p>
+            <a:r>
+              <a:rPr lang="en-CA" b="1" dirty="0">
+                <a:solidFill>
+                  <a:srgbClr val="0070C0"/>
+                </a:solidFill>
+                <a:latin typeface="Times New Roman" panose="02020603050405020304" pitchFamily="18" charset="0"/>
+                <a:cs typeface="Times New Roman" panose="02020603050405020304" pitchFamily="18" charset="0"/>
+              </a:rPr>
+              <a:t>Challenges and Solutions </a:t>
+            </a:r>
+          </a:p>
+        </p:txBody>
+      </p:sp>
+      <p:cxnSp>
+        <p:nvCxnSpPr>
+          <p:cNvPr id="5" name="直接连接符 4"/>
+          <p:cNvCxnSpPr/>
+          <p:nvPr/>
+        </p:nvCxnSpPr>
+        <p:spPr>
+          <a:xfrm>
+            <a:off x="467544" y="980728"/>
+            <a:ext cx="8280920" cy="0"/>
+          </a:xfrm>
+          <a:prstGeom prst="line">
+            <a:avLst/>
+          </a:prstGeom>
+          <a:ln cmpd="sng"/>
+        </p:spPr>
+        <p:style>
+          <a:lnRef idx="1">
+            <a:schemeClr val="accent1"/>
+          </a:lnRef>
+          <a:fillRef idx="0">
+            <a:schemeClr val="accent1"/>
+          </a:fillRef>
+          <a:effectRef idx="0">
+            <a:schemeClr val="accent1"/>
+          </a:effectRef>
+          <a:fontRef idx="minor">
+            <a:schemeClr val="tx1"/>
+          </a:fontRef>
+        </p:style>
+      </p:cxnSp>
+      <p:pic>
+        <p:nvPicPr>
+          <p:cNvPr id="6" name="图片 5"/>
+          <p:cNvPicPr>
+            <a:picLocks noChangeAspect="1"/>
+          </p:cNvPicPr>
+          <p:nvPr/>
+        </p:nvPicPr>
+        <p:blipFill>
+          <a:blip r:embed="rId2">
+            <a:extLst>
+              <a:ext uri="{28A0092B-C50C-407E-A947-70E740481C1C}">
+                <a14:useLocalDpi xmlns:a14="http://schemas.microsoft.com/office/drawing/2010/main" val="0"/>
+              </a:ext>
+            </a:extLst>
+          </a:blip>
+          <a:stretch>
+            <a:fillRect/>
+          </a:stretch>
+        </p:blipFill>
+        <p:spPr>
+          <a:xfrm>
+            <a:off x="467543" y="1268760"/>
+            <a:ext cx="3340659" cy="314369"/>
+          </a:xfrm>
+          <a:prstGeom prst="rect">
+            <a:avLst/>
+          </a:prstGeom>
+        </p:spPr>
+      </p:pic>
+      <p:pic>
+        <p:nvPicPr>
+          <p:cNvPr id="8" name="图片 7"/>
+          <p:cNvPicPr>
+            <a:picLocks noChangeAspect="1"/>
+          </p:cNvPicPr>
+          <p:nvPr/>
+        </p:nvPicPr>
+        <p:blipFill>
+          <a:blip r:embed="rId3">
+            <a:extLst>
+              <a:ext uri="{28A0092B-C50C-407E-A947-70E740481C1C}">
+                <a14:useLocalDpi xmlns:a14="http://schemas.microsoft.com/office/drawing/2010/main" val="0"/>
+              </a:ext>
+            </a:extLst>
+          </a:blip>
+          <a:stretch>
+            <a:fillRect/>
+          </a:stretch>
+        </p:blipFill>
+        <p:spPr>
+          <a:xfrm>
+            <a:off x="3808203" y="2141147"/>
+            <a:ext cx="4940261" cy="1071829"/>
+          </a:xfrm>
+          <a:prstGeom prst="rect">
+            <a:avLst/>
+          </a:prstGeom>
+        </p:spPr>
+      </p:pic>
+      <p:pic>
+        <p:nvPicPr>
+          <p:cNvPr id="9" name="图片 8"/>
+          <p:cNvPicPr>
+            <a:picLocks noChangeAspect="1"/>
+          </p:cNvPicPr>
+          <p:nvPr/>
+        </p:nvPicPr>
+        <p:blipFill>
+          <a:blip r:embed="rId4">
+            <a:extLst>
+              <a:ext uri="{28A0092B-C50C-407E-A947-70E740481C1C}">
+                <a14:useLocalDpi xmlns:a14="http://schemas.microsoft.com/office/drawing/2010/main" val="0"/>
+              </a:ext>
+            </a:extLst>
+          </a:blip>
+          <a:stretch>
+            <a:fillRect/>
+          </a:stretch>
+        </p:blipFill>
+        <p:spPr>
+          <a:xfrm>
+            <a:off x="467544" y="3321495"/>
+            <a:ext cx="3340658" cy="1691681"/>
+          </a:xfrm>
+          <a:prstGeom prst="rect">
+            <a:avLst/>
+          </a:prstGeom>
+        </p:spPr>
+      </p:pic>
+      <p:pic>
+        <p:nvPicPr>
+          <p:cNvPr id="10" name="图片 9"/>
+          <p:cNvPicPr>
+            <a:picLocks noChangeAspect="1"/>
+          </p:cNvPicPr>
+          <p:nvPr/>
+        </p:nvPicPr>
+        <p:blipFill>
+          <a:blip r:embed="rId5">
+            <a:extLst>
+              <a:ext uri="{28A0092B-C50C-407E-A947-70E740481C1C}">
+                <a14:useLocalDpi xmlns:a14="http://schemas.microsoft.com/office/drawing/2010/main" val="0"/>
+              </a:ext>
+            </a:extLst>
+          </a:blip>
+          <a:stretch>
+            <a:fillRect/>
+          </a:stretch>
+        </p:blipFill>
+        <p:spPr>
+          <a:xfrm>
+            <a:off x="3808204" y="4883744"/>
+            <a:ext cx="4940260" cy="921520"/>
+          </a:xfrm>
+          <a:prstGeom prst="rect">
+            <a:avLst/>
+          </a:prstGeom>
+        </p:spPr>
+      </p:pic>
+      <p:pic>
+        <p:nvPicPr>
+          <p:cNvPr id="11" name="图片 10"/>
+          <p:cNvPicPr>
+            <a:picLocks noChangeAspect="1"/>
+          </p:cNvPicPr>
+          <p:nvPr/>
+        </p:nvPicPr>
+        <p:blipFill>
+          <a:blip r:embed="rId6">
+            <a:extLst>
+              <a:ext uri="{28A0092B-C50C-407E-A947-70E740481C1C}">
+                <a14:useLocalDpi xmlns:a14="http://schemas.microsoft.com/office/drawing/2010/main" val="0"/>
+              </a:ext>
+            </a:extLst>
+          </a:blip>
+          <a:stretch>
+            <a:fillRect/>
+          </a:stretch>
+        </p:blipFill>
+        <p:spPr>
+          <a:xfrm>
+            <a:off x="467544" y="6066718"/>
+            <a:ext cx="3340658" cy="386618"/>
+          </a:xfrm>
+          <a:prstGeom prst="rect">
+            <a:avLst/>
+          </a:prstGeom>
+        </p:spPr>
+      </p:pic>
+      <p:cxnSp>
+        <p:nvCxnSpPr>
+          <p:cNvPr id="15" name="曲线连接符 14"/>
+          <p:cNvCxnSpPr>
+            <a:stCxn id="6" idx="3"/>
+            <a:endCxn id="8" idx="0"/>
+          </p:cNvCxnSpPr>
+          <p:nvPr/>
+        </p:nvCxnSpPr>
+        <p:spPr>
+          <a:xfrm>
+            <a:off x="3808202" y="1425945"/>
+            <a:ext cx="2470132" cy="715202"/>
+          </a:xfrm>
+          <a:prstGeom prst="curvedConnector2">
+            <a:avLst/>
+          </a:prstGeom>
+          <a:ln>
+            <a:solidFill>
+              <a:srgbClr val="FF0000"/>
+            </a:solidFill>
+            <a:tailEnd type="arrow"/>
+          </a:ln>
+        </p:spPr>
+        <p:style>
+          <a:lnRef idx="1">
+            <a:schemeClr val="accent1"/>
+          </a:lnRef>
+          <a:fillRef idx="0">
+            <a:schemeClr val="accent1"/>
+          </a:fillRef>
+          <a:effectRef idx="0">
+            <a:schemeClr val="accent1"/>
+          </a:effectRef>
+          <a:fontRef idx="minor">
+            <a:schemeClr val="tx1"/>
+          </a:fontRef>
+        </p:style>
+      </p:cxnSp>
+      <p:cxnSp>
+        <p:nvCxnSpPr>
+          <p:cNvPr id="19" name="曲线连接符 18"/>
+          <p:cNvCxnSpPr>
+            <a:stCxn id="8" idx="1"/>
+            <a:endCxn id="9" idx="0"/>
+          </p:cNvCxnSpPr>
+          <p:nvPr/>
+        </p:nvCxnSpPr>
+        <p:spPr>
+          <a:xfrm rot="10800000" flipV="1">
+            <a:off x="2137873" y="2677061"/>
+            <a:ext cx="1670330" cy="644433"/>
+          </a:xfrm>
+          <a:prstGeom prst="curvedConnector2">
+            <a:avLst/>
+          </a:prstGeom>
+          <a:ln>
+            <a:solidFill>
+              <a:srgbClr val="FF0000"/>
+            </a:solidFill>
+            <a:tailEnd type="arrow"/>
+          </a:ln>
+        </p:spPr>
+        <p:style>
+          <a:lnRef idx="1">
+            <a:schemeClr val="accent1"/>
+          </a:lnRef>
+          <a:fillRef idx="0">
+            <a:schemeClr val="accent1"/>
+          </a:fillRef>
+          <a:effectRef idx="0">
+            <a:schemeClr val="accent1"/>
+          </a:effectRef>
+          <a:fontRef idx="minor">
+            <a:schemeClr val="tx1"/>
+          </a:fontRef>
+        </p:style>
+      </p:cxnSp>
+      <p:cxnSp>
+        <p:nvCxnSpPr>
+          <p:cNvPr id="23" name="曲线连接符 22"/>
+          <p:cNvCxnSpPr>
+            <a:stCxn id="9" idx="3"/>
+            <a:endCxn id="10" idx="0"/>
+          </p:cNvCxnSpPr>
+          <p:nvPr/>
+        </p:nvCxnSpPr>
+        <p:spPr>
+          <a:xfrm>
+            <a:off x="3808202" y="4167336"/>
+            <a:ext cx="2470132" cy="716408"/>
+          </a:xfrm>
+          <a:prstGeom prst="curvedConnector2">
+            <a:avLst/>
+          </a:prstGeom>
+          <a:ln>
+            <a:solidFill>
+              <a:srgbClr val="FF0000"/>
+            </a:solidFill>
+            <a:tailEnd type="arrow"/>
+          </a:ln>
+        </p:spPr>
+        <p:style>
+          <a:lnRef idx="1">
+            <a:schemeClr val="accent1"/>
+          </a:lnRef>
+          <a:fillRef idx="0">
+            <a:schemeClr val="accent1"/>
+          </a:fillRef>
+          <a:effectRef idx="0">
+            <a:schemeClr val="accent1"/>
+          </a:effectRef>
+          <a:fontRef idx="minor">
+            <a:schemeClr val="tx1"/>
+          </a:fontRef>
+        </p:style>
+      </p:cxnSp>
+      <p:cxnSp>
+        <p:nvCxnSpPr>
+          <p:cNvPr id="25" name="曲线连接符 24"/>
+          <p:cNvCxnSpPr>
+            <a:stCxn id="10" idx="1"/>
+            <a:endCxn id="11" idx="0"/>
+          </p:cNvCxnSpPr>
+          <p:nvPr/>
+        </p:nvCxnSpPr>
+        <p:spPr>
+          <a:xfrm rot="10800000" flipV="1">
+            <a:off x="2137874" y="5344504"/>
+            <a:ext cx="1670331" cy="722214"/>
+          </a:xfrm>
+          <a:prstGeom prst="curvedConnector2">
+            <a:avLst/>
+          </a:prstGeom>
+          <a:ln>
+            <a:solidFill>
+              <a:srgbClr val="FF0000"/>
+            </a:solidFill>
+            <a:tailEnd type="arrow"/>
+          </a:ln>
+        </p:spPr>
+        <p:style>
+          <a:lnRef idx="1">
+            <a:schemeClr val="accent1"/>
+          </a:lnRef>
+          <a:fillRef idx="0">
+            <a:schemeClr val="accent1"/>
+          </a:fillRef>
+          <a:effectRef idx="0">
+            <a:schemeClr val="accent1"/>
+          </a:effectRef>
+          <a:fontRef idx="minor">
+            <a:schemeClr val="tx1"/>
+          </a:fontRef>
+        </p:style>
+      </p:cxnSp>
+    </p:spTree>
+    <p:extLst>
+      <p:ext uri="{BB962C8B-B14F-4D97-AF65-F5344CB8AC3E}">
+        <p14:creationId xmlns:p14="http://schemas.microsoft.com/office/powerpoint/2010/main" val="4267307649"/>
       </p:ext>
     </p:extLst>
   </p:cSld>

--- a/documents/php_ofms.pptx
+++ b/documents/php_ofms.pptx
@@ -4,23 +4,27 @@
   <p:sldMasterIdLst>
     <p:sldMasterId id="2147483648" r:id="rId1"/>
   </p:sldMasterIdLst>
+  <p:notesMasterIdLst>
+    <p:notesMasterId r:id="rId19"/>
+  </p:notesMasterIdLst>
   <p:sldIdLst>
     <p:sldId id="265" r:id="rId2"/>
     <p:sldId id="256" r:id="rId3"/>
-    <p:sldId id="268" r:id="rId4"/>
-    <p:sldId id="257" r:id="rId5"/>
-    <p:sldId id="269" r:id="rId6"/>
-    <p:sldId id="264" r:id="rId7"/>
-    <p:sldId id="271" r:id="rId8"/>
-    <p:sldId id="272" r:id="rId9"/>
-    <p:sldId id="261" r:id="rId10"/>
-    <p:sldId id="263" r:id="rId11"/>
-    <p:sldId id="262" r:id="rId12"/>
-    <p:sldId id="274" r:id="rId13"/>
-    <p:sldId id="273" r:id="rId14"/>
-    <p:sldId id="260" r:id="rId15"/>
-    <p:sldId id="258" r:id="rId16"/>
-    <p:sldId id="270" r:id="rId17"/>
+    <p:sldId id="275" r:id="rId4"/>
+    <p:sldId id="276" r:id="rId5"/>
+    <p:sldId id="277" r:id="rId6"/>
+    <p:sldId id="268" r:id="rId7"/>
+    <p:sldId id="257" r:id="rId8"/>
+    <p:sldId id="269" r:id="rId9"/>
+    <p:sldId id="264" r:id="rId10"/>
+    <p:sldId id="271" r:id="rId11"/>
+    <p:sldId id="272" r:id="rId12"/>
+    <p:sldId id="261" r:id="rId13"/>
+    <p:sldId id="263" r:id="rId14"/>
+    <p:sldId id="273" r:id="rId15"/>
+    <p:sldId id="260" r:id="rId16"/>
+    <p:sldId id="258" r:id="rId17"/>
+    <p:sldId id="278" r:id="rId18"/>
   </p:sldIdLst>
   <p:sldSz cx="9144000" cy="6858000" type="screen4x3"/>
   <p:notesSz cx="6858000" cy="9144000"/>
@@ -119,7 +123,461 @@
       </a:defRPr>
     </a:lvl9pPr>
   </p:defaultTextStyle>
+  <p:extLst>
+    <p:ext uri="{EFAFB233-063F-42B5-8137-9DF3F51BA10A}">
+      <p15:sldGuideLst xmlns:p15="http://schemas.microsoft.com/office/powerpoint/2012/main">
+        <p15:guide id="1" orient="horz" pos="2160">
+          <p15:clr>
+            <a:srgbClr val="A4A3A4"/>
+          </p15:clr>
+        </p15:guide>
+        <p15:guide id="2" pos="2880">
+          <p15:clr>
+            <a:srgbClr val="A4A3A4"/>
+          </p15:clr>
+        </p15:guide>
+      </p15:sldGuideLst>
+    </p:ext>
+  </p:extLst>
 </p:presentation>
+</file>
+
+<file path=ppt/revisionInfo.xml><?xml version="1.0" encoding="utf-8"?>
+<p1510:revInfo xmlns:a="http://schemas.openxmlformats.org/drawingml/2006/main" xmlns:r="http://schemas.openxmlformats.org/officeDocument/2006/relationships" xmlns:p1510="http://schemas.microsoft.com/office/powerpoint/2015/10/main"/>
+</file>
+
+<file path=ppt/notesMasters/notesMaster1.xml><?xml version="1.0" encoding="utf-8"?>
+<p:notesMaster xmlns:a="http://schemas.openxmlformats.org/drawingml/2006/main" xmlns:r="http://schemas.openxmlformats.org/officeDocument/2006/relationships" xmlns:p="http://schemas.openxmlformats.org/presentationml/2006/main">
+  <p:cSld>
+    <p:bg>
+      <p:bgRef idx="1001">
+        <a:schemeClr val="bg1"/>
+      </p:bgRef>
+    </p:bg>
+    <p:spTree>
+      <p:nvGrpSpPr>
+        <p:cNvPr id="1" name=""/>
+        <p:cNvGrpSpPr/>
+        <p:nvPr/>
+      </p:nvGrpSpPr>
+      <p:grpSpPr>
+        <a:xfrm>
+          <a:off x="0" y="0"/>
+          <a:ext cx="0" cy="0"/>
+          <a:chOff x="0" y="0"/>
+          <a:chExt cx="0" cy="0"/>
+        </a:xfrm>
+      </p:grpSpPr>
+      <p:sp>
+        <p:nvSpPr>
+          <p:cNvPr id="2" name="Header Placeholder 1"/>
+          <p:cNvSpPr>
+            <a:spLocks noGrp="1"/>
+          </p:cNvSpPr>
+          <p:nvPr>
+            <p:ph type="hdr" sz="quarter"/>
+          </p:nvPr>
+        </p:nvSpPr>
+        <p:spPr>
+          <a:xfrm>
+            <a:off x="0" y="0"/>
+            <a:ext cx="2971800" cy="458788"/>
+          </a:xfrm>
+          <a:prstGeom prst="rect">
+            <a:avLst/>
+          </a:prstGeom>
+        </p:spPr>
+        <p:txBody>
+          <a:bodyPr vert="horz" lIns="91440" tIns="45720" rIns="91440" bIns="45720" rtlCol="0"/>
+          <a:lstStyle>
+            <a:lvl1pPr algn="l">
+              <a:defRPr sz="1200"/>
+            </a:lvl1pPr>
+          </a:lstStyle>
+          <a:p>
+            <a:endParaRPr lang="en-CA"/>
+          </a:p>
+        </p:txBody>
+      </p:sp>
+      <p:sp>
+        <p:nvSpPr>
+          <p:cNvPr id="3" name="Date Placeholder 2"/>
+          <p:cNvSpPr>
+            <a:spLocks noGrp="1"/>
+          </p:cNvSpPr>
+          <p:nvPr>
+            <p:ph type="dt" idx="1"/>
+          </p:nvPr>
+        </p:nvSpPr>
+        <p:spPr>
+          <a:xfrm>
+            <a:off x="3884613" y="0"/>
+            <a:ext cx="2971800" cy="458788"/>
+          </a:xfrm>
+          <a:prstGeom prst="rect">
+            <a:avLst/>
+          </a:prstGeom>
+        </p:spPr>
+        <p:txBody>
+          <a:bodyPr vert="horz" lIns="91440" tIns="45720" rIns="91440" bIns="45720" rtlCol="0"/>
+          <a:lstStyle>
+            <a:lvl1pPr algn="r">
+              <a:defRPr sz="1200"/>
+            </a:lvl1pPr>
+          </a:lstStyle>
+          <a:p>
+            <a:fld id="{F79F2657-F4E4-450D-8627-96FD50E715BE}" type="datetimeFigureOut">
+              <a:rPr lang="en-CA" smtClean="0"/>
+              <a:t>29/05/2017</a:t>
+            </a:fld>
+            <a:endParaRPr lang="en-CA"/>
+          </a:p>
+        </p:txBody>
+      </p:sp>
+      <p:sp>
+        <p:nvSpPr>
+          <p:cNvPr id="4" name="Slide Image Placeholder 3"/>
+          <p:cNvSpPr>
+            <a:spLocks noGrp="1" noRot="1" noChangeAspect="1"/>
+          </p:cNvSpPr>
+          <p:nvPr>
+            <p:ph type="sldImg" idx="2"/>
+          </p:nvPr>
+        </p:nvSpPr>
+        <p:spPr>
+          <a:xfrm>
+            <a:off x="1371600" y="1143000"/>
+            <a:ext cx="4114800" cy="3086100"/>
+          </a:xfrm>
+          <a:prstGeom prst="rect">
+            <a:avLst/>
+          </a:prstGeom>
+          <a:noFill/>
+          <a:ln w="12700">
+            <a:solidFill>
+              <a:prstClr val="black"/>
+            </a:solidFill>
+          </a:ln>
+        </p:spPr>
+        <p:txBody>
+          <a:bodyPr vert="horz" lIns="91440" tIns="45720" rIns="91440" bIns="45720" rtlCol="0" anchor="ctr"/>
+          <a:lstStyle/>
+          <a:p>
+            <a:endParaRPr lang="en-CA"/>
+          </a:p>
+        </p:txBody>
+      </p:sp>
+      <p:sp>
+        <p:nvSpPr>
+          <p:cNvPr id="5" name="Notes Placeholder 4"/>
+          <p:cNvSpPr>
+            <a:spLocks noGrp="1"/>
+          </p:cNvSpPr>
+          <p:nvPr>
+            <p:ph type="body" sz="quarter" idx="3"/>
+          </p:nvPr>
+        </p:nvSpPr>
+        <p:spPr>
+          <a:xfrm>
+            <a:off x="685800" y="4400550"/>
+            <a:ext cx="5486400" cy="3600450"/>
+          </a:xfrm>
+          <a:prstGeom prst="rect">
+            <a:avLst/>
+          </a:prstGeom>
+        </p:spPr>
+        <p:txBody>
+          <a:bodyPr vert="horz" lIns="91440" tIns="45720" rIns="91440" bIns="45720" rtlCol="0"/>
+          <a:lstStyle/>
+          <a:p>
+            <a:pPr lvl="0"/>
+            <a:r>
+              <a:rPr lang="en-US"/>
+              <a:t>Edit Master text styles</a:t>
+            </a:r>
+          </a:p>
+          <a:p>
+            <a:pPr lvl="1"/>
+            <a:r>
+              <a:rPr lang="en-US"/>
+              <a:t>Second level</a:t>
+            </a:r>
+          </a:p>
+          <a:p>
+            <a:pPr lvl="2"/>
+            <a:r>
+              <a:rPr lang="en-US"/>
+              <a:t>Third level</a:t>
+            </a:r>
+          </a:p>
+          <a:p>
+            <a:pPr lvl="3"/>
+            <a:r>
+              <a:rPr lang="en-US"/>
+              <a:t>Fourth level</a:t>
+            </a:r>
+          </a:p>
+          <a:p>
+            <a:pPr lvl="4"/>
+            <a:r>
+              <a:rPr lang="en-US"/>
+              <a:t>Fifth level</a:t>
+            </a:r>
+            <a:endParaRPr lang="en-CA"/>
+          </a:p>
+        </p:txBody>
+      </p:sp>
+      <p:sp>
+        <p:nvSpPr>
+          <p:cNvPr id="6" name="Footer Placeholder 5"/>
+          <p:cNvSpPr>
+            <a:spLocks noGrp="1"/>
+          </p:cNvSpPr>
+          <p:nvPr>
+            <p:ph type="ftr" sz="quarter" idx="4"/>
+          </p:nvPr>
+        </p:nvSpPr>
+        <p:spPr>
+          <a:xfrm>
+            <a:off x="0" y="8685213"/>
+            <a:ext cx="2971800" cy="458787"/>
+          </a:xfrm>
+          <a:prstGeom prst="rect">
+            <a:avLst/>
+          </a:prstGeom>
+        </p:spPr>
+        <p:txBody>
+          <a:bodyPr vert="horz" lIns="91440" tIns="45720" rIns="91440" bIns="45720" rtlCol="0" anchor="b"/>
+          <a:lstStyle>
+            <a:lvl1pPr algn="l">
+              <a:defRPr sz="1200"/>
+            </a:lvl1pPr>
+          </a:lstStyle>
+          <a:p>
+            <a:endParaRPr lang="en-CA"/>
+          </a:p>
+        </p:txBody>
+      </p:sp>
+      <p:sp>
+        <p:nvSpPr>
+          <p:cNvPr id="7" name="Slide Number Placeholder 6"/>
+          <p:cNvSpPr>
+            <a:spLocks noGrp="1"/>
+          </p:cNvSpPr>
+          <p:nvPr>
+            <p:ph type="sldNum" sz="quarter" idx="5"/>
+          </p:nvPr>
+        </p:nvSpPr>
+        <p:spPr>
+          <a:xfrm>
+            <a:off x="3884613" y="8685213"/>
+            <a:ext cx="2971800" cy="458787"/>
+          </a:xfrm>
+          <a:prstGeom prst="rect">
+            <a:avLst/>
+          </a:prstGeom>
+        </p:spPr>
+        <p:txBody>
+          <a:bodyPr vert="horz" lIns="91440" tIns="45720" rIns="91440" bIns="45720" rtlCol="0" anchor="b"/>
+          <a:lstStyle>
+            <a:lvl1pPr algn="r">
+              <a:defRPr sz="1200"/>
+            </a:lvl1pPr>
+          </a:lstStyle>
+          <a:p>
+            <a:fld id="{2D6DAAFE-FCE8-4876-89E6-E89D8E99E90A}" type="slidenum">
+              <a:rPr lang="en-CA" smtClean="0"/>
+              <a:t>‹#›</a:t>
+            </a:fld>
+            <a:endParaRPr lang="en-CA"/>
+          </a:p>
+        </p:txBody>
+      </p:sp>
+    </p:spTree>
+    <p:extLst>
+      <p:ext uri="{BB962C8B-B14F-4D97-AF65-F5344CB8AC3E}">
+        <p14:creationId xmlns:p14="http://schemas.microsoft.com/office/powerpoint/2010/main" val="729051261"/>
+      </p:ext>
+    </p:extLst>
+  </p:cSld>
+  <p:clrMap bg1="lt1" tx1="dk1" bg2="lt2" tx2="dk2" accent1="accent1" accent2="accent2" accent3="accent3" accent4="accent4" accent5="accent5" accent6="accent6" hlink="hlink" folHlink="folHlink"/>
+  <p:notesStyle>
+    <a:lvl1pPr marL="0" algn="l" defTabSz="914400" rtl="0" eaLnBrk="1" latinLnBrk="0" hangingPunct="1">
+      <a:defRPr sz="1200" kern="1200">
+        <a:solidFill>
+          <a:schemeClr val="tx1"/>
+        </a:solidFill>
+        <a:latin typeface="+mn-lt"/>
+        <a:ea typeface="+mn-ea"/>
+        <a:cs typeface="+mn-cs"/>
+      </a:defRPr>
+    </a:lvl1pPr>
+    <a:lvl2pPr marL="457200" algn="l" defTabSz="914400" rtl="0" eaLnBrk="1" latinLnBrk="0" hangingPunct="1">
+      <a:defRPr sz="1200" kern="1200">
+        <a:solidFill>
+          <a:schemeClr val="tx1"/>
+        </a:solidFill>
+        <a:latin typeface="+mn-lt"/>
+        <a:ea typeface="+mn-ea"/>
+        <a:cs typeface="+mn-cs"/>
+      </a:defRPr>
+    </a:lvl2pPr>
+    <a:lvl3pPr marL="914400" algn="l" defTabSz="914400" rtl="0" eaLnBrk="1" latinLnBrk="0" hangingPunct="1">
+      <a:defRPr sz="1200" kern="1200">
+        <a:solidFill>
+          <a:schemeClr val="tx1"/>
+        </a:solidFill>
+        <a:latin typeface="+mn-lt"/>
+        <a:ea typeface="+mn-ea"/>
+        <a:cs typeface="+mn-cs"/>
+      </a:defRPr>
+    </a:lvl3pPr>
+    <a:lvl4pPr marL="1371600" algn="l" defTabSz="914400" rtl="0" eaLnBrk="1" latinLnBrk="0" hangingPunct="1">
+      <a:defRPr sz="1200" kern="1200">
+        <a:solidFill>
+          <a:schemeClr val="tx1"/>
+        </a:solidFill>
+        <a:latin typeface="+mn-lt"/>
+        <a:ea typeface="+mn-ea"/>
+        <a:cs typeface="+mn-cs"/>
+      </a:defRPr>
+    </a:lvl4pPr>
+    <a:lvl5pPr marL="1828800" algn="l" defTabSz="914400" rtl="0" eaLnBrk="1" latinLnBrk="0" hangingPunct="1">
+      <a:defRPr sz="1200" kern="1200">
+        <a:solidFill>
+          <a:schemeClr val="tx1"/>
+        </a:solidFill>
+        <a:latin typeface="+mn-lt"/>
+        <a:ea typeface="+mn-ea"/>
+        <a:cs typeface="+mn-cs"/>
+      </a:defRPr>
+    </a:lvl5pPr>
+    <a:lvl6pPr marL="2286000" algn="l" defTabSz="914400" rtl="0" eaLnBrk="1" latinLnBrk="0" hangingPunct="1">
+      <a:defRPr sz="1200" kern="1200">
+        <a:solidFill>
+          <a:schemeClr val="tx1"/>
+        </a:solidFill>
+        <a:latin typeface="+mn-lt"/>
+        <a:ea typeface="+mn-ea"/>
+        <a:cs typeface="+mn-cs"/>
+      </a:defRPr>
+    </a:lvl6pPr>
+    <a:lvl7pPr marL="2743200" algn="l" defTabSz="914400" rtl="0" eaLnBrk="1" latinLnBrk="0" hangingPunct="1">
+      <a:defRPr sz="1200" kern="1200">
+        <a:solidFill>
+          <a:schemeClr val="tx1"/>
+        </a:solidFill>
+        <a:latin typeface="+mn-lt"/>
+        <a:ea typeface="+mn-ea"/>
+        <a:cs typeface="+mn-cs"/>
+      </a:defRPr>
+    </a:lvl7pPr>
+    <a:lvl8pPr marL="3200400" algn="l" defTabSz="914400" rtl="0" eaLnBrk="1" latinLnBrk="0" hangingPunct="1">
+      <a:defRPr sz="1200" kern="1200">
+        <a:solidFill>
+          <a:schemeClr val="tx1"/>
+        </a:solidFill>
+        <a:latin typeface="+mn-lt"/>
+        <a:ea typeface="+mn-ea"/>
+        <a:cs typeface="+mn-cs"/>
+      </a:defRPr>
+    </a:lvl8pPr>
+    <a:lvl9pPr marL="3657600" algn="l" defTabSz="914400" rtl="0" eaLnBrk="1" latinLnBrk="0" hangingPunct="1">
+      <a:defRPr sz="1200" kern="1200">
+        <a:solidFill>
+          <a:schemeClr val="tx1"/>
+        </a:solidFill>
+        <a:latin typeface="+mn-lt"/>
+        <a:ea typeface="+mn-ea"/>
+        <a:cs typeface="+mn-cs"/>
+      </a:defRPr>
+    </a:lvl9pPr>
+  </p:notesStyle>
+</p:notesMaster>
+</file>
+
+<file path=ppt/notesSlides/notesSlide1.xml><?xml version="1.0" encoding="utf-8"?>
+<p:notes xmlns:a="http://schemas.openxmlformats.org/drawingml/2006/main" xmlns:r="http://schemas.openxmlformats.org/officeDocument/2006/relationships" xmlns:p="http://schemas.openxmlformats.org/presentationml/2006/main">
+  <p:cSld>
+    <p:spTree>
+      <p:nvGrpSpPr>
+        <p:cNvPr id="1" name=""/>
+        <p:cNvGrpSpPr/>
+        <p:nvPr/>
+      </p:nvGrpSpPr>
+      <p:grpSpPr>
+        <a:xfrm>
+          <a:off x="0" y="0"/>
+          <a:ext cx="0" cy="0"/>
+          <a:chOff x="0" y="0"/>
+          <a:chExt cx="0" cy="0"/>
+        </a:xfrm>
+      </p:grpSpPr>
+      <p:sp>
+        <p:nvSpPr>
+          <p:cNvPr id="2" name="Slide Image Placeholder 1"/>
+          <p:cNvSpPr>
+            <a:spLocks noGrp="1" noRot="1" noChangeAspect="1"/>
+          </p:cNvSpPr>
+          <p:nvPr>
+            <p:ph type="sldImg"/>
+          </p:nvPr>
+        </p:nvSpPr>
+        <p:spPr/>
+      </p:sp>
+      <p:sp>
+        <p:nvSpPr>
+          <p:cNvPr id="3" name="Notes Placeholder 2"/>
+          <p:cNvSpPr>
+            <a:spLocks noGrp="1"/>
+          </p:cNvSpPr>
+          <p:nvPr>
+            <p:ph type="body" idx="1"/>
+          </p:nvPr>
+        </p:nvSpPr>
+        <p:spPr/>
+        <p:txBody>
+          <a:bodyPr/>
+          <a:lstStyle/>
+          <a:p>
+            <a:endParaRPr lang="en-CA" dirty="0"/>
+          </a:p>
+        </p:txBody>
+      </p:sp>
+      <p:sp>
+        <p:nvSpPr>
+          <p:cNvPr id="4" name="Slide Number Placeholder 3"/>
+          <p:cNvSpPr>
+            <a:spLocks noGrp="1"/>
+          </p:cNvSpPr>
+          <p:nvPr>
+            <p:ph type="sldNum" sz="quarter" idx="10"/>
+          </p:nvPr>
+        </p:nvSpPr>
+        <p:spPr/>
+        <p:txBody>
+          <a:bodyPr/>
+          <a:lstStyle/>
+          <a:p>
+            <a:fld id="{2D6DAAFE-FCE8-4876-89E6-E89D8E99E90A}" type="slidenum">
+              <a:rPr lang="en-CA" smtClean="0"/>
+              <a:t>9</a:t>
+            </a:fld>
+            <a:endParaRPr lang="en-CA"/>
+          </a:p>
+        </p:txBody>
+      </p:sp>
+    </p:spTree>
+    <p:extLst>
+      <p:ext uri="{BB962C8B-B14F-4D97-AF65-F5344CB8AC3E}">
+        <p14:creationId xmlns:p14="http://schemas.microsoft.com/office/powerpoint/2010/main" val="3037427574"/>
+      </p:ext>
+    </p:extLst>
+  </p:cSld>
+  <p:clrMapOvr>
+    <a:masterClrMapping/>
+  </p:clrMapOvr>
+</p:notes>
 </file>
 
 <file path=ppt/slideLayouts/slideLayout1.xml><?xml version="1.0" encoding="utf-8"?>
@@ -160,7 +618,7 @@
           <a:lstStyle/>
           <a:p>
             <a:r>
-              <a:rPr lang="zh-CN" altLang="en-US" smtClean="0"/>
+              <a:rPr lang="zh-CN" altLang="en-US"/>
               <a:t>单击此处编辑母版标题样式</a:t>
             </a:r>
             <a:endParaRPr lang="en-CA"/>
@@ -279,7 +737,7 @@
           </a:lstStyle>
           <a:p>
             <a:r>
-              <a:rPr lang="zh-CN" altLang="en-US" smtClean="0"/>
+              <a:rPr lang="zh-CN" altLang="en-US"/>
               <a:t>单击此处编辑母版副标题样式</a:t>
             </a:r>
             <a:endParaRPr lang="en-CA"/>
@@ -303,7 +761,7 @@
           <a:p>
             <a:fld id="{01BD8991-42E3-4D43-9850-17D52BFE9F1F}" type="datetimeFigureOut">
               <a:rPr lang="en-CA" smtClean="0"/>
-              <a:t>28/05/2017</a:t>
+              <a:t>29/05/2017</a:t>
             </a:fld>
             <a:endParaRPr lang="en-CA"/>
           </a:p>
@@ -397,7 +855,7 @@
           <a:lstStyle/>
           <a:p>
             <a:r>
-              <a:rPr lang="zh-CN" altLang="en-US" smtClean="0"/>
+              <a:rPr lang="zh-CN" altLang="en-US"/>
               <a:t>单击此处编辑母版标题样式</a:t>
             </a:r>
             <a:endParaRPr lang="en-CA"/>
@@ -421,35 +879,35 @@
           <a:p>
             <a:pPr lvl="0"/>
             <a:r>
-              <a:rPr lang="zh-CN" altLang="en-US" smtClean="0"/>
+              <a:rPr lang="zh-CN" altLang="en-US"/>
               <a:t>单击此处编辑母版文本样式</a:t>
             </a:r>
           </a:p>
           <a:p>
             <a:pPr lvl="1"/>
             <a:r>
-              <a:rPr lang="zh-CN" altLang="en-US" smtClean="0"/>
+              <a:rPr lang="zh-CN" altLang="en-US"/>
               <a:t>第二级</a:t>
             </a:r>
           </a:p>
           <a:p>
             <a:pPr lvl="2"/>
             <a:r>
-              <a:rPr lang="zh-CN" altLang="en-US" smtClean="0"/>
+              <a:rPr lang="zh-CN" altLang="en-US"/>
               <a:t>第三级</a:t>
             </a:r>
           </a:p>
           <a:p>
             <a:pPr lvl="3"/>
             <a:r>
-              <a:rPr lang="zh-CN" altLang="en-US" smtClean="0"/>
+              <a:rPr lang="zh-CN" altLang="en-US"/>
               <a:t>第四级</a:t>
             </a:r>
           </a:p>
           <a:p>
             <a:pPr lvl="4"/>
             <a:r>
-              <a:rPr lang="zh-CN" altLang="en-US" smtClean="0"/>
+              <a:rPr lang="zh-CN" altLang="en-US"/>
               <a:t>第五级</a:t>
             </a:r>
             <a:endParaRPr lang="en-CA"/>
@@ -473,7 +931,7 @@
           <a:p>
             <a:fld id="{01BD8991-42E3-4D43-9850-17D52BFE9F1F}" type="datetimeFigureOut">
               <a:rPr lang="en-CA" smtClean="0"/>
-              <a:t>28/05/2017</a:t>
+              <a:t>29/05/2017</a:t>
             </a:fld>
             <a:endParaRPr lang="en-CA"/>
           </a:p>
@@ -572,7 +1030,7 @@
           <a:lstStyle/>
           <a:p>
             <a:r>
-              <a:rPr lang="zh-CN" altLang="en-US" smtClean="0"/>
+              <a:rPr lang="zh-CN" altLang="en-US"/>
               <a:t>单击此处编辑母版标题样式</a:t>
             </a:r>
             <a:endParaRPr lang="en-CA"/>
@@ -601,35 +1059,35 @@
           <a:p>
             <a:pPr lvl="0"/>
             <a:r>
-              <a:rPr lang="zh-CN" altLang="en-US" smtClean="0"/>
+              <a:rPr lang="zh-CN" altLang="en-US"/>
               <a:t>单击此处编辑母版文本样式</a:t>
             </a:r>
           </a:p>
           <a:p>
             <a:pPr lvl="1"/>
             <a:r>
-              <a:rPr lang="zh-CN" altLang="en-US" smtClean="0"/>
+              <a:rPr lang="zh-CN" altLang="en-US"/>
               <a:t>第二级</a:t>
             </a:r>
           </a:p>
           <a:p>
             <a:pPr lvl="2"/>
             <a:r>
-              <a:rPr lang="zh-CN" altLang="en-US" smtClean="0"/>
+              <a:rPr lang="zh-CN" altLang="en-US"/>
               <a:t>第三级</a:t>
             </a:r>
           </a:p>
           <a:p>
             <a:pPr lvl="3"/>
             <a:r>
-              <a:rPr lang="zh-CN" altLang="en-US" smtClean="0"/>
+              <a:rPr lang="zh-CN" altLang="en-US"/>
               <a:t>第四级</a:t>
             </a:r>
           </a:p>
           <a:p>
             <a:pPr lvl="4"/>
             <a:r>
-              <a:rPr lang="zh-CN" altLang="en-US" smtClean="0"/>
+              <a:rPr lang="zh-CN" altLang="en-US"/>
               <a:t>第五级</a:t>
             </a:r>
             <a:endParaRPr lang="en-CA"/>
@@ -653,7 +1111,7 @@
           <a:p>
             <a:fld id="{01BD8991-42E3-4D43-9850-17D52BFE9F1F}" type="datetimeFigureOut">
               <a:rPr lang="en-CA" smtClean="0"/>
-              <a:t>28/05/2017</a:t>
+              <a:t>29/05/2017</a:t>
             </a:fld>
             <a:endParaRPr lang="en-CA"/>
           </a:p>
@@ -747,7 +1205,7 @@
           <a:lstStyle/>
           <a:p>
             <a:r>
-              <a:rPr lang="zh-CN" altLang="en-US" smtClean="0"/>
+              <a:rPr lang="zh-CN" altLang="en-US"/>
               <a:t>单击此处编辑母版标题样式</a:t>
             </a:r>
             <a:endParaRPr lang="en-CA"/>
@@ -771,35 +1229,35 @@
           <a:p>
             <a:pPr lvl="0"/>
             <a:r>
-              <a:rPr lang="zh-CN" altLang="en-US" smtClean="0"/>
+              <a:rPr lang="zh-CN" altLang="en-US"/>
               <a:t>单击此处编辑母版文本样式</a:t>
             </a:r>
           </a:p>
           <a:p>
             <a:pPr lvl="1"/>
             <a:r>
-              <a:rPr lang="zh-CN" altLang="en-US" smtClean="0"/>
+              <a:rPr lang="zh-CN" altLang="en-US"/>
               <a:t>第二级</a:t>
             </a:r>
           </a:p>
           <a:p>
             <a:pPr lvl="2"/>
             <a:r>
-              <a:rPr lang="zh-CN" altLang="en-US" smtClean="0"/>
+              <a:rPr lang="zh-CN" altLang="en-US"/>
               <a:t>第三级</a:t>
             </a:r>
           </a:p>
           <a:p>
             <a:pPr lvl="3"/>
             <a:r>
-              <a:rPr lang="zh-CN" altLang="en-US" smtClean="0"/>
+              <a:rPr lang="zh-CN" altLang="en-US"/>
               <a:t>第四级</a:t>
             </a:r>
           </a:p>
           <a:p>
             <a:pPr lvl="4"/>
             <a:r>
-              <a:rPr lang="zh-CN" altLang="en-US" smtClean="0"/>
+              <a:rPr lang="zh-CN" altLang="en-US"/>
               <a:t>第五级</a:t>
             </a:r>
             <a:endParaRPr lang="en-CA"/>
@@ -823,7 +1281,7 @@
           <a:p>
             <a:fld id="{01BD8991-42E3-4D43-9850-17D52BFE9F1F}" type="datetimeFigureOut">
               <a:rPr lang="en-CA" smtClean="0"/>
-              <a:t>28/05/2017</a:t>
+              <a:t>29/05/2017</a:t>
             </a:fld>
             <a:endParaRPr lang="en-CA"/>
           </a:p>
@@ -926,7 +1384,7 @@
           </a:lstStyle>
           <a:p>
             <a:r>
-              <a:rPr lang="zh-CN" altLang="en-US" smtClean="0"/>
+              <a:rPr lang="zh-CN" altLang="en-US"/>
               <a:t>单击此处编辑母版标题样式</a:t>
             </a:r>
             <a:endParaRPr lang="en-CA"/>
@@ -1046,7 +1504,7 @@
           <a:p>
             <a:pPr lvl="0"/>
             <a:r>
-              <a:rPr lang="zh-CN" altLang="en-US" smtClean="0"/>
+              <a:rPr lang="zh-CN" altLang="en-US"/>
               <a:t>单击此处编辑母版文本样式</a:t>
             </a:r>
           </a:p>
@@ -1069,7 +1527,7 @@
           <a:p>
             <a:fld id="{01BD8991-42E3-4D43-9850-17D52BFE9F1F}" type="datetimeFigureOut">
               <a:rPr lang="en-CA" smtClean="0"/>
-              <a:t>28/05/2017</a:t>
+              <a:t>29/05/2017</a:t>
             </a:fld>
             <a:endParaRPr lang="en-CA"/>
           </a:p>
@@ -1163,7 +1621,7 @@
           <a:lstStyle/>
           <a:p>
             <a:r>
-              <a:rPr lang="zh-CN" altLang="en-US" smtClean="0"/>
+              <a:rPr lang="zh-CN" altLang="en-US"/>
               <a:t>单击此处编辑母版标题样式</a:t>
             </a:r>
             <a:endParaRPr lang="en-CA"/>
@@ -1220,35 +1678,35 @@
           <a:p>
             <a:pPr lvl="0"/>
             <a:r>
-              <a:rPr lang="zh-CN" altLang="en-US" smtClean="0"/>
+              <a:rPr lang="zh-CN" altLang="en-US"/>
               <a:t>单击此处编辑母版文本样式</a:t>
             </a:r>
           </a:p>
           <a:p>
             <a:pPr lvl="1"/>
             <a:r>
-              <a:rPr lang="zh-CN" altLang="en-US" smtClean="0"/>
+              <a:rPr lang="zh-CN" altLang="en-US"/>
               <a:t>第二级</a:t>
             </a:r>
           </a:p>
           <a:p>
             <a:pPr lvl="2"/>
             <a:r>
-              <a:rPr lang="zh-CN" altLang="en-US" smtClean="0"/>
+              <a:rPr lang="zh-CN" altLang="en-US"/>
               <a:t>第三级</a:t>
             </a:r>
           </a:p>
           <a:p>
             <a:pPr lvl="3"/>
             <a:r>
-              <a:rPr lang="zh-CN" altLang="en-US" smtClean="0"/>
+              <a:rPr lang="zh-CN" altLang="en-US"/>
               <a:t>第四级</a:t>
             </a:r>
           </a:p>
           <a:p>
             <a:pPr lvl="4"/>
             <a:r>
-              <a:rPr lang="zh-CN" altLang="en-US" smtClean="0"/>
+              <a:rPr lang="zh-CN" altLang="en-US"/>
               <a:t>第五级</a:t>
             </a:r>
             <a:endParaRPr lang="en-CA"/>
@@ -1305,35 +1763,35 @@
           <a:p>
             <a:pPr lvl="0"/>
             <a:r>
-              <a:rPr lang="zh-CN" altLang="en-US" smtClean="0"/>
+              <a:rPr lang="zh-CN" altLang="en-US"/>
               <a:t>单击此处编辑母版文本样式</a:t>
             </a:r>
           </a:p>
           <a:p>
             <a:pPr lvl="1"/>
             <a:r>
-              <a:rPr lang="zh-CN" altLang="en-US" smtClean="0"/>
+              <a:rPr lang="zh-CN" altLang="en-US"/>
               <a:t>第二级</a:t>
             </a:r>
           </a:p>
           <a:p>
             <a:pPr lvl="2"/>
             <a:r>
-              <a:rPr lang="zh-CN" altLang="en-US" smtClean="0"/>
+              <a:rPr lang="zh-CN" altLang="en-US"/>
               <a:t>第三级</a:t>
             </a:r>
           </a:p>
           <a:p>
             <a:pPr lvl="3"/>
             <a:r>
-              <a:rPr lang="zh-CN" altLang="en-US" smtClean="0"/>
+              <a:rPr lang="zh-CN" altLang="en-US"/>
               <a:t>第四级</a:t>
             </a:r>
           </a:p>
           <a:p>
             <a:pPr lvl="4"/>
             <a:r>
-              <a:rPr lang="zh-CN" altLang="en-US" smtClean="0"/>
+              <a:rPr lang="zh-CN" altLang="en-US"/>
               <a:t>第五级</a:t>
             </a:r>
             <a:endParaRPr lang="en-CA"/>
@@ -1357,7 +1815,7 @@
           <a:p>
             <a:fld id="{01BD8991-42E3-4D43-9850-17D52BFE9F1F}" type="datetimeFigureOut">
               <a:rPr lang="en-CA" smtClean="0"/>
-              <a:t>28/05/2017</a:t>
+              <a:t>29/05/2017</a:t>
             </a:fld>
             <a:endParaRPr lang="en-CA"/>
           </a:p>
@@ -1455,7 +1913,7 @@
           </a:lstStyle>
           <a:p>
             <a:r>
-              <a:rPr lang="zh-CN" altLang="en-US" smtClean="0"/>
+              <a:rPr lang="zh-CN" altLang="en-US"/>
               <a:t>单击此处编辑母版标题样式</a:t>
             </a:r>
             <a:endParaRPr lang="en-CA"/>
@@ -1521,7 +1979,7 @@
           <a:p>
             <a:pPr lvl="0"/>
             <a:r>
-              <a:rPr lang="zh-CN" altLang="en-US" smtClean="0"/>
+              <a:rPr lang="zh-CN" altLang="en-US"/>
               <a:t>单击此处编辑母版文本样式</a:t>
             </a:r>
           </a:p>
@@ -1577,35 +2035,35 @@
           <a:p>
             <a:pPr lvl="0"/>
             <a:r>
-              <a:rPr lang="zh-CN" altLang="en-US" smtClean="0"/>
+              <a:rPr lang="zh-CN" altLang="en-US"/>
               <a:t>单击此处编辑母版文本样式</a:t>
             </a:r>
           </a:p>
           <a:p>
             <a:pPr lvl="1"/>
             <a:r>
-              <a:rPr lang="zh-CN" altLang="en-US" smtClean="0"/>
+              <a:rPr lang="zh-CN" altLang="en-US"/>
               <a:t>第二级</a:t>
             </a:r>
           </a:p>
           <a:p>
             <a:pPr lvl="2"/>
             <a:r>
-              <a:rPr lang="zh-CN" altLang="en-US" smtClean="0"/>
+              <a:rPr lang="zh-CN" altLang="en-US"/>
               <a:t>第三级</a:t>
             </a:r>
           </a:p>
           <a:p>
             <a:pPr lvl="3"/>
             <a:r>
-              <a:rPr lang="zh-CN" altLang="en-US" smtClean="0"/>
+              <a:rPr lang="zh-CN" altLang="en-US"/>
               <a:t>第四级</a:t>
             </a:r>
           </a:p>
           <a:p>
             <a:pPr lvl="4"/>
             <a:r>
-              <a:rPr lang="zh-CN" altLang="en-US" smtClean="0"/>
+              <a:rPr lang="zh-CN" altLang="en-US"/>
               <a:t>第五级</a:t>
             </a:r>
             <a:endParaRPr lang="en-CA"/>
@@ -1671,7 +2129,7 @@
           <a:p>
             <a:pPr lvl="0"/>
             <a:r>
-              <a:rPr lang="zh-CN" altLang="en-US" smtClean="0"/>
+              <a:rPr lang="zh-CN" altLang="en-US"/>
               <a:t>单击此处编辑母版文本样式</a:t>
             </a:r>
           </a:p>
@@ -1727,35 +2185,35 @@
           <a:p>
             <a:pPr lvl="0"/>
             <a:r>
-              <a:rPr lang="zh-CN" altLang="en-US" smtClean="0"/>
+              <a:rPr lang="zh-CN" altLang="en-US"/>
               <a:t>单击此处编辑母版文本样式</a:t>
             </a:r>
           </a:p>
           <a:p>
             <a:pPr lvl="1"/>
             <a:r>
-              <a:rPr lang="zh-CN" altLang="en-US" smtClean="0"/>
+              <a:rPr lang="zh-CN" altLang="en-US"/>
               <a:t>第二级</a:t>
             </a:r>
           </a:p>
           <a:p>
             <a:pPr lvl="2"/>
             <a:r>
-              <a:rPr lang="zh-CN" altLang="en-US" smtClean="0"/>
+              <a:rPr lang="zh-CN" altLang="en-US"/>
               <a:t>第三级</a:t>
             </a:r>
           </a:p>
           <a:p>
             <a:pPr lvl="3"/>
             <a:r>
-              <a:rPr lang="zh-CN" altLang="en-US" smtClean="0"/>
+              <a:rPr lang="zh-CN" altLang="en-US"/>
               <a:t>第四级</a:t>
             </a:r>
           </a:p>
           <a:p>
             <a:pPr lvl="4"/>
             <a:r>
-              <a:rPr lang="zh-CN" altLang="en-US" smtClean="0"/>
+              <a:rPr lang="zh-CN" altLang="en-US"/>
               <a:t>第五级</a:t>
             </a:r>
             <a:endParaRPr lang="en-CA"/>
@@ -1779,7 +2237,7 @@
           <a:p>
             <a:fld id="{01BD8991-42E3-4D43-9850-17D52BFE9F1F}" type="datetimeFigureOut">
               <a:rPr lang="en-CA" smtClean="0"/>
-              <a:t>28/05/2017</a:t>
+              <a:t>29/05/2017</a:t>
             </a:fld>
             <a:endParaRPr lang="en-CA"/>
           </a:p>
@@ -1873,7 +2331,7 @@
           <a:lstStyle/>
           <a:p>
             <a:r>
-              <a:rPr lang="zh-CN" altLang="en-US" smtClean="0"/>
+              <a:rPr lang="zh-CN" altLang="en-US"/>
               <a:t>单击此处编辑母版标题样式</a:t>
             </a:r>
             <a:endParaRPr lang="en-CA"/>
@@ -1897,7 +2355,7 @@
           <a:p>
             <a:fld id="{01BD8991-42E3-4D43-9850-17D52BFE9F1F}" type="datetimeFigureOut">
               <a:rPr lang="en-CA" smtClean="0"/>
-              <a:t>28/05/2017</a:t>
+              <a:t>29/05/2017</a:t>
             </a:fld>
             <a:endParaRPr lang="en-CA"/>
           </a:p>
@@ -1992,7 +2450,7 @@
           <a:p>
             <a:fld id="{01BD8991-42E3-4D43-9850-17D52BFE9F1F}" type="datetimeFigureOut">
               <a:rPr lang="en-CA" smtClean="0"/>
-              <a:t>28/05/2017</a:t>
+              <a:t>29/05/2017</a:t>
             </a:fld>
             <a:endParaRPr lang="en-CA"/>
           </a:p>
@@ -2095,7 +2553,7 @@
           </a:lstStyle>
           <a:p>
             <a:r>
-              <a:rPr lang="zh-CN" altLang="en-US" smtClean="0"/>
+              <a:rPr lang="zh-CN" altLang="en-US"/>
               <a:t>单击此处编辑母版标题样式</a:t>
             </a:r>
             <a:endParaRPr lang="en-CA"/>
@@ -2152,35 +2610,35 @@
           <a:p>
             <a:pPr lvl="0"/>
             <a:r>
-              <a:rPr lang="zh-CN" altLang="en-US" smtClean="0"/>
+              <a:rPr lang="zh-CN" altLang="en-US"/>
               <a:t>单击此处编辑母版文本样式</a:t>
             </a:r>
           </a:p>
           <a:p>
             <a:pPr lvl="1"/>
             <a:r>
-              <a:rPr lang="zh-CN" altLang="en-US" smtClean="0"/>
+              <a:rPr lang="zh-CN" altLang="en-US"/>
               <a:t>第二级</a:t>
             </a:r>
           </a:p>
           <a:p>
             <a:pPr lvl="2"/>
             <a:r>
-              <a:rPr lang="zh-CN" altLang="en-US" smtClean="0"/>
+              <a:rPr lang="zh-CN" altLang="en-US"/>
               <a:t>第三级</a:t>
             </a:r>
           </a:p>
           <a:p>
             <a:pPr lvl="3"/>
             <a:r>
-              <a:rPr lang="zh-CN" altLang="en-US" smtClean="0"/>
+              <a:rPr lang="zh-CN" altLang="en-US"/>
               <a:t>第四级</a:t>
             </a:r>
           </a:p>
           <a:p>
             <a:pPr lvl="4"/>
             <a:r>
-              <a:rPr lang="zh-CN" altLang="en-US" smtClean="0"/>
+              <a:rPr lang="zh-CN" altLang="en-US"/>
               <a:t>第五级</a:t>
             </a:r>
             <a:endParaRPr lang="en-CA"/>
@@ -2246,7 +2704,7 @@
           <a:p>
             <a:pPr lvl="0"/>
             <a:r>
-              <a:rPr lang="zh-CN" altLang="en-US" smtClean="0"/>
+              <a:rPr lang="zh-CN" altLang="en-US"/>
               <a:t>单击此处编辑母版文本样式</a:t>
             </a:r>
           </a:p>
@@ -2269,7 +2727,7 @@
           <a:p>
             <a:fld id="{01BD8991-42E3-4D43-9850-17D52BFE9F1F}" type="datetimeFigureOut">
               <a:rPr lang="en-CA" smtClean="0"/>
-              <a:t>28/05/2017</a:t>
+              <a:t>29/05/2017</a:t>
             </a:fld>
             <a:endParaRPr lang="en-CA"/>
           </a:p>
@@ -2372,7 +2830,7 @@
           </a:lstStyle>
           <a:p>
             <a:r>
-              <a:rPr lang="zh-CN" altLang="en-US" smtClean="0"/>
+              <a:rPr lang="zh-CN" altLang="en-US"/>
               <a:t>单击此处编辑母版标题样式</a:t>
             </a:r>
             <a:endParaRPr lang="en-CA"/>
@@ -2499,7 +2957,7 @@
           <a:p>
             <a:pPr lvl="0"/>
             <a:r>
-              <a:rPr lang="zh-CN" altLang="en-US" smtClean="0"/>
+              <a:rPr lang="zh-CN" altLang="en-US"/>
               <a:t>单击此处编辑母版文本样式</a:t>
             </a:r>
           </a:p>
@@ -2522,7 +2980,7 @@
           <a:p>
             <a:fld id="{01BD8991-42E3-4D43-9850-17D52BFE9F1F}" type="datetimeFigureOut">
               <a:rPr lang="en-CA" smtClean="0"/>
-              <a:t>28/05/2017</a:t>
+              <a:t>29/05/2017</a:t>
             </a:fld>
             <a:endParaRPr lang="en-CA"/>
           </a:p>
@@ -2631,7 +3089,7 @@
           <a:lstStyle/>
           <a:p>
             <a:r>
-              <a:rPr lang="zh-CN" altLang="en-US" smtClean="0"/>
+              <a:rPr lang="zh-CN" altLang="en-US"/>
               <a:t>单击此处编辑母版标题样式</a:t>
             </a:r>
             <a:endParaRPr lang="en-CA"/>
@@ -2665,35 +3123,35 @@
           <a:p>
             <a:pPr lvl="0"/>
             <a:r>
-              <a:rPr lang="zh-CN" altLang="en-US" smtClean="0"/>
+              <a:rPr lang="zh-CN" altLang="en-US"/>
               <a:t>单击此处编辑母版文本样式</a:t>
             </a:r>
           </a:p>
           <a:p>
             <a:pPr lvl="1"/>
             <a:r>
-              <a:rPr lang="zh-CN" altLang="en-US" smtClean="0"/>
+              <a:rPr lang="zh-CN" altLang="en-US"/>
               <a:t>第二级</a:t>
             </a:r>
           </a:p>
           <a:p>
             <a:pPr lvl="2"/>
             <a:r>
-              <a:rPr lang="zh-CN" altLang="en-US" smtClean="0"/>
+              <a:rPr lang="zh-CN" altLang="en-US"/>
               <a:t>第三级</a:t>
             </a:r>
           </a:p>
           <a:p>
             <a:pPr lvl="3"/>
             <a:r>
-              <a:rPr lang="zh-CN" altLang="en-US" smtClean="0"/>
+              <a:rPr lang="zh-CN" altLang="en-US"/>
               <a:t>第四级</a:t>
             </a:r>
           </a:p>
           <a:p>
             <a:pPr lvl="4"/>
             <a:r>
-              <a:rPr lang="zh-CN" altLang="en-US" smtClean="0"/>
+              <a:rPr lang="zh-CN" altLang="en-US"/>
               <a:t>第五级</a:t>
             </a:r>
             <a:endParaRPr lang="en-CA"/>
@@ -2735,7 +3193,7 @@
           <a:p>
             <a:fld id="{01BD8991-42E3-4D43-9850-17D52BFE9F1F}" type="datetimeFigureOut">
               <a:rPr lang="en-CA" smtClean="0"/>
-              <a:t>28/05/2017</a:t>
+              <a:t>29/05/2017</a:t>
             </a:fld>
             <a:endParaRPr lang="en-CA"/>
           </a:p>
@@ -3169,32 +3627,18 @@
               </a:rPr>
               <a:t>Online File </a:t>
             </a:r>
-            <a:r>
-              <a:rPr lang="en-US" sz="5400" b="1" dirty="0" smtClean="0">
-                <a:latin typeface="Times New Roman" panose="02020603050405020304" pitchFamily="18" charset="0"/>
-                <a:cs typeface="Times New Roman" panose="02020603050405020304" pitchFamily="18" charset="0"/>
-              </a:rPr>
-              <a:t/>
-            </a:r>
             <a:br>
-              <a:rPr lang="en-US" sz="5400" b="1" dirty="0" smtClean="0">
+              <a:rPr lang="en-US" sz="5400" b="1" dirty="0">
                 <a:latin typeface="Times New Roman" panose="02020603050405020304" pitchFamily="18" charset="0"/>
                 <a:cs typeface="Times New Roman" panose="02020603050405020304" pitchFamily="18" charset="0"/>
               </a:rPr>
             </a:br>
             <a:r>
-              <a:rPr lang="en-US" sz="5400" b="1" dirty="0" smtClean="0">
-                <a:latin typeface="Times New Roman" panose="02020603050405020304" pitchFamily="18" charset="0"/>
-                <a:cs typeface="Times New Roman" panose="02020603050405020304" pitchFamily="18" charset="0"/>
-              </a:rPr>
-              <a:t>Management </a:t>
-            </a:r>
-            <a:r>
               <a:rPr lang="en-US" sz="5400" b="1" dirty="0">
                 <a:latin typeface="Times New Roman" panose="02020603050405020304" pitchFamily="18" charset="0"/>
                 <a:cs typeface="Times New Roman" panose="02020603050405020304" pitchFamily="18" charset="0"/>
               </a:rPr>
-              <a:t>System</a:t>
+              <a:t>Management System</a:t>
             </a:r>
             <a:r>
               <a:rPr lang="en-CA" sz="5400" dirty="0"/>
@@ -3264,13 +3708,6 @@
     <a:masterClrMapping/>
   </p:clrMapOvr>
   <p:transition/>
-  <p:timing>
-    <p:tnLst>
-      <p:par>
-        <p:cTn id="1" dur="indefinite" restart="never" nodeType="tmRoot"/>
-      </p:par>
-    </p:tnLst>
-  </p:timing>
 </p:sld>
 </file>
 
@@ -3357,260 +3794,160 @@
           </a:fontRef>
         </p:style>
       </p:cxnSp>
-      <p:pic>
-        <p:nvPicPr>
-          <p:cNvPr id="8" name="图片 7"/>
-          <p:cNvPicPr>
-            <a:picLocks noChangeAspect="1"/>
-          </p:cNvPicPr>
-          <p:nvPr/>
-        </p:nvPicPr>
-        <p:blipFill>
-          <a:blip r:embed="rId2">
-            <a:extLst>
-              <a:ext uri="{28A0092B-C50C-407E-A947-70E740481C1C}">
-                <a14:useLocalDpi xmlns:a14="http://schemas.microsoft.com/office/drawing/2010/main" val="0"/>
-              </a:ext>
-            </a:extLst>
-          </a:blip>
-          <a:stretch>
-            <a:fillRect/>
-          </a:stretch>
-        </p:blipFill>
-        <p:spPr>
-          <a:xfrm>
-            <a:off x="2736175" y="1052736"/>
-            <a:ext cx="3384376" cy="245555"/>
+      <p:sp>
+        <p:nvSpPr>
+          <p:cNvPr id="2" name="Rectangle 1"/>
+          <p:cNvSpPr/>
+          <p:nvPr/>
+        </p:nvSpPr>
+        <p:spPr>
+          <a:xfrm>
+            <a:off x="395536" y="4145012"/>
+            <a:ext cx="8291264" cy="2308324"/>
           </a:xfrm>
           <a:prstGeom prst="rect">
             <a:avLst/>
           </a:prstGeom>
         </p:spPr>
-      </p:pic>
-      <p:pic>
-        <p:nvPicPr>
-          <p:cNvPr id="10" name="图片 9"/>
-          <p:cNvPicPr>
-            <a:picLocks noChangeAspect="1"/>
-          </p:cNvPicPr>
-          <p:nvPr/>
-        </p:nvPicPr>
-        <p:blipFill>
-          <a:blip r:embed="rId3">
-            <a:extLst>
-              <a:ext uri="{28A0092B-C50C-407E-A947-70E740481C1C}">
-                <a14:useLocalDpi xmlns:a14="http://schemas.microsoft.com/office/drawing/2010/main" val="0"/>
-              </a:ext>
-            </a:extLst>
-          </a:blip>
-          <a:stretch>
-            <a:fillRect/>
-          </a:stretch>
-        </p:blipFill>
-        <p:spPr>
-          <a:xfrm>
-            <a:off x="1763688" y="1729881"/>
-            <a:ext cx="5328592" cy="1987151"/>
+        <p:txBody>
+          <a:bodyPr wrap="square">
+            <a:spAutoFit/>
+          </a:bodyPr>
+          <a:lstStyle/>
+          <a:p>
+            <a:r>
+              <a:rPr lang="en-CA" sz="2800" dirty="0">
+                <a:latin typeface="Times New Roman" panose="02020603050405020304" pitchFamily="18" charset="0"/>
+                <a:cs typeface="Times New Roman" panose="02020603050405020304" pitchFamily="18" charset="0"/>
+              </a:rPr>
+              <a:t>&lt;input type="submit" class="</a:t>
+            </a:r>
+            <a:r>
+              <a:rPr lang="en-CA" sz="2800" dirty="0" err="1">
+                <a:latin typeface="Times New Roman" panose="02020603050405020304" pitchFamily="18" charset="0"/>
+                <a:cs typeface="Times New Roman" panose="02020603050405020304" pitchFamily="18" charset="0"/>
+              </a:rPr>
+              <a:t>btn</a:t>
+            </a:r>
+            <a:r>
+              <a:rPr lang="en-CA" sz="2800" dirty="0">
+                <a:latin typeface="Times New Roman" panose="02020603050405020304" pitchFamily="18" charset="0"/>
+                <a:cs typeface="Times New Roman" panose="02020603050405020304" pitchFamily="18" charset="0"/>
+              </a:rPr>
+              <a:t>" style="height: 50px; width: 505px; margin: auto; font-size: 20px; background-color: </a:t>
+            </a:r>
+            <a:r>
+              <a:rPr lang="en-CA" sz="2800" dirty="0" err="1">
+                <a:latin typeface="Times New Roman" panose="02020603050405020304" pitchFamily="18" charset="0"/>
+                <a:cs typeface="Times New Roman" panose="02020603050405020304" pitchFamily="18" charset="0"/>
+              </a:rPr>
+              <a:t>lightskyblue</a:t>
+            </a:r>
+            <a:r>
+              <a:rPr lang="en-CA" sz="2800" dirty="0">
+                <a:latin typeface="Times New Roman" panose="02020603050405020304" pitchFamily="18" charset="0"/>
+                <a:cs typeface="Times New Roman" panose="02020603050405020304" pitchFamily="18" charset="0"/>
+              </a:rPr>
+              <a:t>" value="Sign in!"&gt;&lt;/input&gt;</a:t>
+            </a:r>
+          </a:p>
+          <a:p>
+            <a:r>
+              <a:rPr lang="en-CA" sz="3200" dirty="0">
+                <a:latin typeface="Times New Roman" panose="02020603050405020304" pitchFamily="18" charset="0"/>
+                <a:cs typeface="Times New Roman" panose="02020603050405020304" pitchFamily="18" charset="0"/>
+              </a:rPr>
+              <a:t> </a:t>
+            </a:r>
+          </a:p>
+        </p:txBody>
+      </p:sp>
+      <p:sp>
+        <p:nvSpPr>
+          <p:cNvPr id="3" name="Rectangle 2"/>
+          <p:cNvSpPr/>
+          <p:nvPr/>
+        </p:nvSpPr>
+        <p:spPr>
+          <a:xfrm>
+            <a:off x="467544" y="1340768"/>
+            <a:ext cx="7848872" cy="954107"/>
           </a:xfrm>
           <a:prstGeom prst="rect">
             <a:avLst/>
           </a:prstGeom>
         </p:spPr>
-      </p:pic>
-      <p:pic>
-        <p:nvPicPr>
-          <p:cNvPr id="11" name="图片 10"/>
-          <p:cNvPicPr>
-            <a:picLocks noChangeAspect="1"/>
-          </p:cNvPicPr>
-          <p:nvPr/>
-        </p:nvPicPr>
-        <p:blipFill>
-          <a:blip r:embed="rId4">
-            <a:extLst>
-              <a:ext uri="{28A0092B-C50C-407E-A947-70E740481C1C}">
-                <a14:useLocalDpi xmlns:a14="http://schemas.microsoft.com/office/drawing/2010/main" val="0"/>
-              </a:ext>
-            </a:extLst>
-          </a:blip>
-          <a:stretch>
-            <a:fillRect/>
-          </a:stretch>
-        </p:blipFill>
-        <p:spPr>
-          <a:xfrm>
-            <a:off x="2514331" y="4278285"/>
-            <a:ext cx="3833124" cy="1166939"/>
+        <p:txBody>
+          <a:bodyPr wrap="square">
+            <a:spAutoFit/>
+          </a:bodyPr>
+          <a:lstStyle/>
+          <a:p>
+            <a:r>
+              <a:rPr lang="en-CA" sz="2800" dirty="0">
+                <a:latin typeface="Times New Roman" panose="02020603050405020304" pitchFamily="18" charset="0"/>
+                <a:cs typeface="Times New Roman" panose="02020603050405020304" pitchFamily="18" charset="0"/>
+              </a:rPr>
+              <a:t>&lt;button type="submit" class="</a:t>
+            </a:r>
+            <a:r>
+              <a:rPr lang="en-CA" sz="2800" dirty="0" err="1">
+                <a:latin typeface="Times New Roman" panose="02020603050405020304" pitchFamily="18" charset="0"/>
+                <a:cs typeface="Times New Roman" panose="02020603050405020304" pitchFamily="18" charset="0"/>
+              </a:rPr>
+              <a:t>btn</a:t>
+            </a:r>
+            <a:r>
+              <a:rPr lang="en-CA" sz="2800" dirty="0">
+                <a:latin typeface="Times New Roman" panose="02020603050405020304" pitchFamily="18" charset="0"/>
+                <a:cs typeface="Times New Roman" panose="02020603050405020304" pitchFamily="18" charset="0"/>
+              </a:rPr>
+              <a:t>"&gt;Sign in!&lt;/button&gt;</a:t>
+            </a:r>
+          </a:p>
+        </p:txBody>
+      </p:sp>
+      <p:sp>
+        <p:nvSpPr>
+          <p:cNvPr id="6" name="Rectangle 5"/>
+          <p:cNvSpPr/>
+          <p:nvPr/>
+        </p:nvSpPr>
+        <p:spPr>
+          <a:xfrm>
+            <a:off x="3644280" y="2204864"/>
+            <a:ext cx="4528120" cy="523220"/>
           </a:xfrm>
           <a:prstGeom prst="rect">
             <a:avLst/>
           </a:prstGeom>
         </p:spPr>
-      </p:pic>
-      <p:cxnSp>
-        <p:nvCxnSpPr>
-          <p:cNvPr id="13" name="直接箭头连接符 12"/>
-          <p:cNvCxnSpPr>
-            <a:stCxn id="8" idx="2"/>
-            <a:endCxn id="10" idx="0"/>
-          </p:cNvCxnSpPr>
-          <p:nvPr/>
-        </p:nvCxnSpPr>
-        <p:spPr>
-          <a:xfrm flipH="1">
-            <a:off x="4427984" y="1298291"/>
-            <a:ext cx="379" cy="431590"/>
-          </a:xfrm>
-          <a:prstGeom prst="straightConnector1">
-            <a:avLst/>
-          </a:prstGeom>
-          <a:ln>
-            <a:solidFill>
-              <a:srgbClr val="FF0000"/>
-            </a:solidFill>
-            <a:tailEnd type="arrow"/>
-          </a:ln>
-        </p:spPr>
-        <p:style>
-          <a:lnRef idx="1">
-            <a:schemeClr val="accent1"/>
-          </a:lnRef>
-          <a:fillRef idx="0">
-            <a:schemeClr val="accent1"/>
-          </a:fillRef>
-          <a:effectRef idx="0">
-            <a:schemeClr val="accent1"/>
-          </a:effectRef>
-          <a:fontRef idx="minor">
-            <a:schemeClr val="tx1"/>
-          </a:fontRef>
-        </p:style>
-      </p:cxnSp>
-      <p:cxnSp>
-        <p:nvCxnSpPr>
-          <p:cNvPr id="16" name="直接箭头连接符 15"/>
-          <p:cNvCxnSpPr>
-            <a:stCxn id="10" idx="2"/>
-            <a:endCxn id="11" idx="0"/>
-          </p:cNvCxnSpPr>
-          <p:nvPr/>
-        </p:nvCxnSpPr>
-        <p:spPr>
-          <a:xfrm>
-            <a:off x="4427984" y="3717032"/>
-            <a:ext cx="2909" cy="561253"/>
-          </a:xfrm>
-          <a:prstGeom prst="straightConnector1">
-            <a:avLst/>
-          </a:prstGeom>
-          <a:ln>
-            <a:solidFill>
-              <a:srgbClr val="FF0000"/>
-            </a:solidFill>
-            <a:tailEnd type="arrow"/>
-          </a:ln>
-        </p:spPr>
-        <p:style>
-          <a:lnRef idx="1">
-            <a:schemeClr val="accent1"/>
-          </a:lnRef>
-          <a:fillRef idx="0">
-            <a:schemeClr val="accent1"/>
-          </a:fillRef>
-          <a:effectRef idx="0">
-            <a:schemeClr val="accent1"/>
-          </a:effectRef>
-          <a:fontRef idx="minor">
-            <a:schemeClr val="tx1"/>
-          </a:fontRef>
-        </p:style>
-      </p:cxnSp>
-      <p:pic>
-        <p:nvPicPr>
-          <p:cNvPr id="6" name="图片 5"/>
-          <p:cNvPicPr>
-            <a:picLocks noChangeAspect="1"/>
-          </p:cNvPicPr>
-          <p:nvPr/>
-        </p:nvPicPr>
-        <p:blipFill>
-          <a:blip r:embed="rId5">
-            <a:extLst>
-              <a:ext uri="{28A0092B-C50C-407E-A947-70E740481C1C}">
-                <a14:useLocalDpi xmlns:a14="http://schemas.microsoft.com/office/drawing/2010/main" val="0"/>
-              </a:ext>
-            </a:extLst>
-          </a:blip>
-          <a:stretch>
-            <a:fillRect/>
-          </a:stretch>
-        </p:blipFill>
-        <p:spPr>
-          <a:xfrm>
-            <a:off x="443794" y="6005598"/>
-            <a:ext cx="7981770" cy="447738"/>
-          </a:xfrm>
-          <a:prstGeom prst="rect">
-            <a:avLst/>
-          </a:prstGeom>
-        </p:spPr>
-      </p:pic>
-      <p:cxnSp>
-        <p:nvCxnSpPr>
-          <p:cNvPr id="9" name="直接箭头连接符 8"/>
-          <p:cNvCxnSpPr>
-            <a:stCxn id="11" idx="2"/>
-            <a:endCxn id="6" idx="0"/>
-          </p:cNvCxnSpPr>
-          <p:nvPr/>
-        </p:nvCxnSpPr>
-        <p:spPr>
-          <a:xfrm>
-            <a:off x="4430893" y="5445224"/>
-            <a:ext cx="3786" cy="560374"/>
-          </a:xfrm>
-          <a:prstGeom prst="straightConnector1">
-            <a:avLst/>
-          </a:prstGeom>
-          <a:ln>
-            <a:solidFill>
-              <a:srgbClr val="FF0000"/>
-            </a:solidFill>
-            <a:tailEnd type="arrow"/>
-          </a:ln>
-        </p:spPr>
-        <p:style>
-          <a:lnRef idx="1">
-            <a:schemeClr val="accent1"/>
-          </a:lnRef>
-          <a:fillRef idx="0">
-            <a:schemeClr val="accent1"/>
-          </a:fillRef>
-          <a:effectRef idx="0">
-            <a:schemeClr val="accent1"/>
-          </a:effectRef>
-          <a:fontRef idx="minor">
-            <a:schemeClr val="tx1"/>
-          </a:fontRef>
-        </p:style>
-      </p:cxnSp>
+        <p:txBody>
+          <a:bodyPr wrap="square">
+            <a:spAutoFit/>
+          </a:bodyPr>
+          <a:lstStyle/>
+          <a:p>
+            <a:r>
+              <a:rPr lang="en-CA" sz="2800" dirty="0">
+                <a:latin typeface="Times New Roman" panose="02020603050405020304" pitchFamily="18" charset="0"/>
+                <a:cs typeface="Times New Roman" panose="02020603050405020304" pitchFamily="18" charset="0"/>
+              </a:rPr>
+              <a:t>(Login button not working)</a:t>
+            </a:r>
+          </a:p>
+        </p:txBody>
+      </p:sp>
     </p:spTree>
     <p:extLst>
       <p:ext uri="{BB962C8B-B14F-4D97-AF65-F5344CB8AC3E}">
-        <p14:creationId xmlns:p14="http://schemas.microsoft.com/office/powerpoint/2010/main" val="3827495786"/>
+        <p14:creationId xmlns:p14="http://schemas.microsoft.com/office/powerpoint/2010/main" val="3001060692"/>
       </p:ext>
     </p:extLst>
   </p:cSld>
   <p:clrMapOvr>
     <a:masterClrMapping/>
   </p:clrMapOvr>
-  <p:timing>
-    <p:tnLst>
-      <p:par>
-        <p:cTn id="1" dur="indefinite" restart="never" nodeType="tmRoot"/>
-      </p:par>
-    </p:tnLst>
-  </p:timing>
 </p:sld>
 </file>
 
@@ -3661,15 +3998,8 @@
                 <a:latin typeface="Times New Roman" panose="02020603050405020304" pitchFamily="18" charset="0"/>
                 <a:cs typeface="Times New Roman" panose="02020603050405020304" pitchFamily="18" charset="0"/>
               </a:rPr>
-              <a:t>What we learned </a:t>
-            </a:r>
-            <a:endParaRPr lang="en-CA" b="1" dirty="0">
-              <a:solidFill>
-                <a:srgbClr val="0070C0"/>
-              </a:solidFill>
-              <a:latin typeface="Times New Roman" panose="02020603050405020304" pitchFamily="18" charset="0"/>
-              <a:cs typeface="Times New Roman" panose="02020603050405020304" pitchFamily="18" charset="0"/>
-            </a:endParaRPr>
+              <a:t>Challenges and Solutions </a:t>
+            </a:r>
           </a:p>
         </p:txBody>
       </p:sp>
@@ -3688,6 +4018,318 @@
             <a:avLst/>
           </a:prstGeom>
           <a:ln cmpd="sng"/>
+        </p:spPr>
+        <p:style>
+          <a:lnRef idx="1">
+            <a:schemeClr val="accent1"/>
+          </a:lnRef>
+          <a:fillRef idx="0">
+            <a:schemeClr val="accent1"/>
+          </a:fillRef>
+          <a:effectRef idx="0">
+            <a:schemeClr val="accent1"/>
+          </a:effectRef>
+          <a:fontRef idx="minor">
+            <a:schemeClr val="tx1"/>
+          </a:fontRef>
+        </p:style>
+      </p:cxnSp>
+      <p:pic>
+        <p:nvPicPr>
+          <p:cNvPr id="3" name="图片 2"/>
+          <p:cNvPicPr>
+            <a:picLocks noChangeAspect="1"/>
+          </p:cNvPicPr>
+          <p:nvPr/>
+        </p:nvPicPr>
+        <p:blipFill>
+          <a:blip r:embed="rId2">
+            <a:extLst>
+              <a:ext uri="{28A0092B-C50C-407E-A947-70E740481C1C}">
+                <a14:useLocalDpi xmlns:a14="http://schemas.microsoft.com/office/drawing/2010/main" val="0"/>
+              </a:ext>
+            </a:extLst>
+          </a:blip>
+          <a:stretch>
+            <a:fillRect/>
+          </a:stretch>
+        </p:blipFill>
+        <p:spPr>
+          <a:xfrm>
+            <a:off x="467544" y="1196752"/>
+            <a:ext cx="3384376" cy="314369"/>
+          </a:xfrm>
+          <a:prstGeom prst="rect">
+            <a:avLst/>
+          </a:prstGeom>
+        </p:spPr>
+      </p:pic>
+      <p:pic>
+        <p:nvPicPr>
+          <p:cNvPr id="12" name="图片 11"/>
+          <p:cNvPicPr>
+            <a:picLocks noChangeAspect="1"/>
+          </p:cNvPicPr>
+          <p:nvPr/>
+        </p:nvPicPr>
+        <p:blipFill>
+          <a:blip r:embed="rId3">
+            <a:extLst>
+              <a:ext uri="{28A0092B-C50C-407E-A947-70E740481C1C}">
+                <a14:useLocalDpi xmlns:a14="http://schemas.microsoft.com/office/drawing/2010/main" val="0"/>
+              </a:ext>
+            </a:extLst>
+          </a:blip>
+          <a:stretch>
+            <a:fillRect/>
+          </a:stretch>
+        </p:blipFill>
+        <p:spPr>
+          <a:xfrm>
+            <a:off x="3851921" y="2004494"/>
+            <a:ext cx="4896544" cy="1064466"/>
+          </a:xfrm>
+          <a:prstGeom prst="rect">
+            <a:avLst/>
+          </a:prstGeom>
+        </p:spPr>
+      </p:pic>
+      <p:pic>
+        <p:nvPicPr>
+          <p:cNvPr id="14" name="图片 13"/>
+          <p:cNvPicPr>
+            <a:picLocks noChangeAspect="1"/>
+          </p:cNvPicPr>
+          <p:nvPr/>
+        </p:nvPicPr>
+        <p:blipFill>
+          <a:blip r:embed="rId4">
+            <a:extLst>
+              <a:ext uri="{28A0092B-C50C-407E-A947-70E740481C1C}">
+                <a14:useLocalDpi xmlns:a14="http://schemas.microsoft.com/office/drawing/2010/main" val="0"/>
+              </a:ext>
+            </a:extLst>
+          </a:blip>
+          <a:stretch>
+            <a:fillRect/>
+          </a:stretch>
+        </p:blipFill>
+        <p:spPr>
+          <a:xfrm>
+            <a:off x="3851920" y="4689562"/>
+            <a:ext cx="4896534" cy="971686"/>
+          </a:xfrm>
+          <a:prstGeom prst="rect">
+            <a:avLst/>
+          </a:prstGeom>
+        </p:spPr>
+      </p:pic>
+      <p:pic>
+        <p:nvPicPr>
+          <p:cNvPr id="16" name="图片 15"/>
+          <p:cNvPicPr>
+            <a:picLocks noChangeAspect="1"/>
+          </p:cNvPicPr>
+          <p:nvPr/>
+        </p:nvPicPr>
+        <p:blipFill>
+          <a:blip r:embed="rId5">
+            <a:extLst>
+              <a:ext uri="{28A0092B-C50C-407E-A947-70E740481C1C}">
+                <a14:useLocalDpi xmlns:a14="http://schemas.microsoft.com/office/drawing/2010/main" val="0"/>
+              </a:ext>
+            </a:extLst>
+          </a:blip>
+          <a:stretch>
+            <a:fillRect/>
+          </a:stretch>
+        </p:blipFill>
+        <p:spPr>
+          <a:xfrm>
+            <a:off x="467544" y="3178221"/>
+            <a:ext cx="3384376" cy="1690939"/>
+          </a:xfrm>
+          <a:prstGeom prst="rect">
+            <a:avLst/>
+          </a:prstGeom>
+          <a:ln>
+            <a:solidFill>
+              <a:schemeClr val="bg1"/>
+            </a:solidFill>
+          </a:ln>
+        </p:spPr>
+      </p:pic>
+      <p:pic>
+        <p:nvPicPr>
+          <p:cNvPr id="17" name="图片 16"/>
+          <p:cNvPicPr>
+            <a:picLocks noChangeAspect="1"/>
+          </p:cNvPicPr>
+          <p:nvPr/>
+        </p:nvPicPr>
+        <p:blipFill>
+          <a:blip r:embed="rId6">
+            <a:extLst>
+              <a:ext uri="{28A0092B-C50C-407E-A947-70E740481C1C}">
+                <a14:useLocalDpi xmlns:a14="http://schemas.microsoft.com/office/drawing/2010/main" val="0"/>
+              </a:ext>
+            </a:extLst>
+          </a:blip>
+          <a:stretch>
+            <a:fillRect/>
+          </a:stretch>
+        </p:blipFill>
+        <p:spPr>
+          <a:xfrm>
+            <a:off x="467544" y="5999334"/>
+            <a:ext cx="3384376" cy="381994"/>
+          </a:xfrm>
+          <a:prstGeom prst="rect">
+            <a:avLst/>
+          </a:prstGeom>
+        </p:spPr>
+      </p:pic>
+      <p:cxnSp>
+        <p:nvCxnSpPr>
+          <p:cNvPr id="21" name="曲线连接符 20"/>
+          <p:cNvCxnSpPr>
+            <a:stCxn id="12" idx="1"/>
+            <a:endCxn id="16" idx="0"/>
+          </p:cNvCxnSpPr>
+          <p:nvPr/>
+        </p:nvCxnSpPr>
+        <p:spPr>
+          <a:xfrm rot="10800000" flipV="1">
+            <a:off x="2159733" y="2536727"/>
+            <a:ext cx="1692189" cy="641494"/>
+          </a:xfrm>
+          <a:prstGeom prst="curvedConnector2">
+            <a:avLst/>
+          </a:prstGeom>
+          <a:ln>
+            <a:solidFill>
+              <a:srgbClr val="FF0000"/>
+            </a:solidFill>
+            <a:tailEnd type="arrow"/>
+          </a:ln>
+        </p:spPr>
+        <p:style>
+          <a:lnRef idx="1">
+            <a:schemeClr val="accent1"/>
+          </a:lnRef>
+          <a:fillRef idx="0">
+            <a:schemeClr val="accent1"/>
+          </a:fillRef>
+          <a:effectRef idx="0">
+            <a:schemeClr val="accent1"/>
+          </a:effectRef>
+          <a:fontRef idx="minor">
+            <a:schemeClr val="tx1"/>
+          </a:fontRef>
+        </p:style>
+      </p:cxnSp>
+      <p:cxnSp>
+        <p:nvCxnSpPr>
+          <p:cNvPr id="23" name="曲线连接符 22"/>
+          <p:cNvCxnSpPr>
+            <a:stCxn id="3" idx="3"/>
+            <a:endCxn id="12" idx="0"/>
+          </p:cNvCxnSpPr>
+          <p:nvPr/>
+        </p:nvCxnSpPr>
+        <p:spPr>
+          <a:xfrm>
+            <a:off x="3851920" y="1353937"/>
+            <a:ext cx="2448273" cy="650557"/>
+          </a:xfrm>
+          <a:prstGeom prst="curvedConnector2">
+            <a:avLst/>
+          </a:prstGeom>
+          <a:ln>
+            <a:solidFill>
+              <a:srgbClr val="FF0000"/>
+            </a:solidFill>
+            <a:tailEnd type="arrow"/>
+          </a:ln>
+        </p:spPr>
+        <p:style>
+          <a:lnRef idx="1">
+            <a:schemeClr val="accent1"/>
+          </a:lnRef>
+          <a:fillRef idx="0">
+            <a:schemeClr val="accent1"/>
+          </a:fillRef>
+          <a:effectRef idx="0">
+            <a:schemeClr val="accent1"/>
+          </a:effectRef>
+          <a:fontRef idx="minor">
+            <a:schemeClr val="tx1"/>
+          </a:fontRef>
+        </p:style>
+      </p:cxnSp>
+      <p:cxnSp>
+        <p:nvCxnSpPr>
+          <p:cNvPr id="25" name="曲线连接符 24"/>
+          <p:cNvCxnSpPr>
+            <a:stCxn id="16" idx="3"/>
+            <a:endCxn id="14" idx="0"/>
+          </p:cNvCxnSpPr>
+          <p:nvPr/>
+        </p:nvCxnSpPr>
+        <p:spPr>
+          <a:xfrm>
+            <a:off x="3851920" y="4023691"/>
+            <a:ext cx="2448267" cy="665871"/>
+          </a:xfrm>
+          <a:prstGeom prst="curvedConnector2">
+            <a:avLst/>
+          </a:prstGeom>
+          <a:ln>
+            <a:solidFill>
+              <a:srgbClr val="FF0000"/>
+            </a:solidFill>
+            <a:tailEnd type="arrow"/>
+          </a:ln>
+        </p:spPr>
+        <p:style>
+          <a:lnRef idx="1">
+            <a:schemeClr val="accent1"/>
+          </a:lnRef>
+          <a:fillRef idx="0">
+            <a:schemeClr val="accent1"/>
+          </a:fillRef>
+          <a:effectRef idx="0">
+            <a:schemeClr val="accent1"/>
+          </a:effectRef>
+          <a:fontRef idx="minor">
+            <a:schemeClr val="tx1"/>
+          </a:fontRef>
+        </p:style>
+      </p:cxnSp>
+      <p:cxnSp>
+        <p:nvCxnSpPr>
+          <p:cNvPr id="27" name="曲线连接符 26"/>
+          <p:cNvCxnSpPr>
+            <a:endCxn id="17" idx="0"/>
+          </p:cNvCxnSpPr>
+          <p:nvPr/>
+        </p:nvCxnSpPr>
+        <p:spPr>
+          <a:xfrm rot="16200000" flipH="1">
+            <a:off x="676543" y="4516145"/>
+            <a:ext cx="1778246" cy="1188132"/>
+          </a:xfrm>
+          <a:prstGeom prst="curvedConnector3">
+            <a:avLst>
+              <a:gd name="adj1" fmla="val 50000"/>
+            </a:avLst>
+          </a:prstGeom>
+          <a:ln>
+            <a:solidFill>
+              <a:schemeClr val="tx1"/>
+            </a:solidFill>
+            <a:tailEnd type="arrow"/>
+          </a:ln>
         </p:spPr>
         <p:style>
           <a:lnRef idx="1">
@@ -3707,20 +4349,13 @@
     </p:spTree>
     <p:extLst>
       <p:ext uri="{BB962C8B-B14F-4D97-AF65-F5344CB8AC3E}">
-        <p14:creationId xmlns:p14="http://schemas.microsoft.com/office/powerpoint/2010/main" val="2697211698"/>
+        <p14:creationId xmlns:p14="http://schemas.microsoft.com/office/powerpoint/2010/main" val="3135880905"/>
       </p:ext>
     </p:extLst>
   </p:cSld>
   <p:clrMapOvr>
     <a:masterClrMapping/>
   </p:clrMapOvr>
-  <p:timing>
-    <p:tnLst>
-      <p:par>
-        <p:cTn id="1" dur="indefinite" restart="never" nodeType="tmRoot"/>
-      </p:par>
-    </p:tnLst>
-  </p:timing>
 </p:sld>
 </file>
 
@@ -3744,24 +4379,40 @@
       <p:sp>
         <p:nvSpPr>
           <p:cNvPr id="4" name="标题 57"/>
-          <p:cNvSpPr>
-            <a:spLocks noGrp="1"/>
+          <p:cNvSpPr txBox="1">
+            <a:spLocks/>
           </p:cNvSpPr>
-          <p:nvPr>
-            <p:ph type="title"/>
-          </p:nvPr>
+          <p:nvPr/>
         </p:nvSpPr>
         <p:spPr>
           <a:xfrm>
             <a:off x="457200" y="274638"/>
             <a:ext cx="8229600" cy="634082"/>
           </a:xfrm>
-        </p:spPr>
-        <p:txBody>
-          <a:bodyPr>
-            <a:normAutofit fontScale="90000"/>
+          <a:prstGeom prst="rect">
+            <a:avLst/>
+          </a:prstGeom>
+        </p:spPr>
+        <p:txBody>
+          <a:bodyPr vert="horz" lIns="91440" tIns="45720" rIns="91440" bIns="45720" rtlCol="0" anchor="ctr">
+            <a:normAutofit fontScale="90000" lnSpcReduction="20000"/>
           </a:bodyPr>
-          <a:lstStyle/>
+          <a:lstStyle>
+            <a:lvl1pPr algn="ctr" defTabSz="914400" rtl="0" eaLnBrk="1" latinLnBrk="0" hangingPunct="1">
+              <a:spcBef>
+                <a:spcPct val="0"/>
+              </a:spcBef>
+              <a:buNone/>
+              <a:defRPr sz="4400" kern="1200">
+                <a:solidFill>
+                  <a:schemeClr val="tx1"/>
+                </a:solidFill>
+                <a:latin typeface="+mj-lt"/>
+                <a:ea typeface="+mj-ea"/>
+                <a:cs typeface="+mj-cs"/>
+              </a:defRPr>
+            </a:lvl1pPr>
+          </a:lstStyle>
           <a:p>
             <a:r>
               <a:rPr lang="en-CA" b="1" dirty="0">
@@ -3771,15 +4422,8 @@
                 <a:latin typeface="Times New Roman" panose="02020603050405020304" pitchFamily="18" charset="0"/>
                 <a:cs typeface="Times New Roman" panose="02020603050405020304" pitchFamily="18" charset="0"/>
               </a:rPr>
-              <a:t>What we learned </a:t>
-            </a:r>
-            <a:endParaRPr lang="en-CA" b="1" dirty="0">
-              <a:solidFill>
-                <a:srgbClr val="0070C0"/>
-              </a:solidFill>
-              <a:latin typeface="Times New Roman" panose="02020603050405020304" pitchFamily="18" charset="0"/>
-              <a:cs typeface="Times New Roman" panose="02020603050405020304" pitchFamily="18" charset="0"/>
-            </a:endParaRPr>
+              <a:t>Challenges and Solutions </a:t>
+            </a:r>
           </a:p>
         </p:txBody>
       </p:sp>
@@ -3798,6 +4442,312 @@
             <a:avLst/>
           </a:prstGeom>
           <a:ln cmpd="sng"/>
+        </p:spPr>
+        <p:style>
+          <a:lnRef idx="1">
+            <a:schemeClr val="accent1"/>
+          </a:lnRef>
+          <a:fillRef idx="0">
+            <a:schemeClr val="accent1"/>
+          </a:fillRef>
+          <a:effectRef idx="0">
+            <a:schemeClr val="accent1"/>
+          </a:effectRef>
+          <a:fontRef idx="minor">
+            <a:schemeClr val="tx1"/>
+          </a:fontRef>
+        </p:style>
+      </p:cxnSp>
+      <p:pic>
+        <p:nvPicPr>
+          <p:cNvPr id="6" name="图片 5"/>
+          <p:cNvPicPr>
+            <a:picLocks noChangeAspect="1"/>
+          </p:cNvPicPr>
+          <p:nvPr/>
+        </p:nvPicPr>
+        <p:blipFill>
+          <a:blip r:embed="rId2">
+            <a:extLst>
+              <a:ext uri="{28A0092B-C50C-407E-A947-70E740481C1C}">
+                <a14:useLocalDpi xmlns:a14="http://schemas.microsoft.com/office/drawing/2010/main" val="0"/>
+              </a:ext>
+            </a:extLst>
+          </a:blip>
+          <a:stretch>
+            <a:fillRect/>
+          </a:stretch>
+        </p:blipFill>
+        <p:spPr>
+          <a:xfrm>
+            <a:off x="467543" y="1268760"/>
+            <a:ext cx="3340659" cy="314369"/>
+          </a:xfrm>
+          <a:prstGeom prst="rect">
+            <a:avLst/>
+          </a:prstGeom>
+        </p:spPr>
+      </p:pic>
+      <p:pic>
+        <p:nvPicPr>
+          <p:cNvPr id="8" name="图片 7"/>
+          <p:cNvPicPr>
+            <a:picLocks noChangeAspect="1"/>
+          </p:cNvPicPr>
+          <p:nvPr/>
+        </p:nvPicPr>
+        <p:blipFill>
+          <a:blip r:embed="rId3">
+            <a:extLst>
+              <a:ext uri="{28A0092B-C50C-407E-A947-70E740481C1C}">
+                <a14:useLocalDpi xmlns:a14="http://schemas.microsoft.com/office/drawing/2010/main" val="0"/>
+              </a:ext>
+            </a:extLst>
+          </a:blip>
+          <a:stretch>
+            <a:fillRect/>
+          </a:stretch>
+        </p:blipFill>
+        <p:spPr>
+          <a:xfrm>
+            <a:off x="3808203" y="2141147"/>
+            <a:ext cx="4940261" cy="1071829"/>
+          </a:xfrm>
+          <a:prstGeom prst="rect">
+            <a:avLst/>
+          </a:prstGeom>
+        </p:spPr>
+      </p:pic>
+      <p:pic>
+        <p:nvPicPr>
+          <p:cNvPr id="9" name="图片 8"/>
+          <p:cNvPicPr>
+            <a:picLocks noChangeAspect="1"/>
+          </p:cNvPicPr>
+          <p:nvPr/>
+        </p:nvPicPr>
+        <p:blipFill>
+          <a:blip r:embed="rId4">
+            <a:extLst>
+              <a:ext uri="{28A0092B-C50C-407E-A947-70E740481C1C}">
+                <a14:useLocalDpi xmlns:a14="http://schemas.microsoft.com/office/drawing/2010/main" val="0"/>
+              </a:ext>
+            </a:extLst>
+          </a:blip>
+          <a:stretch>
+            <a:fillRect/>
+          </a:stretch>
+        </p:blipFill>
+        <p:spPr>
+          <a:xfrm>
+            <a:off x="467544" y="3321495"/>
+            <a:ext cx="3340658" cy="1691681"/>
+          </a:xfrm>
+          <a:prstGeom prst="rect">
+            <a:avLst/>
+          </a:prstGeom>
+        </p:spPr>
+      </p:pic>
+      <p:pic>
+        <p:nvPicPr>
+          <p:cNvPr id="10" name="图片 9"/>
+          <p:cNvPicPr>
+            <a:picLocks noChangeAspect="1"/>
+          </p:cNvPicPr>
+          <p:nvPr/>
+        </p:nvPicPr>
+        <p:blipFill>
+          <a:blip r:embed="rId5">
+            <a:extLst>
+              <a:ext uri="{28A0092B-C50C-407E-A947-70E740481C1C}">
+                <a14:useLocalDpi xmlns:a14="http://schemas.microsoft.com/office/drawing/2010/main" val="0"/>
+              </a:ext>
+            </a:extLst>
+          </a:blip>
+          <a:stretch>
+            <a:fillRect/>
+          </a:stretch>
+        </p:blipFill>
+        <p:spPr>
+          <a:xfrm>
+            <a:off x="3808204" y="4883744"/>
+            <a:ext cx="4940260" cy="921520"/>
+          </a:xfrm>
+          <a:prstGeom prst="rect">
+            <a:avLst/>
+          </a:prstGeom>
+        </p:spPr>
+      </p:pic>
+      <p:pic>
+        <p:nvPicPr>
+          <p:cNvPr id="11" name="图片 10"/>
+          <p:cNvPicPr>
+            <a:picLocks noChangeAspect="1"/>
+          </p:cNvPicPr>
+          <p:nvPr/>
+        </p:nvPicPr>
+        <p:blipFill>
+          <a:blip r:embed="rId6">
+            <a:extLst>
+              <a:ext uri="{28A0092B-C50C-407E-A947-70E740481C1C}">
+                <a14:useLocalDpi xmlns:a14="http://schemas.microsoft.com/office/drawing/2010/main" val="0"/>
+              </a:ext>
+            </a:extLst>
+          </a:blip>
+          <a:stretch>
+            <a:fillRect/>
+          </a:stretch>
+        </p:blipFill>
+        <p:spPr>
+          <a:xfrm>
+            <a:off x="467544" y="6066718"/>
+            <a:ext cx="3340658" cy="386618"/>
+          </a:xfrm>
+          <a:prstGeom prst="rect">
+            <a:avLst/>
+          </a:prstGeom>
+        </p:spPr>
+      </p:pic>
+      <p:cxnSp>
+        <p:nvCxnSpPr>
+          <p:cNvPr id="15" name="曲线连接符 14"/>
+          <p:cNvCxnSpPr>
+            <a:stCxn id="6" idx="3"/>
+            <a:endCxn id="8" idx="0"/>
+          </p:cNvCxnSpPr>
+          <p:nvPr/>
+        </p:nvCxnSpPr>
+        <p:spPr>
+          <a:xfrm>
+            <a:off x="3808202" y="1425945"/>
+            <a:ext cx="2470132" cy="715202"/>
+          </a:xfrm>
+          <a:prstGeom prst="curvedConnector2">
+            <a:avLst/>
+          </a:prstGeom>
+          <a:ln>
+            <a:solidFill>
+              <a:srgbClr val="FF0000"/>
+            </a:solidFill>
+            <a:tailEnd type="arrow"/>
+          </a:ln>
+        </p:spPr>
+        <p:style>
+          <a:lnRef idx="1">
+            <a:schemeClr val="accent1"/>
+          </a:lnRef>
+          <a:fillRef idx="0">
+            <a:schemeClr val="accent1"/>
+          </a:fillRef>
+          <a:effectRef idx="0">
+            <a:schemeClr val="accent1"/>
+          </a:effectRef>
+          <a:fontRef idx="minor">
+            <a:schemeClr val="tx1"/>
+          </a:fontRef>
+        </p:style>
+      </p:cxnSp>
+      <p:cxnSp>
+        <p:nvCxnSpPr>
+          <p:cNvPr id="19" name="曲线连接符 18"/>
+          <p:cNvCxnSpPr>
+            <a:stCxn id="8" idx="1"/>
+            <a:endCxn id="9" idx="0"/>
+          </p:cNvCxnSpPr>
+          <p:nvPr/>
+        </p:nvCxnSpPr>
+        <p:spPr>
+          <a:xfrm rot="10800000" flipV="1">
+            <a:off x="2137873" y="2677061"/>
+            <a:ext cx="1670330" cy="644433"/>
+          </a:xfrm>
+          <a:prstGeom prst="curvedConnector2">
+            <a:avLst/>
+          </a:prstGeom>
+          <a:ln>
+            <a:solidFill>
+              <a:srgbClr val="FF0000"/>
+            </a:solidFill>
+            <a:tailEnd type="arrow"/>
+          </a:ln>
+        </p:spPr>
+        <p:style>
+          <a:lnRef idx="1">
+            <a:schemeClr val="accent1"/>
+          </a:lnRef>
+          <a:fillRef idx="0">
+            <a:schemeClr val="accent1"/>
+          </a:fillRef>
+          <a:effectRef idx="0">
+            <a:schemeClr val="accent1"/>
+          </a:effectRef>
+          <a:fontRef idx="minor">
+            <a:schemeClr val="tx1"/>
+          </a:fontRef>
+        </p:style>
+      </p:cxnSp>
+      <p:cxnSp>
+        <p:nvCxnSpPr>
+          <p:cNvPr id="23" name="曲线连接符 22"/>
+          <p:cNvCxnSpPr>
+            <a:stCxn id="9" idx="3"/>
+            <a:endCxn id="10" idx="0"/>
+          </p:cNvCxnSpPr>
+          <p:nvPr/>
+        </p:nvCxnSpPr>
+        <p:spPr>
+          <a:xfrm>
+            <a:off x="3808202" y="4167336"/>
+            <a:ext cx="2470132" cy="716408"/>
+          </a:xfrm>
+          <a:prstGeom prst="curvedConnector2">
+            <a:avLst/>
+          </a:prstGeom>
+          <a:ln>
+            <a:solidFill>
+              <a:srgbClr val="FF0000"/>
+            </a:solidFill>
+            <a:tailEnd type="arrow"/>
+          </a:ln>
+        </p:spPr>
+        <p:style>
+          <a:lnRef idx="1">
+            <a:schemeClr val="accent1"/>
+          </a:lnRef>
+          <a:fillRef idx="0">
+            <a:schemeClr val="accent1"/>
+          </a:fillRef>
+          <a:effectRef idx="0">
+            <a:schemeClr val="accent1"/>
+          </a:effectRef>
+          <a:fontRef idx="minor">
+            <a:schemeClr val="tx1"/>
+          </a:fontRef>
+        </p:style>
+      </p:cxnSp>
+      <p:cxnSp>
+        <p:nvCxnSpPr>
+          <p:cNvPr id="25" name="曲线连接符 24"/>
+          <p:cNvCxnSpPr>
+            <a:stCxn id="10" idx="1"/>
+            <a:endCxn id="11" idx="0"/>
+          </p:cNvCxnSpPr>
+          <p:nvPr/>
+        </p:nvCxnSpPr>
+        <p:spPr>
+          <a:xfrm rot="10800000" flipV="1">
+            <a:off x="2137874" y="5344504"/>
+            <a:ext cx="1670331" cy="722214"/>
+          </a:xfrm>
+          <a:prstGeom prst="curvedConnector2">
+            <a:avLst/>
+          </a:prstGeom>
+          <a:ln>
+            <a:solidFill>
+              <a:srgbClr val="FF0000"/>
+            </a:solidFill>
+            <a:tailEnd type="arrow"/>
+          </a:ln>
         </p:spPr>
         <p:style>
           <a:lnRef idx="1">
@@ -3817,20 +4767,13 @@
     </p:spTree>
     <p:extLst>
       <p:ext uri="{BB962C8B-B14F-4D97-AF65-F5344CB8AC3E}">
-        <p14:creationId xmlns:p14="http://schemas.microsoft.com/office/powerpoint/2010/main" val="1120035153"/>
+        <p14:creationId xmlns:p14="http://schemas.microsoft.com/office/powerpoint/2010/main" val="4267307649"/>
       </p:ext>
     </p:extLst>
   </p:cSld>
   <p:clrMapOvr>
     <a:masterClrMapping/>
   </p:clrMapOvr>
-  <p:timing>
-    <p:tnLst>
-      <p:par>
-        <p:cTn id="1" dur="indefinite" restart="never" nodeType="tmRoot"/>
-      </p:par>
-    </p:tnLst>
-  </p:timing>
 </p:sld>
 </file>
 
@@ -3881,15 +4824,8 @@
                 <a:latin typeface="Times New Roman" panose="02020603050405020304" pitchFamily="18" charset="0"/>
                 <a:cs typeface="Times New Roman" panose="02020603050405020304" pitchFamily="18" charset="0"/>
               </a:rPr>
-              <a:t>What we learned </a:t>
-            </a:r>
-            <a:endParaRPr lang="en-CA" b="1" dirty="0">
-              <a:solidFill>
-                <a:srgbClr val="0070C0"/>
-              </a:solidFill>
-              <a:latin typeface="Times New Roman" panose="02020603050405020304" pitchFamily="18" charset="0"/>
-              <a:cs typeface="Times New Roman" panose="02020603050405020304" pitchFamily="18" charset="0"/>
-            </a:endParaRPr>
+              <a:t>Challenges and Solutions </a:t>
+            </a:r>
           </a:p>
         </p:txBody>
       </p:sp>
@@ -3926,7 +4862,7 @@
       </p:cxnSp>
       <p:pic>
         <p:nvPicPr>
-          <p:cNvPr id="6" name="图片 5"/>
+          <p:cNvPr id="8" name="图片 7"/>
           <p:cNvPicPr>
             <a:picLocks noChangeAspect="1"/>
           </p:cNvPicPr>
@@ -3946,8 +4882,8 @@
         </p:blipFill>
         <p:spPr>
           <a:xfrm>
-            <a:off x="456468" y="1052736"/>
-            <a:ext cx="4475572" cy="1296144"/>
+            <a:off x="2736175" y="1052736"/>
+            <a:ext cx="3384376" cy="245555"/>
           </a:xfrm>
           <a:prstGeom prst="rect">
             <a:avLst/>
@@ -3976,8 +4912,8 @@
         </p:blipFill>
         <p:spPr>
           <a:xfrm>
-            <a:off x="467544" y="3068960"/>
-            <a:ext cx="4392446" cy="1569510"/>
+            <a:off x="1763688" y="1729881"/>
+            <a:ext cx="5328592" cy="1987151"/>
           </a:xfrm>
           <a:prstGeom prst="rect">
             <a:avLst/>
@@ -3986,7 +4922,7 @@
       </p:pic>
       <p:pic>
         <p:nvPicPr>
-          <p:cNvPr id="12" name="图片 11"/>
+          <p:cNvPr id="11" name="图片 10"/>
           <p:cNvPicPr>
             <a:picLocks noChangeAspect="1"/>
           </p:cNvPicPr>
@@ -4006,17 +4942,95 @@
         </p:blipFill>
         <p:spPr>
           <a:xfrm>
-            <a:off x="5580112" y="2204864"/>
-            <a:ext cx="3168352" cy="1760196"/>
+            <a:off x="2514331" y="4278285"/>
+            <a:ext cx="3833124" cy="1166939"/>
           </a:xfrm>
           <a:prstGeom prst="rect">
             <a:avLst/>
           </a:prstGeom>
         </p:spPr>
       </p:pic>
+      <p:cxnSp>
+        <p:nvCxnSpPr>
+          <p:cNvPr id="13" name="直接箭头连接符 12"/>
+          <p:cNvCxnSpPr>
+            <a:stCxn id="8" idx="2"/>
+            <a:endCxn id="10" idx="0"/>
+          </p:cNvCxnSpPr>
+          <p:nvPr/>
+        </p:nvCxnSpPr>
+        <p:spPr>
+          <a:xfrm flipH="1">
+            <a:off x="4427984" y="1298291"/>
+            <a:ext cx="379" cy="431590"/>
+          </a:xfrm>
+          <a:prstGeom prst="straightConnector1">
+            <a:avLst/>
+          </a:prstGeom>
+          <a:ln>
+            <a:solidFill>
+              <a:srgbClr val="FF0000"/>
+            </a:solidFill>
+            <a:tailEnd type="arrow"/>
+          </a:ln>
+        </p:spPr>
+        <p:style>
+          <a:lnRef idx="1">
+            <a:schemeClr val="accent1"/>
+          </a:lnRef>
+          <a:fillRef idx="0">
+            <a:schemeClr val="accent1"/>
+          </a:fillRef>
+          <a:effectRef idx="0">
+            <a:schemeClr val="accent1"/>
+          </a:effectRef>
+          <a:fontRef idx="minor">
+            <a:schemeClr val="tx1"/>
+          </a:fontRef>
+        </p:style>
+      </p:cxnSp>
+      <p:cxnSp>
+        <p:nvCxnSpPr>
+          <p:cNvPr id="16" name="直接箭头连接符 15"/>
+          <p:cNvCxnSpPr>
+            <a:stCxn id="10" idx="2"/>
+            <a:endCxn id="11" idx="0"/>
+          </p:cNvCxnSpPr>
+          <p:nvPr/>
+        </p:nvCxnSpPr>
+        <p:spPr>
+          <a:xfrm>
+            <a:off x="4427984" y="3717032"/>
+            <a:ext cx="2909" cy="561253"/>
+          </a:xfrm>
+          <a:prstGeom prst="straightConnector1">
+            <a:avLst/>
+          </a:prstGeom>
+          <a:ln>
+            <a:solidFill>
+              <a:srgbClr val="FF0000"/>
+            </a:solidFill>
+            <a:tailEnd type="arrow"/>
+          </a:ln>
+        </p:spPr>
+        <p:style>
+          <a:lnRef idx="1">
+            <a:schemeClr val="accent1"/>
+          </a:lnRef>
+          <a:fillRef idx="0">
+            <a:schemeClr val="accent1"/>
+          </a:fillRef>
+          <a:effectRef idx="0">
+            <a:schemeClr val="accent1"/>
+          </a:effectRef>
+          <a:fontRef idx="minor">
+            <a:schemeClr val="tx1"/>
+          </a:fontRef>
+        </p:style>
+      </p:cxnSp>
       <p:pic>
         <p:nvPicPr>
-          <p:cNvPr id="14" name="图片 13"/>
+          <p:cNvPr id="6" name="图片 5"/>
           <p:cNvPicPr>
             <a:picLocks noChangeAspect="1"/>
           </p:cNvPicPr>
@@ -4036,38 +5050,8 @@
         </p:blipFill>
         <p:spPr>
           <a:xfrm>
-            <a:off x="5571783" y="4221088"/>
-            <a:ext cx="3176681" cy="1786398"/>
-          </a:xfrm>
-          <a:prstGeom prst="rect">
-            <a:avLst/>
-          </a:prstGeom>
-        </p:spPr>
-      </p:pic>
-      <p:pic>
-        <p:nvPicPr>
-          <p:cNvPr id="16" name="图片 15"/>
-          <p:cNvPicPr>
-            <a:picLocks noChangeAspect="1"/>
-          </p:cNvPicPr>
-          <p:nvPr/>
-        </p:nvPicPr>
-        <p:blipFill>
-          <a:blip r:embed="rId6">
-            <a:extLst>
-              <a:ext uri="{28A0092B-C50C-407E-A947-70E740481C1C}">
-                <a14:useLocalDpi xmlns:a14="http://schemas.microsoft.com/office/drawing/2010/main" val="0"/>
-              </a:ext>
-            </a:extLst>
-          </a:blip>
-          <a:stretch>
-            <a:fillRect/>
-          </a:stretch>
-        </p:blipFill>
-        <p:spPr>
-          <a:xfrm>
-            <a:off x="1649659" y="5229200"/>
-            <a:ext cx="3210373" cy="1438476"/>
+            <a:off x="443794" y="6005598"/>
+            <a:ext cx="7981770" cy="447738"/>
           </a:xfrm>
           <a:prstGeom prst="rect">
             <a:avLst/>
@@ -4076,210 +5060,24 @@
       </p:pic>
       <p:cxnSp>
         <p:nvCxnSpPr>
-          <p:cNvPr id="18" name="曲线连接符 17"/>
+          <p:cNvPr id="9" name="直接箭头连接符 8"/>
           <p:cNvCxnSpPr>
-            <a:stCxn id="6" idx="3"/>
-            <a:endCxn id="12" idx="0"/>
+            <a:stCxn id="11" idx="2"/>
+            <a:endCxn id="6" idx="0"/>
           </p:cNvCxnSpPr>
           <p:nvPr/>
         </p:nvCxnSpPr>
         <p:spPr>
           <a:xfrm>
-            <a:off x="4932040" y="1700808"/>
-            <a:ext cx="2232248" cy="504056"/>
-          </a:xfrm>
-          <a:prstGeom prst="curvedConnector2">
+            <a:off x="4430893" y="5445224"/>
+            <a:ext cx="3786" cy="560374"/>
+          </a:xfrm>
+          <a:prstGeom prst="straightConnector1">
             <a:avLst/>
           </a:prstGeom>
           <a:ln>
             <a:solidFill>
               <a:srgbClr val="FF0000"/>
-            </a:solidFill>
-            <a:tailEnd type="arrow"/>
-          </a:ln>
-        </p:spPr>
-        <p:style>
-          <a:lnRef idx="1">
-            <a:schemeClr val="accent1"/>
-          </a:lnRef>
-          <a:fillRef idx="0">
-            <a:schemeClr val="accent1"/>
-          </a:fillRef>
-          <a:effectRef idx="0">
-            <a:schemeClr val="accent1"/>
-          </a:effectRef>
-          <a:fontRef idx="minor">
-            <a:schemeClr val="tx1"/>
-          </a:fontRef>
-        </p:style>
-      </p:cxnSp>
-      <p:cxnSp>
-        <p:nvCxnSpPr>
-          <p:cNvPr id="20" name="曲线连接符 19"/>
-          <p:cNvCxnSpPr>
-            <a:stCxn id="12" idx="1"/>
-            <a:endCxn id="10" idx="3"/>
-          </p:cNvCxnSpPr>
-          <p:nvPr/>
-        </p:nvCxnSpPr>
-        <p:spPr>
-          <a:xfrm rot="10800000" flipV="1">
-            <a:off x="4859990" y="3084961"/>
-            <a:ext cx="720122" cy="768753"/>
-          </a:xfrm>
-          <a:prstGeom prst="curvedConnector3">
-            <a:avLst/>
-          </a:prstGeom>
-          <a:ln>
-            <a:solidFill>
-              <a:srgbClr val="FF0000"/>
-            </a:solidFill>
-            <a:tailEnd type="arrow"/>
-          </a:ln>
-        </p:spPr>
-        <p:style>
-          <a:lnRef idx="1">
-            <a:schemeClr val="accent1"/>
-          </a:lnRef>
-          <a:fillRef idx="0">
-            <a:schemeClr val="accent1"/>
-          </a:fillRef>
-          <a:effectRef idx="0">
-            <a:schemeClr val="accent1"/>
-          </a:effectRef>
-          <a:fontRef idx="minor">
-            <a:schemeClr val="tx1"/>
-          </a:fontRef>
-        </p:style>
-      </p:cxnSp>
-      <p:cxnSp>
-        <p:nvCxnSpPr>
-          <p:cNvPr id="22" name="曲线连接符 21"/>
-          <p:cNvCxnSpPr>
-            <a:stCxn id="10" idx="2"/>
-            <a:endCxn id="14" idx="1"/>
-          </p:cNvCxnSpPr>
-          <p:nvPr/>
-        </p:nvCxnSpPr>
-        <p:spPr>
-          <a:xfrm rot="16200000" flipH="1">
-            <a:off x="3879867" y="3422370"/>
-            <a:ext cx="475817" cy="2908016"/>
-          </a:xfrm>
-          <a:prstGeom prst="curvedConnector2">
-            <a:avLst/>
-          </a:prstGeom>
-          <a:ln>
-            <a:solidFill>
-              <a:srgbClr val="FF0000"/>
-            </a:solidFill>
-            <a:tailEnd type="arrow"/>
-          </a:ln>
-        </p:spPr>
-        <p:style>
-          <a:lnRef idx="1">
-            <a:schemeClr val="accent1"/>
-          </a:lnRef>
-          <a:fillRef idx="0">
-            <a:schemeClr val="accent1"/>
-          </a:fillRef>
-          <a:effectRef idx="0">
-            <a:schemeClr val="accent1"/>
-          </a:effectRef>
-          <a:fontRef idx="minor">
-            <a:schemeClr val="tx1"/>
-          </a:fontRef>
-        </p:style>
-      </p:cxnSp>
-      <p:cxnSp>
-        <p:nvCxnSpPr>
-          <p:cNvPr id="24" name="曲线连接符 23"/>
-          <p:cNvCxnSpPr/>
-          <p:nvPr/>
-        </p:nvCxnSpPr>
-        <p:spPr>
-          <a:xfrm flipV="1">
-            <a:off x="3635896" y="4437112"/>
-            <a:ext cx="1935887" cy="1800200"/>
-          </a:xfrm>
-          <a:prstGeom prst="curvedConnector3">
-            <a:avLst/>
-          </a:prstGeom>
-          <a:ln>
-            <a:solidFill>
-              <a:schemeClr val="tx1"/>
-            </a:solidFill>
-            <a:tailEnd type="arrow"/>
-          </a:ln>
-        </p:spPr>
-        <p:style>
-          <a:lnRef idx="1">
-            <a:schemeClr val="accent1"/>
-          </a:lnRef>
-          <a:fillRef idx="0">
-            <a:schemeClr val="accent1"/>
-          </a:fillRef>
-          <a:effectRef idx="0">
-            <a:schemeClr val="accent1"/>
-          </a:effectRef>
-          <a:fontRef idx="minor">
-            <a:schemeClr val="tx1"/>
-          </a:fontRef>
-        </p:style>
-      </p:cxnSp>
-      <p:cxnSp>
-        <p:nvCxnSpPr>
-          <p:cNvPr id="26" name="曲线连接符 25"/>
-          <p:cNvCxnSpPr/>
-          <p:nvPr/>
-        </p:nvCxnSpPr>
-        <p:spPr>
-          <a:xfrm flipV="1">
-            <a:off x="4603839" y="5114287"/>
-            <a:ext cx="2848481" cy="1411057"/>
-          </a:xfrm>
-          <a:prstGeom prst="curvedConnector3">
-            <a:avLst/>
-          </a:prstGeom>
-          <a:ln>
-            <a:solidFill>
-              <a:schemeClr val="tx1"/>
-            </a:solidFill>
-            <a:tailEnd type="arrow"/>
-          </a:ln>
-        </p:spPr>
-        <p:style>
-          <a:lnRef idx="1">
-            <a:schemeClr val="accent1"/>
-          </a:lnRef>
-          <a:fillRef idx="0">
-            <a:schemeClr val="accent1"/>
-          </a:fillRef>
-          <a:effectRef idx="0">
-            <a:schemeClr val="accent1"/>
-          </a:effectRef>
-          <a:fontRef idx="minor">
-            <a:schemeClr val="tx1"/>
-          </a:fontRef>
-        </p:style>
-      </p:cxnSp>
-      <p:cxnSp>
-        <p:nvCxnSpPr>
-          <p:cNvPr id="31" name="曲线连接符 30"/>
-          <p:cNvCxnSpPr/>
-          <p:nvPr/>
-        </p:nvCxnSpPr>
-        <p:spPr>
-          <a:xfrm rot="10800000">
-            <a:off x="4499993" y="3356992"/>
-            <a:ext cx="2660131" cy="112346"/>
-          </a:xfrm>
-          <a:prstGeom prst="curvedConnector3">
-            <a:avLst/>
-          </a:prstGeom>
-          <a:ln>
-            <a:solidFill>
-              <a:schemeClr val="tx1"/>
             </a:solidFill>
             <a:tailEnd type="arrow"/>
           </a:ln>
@@ -4302,20 +5100,13 @@
     </p:spTree>
     <p:extLst>
       <p:ext uri="{BB962C8B-B14F-4D97-AF65-F5344CB8AC3E}">
-        <p14:creationId xmlns:p14="http://schemas.microsoft.com/office/powerpoint/2010/main" val="3820958830"/>
+        <p14:creationId xmlns:p14="http://schemas.microsoft.com/office/powerpoint/2010/main" val="3827495786"/>
       </p:ext>
     </p:extLst>
   </p:cSld>
   <p:clrMapOvr>
     <a:masterClrMapping/>
   </p:clrMapOvr>
-  <p:timing>
-    <p:tnLst>
-      <p:par>
-        <p:cTn id="1" dur="indefinite" restart="never" nodeType="tmRoot"/>
-      </p:par>
-    </p:tnLst>
-  </p:timing>
 </p:sld>
 </file>
 
@@ -4404,7 +5195,7 @@
       </p:cxnSp>
       <p:pic>
         <p:nvPicPr>
-          <p:cNvPr id="8" name="图片 7"/>
+          <p:cNvPr id="6" name="图片 5"/>
           <p:cNvPicPr>
             <a:picLocks noChangeAspect="1"/>
           </p:cNvPicPr>
@@ -4424,8 +5215,8 @@
         </p:blipFill>
         <p:spPr>
           <a:xfrm>
-            <a:off x="467544" y="1124744"/>
-            <a:ext cx="5287113" cy="1057423"/>
+            <a:off x="456468" y="1052736"/>
+            <a:ext cx="4475572" cy="1296144"/>
           </a:xfrm>
           <a:prstGeom prst="rect">
             <a:avLst/>
@@ -4454,8 +5245,8 @@
         </p:blipFill>
         <p:spPr>
           <a:xfrm>
-            <a:off x="467544" y="3429000"/>
-            <a:ext cx="5410956" cy="1362265"/>
+            <a:off x="467544" y="3068960"/>
+            <a:ext cx="4392446" cy="1569510"/>
           </a:xfrm>
           <a:prstGeom prst="rect">
             <a:avLst/>
@@ -4484,8 +5275,8 @@
         </p:blipFill>
         <p:spPr>
           <a:xfrm>
-            <a:off x="5074435" y="2264814"/>
-            <a:ext cx="3602021" cy="1092178"/>
+            <a:off x="5580112" y="2204864"/>
+            <a:ext cx="3168352" cy="1760196"/>
           </a:xfrm>
           <a:prstGeom prst="rect">
             <a:avLst/>
@@ -4514,8 +5305,38 @@
         </p:blipFill>
         <p:spPr>
           <a:xfrm>
-            <a:off x="6519021" y="4312816"/>
-            <a:ext cx="1581371" cy="1752845"/>
+            <a:off x="5571783" y="4221088"/>
+            <a:ext cx="3176681" cy="1786398"/>
+          </a:xfrm>
+          <a:prstGeom prst="rect">
+            <a:avLst/>
+          </a:prstGeom>
+        </p:spPr>
+      </p:pic>
+      <p:pic>
+        <p:nvPicPr>
+          <p:cNvPr id="16" name="图片 15"/>
+          <p:cNvPicPr>
+            <a:picLocks noChangeAspect="1"/>
+          </p:cNvPicPr>
+          <p:nvPr/>
+        </p:nvPicPr>
+        <p:blipFill>
+          <a:blip r:embed="rId6">
+            <a:extLst>
+              <a:ext uri="{28A0092B-C50C-407E-A947-70E740481C1C}">
+                <a14:useLocalDpi xmlns:a14="http://schemas.microsoft.com/office/drawing/2010/main" val="0"/>
+              </a:ext>
+            </a:extLst>
+          </a:blip>
+          <a:stretch>
+            <a:fillRect/>
+          </a:stretch>
+        </p:blipFill>
+        <p:spPr>
+          <a:xfrm>
+            <a:off x="1649659" y="5229200"/>
+            <a:ext cx="3210373" cy="1438476"/>
           </a:xfrm>
           <a:prstGeom prst="rect">
             <a:avLst/>
@@ -4526,15 +5347,15 @@
         <p:nvCxnSpPr>
           <p:cNvPr id="18" name="曲线连接符 17"/>
           <p:cNvCxnSpPr>
-            <a:stCxn id="8" idx="3"/>
+            <a:stCxn id="6" idx="3"/>
             <a:endCxn id="12" idx="0"/>
           </p:cNvCxnSpPr>
           <p:nvPr/>
         </p:nvCxnSpPr>
         <p:spPr>
           <a:xfrm>
-            <a:off x="5754657" y="1653456"/>
-            <a:ext cx="1120789" cy="611358"/>
+            <a:off x="4932040" y="1700808"/>
+            <a:ext cx="2232248" cy="504056"/>
           </a:xfrm>
           <a:prstGeom prst="curvedConnector2">
             <a:avLst/>
@@ -4563,19 +5384,19 @@
       </p:cxnSp>
       <p:cxnSp>
         <p:nvCxnSpPr>
-          <p:cNvPr id="23" name="曲线连接符 22"/>
+          <p:cNvPr id="20" name="曲线连接符 19"/>
           <p:cNvCxnSpPr>
             <a:stCxn id="12" idx="1"/>
-            <a:endCxn id="10" idx="0"/>
+            <a:endCxn id="10" idx="3"/>
           </p:cNvCxnSpPr>
           <p:nvPr/>
         </p:nvCxnSpPr>
         <p:spPr>
           <a:xfrm rot="10800000" flipV="1">
-            <a:off x="3173023" y="2810902"/>
-            <a:ext cx="1901413" cy="618097"/>
-          </a:xfrm>
-          <a:prstGeom prst="curvedConnector2">
+            <a:off x="4859990" y="3084961"/>
+            <a:ext cx="720122" cy="768753"/>
+          </a:xfrm>
+          <a:prstGeom prst="curvedConnector3">
             <a:avLst/>
           </a:prstGeom>
           <a:ln>
@@ -4602,21 +5423,24 @@
       </p:cxnSp>
       <p:cxnSp>
         <p:nvCxnSpPr>
-          <p:cNvPr id="25" name="曲线连接符 24"/>
-          <p:cNvCxnSpPr/>
+          <p:cNvPr id="22" name="曲线连接符 21"/>
+          <p:cNvCxnSpPr>
+            <a:stCxn id="10" idx="2"/>
+            <a:endCxn id="14" idx="1"/>
+          </p:cNvCxnSpPr>
           <p:nvPr/>
         </p:nvCxnSpPr>
         <p:spPr>
-          <a:xfrm>
-            <a:off x="3563888" y="4110132"/>
-            <a:ext cx="3311558" cy="1695132"/>
-          </a:xfrm>
-          <a:prstGeom prst="curvedConnector3">
+          <a:xfrm rot="16200000" flipH="1">
+            <a:off x="3879867" y="3422370"/>
+            <a:ext cx="475817" cy="2908016"/>
+          </a:xfrm>
+          <a:prstGeom prst="curvedConnector2">
             <a:avLst/>
           </a:prstGeom>
           <a:ln>
             <a:solidFill>
-              <a:schemeClr val="tx1"/>
+              <a:srgbClr val="FF0000"/>
             </a:solidFill>
             <a:tailEnd type="arrow"/>
           </a:ln>
@@ -4638,14 +5462,86 @@
       </p:cxnSp>
       <p:cxnSp>
         <p:nvCxnSpPr>
-          <p:cNvPr id="27" name="曲线连接符 26"/>
+          <p:cNvPr id="24" name="曲线连接符 23"/>
           <p:cNvCxnSpPr/>
           <p:nvPr/>
         </p:nvCxnSpPr>
         <p:spPr>
-          <a:xfrm rot="16200000" flipH="1">
-            <a:off x="5703390" y="4560390"/>
-            <a:ext cx="1440159" cy="1337620"/>
+          <a:xfrm flipV="1">
+            <a:off x="3635896" y="4437112"/>
+            <a:ext cx="1935887" cy="1800200"/>
+          </a:xfrm>
+          <a:prstGeom prst="curvedConnector3">
+            <a:avLst/>
+          </a:prstGeom>
+          <a:ln>
+            <a:solidFill>
+              <a:schemeClr val="tx1"/>
+            </a:solidFill>
+            <a:tailEnd type="arrow"/>
+          </a:ln>
+        </p:spPr>
+        <p:style>
+          <a:lnRef idx="1">
+            <a:schemeClr val="accent1"/>
+          </a:lnRef>
+          <a:fillRef idx="0">
+            <a:schemeClr val="accent1"/>
+          </a:fillRef>
+          <a:effectRef idx="0">
+            <a:schemeClr val="accent1"/>
+          </a:effectRef>
+          <a:fontRef idx="minor">
+            <a:schemeClr val="tx1"/>
+          </a:fontRef>
+        </p:style>
+      </p:cxnSp>
+      <p:cxnSp>
+        <p:nvCxnSpPr>
+          <p:cNvPr id="26" name="曲线连接符 25"/>
+          <p:cNvCxnSpPr/>
+          <p:nvPr/>
+        </p:nvCxnSpPr>
+        <p:spPr>
+          <a:xfrm flipV="1">
+            <a:off x="4603839" y="5114287"/>
+            <a:ext cx="2848481" cy="1411057"/>
+          </a:xfrm>
+          <a:prstGeom prst="curvedConnector3">
+            <a:avLst/>
+          </a:prstGeom>
+          <a:ln>
+            <a:solidFill>
+              <a:schemeClr val="tx1"/>
+            </a:solidFill>
+            <a:tailEnd type="arrow"/>
+          </a:ln>
+        </p:spPr>
+        <p:style>
+          <a:lnRef idx="1">
+            <a:schemeClr val="accent1"/>
+          </a:lnRef>
+          <a:fillRef idx="0">
+            <a:schemeClr val="accent1"/>
+          </a:fillRef>
+          <a:effectRef idx="0">
+            <a:schemeClr val="accent1"/>
+          </a:effectRef>
+          <a:fontRef idx="minor">
+            <a:schemeClr val="tx1"/>
+          </a:fontRef>
+        </p:style>
+      </p:cxnSp>
+      <p:cxnSp>
+        <p:nvCxnSpPr>
+          <p:cNvPr id="31" name="曲线连接符 30"/>
+          <p:cNvCxnSpPr/>
+          <p:nvPr/>
+        </p:nvCxnSpPr>
+        <p:spPr>
+          <a:xfrm rot="10800000">
+            <a:off x="4499993" y="3356992"/>
+            <a:ext cx="2660131" cy="112346"/>
           </a:xfrm>
           <a:prstGeom prst="curvedConnector3">
             <a:avLst/>
@@ -4675,20 +5571,13 @@
     </p:spTree>
     <p:extLst>
       <p:ext uri="{BB962C8B-B14F-4D97-AF65-F5344CB8AC3E}">
-        <p14:creationId xmlns:p14="http://schemas.microsoft.com/office/powerpoint/2010/main" val="4212714149"/>
+        <p14:creationId xmlns:p14="http://schemas.microsoft.com/office/powerpoint/2010/main" val="3820958830"/>
       </p:ext>
     </p:extLst>
   </p:cSld>
   <p:clrMapOvr>
     <a:masterClrMapping/>
   </p:clrMapOvr>
-  <p:timing>
-    <p:tnLst>
-      <p:par>
-        <p:cTn id="1" dur="indefinite" restart="never" nodeType="tmRoot"/>
-      </p:par>
-    </p:tnLst>
-  </p:timing>
 </p:sld>
 </file>
 
@@ -4711,7 +5600,7 @@
       </p:grpSpPr>
       <p:sp>
         <p:nvSpPr>
-          <p:cNvPr id="27" name="标题 57"/>
+          <p:cNvPr id="4" name="标题 57"/>
           <p:cNvSpPr>
             <a:spLocks noGrp="1"/>
           </p:cNvSpPr>
@@ -4732,28 +5621,21 @@
           <a:lstStyle/>
           <a:p>
             <a:r>
-              <a:rPr lang="en-CA" b="1" dirty="0" smtClean="0">
+              <a:rPr lang="en-CA" b="1" dirty="0">
                 <a:solidFill>
                   <a:srgbClr val="0070C0"/>
                 </a:solidFill>
                 <a:latin typeface="Times New Roman" panose="02020603050405020304" pitchFamily="18" charset="0"/>
                 <a:cs typeface="Times New Roman" panose="02020603050405020304" pitchFamily="18" charset="0"/>
               </a:rPr>
-              <a:t>Future Work  </a:t>
-            </a:r>
-            <a:endParaRPr lang="en-CA" b="1" dirty="0">
-              <a:solidFill>
-                <a:srgbClr val="0070C0"/>
-              </a:solidFill>
-              <a:latin typeface="Times New Roman" panose="02020603050405020304" pitchFamily="18" charset="0"/>
-              <a:cs typeface="Times New Roman" panose="02020603050405020304" pitchFamily="18" charset="0"/>
-            </a:endParaRPr>
+              <a:t>What we learned </a:t>
+            </a:r>
           </a:p>
         </p:txBody>
       </p:sp>
       <p:cxnSp>
         <p:nvCxnSpPr>
-          <p:cNvPr id="28" name="直接连接符 27"/>
+          <p:cNvPr id="5" name="直接连接符 4"/>
           <p:cNvCxnSpPr/>
           <p:nvPr/>
         </p:nvCxnSpPr>
@@ -4784,7 +5666,7 @@
       </p:cxnSp>
       <p:pic>
         <p:nvPicPr>
-          <p:cNvPr id="2" name="图片 1"/>
+          <p:cNvPr id="8" name="图片 7"/>
           <p:cNvPicPr>
             <a:picLocks noChangeAspect="1"/>
           </p:cNvPicPr>
@@ -4804,8 +5686,8 @@
         </p:blipFill>
         <p:spPr>
           <a:xfrm>
-            <a:off x="5180977" y="2132856"/>
-            <a:ext cx="3590925" cy="2905125"/>
+            <a:off x="467544" y="1124744"/>
+            <a:ext cx="5287113" cy="1057423"/>
           </a:xfrm>
           <a:prstGeom prst="rect">
             <a:avLst/>
@@ -4814,7 +5696,7 @@
       </p:pic>
       <p:pic>
         <p:nvPicPr>
-          <p:cNvPr id="3" name="图片 2"/>
+          <p:cNvPr id="10" name="图片 9"/>
           <p:cNvPicPr>
             <a:picLocks noChangeAspect="1"/>
           </p:cNvPicPr>
@@ -4834,31 +5716,234 @@
         </p:blipFill>
         <p:spPr>
           <a:xfrm>
-            <a:off x="467544" y="1408882"/>
-            <a:ext cx="4345156" cy="4040233"/>
+            <a:off x="467544" y="3429000"/>
+            <a:ext cx="5410956" cy="1362265"/>
           </a:xfrm>
           <a:prstGeom prst="rect">
             <a:avLst/>
           </a:prstGeom>
         </p:spPr>
       </p:pic>
+      <p:pic>
+        <p:nvPicPr>
+          <p:cNvPr id="12" name="图片 11"/>
+          <p:cNvPicPr>
+            <a:picLocks noChangeAspect="1"/>
+          </p:cNvPicPr>
+          <p:nvPr/>
+        </p:nvPicPr>
+        <p:blipFill>
+          <a:blip r:embed="rId4">
+            <a:extLst>
+              <a:ext uri="{28A0092B-C50C-407E-A947-70E740481C1C}">
+                <a14:useLocalDpi xmlns:a14="http://schemas.microsoft.com/office/drawing/2010/main" val="0"/>
+              </a:ext>
+            </a:extLst>
+          </a:blip>
+          <a:stretch>
+            <a:fillRect/>
+          </a:stretch>
+        </p:blipFill>
+        <p:spPr>
+          <a:xfrm>
+            <a:off x="5074435" y="2264814"/>
+            <a:ext cx="3602021" cy="1092178"/>
+          </a:xfrm>
+          <a:prstGeom prst="rect">
+            <a:avLst/>
+          </a:prstGeom>
+        </p:spPr>
+      </p:pic>
+      <p:pic>
+        <p:nvPicPr>
+          <p:cNvPr id="14" name="图片 13"/>
+          <p:cNvPicPr>
+            <a:picLocks noChangeAspect="1"/>
+          </p:cNvPicPr>
+          <p:nvPr/>
+        </p:nvPicPr>
+        <p:blipFill>
+          <a:blip r:embed="rId5">
+            <a:extLst>
+              <a:ext uri="{28A0092B-C50C-407E-A947-70E740481C1C}">
+                <a14:useLocalDpi xmlns:a14="http://schemas.microsoft.com/office/drawing/2010/main" val="0"/>
+              </a:ext>
+            </a:extLst>
+          </a:blip>
+          <a:stretch>
+            <a:fillRect/>
+          </a:stretch>
+        </p:blipFill>
+        <p:spPr>
+          <a:xfrm>
+            <a:off x="6519021" y="4312816"/>
+            <a:ext cx="1581371" cy="1752845"/>
+          </a:xfrm>
+          <a:prstGeom prst="rect">
+            <a:avLst/>
+          </a:prstGeom>
+        </p:spPr>
+      </p:pic>
+      <p:cxnSp>
+        <p:nvCxnSpPr>
+          <p:cNvPr id="18" name="曲线连接符 17"/>
+          <p:cNvCxnSpPr>
+            <a:stCxn id="8" idx="3"/>
+            <a:endCxn id="12" idx="0"/>
+          </p:cNvCxnSpPr>
+          <p:nvPr/>
+        </p:nvCxnSpPr>
+        <p:spPr>
+          <a:xfrm>
+            <a:off x="5754657" y="1653456"/>
+            <a:ext cx="1120789" cy="611358"/>
+          </a:xfrm>
+          <a:prstGeom prst="curvedConnector2">
+            <a:avLst/>
+          </a:prstGeom>
+          <a:ln>
+            <a:solidFill>
+              <a:srgbClr val="FF0000"/>
+            </a:solidFill>
+            <a:tailEnd type="arrow"/>
+          </a:ln>
+        </p:spPr>
+        <p:style>
+          <a:lnRef idx="1">
+            <a:schemeClr val="accent1"/>
+          </a:lnRef>
+          <a:fillRef idx="0">
+            <a:schemeClr val="accent1"/>
+          </a:fillRef>
+          <a:effectRef idx="0">
+            <a:schemeClr val="accent1"/>
+          </a:effectRef>
+          <a:fontRef idx="minor">
+            <a:schemeClr val="tx1"/>
+          </a:fontRef>
+        </p:style>
+      </p:cxnSp>
+      <p:cxnSp>
+        <p:nvCxnSpPr>
+          <p:cNvPr id="23" name="曲线连接符 22"/>
+          <p:cNvCxnSpPr>
+            <a:stCxn id="12" idx="1"/>
+            <a:endCxn id="10" idx="0"/>
+          </p:cNvCxnSpPr>
+          <p:nvPr/>
+        </p:nvCxnSpPr>
+        <p:spPr>
+          <a:xfrm rot="10800000" flipV="1">
+            <a:off x="3173023" y="2810902"/>
+            <a:ext cx="1901413" cy="618097"/>
+          </a:xfrm>
+          <a:prstGeom prst="curvedConnector2">
+            <a:avLst/>
+          </a:prstGeom>
+          <a:ln>
+            <a:solidFill>
+              <a:srgbClr val="FF0000"/>
+            </a:solidFill>
+            <a:tailEnd type="arrow"/>
+          </a:ln>
+        </p:spPr>
+        <p:style>
+          <a:lnRef idx="1">
+            <a:schemeClr val="accent1"/>
+          </a:lnRef>
+          <a:fillRef idx="0">
+            <a:schemeClr val="accent1"/>
+          </a:fillRef>
+          <a:effectRef idx="0">
+            <a:schemeClr val="accent1"/>
+          </a:effectRef>
+          <a:fontRef idx="minor">
+            <a:schemeClr val="tx1"/>
+          </a:fontRef>
+        </p:style>
+      </p:cxnSp>
+      <p:cxnSp>
+        <p:nvCxnSpPr>
+          <p:cNvPr id="25" name="曲线连接符 24"/>
+          <p:cNvCxnSpPr/>
+          <p:nvPr/>
+        </p:nvCxnSpPr>
+        <p:spPr>
+          <a:xfrm>
+            <a:off x="3563888" y="4110132"/>
+            <a:ext cx="3311558" cy="1695132"/>
+          </a:xfrm>
+          <a:prstGeom prst="curvedConnector3">
+            <a:avLst/>
+          </a:prstGeom>
+          <a:ln>
+            <a:solidFill>
+              <a:schemeClr val="tx1"/>
+            </a:solidFill>
+            <a:tailEnd type="arrow"/>
+          </a:ln>
+        </p:spPr>
+        <p:style>
+          <a:lnRef idx="1">
+            <a:schemeClr val="accent1"/>
+          </a:lnRef>
+          <a:fillRef idx="0">
+            <a:schemeClr val="accent1"/>
+          </a:fillRef>
+          <a:effectRef idx="0">
+            <a:schemeClr val="accent1"/>
+          </a:effectRef>
+          <a:fontRef idx="minor">
+            <a:schemeClr val="tx1"/>
+          </a:fontRef>
+        </p:style>
+      </p:cxnSp>
+      <p:cxnSp>
+        <p:nvCxnSpPr>
+          <p:cNvPr id="27" name="曲线连接符 26"/>
+          <p:cNvCxnSpPr/>
+          <p:nvPr/>
+        </p:nvCxnSpPr>
+        <p:spPr>
+          <a:xfrm rot="16200000" flipH="1">
+            <a:off x="5703390" y="4560390"/>
+            <a:ext cx="1440159" cy="1337620"/>
+          </a:xfrm>
+          <a:prstGeom prst="curvedConnector3">
+            <a:avLst/>
+          </a:prstGeom>
+          <a:ln>
+            <a:solidFill>
+              <a:schemeClr val="tx1"/>
+            </a:solidFill>
+            <a:tailEnd type="arrow"/>
+          </a:ln>
+        </p:spPr>
+        <p:style>
+          <a:lnRef idx="1">
+            <a:schemeClr val="accent1"/>
+          </a:lnRef>
+          <a:fillRef idx="0">
+            <a:schemeClr val="accent1"/>
+          </a:fillRef>
+          <a:effectRef idx="0">
+            <a:schemeClr val="accent1"/>
+          </a:effectRef>
+          <a:fontRef idx="minor">
+            <a:schemeClr val="tx1"/>
+          </a:fontRef>
+        </p:style>
+      </p:cxnSp>
     </p:spTree>
     <p:extLst>
       <p:ext uri="{BB962C8B-B14F-4D97-AF65-F5344CB8AC3E}">
-        <p14:creationId xmlns:p14="http://schemas.microsoft.com/office/powerpoint/2010/main" val="3571590492"/>
+        <p14:creationId xmlns:p14="http://schemas.microsoft.com/office/powerpoint/2010/main" val="4212714149"/>
       </p:ext>
     </p:extLst>
   </p:cSld>
   <p:clrMapOvr>
     <a:masterClrMapping/>
   </p:clrMapOvr>
-  <p:timing>
-    <p:tnLst>
-      <p:par>
-        <p:cTn id="1" dur="indefinite" restart="never" nodeType="tmRoot"/>
-      </p:par>
-    </p:tnLst>
-  </p:timing>
 </p:sld>
 </file>
 
@@ -4902,6 +5987,178 @@
           <a:lstStyle/>
           <a:p>
             <a:r>
+              <a:rPr lang="en-CA" b="1" dirty="0">
+                <a:solidFill>
+                  <a:srgbClr val="0070C0"/>
+                </a:solidFill>
+                <a:latin typeface="Times New Roman" panose="02020603050405020304" pitchFamily="18" charset="0"/>
+                <a:cs typeface="Times New Roman" panose="02020603050405020304" pitchFamily="18" charset="0"/>
+              </a:rPr>
+              <a:t>Future Work  </a:t>
+            </a:r>
+          </a:p>
+        </p:txBody>
+      </p:sp>
+      <p:cxnSp>
+        <p:nvCxnSpPr>
+          <p:cNvPr id="28" name="直接连接符 27"/>
+          <p:cNvCxnSpPr/>
+          <p:nvPr/>
+        </p:nvCxnSpPr>
+        <p:spPr>
+          <a:xfrm>
+            <a:off x="467544" y="980728"/>
+            <a:ext cx="8280920" cy="0"/>
+          </a:xfrm>
+          <a:prstGeom prst="line">
+            <a:avLst/>
+          </a:prstGeom>
+          <a:ln cmpd="sng"/>
+        </p:spPr>
+        <p:style>
+          <a:lnRef idx="1">
+            <a:schemeClr val="accent1"/>
+          </a:lnRef>
+          <a:fillRef idx="0">
+            <a:schemeClr val="accent1"/>
+          </a:fillRef>
+          <a:effectRef idx="0">
+            <a:schemeClr val="accent1"/>
+          </a:effectRef>
+          <a:fontRef idx="minor">
+            <a:schemeClr val="tx1"/>
+          </a:fontRef>
+        </p:style>
+      </p:cxnSp>
+      <p:pic>
+        <p:nvPicPr>
+          <p:cNvPr id="2" name="图片 1"/>
+          <p:cNvPicPr>
+            <a:picLocks noChangeAspect="1"/>
+          </p:cNvPicPr>
+          <p:nvPr/>
+        </p:nvPicPr>
+        <p:blipFill>
+          <a:blip r:embed="rId2">
+            <a:extLst>
+              <a:ext uri="{28A0092B-C50C-407E-A947-70E740481C1C}">
+                <a14:useLocalDpi xmlns:a14="http://schemas.microsoft.com/office/drawing/2010/main" val="0"/>
+              </a:ext>
+            </a:extLst>
+          </a:blip>
+          <a:stretch>
+            <a:fillRect/>
+          </a:stretch>
+        </p:blipFill>
+        <p:spPr>
+          <a:xfrm>
+            <a:off x="5180977" y="2132856"/>
+            <a:ext cx="3590925" cy="2905125"/>
+          </a:xfrm>
+          <a:prstGeom prst="rect">
+            <a:avLst/>
+          </a:prstGeom>
+        </p:spPr>
+      </p:pic>
+      <p:pic>
+        <p:nvPicPr>
+          <p:cNvPr id="3" name="图片 2"/>
+          <p:cNvPicPr>
+            <a:picLocks noChangeAspect="1"/>
+          </p:cNvPicPr>
+          <p:nvPr/>
+        </p:nvPicPr>
+        <p:blipFill>
+          <a:blip r:embed="rId3">
+            <a:extLst>
+              <a:ext uri="{28A0092B-C50C-407E-A947-70E740481C1C}">
+                <a14:useLocalDpi xmlns:a14="http://schemas.microsoft.com/office/drawing/2010/main" val="0"/>
+              </a:ext>
+            </a:extLst>
+          </a:blip>
+          <a:stretch>
+            <a:fillRect/>
+          </a:stretch>
+        </p:blipFill>
+        <p:spPr>
+          <a:xfrm>
+            <a:off x="467544" y="1408882"/>
+            <a:ext cx="4345156" cy="4040233"/>
+          </a:xfrm>
+          <a:prstGeom prst="rect">
+            <a:avLst/>
+          </a:prstGeom>
+        </p:spPr>
+      </p:pic>
+    </p:spTree>
+    <p:extLst>
+      <p:ext uri="{BB962C8B-B14F-4D97-AF65-F5344CB8AC3E}">
+        <p14:creationId xmlns:p14="http://schemas.microsoft.com/office/powerpoint/2010/main" val="3571590492"/>
+      </p:ext>
+    </p:extLst>
+  </p:cSld>
+  <p:clrMapOvr>
+    <a:masterClrMapping/>
+  </p:clrMapOvr>
+</p:sld>
+</file>
+
+<file path=ppt/slides/slide17.xml><?xml version="1.0" encoding="utf-8"?>
+<p:sld xmlns:a="http://schemas.openxmlformats.org/drawingml/2006/main" xmlns:r="http://schemas.openxmlformats.org/officeDocument/2006/relationships" xmlns:p="http://schemas.openxmlformats.org/presentationml/2006/main">
+  <p:cSld>
+    <p:spTree>
+      <p:nvGrpSpPr>
+        <p:cNvPr id="1" name=""/>
+        <p:cNvGrpSpPr/>
+        <p:nvPr/>
+      </p:nvGrpSpPr>
+      <p:grpSpPr>
+        <a:xfrm>
+          <a:off x="0" y="0"/>
+          <a:ext cx="0" cy="0"/>
+          <a:chOff x="0" y="0"/>
+          <a:chExt cx="0" cy="0"/>
+        </a:xfrm>
+      </p:grpSpPr>
+      <p:sp>
+        <p:nvSpPr>
+          <p:cNvPr id="3" name="标题 57"/>
+          <p:cNvSpPr txBox="1">
+            <a:spLocks/>
+          </p:cNvSpPr>
+          <p:nvPr/>
+        </p:nvSpPr>
+        <p:spPr>
+          <a:xfrm>
+            <a:off x="457200" y="274638"/>
+            <a:ext cx="8229600" cy="634082"/>
+          </a:xfrm>
+          <a:prstGeom prst="rect">
+            <a:avLst/>
+          </a:prstGeom>
+        </p:spPr>
+        <p:txBody>
+          <a:bodyPr>
+            <a:normAutofit fontScale="90000" lnSpcReduction="20000"/>
+          </a:bodyPr>
+          <a:lstStyle>
+            <a:lvl1pPr algn="ctr" defTabSz="914400" rtl="0" eaLnBrk="1" latinLnBrk="0" hangingPunct="1">
+              <a:spcBef>
+                <a:spcPct val="0"/>
+              </a:spcBef>
+              <a:buNone/>
+              <a:defRPr sz="4400" kern="1200">
+                <a:solidFill>
+                  <a:schemeClr val="tx1"/>
+                </a:solidFill>
+                <a:latin typeface="+mj-lt"/>
+                <a:ea typeface="+mj-ea"/>
+                <a:cs typeface="+mj-cs"/>
+              </a:defRPr>
+            </a:lvl1pPr>
+          </a:lstStyle>
+          <a:p>
+            <a:r>
               <a:rPr lang="en-CA" b="1" dirty="0" smtClean="0">
                 <a:solidFill>
                   <a:srgbClr val="0070C0"/>
@@ -4923,7 +6180,7 @@
       </p:sp>
       <p:cxnSp>
         <p:nvCxnSpPr>
-          <p:cNvPr id="28" name="直接连接符 27"/>
+          <p:cNvPr id="4" name="直接连接符 27"/>
           <p:cNvCxnSpPr/>
           <p:nvPr/>
         </p:nvCxnSpPr>
@@ -4952,23 +6209,311 @@
           </a:fontRef>
         </p:style>
       </p:cxnSp>
+      <p:sp>
+        <p:nvSpPr>
+          <p:cNvPr id="5" name="Rectangle 3"/>
+          <p:cNvSpPr txBox="1">
+            <a:spLocks noChangeArrowheads="1"/>
+          </p:cNvSpPr>
+          <p:nvPr/>
+        </p:nvSpPr>
+        <p:spPr>
+          <a:xfrm>
+            <a:off x="467544" y="1124744"/>
+            <a:ext cx="8136904" cy="5616624"/>
+          </a:xfrm>
+          <a:prstGeom prst="rect">
+            <a:avLst/>
+          </a:prstGeom>
+        </p:spPr>
+        <p:txBody>
+          <a:bodyPr/>
+          <a:lstStyle>
+            <a:lvl1pPr marL="342900" indent="-342900" algn="l" defTabSz="914400" rtl="0" eaLnBrk="1" latinLnBrk="0" hangingPunct="1">
+              <a:spcBef>
+                <a:spcPct val="20000"/>
+              </a:spcBef>
+              <a:buFont typeface="Arial" panose="020B0604020202020204" pitchFamily="34" charset="0"/>
+              <a:buChar char="•"/>
+              <a:defRPr sz="3200" kern="1200">
+                <a:solidFill>
+                  <a:schemeClr val="tx1"/>
+                </a:solidFill>
+                <a:latin typeface="+mn-lt"/>
+                <a:ea typeface="+mn-ea"/>
+                <a:cs typeface="+mn-cs"/>
+              </a:defRPr>
+            </a:lvl1pPr>
+            <a:lvl2pPr marL="742950" indent="-285750" algn="l" defTabSz="914400" rtl="0" eaLnBrk="1" latinLnBrk="0" hangingPunct="1">
+              <a:spcBef>
+                <a:spcPct val="20000"/>
+              </a:spcBef>
+              <a:buFont typeface="Arial" panose="020B0604020202020204" pitchFamily="34" charset="0"/>
+              <a:buChar char="–"/>
+              <a:defRPr sz="2800" kern="1200">
+                <a:solidFill>
+                  <a:schemeClr val="tx1"/>
+                </a:solidFill>
+                <a:latin typeface="+mn-lt"/>
+                <a:ea typeface="+mn-ea"/>
+                <a:cs typeface="+mn-cs"/>
+              </a:defRPr>
+            </a:lvl2pPr>
+            <a:lvl3pPr marL="1143000" indent="-228600" algn="l" defTabSz="914400" rtl="0" eaLnBrk="1" latinLnBrk="0" hangingPunct="1">
+              <a:spcBef>
+                <a:spcPct val="20000"/>
+              </a:spcBef>
+              <a:buFont typeface="Arial" panose="020B0604020202020204" pitchFamily="34" charset="0"/>
+              <a:buChar char="•"/>
+              <a:defRPr sz="2400" kern="1200">
+                <a:solidFill>
+                  <a:schemeClr val="tx1"/>
+                </a:solidFill>
+                <a:latin typeface="+mn-lt"/>
+                <a:ea typeface="+mn-ea"/>
+                <a:cs typeface="+mn-cs"/>
+              </a:defRPr>
+            </a:lvl3pPr>
+            <a:lvl4pPr marL="1600200" indent="-228600" algn="l" defTabSz="914400" rtl="0" eaLnBrk="1" latinLnBrk="0" hangingPunct="1">
+              <a:spcBef>
+                <a:spcPct val="20000"/>
+              </a:spcBef>
+              <a:buFont typeface="Arial" panose="020B0604020202020204" pitchFamily="34" charset="0"/>
+              <a:buChar char="–"/>
+              <a:defRPr sz="2000" kern="1200">
+                <a:solidFill>
+                  <a:schemeClr val="tx1"/>
+                </a:solidFill>
+                <a:latin typeface="+mn-lt"/>
+                <a:ea typeface="+mn-ea"/>
+                <a:cs typeface="+mn-cs"/>
+              </a:defRPr>
+            </a:lvl4pPr>
+            <a:lvl5pPr marL="2057400" indent="-228600" algn="l" defTabSz="914400" rtl="0" eaLnBrk="1" latinLnBrk="0" hangingPunct="1">
+              <a:spcBef>
+                <a:spcPct val="20000"/>
+              </a:spcBef>
+              <a:buFont typeface="Arial" panose="020B0604020202020204" pitchFamily="34" charset="0"/>
+              <a:buChar char="»"/>
+              <a:defRPr sz="2000" kern="1200">
+                <a:solidFill>
+                  <a:schemeClr val="tx1"/>
+                </a:solidFill>
+                <a:latin typeface="+mn-lt"/>
+                <a:ea typeface="+mn-ea"/>
+                <a:cs typeface="+mn-cs"/>
+              </a:defRPr>
+            </a:lvl5pPr>
+            <a:lvl6pPr marL="2514600" indent="-228600" algn="l" defTabSz="914400" rtl="0" eaLnBrk="1" latinLnBrk="0" hangingPunct="1">
+              <a:spcBef>
+                <a:spcPct val="20000"/>
+              </a:spcBef>
+              <a:buFont typeface="Arial" panose="020B0604020202020204" pitchFamily="34" charset="0"/>
+              <a:buChar char="•"/>
+              <a:defRPr sz="2000" kern="1200">
+                <a:solidFill>
+                  <a:schemeClr val="tx1"/>
+                </a:solidFill>
+                <a:latin typeface="+mn-lt"/>
+                <a:ea typeface="+mn-ea"/>
+                <a:cs typeface="+mn-cs"/>
+              </a:defRPr>
+            </a:lvl6pPr>
+            <a:lvl7pPr marL="2971800" indent="-228600" algn="l" defTabSz="914400" rtl="0" eaLnBrk="1" latinLnBrk="0" hangingPunct="1">
+              <a:spcBef>
+                <a:spcPct val="20000"/>
+              </a:spcBef>
+              <a:buFont typeface="Arial" panose="020B0604020202020204" pitchFamily="34" charset="0"/>
+              <a:buChar char="•"/>
+              <a:defRPr sz="2000" kern="1200">
+                <a:solidFill>
+                  <a:schemeClr val="tx1"/>
+                </a:solidFill>
+                <a:latin typeface="+mn-lt"/>
+                <a:ea typeface="+mn-ea"/>
+                <a:cs typeface="+mn-cs"/>
+              </a:defRPr>
+            </a:lvl7pPr>
+            <a:lvl8pPr marL="3429000" indent="-228600" algn="l" defTabSz="914400" rtl="0" eaLnBrk="1" latinLnBrk="0" hangingPunct="1">
+              <a:spcBef>
+                <a:spcPct val="20000"/>
+              </a:spcBef>
+              <a:buFont typeface="Arial" panose="020B0604020202020204" pitchFamily="34" charset="0"/>
+              <a:buChar char="•"/>
+              <a:defRPr sz="2000" kern="1200">
+                <a:solidFill>
+                  <a:schemeClr val="tx1"/>
+                </a:solidFill>
+                <a:latin typeface="+mn-lt"/>
+                <a:ea typeface="+mn-ea"/>
+                <a:cs typeface="+mn-cs"/>
+              </a:defRPr>
+            </a:lvl8pPr>
+            <a:lvl9pPr marL="3886200" indent="-228600" algn="l" defTabSz="914400" rtl="0" eaLnBrk="1" latinLnBrk="0" hangingPunct="1">
+              <a:spcBef>
+                <a:spcPct val="20000"/>
+              </a:spcBef>
+              <a:buFont typeface="Arial" panose="020B0604020202020204" pitchFamily="34" charset="0"/>
+              <a:buChar char="•"/>
+              <a:defRPr sz="2000" kern="1200">
+                <a:solidFill>
+                  <a:schemeClr val="tx1"/>
+                </a:solidFill>
+                <a:latin typeface="+mn-lt"/>
+                <a:ea typeface="+mn-ea"/>
+                <a:cs typeface="+mn-cs"/>
+              </a:defRPr>
+            </a:lvl9pPr>
+          </a:lstStyle>
+          <a:p>
+            <a:pPr marL="0" indent="0">
+              <a:buNone/>
+            </a:pPr>
+            <a:r>
+              <a:rPr lang="en-US" altLang="en-US" sz="2400" dirty="0" smtClean="0">
+                <a:latin typeface="Times New Roman" panose="02020603050405020304" pitchFamily="18" charset="0"/>
+                <a:cs typeface="Times New Roman" panose="02020603050405020304" pitchFamily="18" charset="0"/>
+              </a:rPr>
+              <a:t>Online File Management System uses the following:</a:t>
+            </a:r>
+          </a:p>
+          <a:p>
+            <a:pPr marL="0" indent="0">
+              <a:buNone/>
+            </a:pPr>
+            <a:endParaRPr lang="en-US" altLang="en-US" sz="2400" dirty="0" smtClean="0">
+              <a:latin typeface="Times New Roman" panose="02020603050405020304" pitchFamily="18" charset="0"/>
+              <a:cs typeface="Times New Roman" panose="02020603050405020304" pitchFamily="18" charset="0"/>
+            </a:endParaRPr>
+          </a:p>
+          <a:p>
+            <a:pPr marL="0" indent="0">
+              <a:buNone/>
+            </a:pPr>
+            <a:r>
+              <a:rPr lang="en-US" altLang="en-US" sz="2400" dirty="0" smtClean="0">
+                <a:latin typeface="Times New Roman" panose="02020603050405020304" pitchFamily="18" charset="0"/>
+                <a:cs typeface="Times New Roman" panose="02020603050405020304" pitchFamily="18" charset="0"/>
+              </a:rPr>
+              <a:t>Technologies: </a:t>
+            </a:r>
+          </a:p>
+          <a:p>
+            <a:r>
+              <a:rPr lang="en-US" altLang="en-US" sz="2400" dirty="0" smtClean="0">
+                <a:latin typeface="Times New Roman" panose="02020603050405020304" pitchFamily="18" charset="0"/>
+                <a:cs typeface="Times New Roman" panose="02020603050405020304" pitchFamily="18" charset="0"/>
+              </a:rPr>
+              <a:t>Bootstrap</a:t>
+            </a:r>
+            <a:endParaRPr lang="en-US" altLang="en-US" sz="2400" dirty="0">
+              <a:latin typeface="Times New Roman" panose="02020603050405020304" pitchFamily="18" charset="0"/>
+              <a:cs typeface="Times New Roman" panose="02020603050405020304" pitchFamily="18" charset="0"/>
+            </a:endParaRPr>
+          </a:p>
+          <a:p>
+            <a:r>
+              <a:rPr lang="en-US" altLang="en-US" sz="2400" dirty="0" smtClean="0">
+                <a:latin typeface="Times New Roman" panose="02020603050405020304" pitchFamily="18" charset="0"/>
+                <a:cs typeface="Times New Roman" panose="02020603050405020304" pitchFamily="18" charset="0"/>
+              </a:rPr>
+              <a:t>Multiple Languages</a:t>
+            </a:r>
+            <a:endParaRPr lang="en-US" altLang="en-US" sz="2400" dirty="0">
+              <a:latin typeface="Times New Roman" panose="02020603050405020304" pitchFamily="18" charset="0"/>
+              <a:cs typeface="Times New Roman" panose="02020603050405020304" pitchFamily="18" charset="0"/>
+            </a:endParaRPr>
+          </a:p>
+          <a:p>
+            <a:r>
+              <a:rPr lang="en-US" altLang="en-US" sz="2400" dirty="0" err="1" smtClean="0">
+                <a:latin typeface="Times New Roman" panose="02020603050405020304" pitchFamily="18" charset="0"/>
+                <a:cs typeface="Times New Roman" panose="02020603050405020304" pitchFamily="18" charset="0"/>
+              </a:rPr>
+              <a:t>Jquery</a:t>
+            </a:r>
+            <a:endParaRPr lang="en-US" altLang="en-US" sz="2400" dirty="0">
+              <a:latin typeface="Times New Roman" panose="02020603050405020304" pitchFamily="18" charset="0"/>
+              <a:cs typeface="Times New Roman" panose="02020603050405020304" pitchFamily="18" charset="0"/>
+            </a:endParaRPr>
+          </a:p>
+          <a:p>
+            <a:pPr marL="0" indent="0">
+              <a:buFont typeface="Arial" panose="020B0604020202020204" pitchFamily="34" charset="0"/>
+              <a:buNone/>
+            </a:pPr>
+            <a:endParaRPr lang="en-US" altLang="en-US" sz="2400" dirty="0" smtClean="0">
+              <a:latin typeface="Times New Roman" panose="02020603050405020304" pitchFamily="18" charset="0"/>
+              <a:cs typeface="Times New Roman" panose="02020603050405020304" pitchFamily="18" charset="0"/>
+            </a:endParaRPr>
+          </a:p>
+          <a:p>
+            <a:pPr marL="0" indent="0">
+              <a:buFont typeface="Arial" panose="020B0604020202020204" pitchFamily="34" charset="0"/>
+              <a:buNone/>
+            </a:pPr>
+            <a:r>
+              <a:rPr lang="en-US" altLang="en-US" sz="2400" dirty="0" smtClean="0">
+                <a:latin typeface="Times New Roman" panose="02020603050405020304" pitchFamily="18" charset="0"/>
+                <a:cs typeface="Times New Roman" panose="02020603050405020304" pitchFamily="18" charset="0"/>
+              </a:rPr>
+              <a:t>Libraries: </a:t>
+            </a:r>
+            <a:endParaRPr lang="en-US" altLang="en-US" sz="2400" dirty="0">
+              <a:latin typeface="Times New Roman" panose="02020603050405020304" pitchFamily="18" charset="0"/>
+              <a:cs typeface="Times New Roman" panose="02020603050405020304" pitchFamily="18" charset="0"/>
+            </a:endParaRPr>
+          </a:p>
+          <a:p>
+            <a:r>
+              <a:rPr lang="en-US" altLang="en-US" sz="2400" dirty="0" smtClean="0">
+                <a:latin typeface="Times New Roman" panose="02020603050405020304" pitchFamily="18" charset="0"/>
+                <a:cs typeface="Times New Roman" panose="02020603050405020304" pitchFamily="18" charset="0"/>
+              </a:rPr>
+              <a:t>Twig</a:t>
+            </a:r>
+          </a:p>
+          <a:p>
+            <a:r>
+              <a:rPr lang="en-US" altLang="en-US" sz="2400" dirty="0" smtClean="0">
+                <a:latin typeface="Times New Roman" panose="02020603050405020304" pitchFamily="18" charset="0"/>
+                <a:cs typeface="Times New Roman" panose="02020603050405020304" pitchFamily="18" charset="0"/>
+              </a:rPr>
+              <a:t>Slim/Slim and Slim/Views </a:t>
+            </a:r>
+          </a:p>
+          <a:p>
+            <a:r>
+              <a:rPr lang="en-US" altLang="en-US" sz="2400" dirty="0" err="1" smtClean="0">
+                <a:latin typeface="Times New Roman" panose="02020603050405020304" pitchFamily="18" charset="0"/>
+                <a:cs typeface="Times New Roman" panose="02020603050405020304" pitchFamily="18" charset="0"/>
+              </a:rPr>
+              <a:t>Simotod</a:t>
+            </a:r>
+            <a:r>
+              <a:rPr lang="en-US" altLang="en-US" sz="2400" dirty="0" smtClean="0">
+                <a:latin typeface="Times New Roman" panose="02020603050405020304" pitchFamily="18" charset="0"/>
+                <a:cs typeface="Times New Roman" panose="02020603050405020304" pitchFamily="18" charset="0"/>
+              </a:rPr>
+              <a:t>/Slim-download</a:t>
+            </a:r>
+            <a:endParaRPr lang="en-US" altLang="en-US" sz="2400" dirty="0">
+              <a:latin typeface="Times New Roman" panose="02020603050405020304" pitchFamily="18" charset="0"/>
+              <a:cs typeface="Times New Roman" panose="02020603050405020304" pitchFamily="18" charset="0"/>
+            </a:endParaRPr>
+          </a:p>
+        </p:txBody>
+      </p:sp>
     </p:spTree>
     <p:extLst>
       <p:ext uri="{BB962C8B-B14F-4D97-AF65-F5344CB8AC3E}">
-        <p14:creationId xmlns:p14="http://schemas.microsoft.com/office/powerpoint/2010/main" val="2104121394"/>
+        <p14:creationId xmlns:p14="http://schemas.microsoft.com/office/powerpoint/2010/main" val="1498101710"/>
       </p:ext>
     </p:extLst>
   </p:cSld>
   <p:clrMapOvr>
     <a:masterClrMapping/>
   </p:clrMapOvr>
-  <p:timing>
-    <p:tnLst>
-      <p:par>
-        <p:cTn id="1" dur="indefinite" restart="never" nodeType="tmRoot"/>
-      </p:par>
-    </p:tnLst>
-  </p:timing>
 </p:sld>
 </file>
 
@@ -4989,89 +6534,445 @@
           <a:chExt cx="0" cy="0"/>
         </a:xfrm>
       </p:grpSpPr>
-      <p:sp>
-        <p:nvSpPr>
-          <p:cNvPr id="58" name="标题 57"/>
-          <p:cNvSpPr>
-            <a:spLocks noGrp="1"/>
+      <p:cxnSp>
+        <p:nvCxnSpPr>
+          <p:cNvPr id="60" name="直接连接符 59"/>
+          <p:cNvCxnSpPr/>
+          <p:nvPr/>
+        </p:nvCxnSpPr>
+        <p:spPr>
+          <a:xfrm>
+            <a:off x="467544" y="980728"/>
+            <a:ext cx="8280920" cy="0"/>
+          </a:xfrm>
+          <a:prstGeom prst="line">
+            <a:avLst/>
+          </a:prstGeom>
+          <a:ln cmpd="sng"/>
+        </p:spPr>
+        <p:style>
+          <a:lnRef idx="1">
+            <a:schemeClr val="accent1"/>
+          </a:lnRef>
+          <a:fillRef idx="0">
+            <a:schemeClr val="accent1"/>
+          </a:fillRef>
+          <a:effectRef idx="0">
+            <a:schemeClr val="accent1"/>
+          </a:effectRef>
+          <a:fontRef idx="minor">
+            <a:schemeClr val="tx1"/>
+          </a:fontRef>
+        </p:style>
+      </p:cxnSp>
+      <p:sp>
+        <p:nvSpPr>
+          <p:cNvPr id="5" name="Rectangle 2"/>
+          <p:cNvSpPr txBox="1">
+            <a:spLocks noChangeArrowheads="1"/>
           </p:cNvSpPr>
-          <p:nvPr>
-            <p:ph type="title"/>
-          </p:nvPr>
-        </p:nvSpPr>
-        <p:spPr>
-          <a:xfrm>
-            <a:off x="493204" y="188640"/>
-            <a:ext cx="8229600" cy="634082"/>
-          </a:xfrm>
-        </p:spPr>
-        <p:txBody>
-          <a:bodyPr>
-            <a:normAutofit fontScale="90000"/>
-          </a:bodyPr>
-          <a:lstStyle/>
-          <a:p>
-            <a:r>
-              <a:rPr lang="en-US" altLang="en-US" b="1" dirty="0">
+          <p:nvPr/>
+        </p:nvSpPr>
+        <p:spPr>
+          <a:xfrm>
+            <a:off x="647700" y="332656"/>
+            <a:ext cx="8189913" cy="864096"/>
+          </a:xfrm>
+          <a:prstGeom prst="rect">
+            <a:avLst/>
+          </a:prstGeom>
+        </p:spPr>
+        <p:txBody>
+          <a:bodyPr/>
+          <a:lstStyle>
+            <a:lvl1pPr algn="l" rtl="0" eaLnBrk="0" fontAlgn="base" hangingPunct="0">
+              <a:lnSpc>
+                <a:spcPct val="80000"/>
+              </a:lnSpc>
+              <a:spcBef>
+                <a:spcPct val="0"/>
+              </a:spcBef>
+              <a:spcAft>
+                <a:spcPct val="0"/>
+              </a:spcAft>
+              <a:buClr>
+                <a:srgbClr val="DC0081"/>
+              </a:buClr>
+              <a:buFont typeface="Wingdings" panose="05000000000000000000" pitchFamily="2" charset="2"/>
+              <a:defRPr sz="3000" b="1" kern="1200">
+                <a:solidFill>
+                  <a:schemeClr val="tx2"/>
+                </a:solidFill>
+                <a:latin typeface="+mj-lt"/>
+                <a:ea typeface="+mj-ea"/>
+                <a:cs typeface="+mj-cs"/>
+              </a:defRPr>
+            </a:lvl1pPr>
+            <a:lvl2pPr algn="l" rtl="0" eaLnBrk="0" fontAlgn="base" hangingPunct="0">
+              <a:lnSpc>
+                <a:spcPct val="80000"/>
+              </a:lnSpc>
+              <a:spcBef>
+                <a:spcPct val="0"/>
+              </a:spcBef>
+              <a:spcAft>
+                <a:spcPct val="0"/>
+              </a:spcAft>
+              <a:buClr>
+                <a:srgbClr val="DC0081"/>
+              </a:buClr>
+              <a:buFont typeface="Wingdings" panose="05000000000000000000" pitchFamily="2" charset="2"/>
+              <a:defRPr sz="3000" b="1">
+                <a:solidFill>
+                  <a:schemeClr val="tx2"/>
+                </a:solidFill>
+                <a:latin typeface="Arial Narrow" panose="020B0606020202030204" pitchFamily="34" charset="0"/>
+              </a:defRPr>
+            </a:lvl2pPr>
+            <a:lvl3pPr algn="l" rtl="0" eaLnBrk="0" fontAlgn="base" hangingPunct="0">
+              <a:lnSpc>
+                <a:spcPct val="80000"/>
+              </a:lnSpc>
+              <a:spcBef>
+                <a:spcPct val="0"/>
+              </a:spcBef>
+              <a:spcAft>
+                <a:spcPct val="0"/>
+              </a:spcAft>
+              <a:buClr>
+                <a:srgbClr val="DC0081"/>
+              </a:buClr>
+              <a:buFont typeface="Wingdings" panose="05000000000000000000" pitchFamily="2" charset="2"/>
+              <a:defRPr sz="3000" b="1">
+                <a:solidFill>
+                  <a:schemeClr val="tx2"/>
+                </a:solidFill>
+                <a:latin typeface="Arial Narrow" panose="020B0606020202030204" pitchFamily="34" charset="0"/>
+              </a:defRPr>
+            </a:lvl3pPr>
+            <a:lvl4pPr algn="l" rtl="0" eaLnBrk="0" fontAlgn="base" hangingPunct="0">
+              <a:lnSpc>
+                <a:spcPct val="80000"/>
+              </a:lnSpc>
+              <a:spcBef>
+                <a:spcPct val="0"/>
+              </a:spcBef>
+              <a:spcAft>
+                <a:spcPct val="0"/>
+              </a:spcAft>
+              <a:buClr>
+                <a:srgbClr val="DC0081"/>
+              </a:buClr>
+              <a:buFont typeface="Wingdings" panose="05000000000000000000" pitchFamily="2" charset="2"/>
+              <a:defRPr sz="3000" b="1">
+                <a:solidFill>
+                  <a:schemeClr val="tx2"/>
+                </a:solidFill>
+                <a:latin typeface="Arial Narrow" panose="020B0606020202030204" pitchFamily="34" charset="0"/>
+              </a:defRPr>
+            </a:lvl4pPr>
+            <a:lvl5pPr algn="l" rtl="0" eaLnBrk="0" fontAlgn="base" hangingPunct="0">
+              <a:lnSpc>
+                <a:spcPct val="80000"/>
+              </a:lnSpc>
+              <a:spcBef>
+                <a:spcPct val="0"/>
+              </a:spcBef>
+              <a:spcAft>
+                <a:spcPct val="0"/>
+              </a:spcAft>
+              <a:buClr>
+                <a:srgbClr val="DC0081"/>
+              </a:buClr>
+              <a:buFont typeface="Wingdings" panose="05000000000000000000" pitchFamily="2" charset="2"/>
+              <a:defRPr sz="3000" b="1">
+                <a:solidFill>
+                  <a:schemeClr val="tx2"/>
+                </a:solidFill>
+                <a:latin typeface="Arial Narrow" panose="020B0606020202030204" pitchFamily="34" charset="0"/>
+              </a:defRPr>
+            </a:lvl5pPr>
+            <a:lvl6pPr marL="457200" algn="l" rtl="0" eaLnBrk="0" fontAlgn="base" hangingPunct="0">
+              <a:lnSpc>
+                <a:spcPct val="80000"/>
+              </a:lnSpc>
+              <a:spcBef>
+                <a:spcPct val="0"/>
+              </a:spcBef>
+              <a:spcAft>
+                <a:spcPct val="0"/>
+              </a:spcAft>
+              <a:buClr>
+                <a:srgbClr val="DC0081"/>
+              </a:buClr>
+              <a:buFont typeface="Wingdings" panose="05000000000000000000" pitchFamily="2" charset="2"/>
+              <a:defRPr sz="3000" b="1">
+                <a:solidFill>
+                  <a:schemeClr val="tx2"/>
+                </a:solidFill>
+                <a:latin typeface="Arial Narrow" panose="020B0606020202030204" pitchFamily="34" charset="0"/>
+              </a:defRPr>
+            </a:lvl6pPr>
+            <a:lvl7pPr marL="914400" algn="l" rtl="0" eaLnBrk="0" fontAlgn="base" hangingPunct="0">
+              <a:lnSpc>
+                <a:spcPct val="80000"/>
+              </a:lnSpc>
+              <a:spcBef>
+                <a:spcPct val="0"/>
+              </a:spcBef>
+              <a:spcAft>
+                <a:spcPct val="0"/>
+              </a:spcAft>
+              <a:buClr>
+                <a:srgbClr val="DC0081"/>
+              </a:buClr>
+              <a:buFont typeface="Wingdings" panose="05000000000000000000" pitchFamily="2" charset="2"/>
+              <a:defRPr sz="3000" b="1">
+                <a:solidFill>
+                  <a:schemeClr val="tx2"/>
+                </a:solidFill>
+                <a:latin typeface="Arial Narrow" panose="020B0606020202030204" pitchFamily="34" charset="0"/>
+              </a:defRPr>
+            </a:lvl7pPr>
+            <a:lvl8pPr marL="1371600" algn="l" rtl="0" eaLnBrk="0" fontAlgn="base" hangingPunct="0">
+              <a:lnSpc>
+                <a:spcPct val="80000"/>
+              </a:lnSpc>
+              <a:spcBef>
+                <a:spcPct val="0"/>
+              </a:spcBef>
+              <a:spcAft>
+                <a:spcPct val="0"/>
+              </a:spcAft>
+              <a:buClr>
+                <a:srgbClr val="DC0081"/>
+              </a:buClr>
+              <a:buFont typeface="Wingdings" panose="05000000000000000000" pitchFamily="2" charset="2"/>
+              <a:defRPr sz="3000" b="1">
+                <a:solidFill>
+                  <a:schemeClr val="tx2"/>
+                </a:solidFill>
+                <a:latin typeface="Arial Narrow" panose="020B0606020202030204" pitchFamily="34" charset="0"/>
+              </a:defRPr>
+            </a:lvl8pPr>
+            <a:lvl9pPr marL="1828800" algn="l" rtl="0" eaLnBrk="0" fontAlgn="base" hangingPunct="0">
+              <a:lnSpc>
+                <a:spcPct val="80000"/>
+              </a:lnSpc>
+              <a:spcBef>
+                <a:spcPct val="0"/>
+              </a:spcBef>
+              <a:spcAft>
+                <a:spcPct val="0"/>
+              </a:spcAft>
+              <a:buClr>
+                <a:srgbClr val="DC0081"/>
+              </a:buClr>
+              <a:buFont typeface="Wingdings" panose="05000000000000000000" pitchFamily="2" charset="2"/>
+              <a:defRPr sz="3000" b="1">
+                <a:solidFill>
+                  <a:schemeClr val="tx2"/>
+                </a:solidFill>
+                <a:latin typeface="Arial Narrow" panose="020B0606020202030204" pitchFamily="34" charset="0"/>
+              </a:defRPr>
+            </a:lvl9pPr>
+          </a:lstStyle>
+          <a:p>
+            <a:r>
+              <a:rPr lang="en-US" altLang="en-US" dirty="0"/>
+              <a:t> </a:t>
+            </a:r>
+            <a:r>
+              <a:rPr lang="en-US" altLang="en-US" sz="3600" dirty="0">
                 <a:solidFill>
                   <a:srgbClr val="0070C0"/>
                 </a:solidFill>
                 <a:latin typeface="Times New Roman" panose="02020603050405020304" pitchFamily="18" charset="0"/>
                 <a:cs typeface="Times New Roman" panose="02020603050405020304" pitchFamily="18" charset="0"/>
               </a:rPr>
-              <a:t>Purpose </a:t>
-            </a:r>
-            <a:r>
-              <a:rPr lang="en-US" altLang="en-US" b="1" dirty="0" smtClean="0">
+              <a:t>What is File Management System?</a:t>
+            </a:r>
+          </a:p>
+        </p:txBody>
+      </p:sp>
+      <p:sp>
+        <p:nvSpPr>
+          <p:cNvPr id="6" name="Rectangle 5"/>
+          <p:cNvSpPr/>
+          <p:nvPr/>
+        </p:nvSpPr>
+        <p:spPr>
+          <a:xfrm>
+            <a:off x="827584" y="1412776"/>
+            <a:ext cx="7344816" cy="5109091"/>
+          </a:xfrm>
+          <a:prstGeom prst="rect">
+            <a:avLst/>
+          </a:prstGeom>
+        </p:spPr>
+        <p:txBody>
+          <a:bodyPr wrap="square">
+            <a:spAutoFit/>
+          </a:bodyPr>
+          <a:lstStyle/>
+          <a:p>
+            <a:r>
+              <a:rPr lang="en-CA" sz="3200" dirty="0">
                 <a:solidFill>
-                  <a:srgbClr val="0070C0"/>
+                  <a:srgbClr val="000000"/>
                 </a:solidFill>
                 <a:latin typeface="Times New Roman" panose="02020603050405020304" pitchFamily="18" charset="0"/>
                 <a:cs typeface="Times New Roman" panose="02020603050405020304" pitchFamily="18" charset="0"/>
               </a:rPr>
-              <a:t>Of The System</a:t>
-            </a:r>
-            <a:endParaRPr lang="en-CA" b="1" dirty="0">
+              <a:t>File Management System is basically a software that manages data files.</a:t>
+            </a:r>
+          </a:p>
+          <a:p>
+            <a:endParaRPr lang="en-CA" sz="3200" dirty="0">
               <a:solidFill>
-                <a:srgbClr val="0070C0"/>
+                <a:srgbClr val="000000"/>
               </a:solidFill>
               <a:latin typeface="Times New Roman" panose="02020603050405020304" pitchFamily="18" charset="0"/>
               <a:cs typeface="Times New Roman" panose="02020603050405020304" pitchFamily="18" charset="0"/>
             </a:endParaRPr>
           </a:p>
-        </p:txBody>
-      </p:sp>
-      <p:cxnSp>
-        <p:nvCxnSpPr>
-          <p:cNvPr id="60" name="直接连接符 59"/>
-          <p:cNvCxnSpPr/>
-          <p:nvPr/>
-        </p:nvCxnSpPr>
-        <p:spPr>
-          <a:xfrm>
-            <a:off x="467544" y="980728"/>
-            <a:ext cx="8280920" cy="0"/>
-          </a:xfrm>
-          <a:prstGeom prst="line">
-            <a:avLst/>
-          </a:prstGeom>
-          <a:ln cmpd="sng"/>
-        </p:spPr>
-        <p:style>
-          <a:lnRef idx="1">
-            <a:schemeClr val="accent1"/>
-          </a:lnRef>
-          <a:fillRef idx="0">
-            <a:schemeClr val="accent1"/>
-          </a:fillRef>
-          <a:effectRef idx="0">
-            <a:schemeClr val="accent1"/>
-          </a:effectRef>
-          <a:fontRef idx="minor">
-            <a:schemeClr val="tx1"/>
-          </a:fontRef>
-        </p:style>
-      </p:cxnSp>
+          <a:p>
+            <a:endParaRPr lang="en-CA" sz="2000" dirty="0">
+              <a:solidFill>
+                <a:srgbClr val="000000"/>
+              </a:solidFill>
+              <a:latin typeface="Times New Roman" panose="02020603050405020304" pitchFamily="18" charset="0"/>
+              <a:cs typeface="Times New Roman" panose="02020603050405020304" pitchFamily="18" charset="0"/>
+            </a:endParaRPr>
+          </a:p>
+          <a:p>
+            <a:r>
+              <a:rPr lang="en-CA" sz="3200" dirty="0">
+                <a:solidFill>
+                  <a:srgbClr val="000000"/>
+                </a:solidFill>
+                <a:latin typeface="Times New Roman" panose="02020603050405020304" pitchFamily="18" charset="0"/>
+                <a:cs typeface="Times New Roman" panose="02020603050405020304" pitchFamily="18" charset="0"/>
+              </a:rPr>
+              <a:t>It provide the ability to </a:t>
+            </a:r>
+            <a:r>
+              <a:rPr lang="en-CA" sz="3200" dirty="0" smtClean="0">
+                <a:solidFill>
+                  <a:srgbClr val="000000"/>
+                </a:solidFill>
+                <a:latin typeface="Times New Roman" panose="02020603050405020304" pitchFamily="18" charset="0"/>
+                <a:cs typeface="Times New Roman" panose="02020603050405020304" pitchFamily="18" charset="0"/>
+              </a:rPr>
+              <a:t>add, delete and modify </a:t>
+            </a:r>
+            <a:r>
+              <a:rPr lang="en-CA" sz="3200" dirty="0" err="1" smtClean="0">
+                <a:solidFill>
+                  <a:srgbClr val="000000"/>
+                </a:solidFill>
+                <a:latin typeface="Times New Roman" panose="02020603050405020304" pitchFamily="18" charset="0"/>
+                <a:cs typeface="Times New Roman" panose="02020603050405020304" pitchFamily="18" charset="0"/>
+              </a:rPr>
+              <a:t>users’access</a:t>
+            </a:r>
+            <a:r>
+              <a:rPr lang="en-CA" sz="3200" dirty="0" smtClean="0">
+                <a:solidFill>
+                  <a:srgbClr val="000000"/>
+                </a:solidFill>
+                <a:latin typeface="Times New Roman" panose="02020603050405020304" pitchFamily="18" charset="0"/>
+                <a:cs typeface="Times New Roman" panose="02020603050405020304" pitchFamily="18" charset="0"/>
+              </a:rPr>
+              <a:t> levels. </a:t>
+            </a:r>
+            <a:endParaRPr lang="en-CA" sz="3200" dirty="0">
+              <a:solidFill>
+                <a:srgbClr val="000000"/>
+              </a:solidFill>
+              <a:latin typeface="Times New Roman" panose="02020603050405020304" pitchFamily="18" charset="0"/>
+              <a:cs typeface="Times New Roman" panose="02020603050405020304" pitchFamily="18" charset="0"/>
+            </a:endParaRPr>
+          </a:p>
+          <a:p>
+            <a:r>
+              <a:rPr lang="en-CA" sz="3200" dirty="0" smtClean="0">
+                <a:solidFill>
+                  <a:srgbClr val="000000"/>
+                </a:solidFill>
+                <a:latin typeface="Times New Roman" panose="02020603050405020304" pitchFamily="18" charset="0"/>
+                <a:cs typeface="Times New Roman" panose="02020603050405020304" pitchFamily="18" charset="0"/>
+              </a:rPr>
+              <a:t>Users can view, upload, </a:t>
+            </a:r>
+            <a:r>
+              <a:rPr lang="en-CA" sz="3200" dirty="0">
+                <a:solidFill>
+                  <a:srgbClr val="000000"/>
+                </a:solidFill>
+                <a:latin typeface="Times New Roman" panose="02020603050405020304" pitchFamily="18" charset="0"/>
+                <a:cs typeface="Times New Roman" panose="02020603050405020304" pitchFamily="18" charset="0"/>
+              </a:rPr>
+              <a:t>list, delete, </a:t>
+            </a:r>
+            <a:r>
+              <a:rPr lang="en-CA" sz="3200" dirty="0" smtClean="0">
+                <a:solidFill>
+                  <a:srgbClr val="000000"/>
+                </a:solidFill>
+                <a:latin typeface="Times New Roman" panose="02020603050405020304" pitchFamily="18" charset="0"/>
+                <a:cs typeface="Times New Roman" panose="02020603050405020304" pitchFamily="18" charset="0"/>
+              </a:rPr>
+              <a:t>download files</a:t>
+            </a:r>
+            <a:r>
+              <a:rPr lang="en-CA" sz="3200" dirty="0">
+                <a:solidFill>
+                  <a:srgbClr val="000000"/>
+                </a:solidFill>
+                <a:latin typeface="Times New Roman" panose="02020603050405020304" pitchFamily="18" charset="0"/>
+                <a:cs typeface="Times New Roman" panose="02020603050405020304" pitchFamily="18" charset="0"/>
+              </a:rPr>
+              <a:t>. </a:t>
+            </a:r>
+          </a:p>
+          <a:p>
+            <a:endParaRPr lang="en-CA" sz="2800" dirty="0">
+              <a:solidFill>
+                <a:srgbClr val="000000"/>
+              </a:solidFill>
+              <a:latin typeface="Roboto-300"/>
+            </a:endParaRPr>
+          </a:p>
+          <a:p>
+            <a:endParaRPr lang="en-CA" dirty="0">
+              <a:solidFill>
+                <a:srgbClr val="000000"/>
+              </a:solidFill>
+              <a:latin typeface="Roboto-300"/>
+            </a:endParaRPr>
+          </a:p>
+          <a:p>
+            <a:r>
+              <a:rPr lang="en-CA" dirty="0">
+                <a:solidFill>
+                  <a:srgbClr val="000000"/>
+                </a:solidFill>
+                <a:latin typeface="Roboto-300"/>
+              </a:rPr>
+              <a:t> </a:t>
+            </a:r>
+          </a:p>
+          <a:p>
+            <a:endParaRPr lang="en-CA" dirty="0">
+              <a:solidFill>
+                <a:srgbClr val="000000"/>
+              </a:solidFill>
+              <a:latin typeface="Roboto-300"/>
+            </a:endParaRPr>
+          </a:p>
+        </p:txBody>
+      </p:sp>
     </p:spTree>
     <p:extLst>
       <p:ext uri="{BB962C8B-B14F-4D97-AF65-F5344CB8AC3E}">
@@ -5082,13 +6983,6 @@
   <p:clrMapOvr>
     <a:masterClrMapping/>
   </p:clrMapOvr>
-  <p:timing>
-    <p:tnLst>
-      <p:par>
-        <p:cTn id="1" dur="indefinite" restart="never" nodeType="tmRoot"/>
-      </p:par>
-    </p:tnLst>
-  </p:timing>
 </p:sld>
 </file>
 
@@ -5109,605 +7003,77 @@
           <a:chExt cx="0" cy="0"/>
         </a:xfrm>
       </p:grpSpPr>
-      <p:sp>
-        <p:nvSpPr>
-          <p:cNvPr id="21" name="矩形 20"/>
-          <p:cNvSpPr/>
-          <p:nvPr/>
-        </p:nvSpPr>
-        <p:spPr>
-          <a:xfrm>
-            <a:off x="5724128" y="2132857"/>
-            <a:ext cx="2520280" cy="3644166"/>
-          </a:xfrm>
-          <a:prstGeom prst="rect">
-            <a:avLst/>
-          </a:prstGeom>
-          <a:solidFill>
-            <a:schemeClr val="accent3">
-              <a:lumMod val="60000"/>
-              <a:lumOff val="40000"/>
-            </a:schemeClr>
-          </a:solidFill>
-          <a:ln>
-            <a:solidFill>
-              <a:schemeClr val="accent3">
-                <a:lumMod val="60000"/>
-                <a:lumOff val="40000"/>
-              </a:schemeClr>
-            </a:solidFill>
-          </a:ln>
-        </p:spPr>
-        <p:style>
-          <a:lnRef idx="2">
-            <a:schemeClr val="accent1">
-              <a:shade val="50000"/>
-            </a:schemeClr>
-          </a:lnRef>
-          <a:fillRef idx="1">
-            <a:schemeClr val="accent1"/>
-          </a:fillRef>
-          <a:effectRef idx="0">
-            <a:schemeClr val="accent1"/>
-          </a:effectRef>
-          <a:fontRef idx="minor">
-            <a:schemeClr val="lt1"/>
-          </a:fontRef>
-        </p:style>
-        <p:txBody>
-          <a:bodyPr rtlCol="0" anchor="ctr"/>
-          <a:lstStyle/>
-          <a:p>
-            <a:pPr algn="ctr"/>
-            <a:endParaRPr lang="en-CA"/>
-          </a:p>
-        </p:txBody>
-      </p:sp>
       <p:pic>
         <p:nvPicPr>
-          <p:cNvPr id="7" name="图片 6"/>
+          <p:cNvPr id="2" name="Picture 1"/>
           <p:cNvPicPr>
             <a:picLocks noChangeAspect="1"/>
           </p:cNvPicPr>
           <p:nvPr/>
         </p:nvPicPr>
         <p:blipFill>
-          <a:blip r:embed="rId2" cstate="print">
-            <a:extLst>
-              <a:ext uri="{28A0092B-C50C-407E-A947-70E740481C1C}">
-                <a14:useLocalDpi xmlns:a14="http://schemas.microsoft.com/office/drawing/2010/main" val="0"/>
-              </a:ext>
-            </a:extLst>
-          </a:blip>
+          <a:blip r:embed="rId2"/>
           <a:stretch>
             <a:fillRect/>
           </a:stretch>
         </p:blipFill>
         <p:spPr>
           <a:xfrm>
-            <a:off x="565084" y="3577223"/>
-            <a:ext cx="865955" cy="865955"/>
+            <a:off x="762000" y="990600"/>
+            <a:ext cx="7772400" cy="5334000"/>
           </a:xfrm>
           <a:prstGeom prst="rect">
             <a:avLst/>
           </a:prstGeom>
         </p:spPr>
       </p:pic>
-      <p:pic>
-        <p:nvPicPr>
-          <p:cNvPr id="8" name="图片 7"/>
-          <p:cNvPicPr>
-            <a:picLocks noChangeAspect="1"/>
-          </p:cNvPicPr>
-          <p:nvPr/>
-        </p:nvPicPr>
-        <p:blipFill>
-          <a:blip r:embed="rId3">
-            <a:extLst>
-              <a:ext uri="{28A0092B-C50C-407E-A947-70E740481C1C}">
-                <a14:useLocalDpi xmlns:a14="http://schemas.microsoft.com/office/drawing/2010/main" val="0"/>
-              </a:ext>
-            </a:extLst>
-          </a:blip>
-          <a:stretch>
-            <a:fillRect/>
-          </a:stretch>
-        </p:blipFill>
-        <p:spPr>
-          <a:xfrm>
-            <a:off x="2115747" y="3430193"/>
-            <a:ext cx="1160016" cy="1160016"/>
+      <p:sp>
+        <p:nvSpPr>
+          <p:cNvPr id="3" name="标题 57"/>
+          <p:cNvSpPr txBox="1">
+            <a:spLocks/>
+          </p:cNvSpPr>
+          <p:nvPr/>
+        </p:nvSpPr>
+        <p:spPr>
+          <a:xfrm>
+            <a:off x="493204" y="234206"/>
+            <a:ext cx="8229600" cy="746522"/>
           </a:xfrm>
           <a:prstGeom prst="rect">
             <a:avLst/>
           </a:prstGeom>
-        </p:spPr>
-      </p:pic>
-      <p:pic>
-        <p:nvPicPr>
-          <p:cNvPr id="10" name="图片 9"/>
-          <p:cNvPicPr>
-            <a:picLocks noChangeAspect="1"/>
-          </p:cNvPicPr>
-          <p:nvPr/>
-        </p:nvPicPr>
-        <p:blipFill>
-          <a:blip r:embed="rId4" cstate="print">
-            <a:extLst>
-              <a:ext uri="{28A0092B-C50C-407E-A947-70E740481C1C}">
-                <a14:useLocalDpi xmlns:a14="http://schemas.microsoft.com/office/drawing/2010/main" val="0"/>
-              </a:ext>
-            </a:extLst>
-          </a:blip>
-          <a:stretch>
-            <a:fillRect/>
-          </a:stretch>
-        </p:blipFill>
-        <p:spPr>
-          <a:xfrm>
-            <a:off x="2191699" y="5272967"/>
-            <a:ext cx="1008112" cy="1008112"/>
-          </a:xfrm>
-          <a:prstGeom prst="rect">
-            <a:avLst/>
-          </a:prstGeom>
-        </p:spPr>
-      </p:pic>
-      <p:pic>
-        <p:nvPicPr>
-          <p:cNvPr id="15" name="图片 14"/>
-          <p:cNvPicPr>
-            <a:picLocks noChangeAspect="1"/>
-          </p:cNvPicPr>
-          <p:nvPr/>
-        </p:nvPicPr>
-        <p:blipFill>
-          <a:blip r:embed="rId5">
-            <a:extLst>
-              <a:ext uri="{28A0092B-C50C-407E-A947-70E740481C1C}">
-                <a14:useLocalDpi xmlns:a14="http://schemas.microsoft.com/office/drawing/2010/main" val="0"/>
-              </a:ext>
-            </a:extLst>
-          </a:blip>
-          <a:stretch>
-            <a:fillRect/>
-          </a:stretch>
-        </p:blipFill>
-        <p:spPr>
-          <a:xfrm>
-            <a:off x="6441297" y="4105815"/>
-            <a:ext cx="1080000" cy="1051327"/>
-          </a:xfrm>
-          <a:prstGeom prst="rect">
-            <a:avLst/>
-          </a:prstGeom>
-        </p:spPr>
-      </p:pic>
-      <p:pic>
-        <p:nvPicPr>
-          <p:cNvPr id="19" name="图片 18"/>
-          <p:cNvPicPr>
-            <a:picLocks noChangeAspect="1"/>
-          </p:cNvPicPr>
-          <p:nvPr/>
-        </p:nvPicPr>
-        <p:blipFill>
-          <a:blip r:embed="rId6">
-            <a:extLst>
-              <a:ext uri="{28A0092B-C50C-407E-A947-70E740481C1C}">
-                <a14:useLocalDpi xmlns:a14="http://schemas.microsoft.com/office/drawing/2010/main" val="0"/>
-              </a:ext>
-            </a:extLst>
-          </a:blip>
-          <a:stretch>
-            <a:fillRect/>
-          </a:stretch>
-        </p:blipFill>
-        <p:spPr>
-          <a:xfrm>
-            <a:off x="4140585" y="2829873"/>
-            <a:ext cx="1080000" cy="1051425"/>
-          </a:xfrm>
-          <a:prstGeom prst="rect">
-            <a:avLst/>
-          </a:prstGeom>
-        </p:spPr>
-      </p:pic>
-      <p:pic>
-        <p:nvPicPr>
-          <p:cNvPr id="20" name="图片 19"/>
-          <p:cNvPicPr>
-            <a:picLocks noChangeAspect="1"/>
-          </p:cNvPicPr>
-          <p:nvPr/>
-        </p:nvPicPr>
-        <p:blipFill>
-          <a:blip r:embed="rId7">
-            <a:extLst>
-              <a:ext uri="{28A0092B-C50C-407E-A947-70E740481C1C}">
-                <a14:useLocalDpi xmlns:a14="http://schemas.microsoft.com/office/drawing/2010/main" val="0"/>
-              </a:ext>
-            </a:extLst>
-          </a:blip>
-          <a:stretch>
-            <a:fillRect/>
-          </a:stretch>
-        </p:blipFill>
-        <p:spPr>
-          <a:xfrm>
-            <a:off x="4140585" y="4077060"/>
-            <a:ext cx="1080000" cy="1051425"/>
-          </a:xfrm>
-          <a:prstGeom prst="rect">
-            <a:avLst/>
-          </a:prstGeom>
-        </p:spPr>
-      </p:pic>
-      <p:cxnSp>
-        <p:nvCxnSpPr>
-          <p:cNvPr id="23" name="直接箭头连接符 22"/>
-          <p:cNvCxnSpPr>
-            <a:stCxn id="7" idx="3"/>
-            <a:endCxn id="8" idx="1"/>
-          </p:cNvCxnSpPr>
-          <p:nvPr/>
-        </p:nvCxnSpPr>
-        <p:spPr>
-          <a:xfrm>
-            <a:off x="1431039" y="4010201"/>
-            <a:ext cx="684708" cy="0"/>
-          </a:xfrm>
-          <a:prstGeom prst="straightConnector1">
-            <a:avLst/>
-          </a:prstGeom>
-          <a:ln>
-            <a:solidFill>
-              <a:srgbClr val="0070C0"/>
-            </a:solidFill>
-            <a:tailEnd type="arrow"/>
-          </a:ln>
-        </p:spPr>
-        <p:style>
-          <a:lnRef idx="1">
-            <a:schemeClr val="accent1"/>
-          </a:lnRef>
-          <a:fillRef idx="0">
-            <a:schemeClr val="accent1"/>
-          </a:fillRef>
-          <a:effectRef idx="0">
-            <a:schemeClr val="accent1"/>
-          </a:effectRef>
-          <a:fontRef idx="minor">
-            <a:schemeClr val="tx1"/>
-          </a:fontRef>
-        </p:style>
-      </p:cxnSp>
-      <p:cxnSp>
-        <p:nvCxnSpPr>
-          <p:cNvPr id="26" name="直接箭头连接符 25"/>
-          <p:cNvCxnSpPr>
-            <a:stCxn id="8" idx="2"/>
-            <a:endCxn id="10" idx="0"/>
-          </p:cNvCxnSpPr>
-          <p:nvPr/>
-        </p:nvCxnSpPr>
-        <p:spPr>
-          <a:xfrm>
-            <a:off x="2695755" y="4590209"/>
-            <a:ext cx="0" cy="682758"/>
-          </a:xfrm>
-          <a:prstGeom prst="straightConnector1">
-            <a:avLst/>
-          </a:prstGeom>
-          <a:ln>
-            <a:solidFill>
-              <a:srgbClr val="0070C0"/>
-            </a:solidFill>
-            <a:headEnd type="arrow"/>
-            <a:tailEnd type="arrow"/>
-          </a:ln>
-        </p:spPr>
-        <p:style>
-          <a:lnRef idx="1">
-            <a:schemeClr val="accent1"/>
-          </a:lnRef>
-          <a:fillRef idx="0">
-            <a:schemeClr val="accent1"/>
-          </a:fillRef>
-          <a:effectRef idx="0">
-            <a:schemeClr val="accent1"/>
-          </a:effectRef>
-          <a:fontRef idx="minor">
-            <a:schemeClr val="tx1"/>
-          </a:fontRef>
-        </p:style>
-      </p:cxnSp>
-      <p:cxnSp>
-        <p:nvCxnSpPr>
-          <p:cNvPr id="31" name="直接箭头连接符 30"/>
-          <p:cNvCxnSpPr>
-            <a:stCxn id="8" idx="3"/>
-            <a:endCxn id="19" idx="1"/>
-          </p:cNvCxnSpPr>
-          <p:nvPr/>
-        </p:nvCxnSpPr>
-        <p:spPr>
-          <a:xfrm flipV="1">
-            <a:off x="3275763" y="3355586"/>
-            <a:ext cx="864822" cy="654615"/>
-          </a:xfrm>
-          <a:prstGeom prst="straightConnector1">
-            <a:avLst/>
-          </a:prstGeom>
-          <a:ln>
-            <a:solidFill>
-              <a:srgbClr val="FF0000"/>
-            </a:solidFill>
-            <a:tailEnd type="arrow"/>
-          </a:ln>
-        </p:spPr>
-        <p:style>
-          <a:lnRef idx="1">
-            <a:schemeClr val="accent1"/>
-          </a:lnRef>
-          <a:fillRef idx="0">
-            <a:schemeClr val="accent1"/>
-          </a:fillRef>
-          <a:effectRef idx="0">
-            <a:schemeClr val="accent1"/>
-          </a:effectRef>
-          <a:fontRef idx="minor">
-            <a:schemeClr val="tx1"/>
-          </a:fontRef>
-        </p:style>
-      </p:cxnSp>
-      <p:cxnSp>
-        <p:nvCxnSpPr>
-          <p:cNvPr id="33" name="直接箭头连接符 32"/>
-          <p:cNvCxnSpPr>
-            <a:stCxn id="8" idx="3"/>
-            <a:endCxn id="20" idx="1"/>
-          </p:cNvCxnSpPr>
-          <p:nvPr/>
-        </p:nvCxnSpPr>
-        <p:spPr>
-          <a:xfrm>
-            <a:off x="3275763" y="4010201"/>
-            <a:ext cx="864822" cy="592572"/>
-          </a:xfrm>
-          <a:prstGeom prst="straightConnector1">
-            <a:avLst/>
-          </a:prstGeom>
-          <a:ln>
-            <a:solidFill>
-              <a:srgbClr val="0070C0"/>
-            </a:solidFill>
-            <a:tailEnd type="arrow"/>
-          </a:ln>
-        </p:spPr>
-        <p:style>
-          <a:lnRef idx="1">
-            <a:schemeClr val="accent1"/>
-          </a:lnRef>
-          <a:fillRef idx="0">
-            <a:schemeClr val="accent1"/>
-          </a:fillRef>
-          <a:effectRef idx="0">
-            <a:schemeClr val="accent1"/>
-          </a:effectRef>
-          <a:fontRef idx="minor">
-            <a:schemeClr val="tx1"/>
-          </a:fontRef>
-        </p:style>
-      </p:cxnSp>
-      <p:cxnSp>
-        <p:nvCxnSpPr>
-          <p:cNvPr id="39" name="直接箭头连接符 38"/>
-          <p:cNvCxnSpPr>
-            <a:stCxn id="19" idx="3"/>
-          </p:cNvCxnSpPr>
-          <p:nvPr/>
-        </p:nvCxnSpPr>
-        <p:spPr>
-          <a:xfrm>
-            <a:off x="5220585" y="3355586"/>
-            <a:ext cx="1220712" cy="1275893"/>
-          </a:xfrm>
-          <a:prstGeom prst="straightConnector1">
-            <a:avLst/>
-          </a:prstGeom>
-          <a:ln>
-            <a:solidFill>
-              <a:srgbClr val="FF0000"/>
-            </a:solidFill>
-            <a:tailEnd type="arrow"/>
-          </a:ln>
-        </p:spPr>
-        <p:style>
-          <a:lnRef idx="1">
-            <a:schemeClr val="accent1"/>
-          </a:lnRef>
-          <a:fillRef idx="0">
-            <a:schemeClr val="accent1"/>
-          </a:fillRef>
-          <a:effectRef idx="0">
-            <a:schemeClr val="accent1"/>
-          </a:effectRef>
-          <a:fontRef idx="minor">
-            <a:schemeClr val="tx1"/>
-          </a:fontRef>
-        </p:style>
-      </p:cxnSp>
-      <p:cxnSp>
-        <p:nvCxnSpPr>
-          <p:cNvPr id="45" name="直接箭头连接符 44"/>
-          <p:cNvCxnSpPr>
-            <a:stCxn id="20" idx="3"/>
-          </p:cNvCxnSpPr>
-          <p:nvPr/>
-        </p:nvCxnSpPr>
-        <p:spPr>
-          <a:xfrm>
-            <a:off x="5220585" y="4602773"/>
-            <a:ext cx="1220712" cy="28706"/>
-          </a:xfrm>
-          <a:prstGeom prst="straightConnector1">
-            <a:avLst/>
-          </a:prstGeom>
-          <a:ln>
-            <a:tailEnd type="arrow"/>
-          </a:ln>
-        </p:spPr>
-        <p:style>
-          <a:lnRef idx="1">
-            <a:schemeClr val="accent1"/>
-          </a:lnRef>
-          <a:fillRef idx="0">
-            <a:schemeClr val="accent1"/>
-          </a:fillRef>
-          <a:effectRef idx="0">
-            <a:schemeClr val="accent1"/>
-          </a:effectRef>
-          <a:fontRef idx="minor">
-            <a:schemeClr val="tx1"/>
-          </a:fontRef>
-        </p:style>
-      </p:cxnSp>
-      <p:cxnSp>
-        <p:nvCxnSpPr>
-          <p:cNvPr id="56" name="肘形连接符 55"/>
-          <p:cNvCxnSpPr>
-            <a:stCxn id="21" idx="0"/>
-            <a:endCxn id="8" idx="0"/>
-          </p:cNvCxnSpPr>
-          <p:nvPr/>
-        </p:nvCxnSpPr>
-        <p:spPr>
-          <a:xfrm rot="16200000" flipH="1" flipV="1">
-            <a:off x="4191344" y="637268"/>
-            <a:ext cx="1297336" cy="4288513"/>
-          </a:xfrm>
-          <a:prstGeom prst="bentConnector3">
-            <a:avLst>
-              <a:gd name="adj1" fmla="val -40505"/>
-            </a:avLst>
-          </a:prstGeom>
-          <a:ln>
-            <a:solidFill>
-              <a:srgbClr val="0070C0"/>
-            </a:solidFill>
-            <a:tailEnd type="arrow"/>
-          </a:ln>
-        </p:spPr>
-        <p:style>
-          <a:lnRef idx="1">
-            <a:schemeClr val="accent1"/>
-          </a:lnRef>
-          <a:fillRef idx="0">
-            <a:schemeClr val="accent1"/>
-          </a:fillRef>
-          <a:effectRef idx="0">
-            <a:schemeClr val="accent1"/>
-          </a:effectRef>
-          <a:fontRef idx="minor">
-            <a:schemeClr val="tx1"/>
-          </a:fontRef>
-        </p:style>
-      </p:cxnSp>
-      <p:sp>
-        <p:nvSpPr>
-          <p:cNvPr id="57" name="矩形 56"/>
-          <p:cNvSpPr/>
-          <p:nvPr/>
-        </p:nvSpPr>
-        <p:spPr>
-          <a:xfrm>
-            <a:off x="3776641" y="1200614"/>
-            <a:ext cx="974947" cy="400110"/>
-          </a:xfrm>
-          <a:prstGeom prst="rect">
-            <a:avLst/>
-          </a:prstGeom>
-          <a:noFill/>
-        </p:spPr>
-        <p:txBody>
-          <a:bodyPr wrap="none" lIns="91440" tIns="45720" rIns="91440" bIns="45720">
-            <a:spAutoFit/>
-          </a:bodyPr>
-          <a:lstStyle/>
-          <a:p>
-            <a:pPr algn="ctr"/>
-            <a:r>
-              <a:rPr lang="en-CA" altLang="zh-CN" sz="2000" b="1" cap="none" spc="0" dirty="0" smtClean="0">
-                <a:ln w="17780" cmpd="sng">
-                  <a:solidFill>
-                    <a:schemeClr val="accent1"/>
-                  </a:solidFill>
-                  <a:prstDash val="solid"/>
-                  <a:miter lim="800000"/>
-                </a:ln>
-                <a:solidFill>
-                  <a:srgbClr val="0070C0"/>
-                </a:solidFill>
-                <a:effectLst>
-                  <a:outerShdw blurRad="50800" algn="tl" rotWithShape="0">
-                    <a:srgbClr val="000000"/>
-                  </a:outerShdw>
-                </a:effectLst>
-              </a:rPr>
-              <a:t>Log out</a:t>
-            </a:r>
-            <a:endParaRPr lang="zh-CN" altLang="en-US" sz="2000" b="1" cap="none" spc="0" dirty="0">
-              <a:ln w="17780" cmpd="sng">
-                <a:solidFill>
-                  <a:schemeClr val="accent1"/>
-                </a:solidFill>
-                <a:prstDash val="solid"/>
-                <a:miter lim="800000"/>
-              </a:ln>
-              <a:solidFill>
-                <a:srgbClr val="0070C0"/>
-              </a:solidFill>
-              <a:effectLst>
-                <a:outerShdw blurRad="50800" algn="tl" rotWithShape="0">
-                  <a:srgbClr val="000000"/>
-                </a:outerShdw>
-              </a:effectLst>
-            </a:endParaRPr>
-          </a:p>
-        </p:txBody>
-      </p:sp>
-      <p:sp>
-        <p:nvSpPr>
-          <p:cNvPr id="58" name="标题 57"/>
-          <p:cNvSpPr>
-            <a:spLocks noGrp="1"/>
-          </p:cNvSpPr>
-          <p:nvPr>
-            <p:ph type="title"/>
-          </p:nvPr>
-        </p:nvSpPr>
-        <p:spPr>
-          <a:xfrm>
-            <a:off x="493204" y="188640"/>
-            <a:ext cx="8229600" cy="634082"/>
-          </a:xfrm>
         </p:spPr>
         <p:txBody>
           <a:bodyPr>
             <a:normAutofit fontScale="90000"/>
           </a:bodyPr>
-          <a:lstStyle/>
-          <a:p>
-            <a:r>
-              <a:rPr lang="en-CA" b="1" dirty="0" smtClean="0">
+          <a:lstStyle>
+            <a:lvl1pPr algn="ctr" defTabSz="914400" rtl="0" eaLnBrk="1" latinLnBrk="0" hangingPunct="1">
+              <a:spcBef>
+                <a:spcPct val="0"/>
+              </a:spcBef>
+              <a:buNone/>
+              <a:defRPr sz="4400" kern="1200">
+                <a:solidFill>
+                  <a:schemeClr val="tx1"/>
+                </a:solidFill>
+                <a:latin typeface="+mj-lt"/>
+                <a:ea typeface="+mj-ea"/>
+                <a:cs typeface="+mj-cs"/>
+              </a:defRPr>
+            </a:lvl1pPr>
+          </a:lstStyle>
+          <a:p>
+            <a:r>
+              <a:rPr lang="en-US" altLang="en-US" b="1" dirty="0">
                 <a:solidFill>
                   <a:srgbClr val="0070C0"/>
                 </a:solidFill>
                 <a:latin typeface="Times New Roman" panose="02020603050405020304" pitchFamily="18" charset="0"/>
                 <a:cs typeface="Times New Roman" panose="02020603050405020304" pitchFamily="18" charset="0"/>
               </a:rPr>
-              <a:t>Solution Overview  </a:t>
+              <a:t>File Management System Examples:</a:t>
             </a:r>
             <a:endParaRPr lang="en-CA" b="1" dirty="0">
               <a:solidFill>
@@ -5719,122 +7085,16 @@
           </a:p>
         </p:txBody>
       </p:sp>
-      <p:cxnSp>
-        <p:nvCxnSpPr>
-          <p:cNvPr id="60" name="直接连接符 59"/>
-          <p:cNvCxnSpPr/>
-          <p:nvPr/>
-        </p:nvCxnSpPr>
-        <p:spPr>
-          <a:xfrm>
-            <a:off x="467544" y="980728"/>
-            <a:ext cx="8280920" cy="0"/>
-          </a:xfrm>
-          <a:prstGeom prst="line">
-            <a:avLst/>
-          </a:prstGeom>
-          <a:ln cmpd="sng"/>
-        </p:spPr>
-        <p:style>
-          <a:lnRef idx="1">
-            <a:schemeClr val="accent1"/>
-          </a:lnRef>
-          <a:fillRef idx="0">
-            <a:schemeClr val="accent1"/>
-          </a:fillRef>
-          <a:effectRef idx="0">
-            <a:schemeClr val="accent1"/>
-          </a:effectRef>
-          <a:fontRef idx="minor">
-            <a:schemeClr val="tx1"/>
-          </a:fontRef>
-        </p:style>
-      </p:cxnSp>
-      <p:pic>
-        <p:nvPicPr>
-          <p:cNvPr id="3" name="图片 2"/>
-          <p:cNvPicPr>
-            <a:picLocks noChangeAspect="1"/>
-          </p:cNvPicPr>
-          <p:nvPr/>
-        </p:nvPicPr>
-        <p:blipFill>
-          <a:blip r:embed="rId8">
-            <a:extLst>
-              <a:ext uri="{28A0092B-C50C-407E-A947-70E740481C1C}">
-                <a14:useLocalDpi xmlns:a14="http://schemas.microsoft.com/office/drawing/2010/main" val="0"/>
-              </a:ext>
-            </a:extLst>
-          </a:blip>
-          <a:stretch>
-            <a:fillRect/>
-          </a:stretch>
-        </p:blipFill>
-        <p:spPr>
-          <a:xfrm>
-            <a:off x="6441297" y="2827393"/>
-            <a:ext cx="1076475" cy="1047896"/>
-          </a:xfrm>
-          <a:prstGeom prst="rect">
-            <a:avLst/>
-          </a:prstGeom>
-        </p:spPr>
-      </p:pic>
-      <p:cxnSp>
-        <p:nvCxnSpPr>
-          <p:cNvPr id="5" name="直接箭头连接符 4"/>
-          <p:cNvCxnSpPr>
-            <a:stCxn id="19" idx="3"/>
-          </p:cNvCxnSpPr>
-          <p:nvPr/>
-        </p:nvCxnSpPr>
-        <p:spPr>
-          <a:xfrm flipV="1">
-            <a:off x="5220585" y="3351341"/>
-            <a:ext cx="1220712" cy="4245"/>
-          </a:xfrm>
-          <a:prstGeom prst="straightConnector1">
-            <a:avLst/>
-          </a:prstGeom>
-          <a:ln>
-            <a:solidFill>
-              <a:srgbClr val="FF0000"/>
-            </a:solidFill>
-            <a:tailEnd type="arrow"/>
-          </a:ln>
-        </p:spPr>
-        <p:style>
-          <a:lnRef idx="1">
-            <a:schemeClr val="accent1"/>
-          </a:lnRef>
-          <a:fillRef idx="0">
-            <a:schemeClr val="accent1"/>
-          </a:fillRef>
-          <a:effectRef idx="0">
-            <a:schemeClr val="accent1"/>
-          </a:effectRef>
-          <a:fontRef idx="minor">
-            <a:schemeClr val="tx1"/>
-          </a:fontRef>
-        </p:style>
-      </p:cxnSp>
     </p:spTree>
     <p:extLst>
       <p:ext uri="{BB962C8B-B14F-4D97-AF65-F5344CB8AC3E}">
-        <p14:creationId xmlns:p14="http://schemas.microsoft.com/office/powerpoint/2010/main" val="801707571"/>
+        <p14:creationId xmlns:p14="http://schemas.microsoft.com/office/powerpoint/2010/main" val="536682339"/>
       </p:ext>
     </p:extLst>
   </p:cSld>
   <p:clrMapOvr>
     <a:masterClrMapping/>
   </p:clrMapOvr>
-  <p:timing>
-    <p:tnLst>
-      <p:par>
-        <p:cTn id="1" dur="indefinite" restart="never" nodeType="tmRoot"/>
-      </p:par>
-    </p:tnLst>
-  </p:timing>
 </p:sld>
 </file>
 
@@ -5857,21 +7117,520 @@
       </p:grpSpPr>
       <p:sp>
         <p:nvSpPr>
-          <p:cNvPr id="19" name="圆角矩形 18"/>
+          <p:cNvPr id="2" name="标题 57"/>
+          <p:cNvSpPr txBox="1">
+            <a:spLocks/>
+          </p:cNvSpPr>
+          <p:nvPr/>
+        </p:nvSpPr>
+        <p:spPr>
+          <a:xfrm>
+            <a:off x="493204" y="378222"/>
+            <a:ext cx="8229600" cy="746522"/>
+          </a:xfrm>
+          <a:prstGeom prst="rect">
+            <a:avLst/>
+          </a:prstGeom>
+        </p:spPr>
+        <p:txBody>
+          <a:bodyPr>
+            <a:normAutofit fontScale="90000"/>
+          </a:bodyPr>
+          <a:lstStyle>
+            <a:lvl1pPr algn="ctr" defTabSz="914400" rtl="0" eaLnBrk="1" latinLnBrk="0" hangingPunct="1">
+              <a:spcBef>
+                <a:spcPct val="0"/>
+              </a:spcBef>
+              <a:buNone/>
+              <a:defRPr sz="4400" kern="1200">
+                <a:solidFill>
+                  <a:schemeClr val="tx1"/>
+                </a:solidFill>
+                <a:latin typeface="+mj-lt"/>
+                <a:ea typeface="+mj-ea"/>
+                <a:cs typeface="+mj-cs"/>
+              </a:defRPr>
+            </a:lvl1pPr>
+          </a:lstStyle>
+          <a:p>
+            <a:r>
+              <a:rPr lang="en-US" altLang="en-US" b="1" dirty="0">
+                <a:solidFill>
+                  <a:srgbClr val="0070C0"/>
+                </a:solidFill>
+                <a:latin typeface="Times New Roman" panose="02020603050405020304" pitchFamily="18" charset="0"/>
+                <a:cs typeface="Times New Roman" panose="02020603050405020304" pitchFamily="18" charset="0"/>
+              </a:rPr>
+              <a:t>File Management System Examples:</a:t>
+            </a:r>
+            <a:endParaRPr lang="en-CA" b="1" dirty="0">
+              <a:solidFill>
+                <a:srgbClr val="0070C0"/>
+              </a:solidFill>
+              <a:latin typeface="Times New Roman" panose="02020603050405020304" pitchFamily="18" charset="0"/>
+              <a:cs typeface="Times New Roman" panose="02020603050405020304" pitchFamily="18" charset="0"/>
+            </a:endParaRPr>
+          </a:p>
+        </p:txBody>
+      </p:sp>
+      <p:pic>
+        <p:nvPicPr>
+          <p:cNvPr id="3" name="Picture 2"/>
+          <p:cNvPicPr>
+            <a:picLocks noChangeAspect="1"/>
+          </p:cNvPicPr>
+          <p:nvPr/>
+        </p:nvPicPr>
+        <p:blipFill>
+          <a:blip r:embed="rId2"/>
+          <a:stretch>
+            <a:fillRect/>
+          </a:stretch>
+        </p:blipFill>
+        <p:spPr>
+          <a:xfrm>
+            <a:off x="762000" y="1197205"/>
+            <a:ext cx="7696200" cy="5328139"/>
+          </a:xfrm>
+          <a:prstGeom prst="rect">
+            <a:avLst/>
+          </a:prstGeom>
+        </p:spPr>
+      </p:pic>
+    </p:spTree>
+    <p:extLst>
+      <p:ext uri="{BB962C8B-B14F-4D97-AF65-F5344CB8AC3E}">
+        <p14:creationId xmlns:p14="http://schemas.microsoft.com/office/powerpoint/2010/main" val="1317137996"/>
+      </p:ext>
+    </p:extLst>
+  </p:cSld>
+  <p:clrMapOvr>
+    <a:masterClrMapping/>
+  </p:clrMapOvr>
+</p:sld>
+</file>
+
+<file path=ppt/slides/slide5.xml><?xml version="1.0" encoding="utf-8"?>
+<p:sld xmlns:a="http://schemas.openxmlformats.org/drawingml/2006/main" xmlns:r="http://schemas.openxmlformats.org/officeDocument/2006/relationships" xmlns:p="http://schemas.openxmlformats.org/presentationml/2006/main">
+  <p:cSld>
+    <p:spTree>
+      <p:nvGrpSpPr>
+        <p:cNvPr id="1" name=""/>
+        <p:cNvGrpSpPr/>
+        <p:nvPr/>
+      </p:nvGrpSpPr>
+      <p:grpSpPr>
+        <a:xfrm>
+          <a:off x="0" y="0"/>
+          <a:ext cx="0" cy="0"/>
+          <a:chOff x="0" y="0"/>
+          <a:chExt cx="0" cy="0"/>
+        </a:xfrm>
+      </p:grpSpPr>
+      <p:sp>
+        <p:nvSpPr>
+          <p:cNvPr id="2" name="Rectangle 3"/>
+          <p:cNvSpPr txBox="1">
+            <a:spLocks noChangeArrowheads="1"/>
+          </p:cNvSpPr>
+          <p:nvPr/>
+        </p:nvSpPr>
+        <p:spPr>
+          <a:xfrm>
+            <a:off x="1259632" y="1124744"/>
+            <a:ext cx="7200800" cy="5616624"/>
+          </a:xfrm>
+          <a:prstGeom prst="rect">
+            <a:avLst/>
+          </a:prstGeom>
+        </p:spPr>
+        <p:txBody>
+          <a:bodyPr/>
+          <a:lstStyle>
+            <a:lvl1pPr marL="342900" indent="-342900" algn="l" defTabSz="914400" rtl="0" eaLnBrk="1" latinLnBrk="0" hangingPunct="1">
+              <a:spcBef>
+                <a:spcPct val="20000"/>
+              </a:spcBef>
+              <a:buFont typeface="Arial" panose="020B0604020202020204" pitchFamily="34" charset="0"/>
+              <a:buChar char="•"/>
+              <a:defRPr sz="3200" kern="1200">
+                <a:solidFill>
+                  <a:schemeClr val="tx1"/>
+                </a:solidFill>
+                <a:latin typeface="+mn-lt"/>
+                <a:ea typeface="+mn-ea"/>
+                <a:cs typeface="+mn-cs"/>
+              </a:defRPr>
+            </a:lvl1pPr>
+            <a:lvl2pPr marL="742950" indent="-285750" algn="l" defTabSz="914400" rtl="0" eaLnBrk="1" latinLnBrk="0" hangingPunct="1">
+              <a:spcBef>
+                <a:spcPct val="20000"/>
+              </a:spcBef>
+              <a:buFont typeface="Arial" panose="020B0604020202020204" pitchFamily="34" charset="0"/>
+              <a:buChar char="–"/>
+              <a:defRPr sz="2800" kern="1200">
+                <a:solidFill>
+                  <a:schemeClr val="tx1"/>
+                </a:solidFill>
+                <a:latin typeface="+mn-lt"/>
+                <a:ea typeface="+mn-ea"/>
+                <a:cs typeface="+mn-cs"/>
+              </a:defRPr>
+            </a:lvl2pPr>
+            <a:lvl3pPr marL="1143000" indent="-228600" algn="l" defTabSz="914400" rtl="0" eaLnBrk="1" latinLnBrk="0" hangingPunct="1">
+              <a:spcBef>
+                <a:spcPct val="20000"/>
+              </a:spcBef>
+              <a:buFont typeface="Arial" panose="020B0604020202020204" pitchFamily="34" charset="0"/>
+              <a:buChar char="•"/>
+              <a:defRPr sz="2400" kern="1200">
+                <a:solidFill>
+                  <a:schemeClr val="tx1"/>
+                </a:solidFill>
+                <a:latin typeface="+mn-lt"/>
+                <a:ea typeface="+mn-ea"/>
+                <a:cs typeface="+mn-cs"/>
+              </a:defRPr>
+            </a:lvl3pPr>
+            <a:lvl4pPr marL="1600200" indent="-228600" algn="l" defTabSz="914400" rtl="0" eaLnBrk="1" latinLnBrk="0" hangingPunct="1">
+              <a:spcBef>
+                <a:spcPct val="20000"/>
+              </a:spcBef>
+              <a:buFont typeface="Arial" panose="020B0604020202020204" pitchFamily="34" charset="0"/>
+              <a:buChar char="–"/>
+              <a:defRPr sz="2000" kern="1200">
+                <a:solidFill>
+                  <a:schemeClr val="tx1"/>
+                </a:solidFill>
+                <a:latin typeface="+mn-lt"/>
+                <a:ea typeface="+mn-ea"/>
+                <a:cs typeface="+mn-cs"/>
+              </a:defRPr>
+            </a:lvl4pPr>
+            <a:lvl5pPr marL="2057400" indent="-228600" algn="l" defTabSz="914400" rtl="0" eaLnBrk="1" latinLnBrk="0" hangingPunct="1">
+              <a:spcBef>
+                <a:spcPct val="20000"/>
+              </a:spcBef>
+              <a:buFont typeface="Arial" panose="020B0604020202020204" pitchFamily="34" charset="0"/>
+              <a:buChar char="»"/>
+              <a:defRPr sz="2000" kern="1200">
+                <a:solidFill>
+                  <a:schemeClr val="tx1"/>
+                </a:solidFill>
+                <a:latin typeface="+mn-lt"/>
+                <a:ea typeface="+mn-ea"/>
+                <a:cs typeface="+mn-cs"/>
+              </a:defRPr>
+            </a:lvl5pPr>
+            <a:lvl6pPr marL="2514600" indent="-228600" algn="l" defTabSz="914400" rtl="0" eaLnBrk="1" latinLnBrk="0" hangingPunct="1">
+              <a:spcBef>
+                <a:spcPct val="20000"/>
+              </a:spcBef>
+              <a:buFont typeface="Arial" panose="020B0604020202020204" pitchFamily="34" charset="0"/>
+              <a:buChar char="•"/>
+              <a:defRPr sz="2000" kern="1200">
+                <a:solidFill>
+                  <a:schemeClr val="tx1"/>
+                </a:solidFill>
+                <a:latin typeface="+mn-lt"/>
+                <a:ea typeface="+mn-ea"/>
+                <a:cs typeface="+mn-cs"/>
+              </a:defRPr>
+            </a:lvl6pPr>
+            <a:lvl7pPr marL="2971800" indent="-228600" algn="l" defTabSz="914400" rtl="0" eaLnBrk="1" latinLnBrk="0" hangingPunct="1">
+              <a:spcBef>
+                <a:spcPct val="20000"/>
+              </a:spcBef>
+              <a:buFont typeface="Arial" panose="020B0604020202020204" pitchFamily="34" charset="0"/>
+              <a:buChar char="•"/>
+              <a:defRPr sz="2000" kern="1200">
+                <a:solidFill>
+                  <a:schemeClr val="tx1"/>
+                </a:solidFill>
+                <a:latin typeface="+mn-lt"/>
+                <a:ea typeface="+mn-ea"/>
+                <a:cs typeface="+mn-cs"/>
+              </a:defRPr>
+            </a:lvl7pPr>
+            <a:lvl8pPr marL="3429000" indent="-228600" algn="l" defTabSz="914400" rtl="0" eaLnBrk="1" latinLnBrk="0" hangingPunct="1">
+              <a:spcBef>
+                <a:spcPct val="20000"/>
+              </a:spcBef>
+              <a:buFont typeface="Arial" panose="020B0604020202020204" pitchFamily="34" charset="0"/>
+              <a:buChar char="•"/>
+              <a:defRPr sz="2000" kern="1200">
+                <a:solidFill>
+                  <a:schemeClr val="tx1"/>
+                </a:solidFill>
+                <a:latin typeface="+mn-lt"/>
+                <a:ea typeface="+mn-ea"/>
+                <a:cs typeface="+mn-cs"/>
+              </a:defRPr>
+            </a:lvl8pPr>
+            <a:lvl9pPr marL="3886200" indent="-228600" algn="l" defTabSz="914400" rtl="0" eaLnBrk="1" latinLnBrk="0" hangingPunct="1">
+              <a:spcBef>
+                <a:spcPct val="20000"/>
+              </a:spcBef>
+              <a:buFont typeface="Arial" panose="020B0604020202020204" pitchFamily="34" charset="0"/>
+              <a:buChar char="•"/>
+              <a:defRPr sz="2000" kern="1200">
+                <a:solidFill>
+                  <a:schemeClr val="tx1"/>
+                </a:solidFill>
+                <a:latin typeface="+mn-lt"/>
+                <a:ea typeface="+mn-ea"/>
+                <a:cs typeface="+mn-cs"/>
+              </a:defRPr>
+            </a:lvl9pPr>
+          </a:lstStyle>
+          <a:p>
+            <a:pPr marL="0" indent="0">
+              <a:buNone/>
+            </a:pPr>
+            <a:r>
+              <a:rPr lang="en-US" altLang="en-US" sz="2800" dirty="0">
+                <a:latin typeface="Times New Roman" panose="02020603050405020304" pitchFamily="18" charset="0"/>
+                <a:cs typeface="Times New Roman" panose="02020603050405020304" pitchFamily="18" charset="0"/>
+              </a:rPr>
+              <a:t>The user has a choice of English or French language.</a:t>
+            </a:r>
+          </a:p>
+          <a:p>
+            <a:pPr marL="0" indent="0">
+              <a:buFont typeface="Arial" panose="020B0604020202020204" pitchFamily="34" charset="0"/>
+              <a:buNone/>
+            </a:pPr>
+            <a:endParaRPr lang="en-US" altLang="en-US" sz="1000" dirty="0">
+              <a:latin typeface="Times New Roman" panose="02020603050405020304" pitchFamily="18" charset="0"/>
+              <a:cs typeface="Times New Roman" panose="02020603050405020304" pitchFamily="18" charset="0"/>
+            </a:endParaRPr>
+          </a:p>
+          <a:p>
+            <a:pPr marL="0" indent="0">
+              <a:buFont typeface="Arial" panose="020B0604020202020204" pitchFamily="34" charset="0"/>
+              <a:buNone/>
+            </a:pPr>
+            <a:r>
+              <a:rPr lang="en-US" altLang="en-US" sz="2800" dirty="0">
+                <a:latin typeface="Times New Roman" panose="02020603050405020304" pitchFamily="18" charset="0"/>
+                <a:cs typeface="Times New Roman" panose="02020603050405020304" pitchFamily="18" charset="0"/>
+              </a:rPr>
+              <a:t>Regular (non-admin) user can: </a:t>
+            </a:r>
+          </a:p>
+          <a:p>
+            <a:r>
+              <a:rPr lang="en-US" altLang="en-US" sz="2800" dirty="0">
+                <a:latin typeface="Times New Roman" panose="02020603050405020304" pitchFamily="18" charset="0"/>
+                <a:cs typeface="Times New Roman" panose="02020603050405020304" pitchFamily="18" charset="0"/>
+              </a:rPr>
+              <a:t>Upload, rename, delete, list and download files</a:t>
+            </a:r>
+          </a:p>
+          <a:p>
+            <a:r>
+              <a:rPr lang="en-US" altLang="en-US" sz="2800" dirty="0">
+                <a:latin typeface="Times New Roman" panose="02020603050405020304" pitchFamily="18" charset="0"/>
+                <a:cs typeface="Times New Roman" panose="02020603050405020304" pitchFamily="18" charset="0"/>
+              </a:rPr>
+              <a:t>Print Reports </a:t>
+            </a:r>
+          </a:p>
+          <a:p>
+            <a:endParaRPr lang="en-US" altLang="en-US" sz="1000" dirty="0">
+              <a:latin typeface="Times New Roman" panose="02020603050405020304" pitchFamily="18" charset="0"/>
+              <a:cs typeface="Times New Roman" panose="02020603050405020304" pitchFamily="18" charset="0"/>
+            </a:endParaRPr>
+          </a:p>
+          <a:p>
+            <a:pPr marL="0" indent="0">
+              <a:buFont typeface="Arial" panose="020B0604020202020204" pitchFamily="34" charset="0"/>
+              <a:buNone/>
+            </a:pPr>
+            <a:r>
+              <a:rPr lang="en-US" altLang="en-US" sz="2800" dirty="0">
+                <a:latin typeface="Times New Roman" panose="02020603050405020304" pitchFamily="18" charset="0"/>
+                <a:cs typeface="Times New Roman" panose="02020603050405020304" pitchFamily="18" charset="0"/>
+              </a:rPr>
+              <a:t>Admin user manages other users: </a:t>
+            </a:r>
+          </a:p>
+          <a:p>
+            <a:r>
+              <a:rPr lang="en-US" altLang="en-US" sz="2800" dirty="0">
+                <a:latin typeface="Times New Roman" panose="02020603050405020304" pitchFamily="18" charset="0"/>
+                <a:cs typeface="Times New Roman" panose="02020603050405020304" pitchFamily="18" charset="0"/>
+              </a:rPr>
+              <a:t>Add, view, delete and block users   </a:t>
+            </a:r>
+          </a:p>
+          <a:p>
+            <a:r>
+              <a:rPr lang="en-US" altLang="en-US" sz="2800" dirty="0">
+                <a:latin typeface="Times New Roman" panose="02020603050405020304" pitchFamily="18" charset="0"/>
+                <a:cs typeface="Times New Roman" panose="02020603050405020304" pitchFamily="18" charset="0"/>
+              </a:rPr>
+              <a:t>Change other users’ access level</a:t>
+            </a:r>
+          </a:p>
+          <a:p>
+            <a:r>
+              <a:rPr lang="en-US" altLang="en-US" sz="2800" dirty="0">
+                <a:latin typeface="Times New Roman" panose="02020603050405020304" pitchFamily="18" charset="0"/>
+                <a:cs typeface="Times New Roman" panose="02020603050405020304" pitchFamily="18" charset="0"/>
+              </a:rPr>
+              <a:t>Monitor other users’ activities </a:t>
+            </a:r>
+          </a:p>
+        </p:txBody>
+      </p:sp>
+      <p:sp>
+        <p:nvSpPr>
+          <p:cNvPr id="3" name="标题 57"/>
+          <p:cNvSpPr txBox="1">
+            <a:spLocks/>
+          </p:cNvSpPr>
+          <p:nvPr/>
+        </p:nvSpPr>
+        <p:spPr>
+          <a:xfrm>
+            <a:off x="493204" y="404664"/>
+            <a:ext cx="8229600" cy="634082"/>
+          </a:xfrm>
+          <a:prstGeom prst="rect">
+            <a:avLst/>
+          </a:prstGeom>
+        </p:spPr>
+        <p:txBody>
+          <a:bodyPr>
+            <a:normAutofit fontScale="90000" lnSpcReduction="20000"/>
+          </a:bodyPr>
+          <a:lstStyle>
+            <a:lvl1pPr algn="ctr" defTabSz="914400" rtl="0" eaLnBrk="1" latinLnBrk="0" hangingPunct="1">
+              <a:spcBef>
+                <a:spcPct val="0"/>
+              </a:spcBef>
+              <a:buNone/>
+              <a:defRPr sz="4400" kern="1200">
+                <a:solidFill>
+                  <a:schemeClr val="tx1"/>
+                </a:solidFill>
+                <a:latin typeface="+mj-lt"/>
+                <a:ea typeface="+mj-ea"/>
+                <a:cs typeface="+mj-cs"/>
+              </a:defRPr>
+            </a:lvl1pPr>
+          </a:lstStyle>
+          <a:p>
+            <a:r>
+              <a:rPr lang="en-US" altLang="en-US" b="1">
+                <a:solidFill>
+                  <a:srgbClr val="0070C0"/>
+                </a:solidFill>
+                <a:latin typeface="Times New Roman" panose="02020603050405020304" pitchFamily="18" charset="0"/>
+                <a:cs typeface="Times New Roman" panose="02020603050405020304" pitchFamily="18" charset="0"/>
+              </a:rPr>
+              <a:t>Purpose Of The System</a:t>
+            </a:r>
+            <a:endParaRPr lang="en-CA" b="1" dirty="0">
+              <a:solidFill>
+                <a:srgbClr val="0070C0"/>
+              </a:solidFill>
+              <a:latin typeface="Times New Roman" panose="02020603050405020304" pitchFamily="18" charset="0"/>
+              <a:cs typeface="Times New Roman" panose="02020603050405020304" pitchFamily="18" charset="0"/>
+            </a:endParaRPr>
+          </a:p>
+        </p:txBody>
+      </p:sp>
+      <p:cxnSp>
+        <p:nvCxnSpPr>
+          <p:cNvPr id="4" name="直接连接符 59"/>
+          <p:cNvCxnSpPr/>
+          <p:nvPr/>
+        </p:nvCxnSpPr>
+        <p:spPr>
+          <a:xfrm>
+            <a:off x="467544" y="980728"/>
+            <a:ext cx="8280920" cy="0"/>
+          </a:xfrm>
+          <a:prstGeom prst="line">
+            <a:avLst/>
+          </a:prstGeom>
+          <a:ln cmpd="sng"/>
+        </p:spPr>
+        <p:style>
+          <a:lnRef idx="1">
+            <a:schemeClr val="accent1"/>
+          </a:lnRef>
+          <a:fillRef idx="0">
+            <a:schemeClr val="accent1"/>
+          </a:fillRef>
+          <a:effectRef idx="0">
+            <a:schemeClr val="accent1"/>
+          </a:effectRef>
+          <a:fontRef idx="minor">
+            <a:schemeClr val="tx1"/>
+          </a:fontRef>
+        </p:style>
+      </p:cxnSp>
+    </p:spTree>
+    <p:extLst>
+      <p:ext uri="{BB962C8B-B14F-4D97-AF65-F5344CB8AC3E}">
+        <p14:creationId xmlns:p14="http://schemas.microsoft.com/office/powerpoint/2010/main" val="3683157259"/>
+      </p:ext>
+    </p:extLst>
+  </p:cSld>
+  <p:clrMapOvr>
+    <a:masterClrMapping/>
+  </p:clrMapOvr>
+</p:sld>
+</file>
+
+<file path=ppt/slides/slide6.xml><?xml version="1.0" encoding="utf-8"?>
+<p:sld xmlns:a="http://schemas.openxmlformats.org/drawingml/2006/main" xmlns:r="http://schemas.openxmlformats.org/officeDocument/2006/relationships" xmlns:p="http://schemas.openxmlformats.org/presentationml/2006/main">
+  <p:cSld>
+    <p:spTree>
+      <p:nvGrpSpPr>
+        <p:cNvPr id="1" name=""/>
+        <p:cNvGrpSpPr/>
+        <p:nvPr/>
+      </p:nvGrpSpPr>
+      <p:grpSpPr>
+        <a:xfrm>
+          <a:off x="0" y="0"/>
+          <a:ext cx="0" cy="0"/>
+          <a:chOff x="0" y="0"/>
+          <a:chExt cx="0" cy="0"/>
+        </a:xfrm>
+      </p:grpSpPr>
+      <p:sp>
+        <p:nvSpPr>
+          <p:cNvPr id="21" name="矩形 20"/>
           <p:cNvSpPr/>
           <p:nvPr/>
         </p:nvSpPr>
         <p:spPr>
           <a:xfrm>
-            <a:off x="755576" y="1268760"/>
-            <a:ext cx="1512168" cy="1872208"/>
-          </a:xfrm>
-          <a:prstGeom prst="roundRect">
+            <a:off x="5724128" y="2132857"/>
+            <a:ext cx="2520280" cy="3644166"/>
+          </a:xfrm>
+          <a:prstGeom prst="rect">
             <a:avLst/>
           </a:prstGeom>
           <a:solidFill>
-            <a:schemeClr val="bg1"/>
+            <a:schemeClr val="accent3">
+              <a:lumMod val="60000"/>
+              <a:lumOff val="40000"/>
+            </a:schemeClr>
           </a:solidFill>
+          <a:ln>
+            <a:solidFill>
+              <a:schemeClr val="accent3">
+                <a:lumMod val="60000"/>
+                <a:lumOff val="40000"/>
+              </a:schemeClr>
+            </a:solidFill>
+          </a:ln>
         </p:spPr>
         <p:style>
           <a:lnRef idx="2">
@@ -5898,6 +7657,727 @@
           </a:p>
         </p:txBody>
       </p:sp>
+      <p:pic>
+        <p:nvPicPr>
+          <p:cNvPr id="7" name="图片 6"/>
+          <p:cNvPicPr>
+            <a:picLocks noChangeAspect="1"/>
+          </p:cNvPicPr>
+          <p:nvPr/>
+        </p:nvPicPr>
+        <p:blipFill>
+          <a:blip r:embed="rId2" cstate="print">
+            <a:extLst>
+              <a:ext uri="{28A0092B-C50C-407E-A947-70E740481C1C}">
+                <a14:useLocalDpi xmlns:a14="http://schemas.microsoft.com/office/drawing/2010/main" val="0"/>
+              </a:ext>
+            </a:extLst>
+          </a:blip>
+          <a:stretch>
+            <a:fillRect/>
+          </a:stretch>
+        </p:blipFill>
+        <p:spPr>
+          <a:xfrm>
+            <a:off x="565084" y="3577223"/>
+            <a:ext cx="865955" cy="865955"/>
+          </a:xfrm>
+          <a:prstGeom prst="rect">
+            <a:avLst/>
+          </a:prstGeom>
+        </p:spPr>
+      </p:pic>
+      <p:pic>
+        <p:nvPicPr>
+          <p:cNvPr id="8" name="图片 7"/>
+          <p:cNvPicPr>
+            <a:picLocks noChangeAspect="1"/>
+          </p:cNvPicPr>
+          <p:nvPr/>
+        </p:nvPicPr>
+        <p:blipFill>
+          <a:blip r:embed="rId3">
+            <a:extLst>
+              <a:ext uri="{28A0092B-C50C-407E-A947-70E740481C1C}">
+                <a14:useLocalDpi xmlns:a14="http://schemas.microsoft.com/office/drawing/2010/main" val="0"/>
+              </a:ext>
+            </a:extLst>
+          </a:blip>
+          <a:stretch>
+            <a:fillRect/>
+          </a:stretch>
+        </p:blipFill>
+        <p:spPr>
+          <a:xfrm>
+            <a:off x="2115747" y="3430193"/>
+            <a:ext cx="1160016" cy="1160016"/>
+          </a:xfrm>
+          <a:prstGeom prst="rect">
+            <a:avLst/>
+          </a:prstGeom>
+        </p:spPr>
+      </p:pic>
+      <p:pic>
+        <p:nvPicPr>
+          <p:cNvPr id="10" name="图片 9"/>
+          <p:cNvPicPr>
+            <a:picLocks noChangeAspect="1"/>
+          </p:cNvPicPr>
+          <p:nvPr/>
+        </p:nvPicPr>
+        <p:blipFill>
+          <a:blip r:embed="rId4" cstate="print">
+            <a:extLst>
+              <a:ext uri="{28A0092B-C50C-407E-A947-70E740481C1C}">
+                <a14:useLocalDpi xmlns:a14="http://schemas.microsoft.com/office/drawing/2010/main" val="0"/>
+              </a:ext>
+            </a:extLst>
+          </a:blip>
+          <a:stretch>
+            <a:fillRect/>
+          </a:stretch>
+        </p:blipFill>
+        <p:spPr>
+          <a:xfrm>
+            <a:off x="2191699" y="5272967"/>
+            <a:ext cx="1008112" cy="1008112"/>
+          </a:xfrm>
+          <a:prstGeom prst="rect">
+            <a:avLst/>
+          </a:prstGeom>
+        </p:spPr>
+      </p:pic>
+      <p:pic>
+        <p:nvPicPr>
+          <p:cNvPr id="15" name="图片 14"/>
+          <p:cNvPicPr>
+            <a:picLocks noChangeAspect="1"/>
+          </p:cNvPicPr>
+          <p:nvPr/>
+        </p:nvPicPr>
+        <p:blipFill>
+          <a:blip r:embed="rId5">
+            <a:extLst>
+              <a:ext uri="{28A0092B-C50C-407E-A947-70E740481C1C}">
+                <a14:useLocalDpi xmlns:a14="http://schemas.microsoft.com/office/drawing/2010/main" val="0"/>
+              </a:ext>
+            </a:extLst>
+          </a:blip>
+          <a:stretch>
+            <a:fillRect/>
+          </a:stretch>
+        </p:blipFill>
+        <p:spPr>
+          <a:xfrm>
+            <a:off x="6441297" y="4105815"/>
+            <a:ext cx="1080000" cy="1051327"/>
+          </a:xfrm>
+          <a:prstGeom prst="rect">
+            <a:avLst/>
+          </a:prstGeom>
+        </p:spPr>
+      </p:pic>
+      <p:pic>
+        <p:nvPicPr>
+          <p:cNvPr id="19" name="图片 18"/>
+          <p:cNvPicPr>
+            <a:picLocks noChangeAspect="1"/>
+          </p:cNvPicPr>
+          <p:nvPr/>
+        </p:nvPicPr>
+        <p:blipFill>
+          <a:blip r:embed="rId6">
+            <a:extLst>
+              <a:ext uri="{28A0092B-C50C-407E-A947-70E740481C1C}">
+                <a14:useLocalDpi xmlns:a14="http://schemas.microsoft.com/office/drawing/2010/main" val="0"/>
+              </a:ext>
+            </a:extLst>
+          </a:blip>
+          <a:stretch>
+            <a:fillRect/>
+          </a:stretch>
+        </p:blipFill>
+        <p:spPr>
+          <a:xfrm>
+            <a:off x="4140585" y="2829873"/>
+            <a:ext cx="1080000" cy="1051425"/>
+          </a:xfrm>
+          <a:prstGeom prst="rect">
+            <a:avLst/>
+          </a:prstGeom>
+        </p:spPr>
+      </p:pic>
+      <p:pic>
+        <p:nvPicPr>
+          <p:cNvPr id="20" name="图片 19"/>
+          <p:cNvPicPr>
+            <a:picLocks noChangeAspect="1"/>
+          </p:cNvPicPr>
+          <p:nvPr/>
+        </p:nvPicPr>
+        <p:blipFill>
+          <a:blip r:embed="rId7">
+            <a:extLst>
+              <a:ext uri="{28A0092B-C50C-407E-A947-70E740481C1C}">
+                <a14:useLocalDpi xmlns:a14="http://schemas.microsoft.com/office/drawing/2010/main" val="0"/>
+              </a:ext>
+            </a:extLst>
+          </a:blip>
+          <a:stretch>
+            <a:fillRect/>
+          </a:stretch>
+        </p:blipFill>
+        <p:spPr>
+          <a:xfrm>
+            <a:off x="4140585" y="4077060"/>
+            <a:ext cx="1080000" cy="1051425"/>
+          </a:xfrm>
+          <a:prstGeom prst="rect">
+            <a:avLst/>
+          </a:prstGeom>
+        </p:spPr>
+      </p:pic>
+      <p:cxnSp>
+        <p:nvCxnSpPr>
+          <p:cNvPr id="23" name="直接箭头连接符 22"/>
+          <p:cNvCxnSpPr>
+            <a:stCxn id="7" idx="3"/>
+            <a:endCxn id="8" idx="1"/>
+          </p:cNvCxnSpPr>
+          <p:nvPr/>
+        </p:nvCxnSpPr>
+        <p:spPr>
+          <a:xfrm>
+            <a:off x="1431039" y="4010201"/>
+            <a:ext cx="684708" cy="0"/>
+          </a:xfrm>
+          <a:prstGeom prst="straightConnector1">
+            <a:avLst/>
+          </a:prstGeom>
+          <a:ln>
+            <a:solidFill>
+              <a:srgbClr val="0070C0"/>
+            </a:solidFill>
+            <a:tailEnd type="arrow"/>
+          </a:ln>
+        </p:spPr>
+        <p:style>
+          <a:lnRef idx="1">
+            <a:schemeClr val="accent1"/>
+          </a:lnRef>
+          <a:fillRef idx="0">
+            <a:schemeClr val="accent1"/>
+          </a:fillRef>
+          <a:effectRef idx="0">
+            <a:schemeClr val="accent1"/>
+          </a:effectRef>
+          <a:fontRef idx="minor">
+            <a:schemeClr val="tx1"/>
+          </a:fontRef>
+        </p:style>
+      </p:cxnSp>
+      <p:cxnSp>
+        <p:nvCxnSpPr>
+          <p:cNvPr id="26" name="直接箭头连接符 25"/>
+          <p:cNvCxnSpPr>
+            <a:stCxn id="8" idx="2"/>
+            <a:endCxn id="10" idx="0"/>
+          </p:cNvCxnSpPr>
+          <p:nvPr/>
+        </p:nvCxnSpPr>
+        <p:spPr>
+          <a:xfrm>
+            <a:off x="2695755" y="4590209"/>
+            <a:ext cx="0" cy="682758"/>
+          </a:xfrm>
+          <a:prstGeom prst="straightConnector1">
+            <a:avLst/>
+          </a:prstGeom>
+          <a:ln>
+            <a:solidFill>
+              <a:srgbClr val="0070C0"/>
+            </a:solidFill>
+            <a:headEnd type="arrow"/>
+            <a:tailEnd type="arrow"/>
+          </a:ln>
+        </p:spPr>
+        <p:style>
+          <a:lnRef idx="1">
+            <a:schemeClr val="accent1"/>
+          </a:lnRef>
+          <a:fillRef idx="0">
+            <a:schemeClr val="accent1"/>
+          </a:fillRef>
+          <a:effectRef idx="0">
+            <a:schemeClr val="accent1"/>
+          </a:effectRef>
+          <a:fontRef idx="minor">
+            <a:schemeClr val="tx1"/>
+          </a:fontRef>
+        </p:style>
+      </p:cxnSp>
+      <p:cxnSp>
+        <p:nvCxnSpPr>
+          <p:cNvPr id="31" name="直接箭头连接符 30"/>
+          <p:cNvCxnSpPr>
+            <a:stCxn id="8" idx="3"/>
+            <a:endCxn id="19" idx="1"/>
+          </p:cNvCxnSpPr>
+          <p:nvPr/>
+        </p:nvCxnSpPr>
+        <p:spPr>
+          <a:xfrm flipV="1">
+            <a:off x="3275763" y="3355586"/>
+            <a:ext cx="864822" cy="654615"/>
+          </a:xfrm>
+          <a:prstGeom prst="straightConnector1">
+            <a:avLst/>
+          </a:prstGeom>
+          <a:ln>
+            <a:solidFill>
+              <a:srgbClr val="FF0000"/>
+            </a:solidFill>
+            <a:tailEnd type="arrow"/>
+          </a:ln>
+        </p:spPr>
+        <p:style>
+          <a:lnRef idx="1">
+            <a:schemeClr val="accent1"/>
+          </a:lnRef>
+          <a:fillRef idx="0">
+            <a:schemeClr val="accent1"/>
+          </a:fillRef>
+          <a:effectRef idx="0">
+            <a:schemeClr val="accent1"/>
+          </a:effectRef>
+          <a:fontRef idx="minor">
+            <a:schemeClr val="tx1"/>
+          </a:fontRef>
+        </p:style>
+      </p:cxnSp>
+      <p:cxnSp>
+        <p:nvCxnSpPr>
+          <p:cNvPr id="33" name="直接箭头连接符 32"/>
+          <p:cNvCxnSpPr>
+            <a:stCxn id="8" idx="3"/>
+            <a:endCxn id="20" idx="1"/>
+          </p:cNvCxnSpPr>
+          <p:nvPr/>
+        </p:nvCxnSpPr>
+        <p:spPr>
+          <a:xfrm>
+            <a:off x="3275763" y="4010201"/>
+            <a:ext cx="864822" cy="592572"/>
+          </a:xfrm>
+          <a:prstGeom prst="straightConnector1">
+            <a:avLst/>
+          </a:prstGeom>
+          <a:ln>
+            <a:solidFill>
+              <a:srgbClr val="0070C0"/>
+            </a:solidFill>
+            <a:tailEnd type="arrow"/>
+          </a:ln>
+        </p:spPr>
+        <p:style>
+          <a:lnRef idx="1">
+            <a:schemeClr val="accent1"/>
+          </a:lnRef>
+          <a:fillRef idx="0">
+            <a:schemeClr val="accent1"/>
+          </a:fillRef>
+          <a:effectRef idx="0">
+            <a:schemeClr val="accent1"/>
+          </a:effectRef>
+          <a:fontRef idx="minor">
+            <a:schemeClr val="tx1"/>
+          </a:fontRef>
+        </p:style>
+      </p:cxnSp>
+      <p:cxnSp>
+        <p:nvCxnSpPr>
+          <p:cNvPr id="39" name="直接箭头连接符 38"/>
+          <p:cNvCxnSpPr>
+            <a:stCxn id="19" idx="3"/>
+          </p:cNvCxnSpPr>
+          <p:nvPr/>
+        </p:nvCxnSpPr>
+        <p:spPr>
+          <a:xfrm>
+            <a:off x="5220585" y="3355586"/>
+            <a:ext cx="1220712" cy="1275893"/>
+          </a:xfrm>
+          <a:prstGeom prst="straightConnector1">
+            <a:avLst/>
+          </a:prstGeom>
+          <a:ln>
+            <a:solidFill>
+              <a:srgbClr val="FF0000"/>
+            </a:solidFill>
+            <a:tailEnd type="arrow"/>
+          </a:ln>
+        </p:spPr>
+        <p:style>
+          <a:lnRef idx="1">
+            <a:schemeClr val="accent1"/>
+          </a:lnRef>
+          <a:fillRef idx="0">
+            <a:schemeClr val="accent1"/>
+          </a:fillRef>
+          <a:effectRef idx="0">
+            <a:schemeClr val="accent1"/>
+          </a:effectRef>
+          <a:fontRef idx="minor">
+            <a:schemeClr val="tx1"/>
+          </a:fontRef>
+        </p:style>
+      </p:cxnSp>
+      <p:cxnSp>
+        <p:nvCxnSpPr>
+          <p:cNvPr id="45" name="直接箭头连接符 44"/>
+          <p:cNvCxnSpPr>
+            <a:stCxn id="20" idx="3"/>
+          </p:cNvCxnSpPr>
+          <p:nvPr/>
+        </p:nvCxnSpPr>
+        <p:spPr>
+          <a:xfrm>
+            <a:off x="5220585" y="4602773"/>
+            <a:ext cx="1220712" cy="28706"/>
+          </a:xfrm>
+          <a:prstGeom prst="straightConnector1">
+            <a:avLst/>
+          </a:prstGeom>
+          <a:ln>
+            <a:tailEnd type="arrow"/>
+          </a:ln>
+        </p:spPr>
+        <p:style>
+          <a:lnRef idx="1">
+            <a:schemeClr val="accent1"/>
+          </a:lnRef>
+          <a:fillRef idx="0">
+            <a:schemeClr val="accent1"/>
+          </a:fillRef>
+          <a:effectRef idx="0">
+            <a:schemeClr val="accent1"/>
+          </a:effectRef>
+          <a:fontRef idx="minor">
+            <a:schemeClr val="tx1"/>
+          </a:fontRef>
+        </p:style>
+      </p:cxnSp>
+      <p:cxnSp>
+        <p:nvCxnSpPr>
+          <p:cNvPr id="56" name="肘形连接符 55"/>
+          <p:cNvCxnSpPr>
+            <a:stCxn id="21" idx="0"/>
+            <a:endCxn id="8" idx="0"/>
+          </p:cNvCxnSpPr>
+          <p:nvPr/>
+        </p:nvCxnSpPr>
+        <p:spPr>
+          <a:xfrm rot="16200000" flipH="1" flipV="1">
+            <a:off x="4191344" y="637268"/>
+            <a:ext cx="1297336" cy="4288513"/>
+          </a:xfrm>
+          <a:prstGeom prst="bentConnector3">
+            <a:avLst>
+              <a:gd name="adj1" fmla="val -40505"/>
+            </a:avLst>
+          </a:prstGeom>
+          <a:ln>
+            <a:solidFill>
+              <a:srgbClr val="0070C0"/>
+            </a:solidFill>
+            <a:tailEnd type="arrow"/>
+          </a:ln>
+        </p:spPr>
+        <p:style>
+          <a:lnRef idx="1">
+            <a:schemeClr val="accent1"/>
+          </a:lnRef>
+          <a:fillRef idx="0">
+            <a:schemeClr val="accent1"/>
+          </a:fillRef>
+          <a:effectRef idx="0">
+            <a:schemeClr val="accent1"/>
+          </a:effectRef>
+          <a:fontRef idx="minor">
+            <a:schemeClr val="tx1"/>
+          </a:fontRef>
+        </p:style>
+      </p:cxnSp>
+      <p:sp>
+        <p:nvSpPr>
+          <p:cNvPr id="57" name="矩形 56"/>
+          <p:cNvSpPr/>
+          <p:nvPr/>
+        </p:nvSpPr>
+        <p:spPr>
+          <a:xfrm>
+            <a:off x="3776641" y="1200614"/>
+            <a:ext cx="974947" cy="400110"/>
+          </a:xfrm>
+          <a:prstGeom prst="rect">
+            <a:avLst/>
+          </a:prstGeom>
+          <a:noFill/>
+        </p:spPr>
+        <p:txBody>
+          <a:bodyPr wrap="none" lIns="91440" tIns="45720" rIns="91440" bIns="45720">
+            <a:spAutoFit/>
+          </a:bodyPr>
+          <a:lstStyle/>
+          <a:p>
+            <a:pPr algn="ctr"/>
+            <a:r>
+              <a:rPr lang="en-CA" altLang="zh-CN" sz="2000" b="1" cap="none" spc="0" dirty="0">
+                <a:ln w="17780" cmpd="sng">
+                  <a:solidFill>
+                    <a:schemeClr val="accent1"/>
+                  </a:solidFill>
+                  <a:prstDash val="solid"/>
+                  <a:miter lim="800000"/>
+                </a:ln>
+                <a:solidFill>
+                  <a:srgbClr val="0070C0"/>
+                </a:solidFill>
+                <a:effectLst>
+                  <a:outerShdw blurRad="50800" algn="tl" rotWithShape="0">
+                    <a:srgbClr val="000000"/>
+                  </a:outerShdw>
+                </a:effectLst>
+              </a:rPr>
+              <a:t>Log out</a:t>
+            </a:r>
+            <a:endParaRPr lang="zh-CN" altLang="en-US" sz="2000" b="1" cap="none" spc="0" dirty="0">
+              <a:ln w="17780" cmpd="sng">
+                <a:solidFill>
+                  <a:schemeClr val="accent1"/>
+                </a:solidFill>
+                <a:prstDash val="solid"/>
+                <a:miter lim="800000"/>
+              </a:ln>
+              <a:solidFill>
+                <a:srgbClr val="0070C0"/>
+              </a:solidFill>
+              <a:effectLst>
+                <a:outerShdw blurRad="50800" algn="tl" rotWithShape="0">
+                  <a:srgbClr val="000000"/>
+                </a:outerShdw>
+              </a:effectLst>
+            </a:endParaRPr>
+          </a:p>
+        </p:txBody>
+      </p:sp>
+      <p:sp>
+        <p:nvSpPr>
+          <p:cNvPr id="58" name="标题 57"/>
+          <p:cNvSpPr>
+            <a:spLocks noGrp="1"/>
+          </p:cNvSpPr>
+          <p:nvPr>
+            <p:ph type="title"/>
+          </p:nvPr>
+        </p:nvSpPr>
+        <p:spPr>
+          <a:xfrm>
+            <a:off x="493204" y="188640"/>
+            <a:ext cx="8229600" cy="634082"/>
+          </a:xfrm>
+        </p:spPr>
+        <p:txBody>
+          <a:bodyPr>
+            <a:normAutofit fontScale="90000"/>
+          </a:bodyPr>
+          <a:lstStyle/>
+          <a:p>
+            <a:r>
+              <a:rPr lang="en-CA" b="1" dirty="0">
+                <a:solidFill>
+                  <a:srgbClr val="0070C0"/>
+                </a:solidFill>
+                <a:latin typeface="Times New Roman" panose="02020603050405020304" pitchFamily="18" charset="0"/>
+                <a:cs typeface="Times New Roman" panose="02020603050405020304" pitchFamily="18" charset="0"/>
+              </a:rPr>
+              <a:t>Solution Overview  </a:t>
+            </a:r>
+          </a:p>
+        </p:txBody>
+      </p:sp>
+      <p:cxnSp>
+        <p:nvCxnSpPr>
+          <p:cNvPr id="60" name="直接连接符 59"/>
+          <p:cNvCxnSpPr/>
+          <p:nvPr/>
+        </p:nvCxnSpPr>
+        <p:spPr>
+          <a:xfrm>
+            <a:off x="467544" y="980728"/>
+            <a:ext cx="8280920" cy="0"/>
+          </a:xfrm>
+          <a:prstGeom prst="line">
+            <a:avLst/>
+          </a:prstGeom>
+          <a:ln cmpd="sng"/>
+        </p:spPr>
+        <p:style>
+          <a:lnRef idx="1">
+            <a:schemeClr val="accent1"/>
+          </a:lnRef>
+          <a:fillRef idx="0">
+            <a:schemeClr val="accent1"/>
+          </a:fillRef>
+          <a:effectRef idx="0">
+            <a:schemeClr val="accent1"/>
+          </a:effectRef>
+          <a:fontRef idx="minor">
+            <a:schemeClr val="tx1"/>
+          </a:fontRef>
+        </p:style>
+      </p:cxnSp>
+      <p:pic>
+        <p:nvPicPr>
+          <p:cNvPr id="3" name="图片 2"/>
+          <p:cNvPicPr>
+            <a:picLocks noChangeAspect="1"/>
+          </p:cNvPicPr>
+          <p:nvPr/>
+        </p:nvPicPr>
+        <p:blipFill>
+          <a:blip r:embed="rId8">
+            <a:extLst>
+              <a:ext uri="{28A0092B-C50C-407E-A947-70E740481C1C}">
+                <a14:useLocalDpi xmlns:a14="http://schemas.microsoft.com/office/drawing/2010/main" val="0"/>
+              </a:ext>
+            </a:extLst>
+          </a:blip>
+          <a:stretch>
+            <a:fillRect/>
+          </a:stretch>
+        </p:blipFill>
+        <p:spPr>
+          <a:xfrm>
+            <a:off x="6441297" y="2827393"/>
+            <a:ext cx="1076475" cy="1047896"/>
+          </a:xfrm>
+          <a:prstGeom prst="rect">
+            <a:avLst/>
+          </a:prstGeom>
+        </p:spPr>
+      </p:pic>
+      <p:cxnSp>
+        <p:nvCxnSpPr>
+          <p:cNvPr id="5" name="直接箭头连接符 4"/>
+          <p:cNvCxnSpPr>
+            <a:stCxn id="19" idx="3"/>
+          </p:cNvCxnSpPr>
+          <p:nvPr/>
+        </p:nvCxnSpPr>
+        <p:spPr>
+          <a:xfrm flipV="1">
+            <a:off x="5220585" y="3351341"/>
+            <a:ext cx="1220712" cy="4245"/>
+          </a:xfrm>
+          <a:prstGeom prst="straightConnector1">
+            <a:avLst/>
+          </a:prstGeom>
+          <a:ln>
+            <a:solidFill>
+              <a:srgbClr val="FF0000"/>
+            </a:solidFill>
+            <a:tailEnd type="arrow"/>
+          </a:ln>
+        </p:spPr>
+        <p:style>
+          <a:lnRef idx="1">
+            <a:schemeClr val="accent1"/>
+          </a:lnRef>
+          <a:fillRef idx="0">
+            <a:schemeClr val="accent1"/>
+          </a:fillRef>
+          <a:effectRef idx="0">
+            <a:schemeClr val="accent1"/>
+          </a:effectRef>
+          <a:fontRef idx="minor">
+            <a:schemeClr val="tx1"/>
+          </a:fontRef>
+        </p:style>
+      </p:cxnSp>
+    </p:spTree>
+    <p:extLst>
+      <p:ext uri="{BB962C8B-B14F-4D97-AF65-F5344CB8AC3E}">
+        <p14:creationId xmlns:p14="http://schemas.microsoft.com/office/powerpoint/2010/main" val="801707571"/>
+      </p:ext>
+    </p:extLst>
+  </p:cSld>
+  <p:clrMapOvr>
+    <a:masterClrMapping/>
+  </p:clrMapOvr>
+</p:sld>
+</file>
+
+<file path=ppt/slides/slide7.xml><?xml version="1.0" encoding="utf-8"?>
+<p:sld xmlns:a="http://schemas.openxmlformats.org/drawingml/2006/main" xmlns:r="http://schemas.openxmlformats.org/officeDocument/2006/relationships" xmlns:p="http://schemas.openxmlformats.org/presentationml/2006/main">
+  <p:cSld>
+    <p:spTree>
+      <p:nvGrpSpPr>
+        <p:cNvPr id="1" name=""/>
+        <p:cNvGrpSpPr/>
+        <p:nvPr/>
+      </p:nvGrpSpPr>
+      <p:grpSpPr>
+        <a:xfrm>
+          <a:off x="0" y="0"/>
+          <a:ext cx="0" cy="0"/>
+          <a:chOff x="0" y="0"/>
+          <a:chExt cx="0" cy="0"/>
+        </a:xfrm>
+      </p:grpSpPr>
+      <p:sp>
+        <p:nvSpPr>
+          <p:cNvPr id="19" name="圆角矩形 18"/>
+          <p:cNvSpPr/>
+          <p:nvPr/>
+        </p:nvSpPr>
+        <p:spPr>
+          <a:xfrm>
+            <a:off x="755576" y="1268760"/>
+            <a:ext cx="1512168" cy="1872208"/>
+          </a:xfrm>
+          <a:prstGeom prst="roundRect">
+            <a:avLst/>
+          </a:prstGeom>
+          <a:solidFill>
+            <a:schemeClr val="bg1"/>
+          </a:solidFill>
+        </p:spPr>
+        <p:style>
+          <a:lnRef idx="2">
+            <a:schemeClr val="accent1">
+              <a:shade val="50000"/>
+            </a:schemeClr>
+          </a:lnRef>
+          <a:fillRef idx="1">
+            <a:schemeClr val="accent1"/>
+          </a:fillRef>
+          <a:effectRef idx="0">
+            <a:schemeClr val="accent1"/>
+          </a:effectRef>
+          <a:fontRef idx="minor">
+            <a:schemeClr val="lt1"/>
+          </a:fontRef>
+        </p:style>
+        <p:txBody>
+          <a:bodyPr rtlCol="0" anchor="ctr"/>
+          <a:lstStyle/>
+          <a:p>
+            <a:pPr algn="ctr"/>
+            <a:endParaRPr lang="en-CA"/>
+          </a:p>
+        </p:txBody>
+      </p:sp>
       <p:sp>
         <p:nvSpPr>
           <p:cNvPr id="51" name="标题 57"/>
@@ -5921,7 +8401,7 @@
           <a:lstStyle/>
           <a:p>
             <a:r>
-              <a:rPr lang="en-CA" b="1" dirty="0" smtClean="0">
+              <a:rPr lang="en-CA" b="1" dirty="0">
                 <a:solidFill>
                   <a:srgbClr val="0070C0"/>
                 </a:solidFill>
@@ -5930,13 +8410,6 @@
               </a:rPr>
               <a:t>Solution Overview  </a:t>
             </a:r>
-            <a:endParaRPr lang="en-CA" b="1" dirty="0">
-              <a:solidFill>
-                <a:srgbClr val="0070C0"/>
-              </a:solidFill>
-              <a:latin typeface="Times New Roman" panose="02020603050405020304" pitchFamily="18" charset="0"/>
-              <a:cs typeface="Times New Roman" panose="02020603050405020304" pitchFamily="18" charset="0"/>
-            </a:endParaRPr>
           </a:p>
         </p:txBody>
       </p:sp>
@@ -6039,7 +8512,7 @@
           <a:p>
             <a:pPr algn="ctr"/>
             <a:r>
-              <a:rPr lang="en-CA" altLang="zh-CN" b="1" spc="50" dirty="0" smtClean="0">
+              <a:rPr lang="en-CA" altLang="zh-CN" b="1" spc="50" dirty="0">
                 <a:ln w="11430"/>
                 <a:gradFill>
                   <a:gsLst>
@@ -6134,7 +8607,7 @@
           <a:p>
             <a:pPr algn="ctr"/>
             <a:r>
-              <a:rPr lang="en-CA" altLang="zh-CN" b="1" cap="none" spc="50" dirty="0" smtClean="0">
+              <a:rPr lang="en-CA" altLang="zh-CN" b="1" cap="none" spc="50" dirty="0">
                 <a:ln w="11430"/>
                 <a:gradFill>
                   <a:gsLst>
@@ -6229,7 +8702,7 @@
           <a:p>
             <a:pPr algn="ctr"/>
             <a:r>
-              <a:rPr lang="en-CA" altLang="zh-CN" b="1" cap="none" spc="50" dirty="0" smtClean="0">
+              <a:rPr lang="en-CA" altLang="zh-CN" b="1" cap="none" spc="50" dirty="0">
                 <a:ln w="11430"/>
                 <a:gradFill>
                   <a:gsLst>
@@ -6324,7 +8797,7 @@
           <a:p>
             <a:pPr algn="ctr"/>
             <a:r>
-              <a:rPr lang="en-CA" altLang="zh-CN" b="1" cap="none" spc="50" dirty="0" smtClean="0">
+              <a:rPr lang="en-CA" altLang="zh-CN" b="1" cap="none" spc="50" dirty="0">
                 <a:ln w="11430"/>
                 <a:gradFill>
                   <a:gsLst>
@@ -6462,7 +8935,7 @@
           <a:p>
             <a:pPr algn="ctr"/>
             <a:r>
-              <a:rPr lang="en-CA" altLang="zh-CN" b="1" spc="50" dirty="0" smtClean="0">
+              <a:rPr lang="en-CA" altLang="zh-CN" b="1" spc="50" dirty="0">
                 <a:ln w="11430"/>
                 <a:gradFill>
                   <a:gsLst>
@@ -6557,7 +9030,7 @@
           <a:p>
             <a:pPr algn="ctr"/>
             <a:r>
-              <a:rPr lang="en-CA" altLang="zh-CN" b="1" cap="none" spc="50" dirty="0" smtClean="0">
+              <a:rPr lang="en-CA" altLang="zh-CN" b="1" cap="none" spc="50" dirty="0">
                 <a:ln w="11430"/>
                 <a:gradFill>
                   <a:gsLst>
@@ -6652,7 +9125,7 @@
           <a:p>
             <a:pPr algn="ctr"/>
             <a:r>
-              <a:rPr lang="en-CA" altLang="zh-CN" b="1" cap="none" spc="50" dirty="0" smtClean="0">
+              <a:rPr lang="en-CA" altLang="zh-CN" b="1" cap="none" spc="50" dirty="0">
                 <a:ln w="11430"/>
                 <a:gradFill>
                   <a:gsLst>
@@ -6747,7 +9220,7 @@
           <a:p>
             <a:pPr algn="ctr"/>
             <a:r>
-              <a:rPr lang="en-CA" altLang="zh-CN" b="1" cap="none" spc="50" dirty="0" smtClean="0">
+              <a:rPr lang="en-CA" altLang="zh-CN" b="1" cap="none" spc="50" dirty="0">
                 <a:ln w="11430"/>
                 <a:gradFill>
                   <a:gsLst>
@@ -7044,7 +9517,7 @@
           <a:p>
             <a:pPr algn="ctr"/>
             <a:r>
-              <a:rPr lang="en-CA" altLang="zh-CN" b="1" cap="none" spc="300" dirty="0" smtClean="0">
+              <a:rPr lang="en-CA" altLang="zh-CN" b="1" cap="none" spc="300" dirty="0">
                 <a:ln w="11430" cmpd="sng">
                   <a:solidFill>
                     <a:schemeClr val="accent1">
@@ -7135,735 +9608,6 @@
   <p:clrMapOvr>
     <a:masterClrMapping/>
   </p:clrMapOvr>
-  <p:timing>
-    <p:tnLst>
-      <p:par>
-        <p:cTn id="1" dur="indefinite" restart="never" nodeType="tmRoot"/>
-      </p:par>
-    </p:tnLst>
-  </p:timing>
-</p:sld>
-</file>
-
-<file path=ppt/slides/slide5.xml><?xml version="1.0" encoding="utf-8"?>
-<p:sld xmlns:a="http://schemas.openxmlformats.org/drawingml/2006/main" xmlns:r="http://schemas.openxmlformats.org/officeDocument/2006/relationships" xmlns:p="http://schemas.openxmlformats.org/presentationml/2006/main">
-  <p:cSld>
-    <p:spTree>
-      <p:nvGrpSpPr>
-        <p:cNvPr id="1" name=""/>
-        <p:cNvGrpSpPr/>
-        <p:nvPr/>
-      </p:nvGrpSpPr>
-      <p:grpSpPr>
-        <a:xfrm>
-          <a:off x="0" y="0"/>
-          <a:ext cx="0" cy="0"/>
-          <a:chOff x="0" y="0"/>
-          <a:chExt cx="0" cy="0"/>
-        </a:xfrm>
-      </p:grpSpPr>
-      <p:sp>
-        <p:nvSpPr>
-          <p:cNvPr id="58" name="标题 57"/>
-          <p:cNvSpPr>
-            <a:spLocks noGrp="1"/>
-          </p:cNvSpPr>
-          <p:nvPr>
-            <p:ph type="title"/>
-          </p:nvPr>
-        </p:nvSpPr>
-        <p:spPr>
-          <a:xfrm>
-            <a:off x="493204" y="188640"/>
-            <a:ext cx="8229600" cy="634082"/>
-          </a:xfrm>
-        </p:spPr>
-        <p:txBody>
-          <a:bodyPr>
-            <a:normAutofit fontScale="90000"/>
-          </a:bodyPr>
-          <a:lstStyle/>
-          <a:p>
-            <a:r>
-              <a:rPr lang="en-CA" b="1" dirty="0" smtClean="0">
-                <a:solidFill>
-                  <a:srgbClr val="0070C0"/>
-                </a:solidFill>
-                <a:latin typeface="Times New Roman" panose="02020603050405020304" pitchFamily="18" charset="0"/>
-                <a:cs typeface="Times New Roman" panose="02020603050405020304" pitchFamily="18" charset="0"/>
-              </a:rPr>
-              <a:t>Solution Overview  </a:t>
-            </a:r>
-            <a:endParaRPr lang="en-CA" b="1" dirty="0">
-              <a:solidFill>
-                <a:srgbClr val="0070C0"/>
-              </a:solidFill>
-              <a:latin typeface="Times New Roman" panose="02020603050405020304" pitchFamily="18" charset="0"/>
-              <a:cs typeface="Times New Roman" panose="02020603050405020304" pitchFamily="18" charset="0"/>
-            </a:endParaRPr>
-          </a:p>
-        </p:txBody>
-      </p:sp>
-      <p:cxnSp>
-        <p:nvCxnSpPr>
-          <p:cNvPr id="60" name="直接连接符 59"/>
-          <p:cNvCxnSpPr/>
-          <p:nvPr/>
-        </p:nvCxnSpPr>
-        <p:spPr>
-          <a:xfrm>
-            <a:off x="467544" y="980728"/>
-            <a:ext cx="8280920" cy="0"/>
-          </a:xfrm>
-          <a:prstGeom prst="line">
-            <a:avLst/>
-          </a:prstGeom>
-          <a:ln cmpd="sng"/>
-        </p:spPr>
-        <p:style>
-          <a:lnRef idx="1">
-            <a:schemeClr val="accent1"/>
-          </a:lnRef>
-          <a:fillRef idx="0">
-            <a:schemeClr val="accent1"/>
-          </a:fillRef>
-          <a:effectRef idx="0">
-            <a:schemeClr val="accent1"/>
-          </a:effectRef>
-          <a:fontRef idx="minor">
-            <a:schemeClr val="tx1"/>
-          </a:fontRef>
-        </p:style>
-      </p:cxnSp>
-      <p:sp>
-        <p:nvSpPr>
-          <p:cNvPr id="2" name="矩形 1"/>
-          <p:cNvSpPr/>
-          <p:nvPr/>
-        </p:nvSpPr>
-        <p:spPr>
-          <a:xfrm>
-            <a:off x="1979712" y="1124744"/>
-            <a:ext cx="4968552" cy="1938992"/>
-          </a:xfrm>
-          <a:prstGeom prst="rect">
-            <a:avLst/>
-          </a:prstGeom>
-          <a:ln>
-            <a:solidFill>
-              <a:srgbClr val="0070C0"/>
-            </a:solidFill>
-          </a:ln>
-        </p:spPr>
-        <p:txBody>
-          <a:bodyPr wrap="square">
-            <a:spAutoFit/>
-          </a:bodyPr>
-          <a:lstStyle/>
-          <a:p>
-            <a:r>
-              <a:rPr lang="en-US" sz="2000" b="1" dirty="0"/>
-              <a:t>The code </a:t>
-            </a:r>
-            <a:r>
-              <a:rPr lang="en-US" sz="2000" b="1" dirty="0" smtClean="0"/>
-              <a:t>we </a:t>
-            </a:r>
-            <a:r>
-              <a:rPr lang="en-US" sz="2000" b="1" dirty="0"/>
-              <a:t>will </a:t>
-            </a:r>
-            <a:r>
-              <a:rPr lang="en-US" sz="2000" b="1" dirty="0" smtClean="0"/>
-              <a:t>develop </a:t>
-            </a:r>
-            <a:r>
-              <a:rPr lang="en-US" sz="2000" b="1" dirty="0"/>
-              <a:t>include some </a:t>
-            </a:r>
-            <a:r>
-              <a:rPr lang="en-US" sz="2000" b="1" dirty="0" smtClean="0"/>
-              <a:t>URLs.</a:t>
-            </a:r>
-          </a:p>
-          <a:p>
-            <a:r>
-              <a:rPr lang="en-US" sz="2000" b="1" dirty="0"/>
-              <a:t>T</a:t>
-            </a:r>
-            <a:r>
-              <a:rPr lang="en-US" sz="2000" b="1" dirty="0" smtClean="0"/>
-              <a:t>he </a:t>
-            </a:r>
-            <a:r>
-              <a:rPr lang="en-US" sz="2000" b="1" dirty="0"/>
-              <a:t>list is shown below:</a:t>
-            </a:r>
-            <a:endParaRPr lang="en-CA" sz="2000" b="1" dirty="0"/>
-          </a:p>
-          <a:p>
-            <a:pPr marL="285750" lvl="0" indent="-285750">
-              <a:buFont typeface="Arial" panose="020B0604020202020204" pitchFamily="34" charset="0"/>
-              <a:buChar char="•"/>
-            </a:pPr>
-            <a:r>
-              <a:rPr lang="en-US" sz="2000" b="1" dirty="0"/>
-              <a:t>/login</a:t>
-            </a:r>
-            <a:endParaRPr lang="en-CA" sz="2000" b="1" dirty="0"/>
-          </a:p>
-          <a:p>
-            <a:pPr marL="285750" lvl="0" indent="-285750">
-              <a:buFont typeface="Arial" panose="020B0604020202020204" pitchFamily="34" charset="0"/>
-              <a:buChar char="•"/>
-            </a:pPr>
-            <a:r>
-              <a:rPr lang="en-US" sz="2000" b="1" dirty="0"/>
-              <a:t>/register</a:t>
-            </a:r>
-            <a:endParaRPr lang="en-CA" sz="2000" b="1" dirty="0"/>
-          </a:p>
-          <a:p>
-            <a:pPr marL="285750" lvl="0" indent="-285750">
-              <a:buFont typeface="Arial" panose="020B0604020202020204" pitchFamily="34" charset="0"/>
-              <a:buChar char="•"/>
-            </a:pPr>
-            <a:r>
-              <a:rPr lang="en-US" sz="2000" b="1" dirty="0"/>
-              <a:t>/passwordreset</a:t>
-            </a:r>
-            <a:endParaRPr lang="en-CA" sz="2000" b="1" dirty="0"/>
-          </a:p>
-          <a:p>
-            <a:pPr marL="285750" lvl="0" indent="-285750">
-              <a:buFont typeface="Arial" panose="020B0604020202020204" pitchFamily="34" charset="0"/>
-              <a:buChar char="•"/>
-            </a:pPr>
-            <a:r>
-              <a:rPr lang="en-US" sz="2000" b="1" dirty="0" smtClean="0"/>
-              <a:t>/</a:t>
-            </a:r>
-            <a:r>
-              <a:rPr lang="en-US" sz="2000" b="1" dirty="0"/>
-              <a:t>logout</a:t>
-            </a:r>
-            <a:endParaRPr lang="en-CA" sz="2000" b="1" dirty="0"/>
-          </a:p>
-        </p:txBody>
-      </p:sp>
-      <p:sp>
-        <p:nvSpPr>
-          <p:cNvPr id="4" name="矩形 3"/>
-          <p:cNvSpPr/>
-          <p:nvPr/>
-        </p:nvSpPr>
-        <p:spPr>
-          <a:xfrm>
-            <a:off x="5796136" y="4298320"/>
-            <a:ext cx="2941538" cy="1938992"/>
-          </a:xfrm>
-          <a:prstGeom prst="rect">
-            <a:avLst/>
-          </a:prstGeom>
-          <a:ln>
-            <a:solidFill>
-              <a:srgbClr val="0070C0"/>
-            </a:solidFill>
-          </a:ln>
-        </p:spPr>
-        <p:txBody>
-          <a:bodyPr wrap="square">
-            <a:spAutoFit/>
-          </a:bodyPr>
-          <a:lstStyle/>
-          <a:p>
-            <a:pPr lvl="0" algn="ctr"/>
-            <a:r>
-              <a:rPr lang="en-US" sz="2000" b="1" dirty="0" smtClean="0"/>
-              <a:t>Admin</a:t>
-            </a:r>
-          </a:p>
-          <a:p>
-            <a:pPr marL="285750" lvl="0" indent="-285750">
-              <a:buFont typeface="Arial" panose="020B0604020202020204" pitchFamily="34" charset="0"/>
-              <a:buChar char="•"/>
-            </a:pPr>
-            <a:r>
-              <a:rPr lang="en-US" sz="2000" b="1" dirty="0" smtClean="0"/>
-              <a:t>/admin/list</a:t>
-            </a:r>
-            <a:endParaRPr lang="en-CA" sz="2000" b="1" dirty="0"/>
-          </a:p>
-          <a:p>
-            <a:pPr marL="285750" lvl="0" indent="-285750">
-              <a:buFont typeface="Arial" panose="020B0604020202020204" pitchFamily="34" charset="0"/>
-              <a:buChar char="•"/>
-            </a:pPr>
-            <a:r>
-              <a:rPr lang="en-US" sz="2000" b="1" dirty="0"/>
-              <a:t>/</a:t>
-            </a:r>
-            <a:r>
-              <a:rPr lang="en-US" sz="2000" b="1" dirty="0" smtClean="0"/>
-              <a:t>admin/edit/:userid</a:t>
-            </a:r>
-            <a:endParaRPr lang="en-CA" sz="2000" b="1" dirty="0"/>
-          </a:p>
-          <a:p>
-            <a:pPr marL="285750" lvl="0" indent="-285750">
-              <a:buFont typeface="Arial" panose="020B0604020202020204" pitchFamily="34" charset="0"/>
-              <a:buChar char="•"/>
-            </a:pPr>
-            <a:r>
-              <a:rPr lang="en-US" sz="2000" b="1" dirty="0"/>
-              <a:t>/</a:t>
-            </a:r>
-            <a:r>
-              <a:rPr lang="en-US" sz="2000" b="1" dirty="0" smtClean="0"/>
-              <a:t>admin/delete/:userid</a:t>
-            </a:r>
-            <a:endParaRPr lang="en-CA" sz="2000" b="1" dirty="0"/>
-          </a:p>
-          <a:p>
-            <a:pPr marL="285750" lvl="0" indent="-285750">
-              <a:buFont typeface="Arial" panose="020B0604020202020204" pitchFamily="34" charset="0"/>
-              <a:buChar char="•"/>
-            </a:pPr>
-            <a:r>
-              <a:rPr lang="en-US" sz="2000" b="1" dirty="0"/>
-              <a:t>/</a:t>
-            </a:r>
-            <a:r>
-              <a:rPr lang="en-US" sz="2000" b="1" dirty="0" smtClean="0"/>
-              <a:t>admin/block/:userid </a:t>
-            </a:r>
-          </a:p>
-          <a:p>
-            <a:pPr marL="285750" lvl="0" indent="-285750">
-              <a:buFont typeface="Arial" panose="020B0604020202020204" pitchFamily="34" charset="0"/>
-              <a:buChar char="•"/>
-            </a:pPr>
-            <a:r>
-              <a:rPr lang="en-US" sz="2000" b="1" dirty="0" smtClean="0"/>
-              <a:t>/admin/view/:userid</a:t>
-            </a:r>
-            <a:endParaRPr lang="en-CA" sz="2000" b="1" dirty="0"/>
-          </a:p>
-        </p:txBody>
-      </p:sp>
-      <p:sp>
-        <p:nvSpPr>
-          <p:cNvPr id="6" name="矩形 5"/>
-          <p:cNvSpPr/>
-          <p:nvPr/>
-        </p:nvSpPr>
-        <p:spPr>
-          <a:xfrm>
-            <a:off x="467544" y="4266962"/>
-            <a:ext cx="2520280" cy="1938992"/>
-          </a:xfrm>
-          <a:prstGeom prst="rect">
-            <a:avLst/>
-          </a:prstGeom>
-          <a:ln>
-            <a:solidFill>
-              <a:srgbClr val="0070C0"/>
-            </a:solidFill>
-          </a:ln>
-        </p:spPr>
-        <p:txBody>
-          <a:bodyPr wrap="square">
-            <a:spAutoFit/>
-          </a:bodyPr>
-          <a:lstStyle/>
-          <a:p>
-            <a:pPr lvl="0" algn="ctr"/>
-            <a:r>
-              <a:rPr lang="en-US" sz="2000" b="1" dirty="0" smtClean="0"/>
-              <a:t>No-admin User</a:t>
-            </a:r>
-          </a:p>
-          <a:p>
-            <a:pPr marL="285750" lvl="0" indent="-285750">
-              <a:buFont typeface="Arial" panose="020B0604020202020204" pitchFamily="34" charset="0"/>
-              <a:buChar char="•"/>
-            </a:pPr>
-            <a:r>
-              <a:rPr lang="en-US" sz="2000" b="1" dirty="0" smtClean="0"/>
-              <a:t>/upload</a:t>
-            </a:r>
-          </a:p>
-          <a:p>
-            <a:pPr marL="285750" lvl="0" indent="-285750">
-              <a:buFont typeface="Arial" panose="020B0604020202020204" pitchFamily="34" charset="0"/>
-              <a:buChar char="•"/>
-            </a:pPr>
-            <a:r>
-              <a:rPr lang="en-US" sz="2000" b="1" dirty="0" smtClean="0"/>
-              <a:t>/list</a:t>
-            </a:r>
-            <a:endParaRPr lang="en-CA" sz="2000" b="1" dirty="0"/>
-          </a:p>
-          <a:p>
-            <a:pPr marL="285750" lvl="0" indent="-285750">
-              <a:buFont typeface="Arial" panose="020B0604020202020204" pitchFamily="34" charset="0"/>
-              <a:buChar char="•"/>
-            </a:pPr>
-            <a:r>
-              <a:rPr lang="en-US" sz="2000" b="1" dirty="0"/>
-              <a:t>/</a:t>
-            </a:r>
-            <a:r>
-              <a:rPr lang="en-US" sz="2000" b="1" dirty="0" smtClean="0"/>
-              <a:t>download/:</a:t>
-            </a:r>
-            <a:r>
-              <a:rPr lang="en-US" sz="2000" b="1" dirty="0"/>
-              <a:t>fileid</a:t>
-            </a:r>
-            <a:endParaRPr lang="en-CA" sz="2000" b="1" dirty="0"/>
-          </a:p>
-          <a:p>
-            <a:pPr marL="285750" lvl="0" indent="-285750">
-              <a:buFont typeface="Arial" panose="020B0604020202020204" pitchFamily="34" charset="0"/>
-              <a:buChar char="•"/>
-            </a:pPr>
-            <a:r>
-              <a:rPr lang="en-US" sz="2000" b="1" dirty="0"/>
-              <a:t>/</a:t>
-            </a:r>
-            <a:r>
-              <a:rPr lang="en-US" sz="2000" b="1" dirty="0" smtClean="0"/>
-              <a:t>delete/:</a:t>
-            </a:r>
-            <a:r>
-              <a:rPr lang="en-US" sz="2000" b="1" dirty="0"/>
-              <a:t>fileid</a:t>
-            </a:r>
-            <a:endParaRPr lang="en-CA" sz="2000" b="1" dirty="0"/>
-          </a:p>
-          <a:p>
-            <a:pPr marL="285750" lvl="0" indent="-285750">
-              <a:buFont typeface="Arial" panose="020B0604020202020204" pitchFamily="34" charset="0"/>
-              <a:buChar char="•"/>
-            </a:pPr>
-            <a:r>
-              <a:rPr lang="en-US" sz="2000" b="1" dirty="0"/>
-              <a:t>/</a:t>
-            </a:r>
-            <a:r>
-              <a:rPr lang="en-US" sz="2000" b="1" dirty="0" smtClean="0"/>
-              <a:t>rename/:</a:t>
-            </a:r>
-            <a:r>
-              <a:rPr lang="en-US" sz="2000" b="1" dirty="0"/>
-              <a:t>fileid</a:t>
-            </a:r>
-            <a:endParaRPr lang="en-CA" sz="2000" b="1" dirty="0"/>
-          </a:p>
-        </p:txBody>
-      </p:sp>
-      <p:cxnSp>
-        <p:nvCxnSpPr>
-          <p:cNvPr id="11" name="直接箭头连接符 10"/>
-          <p:cNvCxnSpPr>
-            <a:stCxn id="2" idx="2"/>
-            <a:endCxn id="6" idx="0"/>
-          </p:cNvCxnSpPr>
-          <p:nvPr/>
-        </p:nvCxnSpPr>
-        <p:spPr>
-          <a:xfrm flipH="1">
-            <a:off x="1727684" y="3063736"/>
-            <a:ext cx="2736304" cy="1203226"/>
-          </a:xfrm>
-          <a:prstGeom prst="straightConnector1">
-            <a:avLst/>
-          </a:prstGeom>
-          <a:ln>
-            <a:solidFill>
-              <a:srgbClr val="FF0000"/>
-            </a:solidFill>
-            <a:tailEnd type="arrow"/>
-          </a:ln>
-        </p:spPr>
-        <p:style>
-          <a:lnRef idx="1">
-            <a:schemeClr val="accent1"/>
-          </a:lnRef>
-          <a:fillRef idx="0">
-            <a:schemeClr val="accent1"/>
-          </a:fillRef>
-          <a:effectRef idx="0">
-            <a:schemeClr val="accent1"/>
-          </a:effectRef>
-          <a:fontRef idx="minor">
-            <a:schemeClr val="tx1"/>
-          </a:fontRef>
-        </p:style>
-      </p:cxnSp>
-      <p:cxnSp>
-        <p:nvCxnSpPr>
-          <p:cNvPr id="13" name="直接箭头连接符 12"/>
-          <p:cNvCxnSpPr>
-            <a:stCxn id="2" idx="2"/>
-            <a:endCxn id="4" idx="0"/>
-          </p:cNvCxnSpPr>
-          <p:nvPr/>
-        </p:nvCxnSpPr>
-        <p:spPr>
-          <a:xfrm>
-            <a:off x="4463988" y="3063736"/>
-            <a:ext cx="2802917" cy="1234584"/>
-          </a:xfrm>
-          <a:prstGeom prst="straightConnector1">
-            <a:avLst/>
-          </a:prstGeom>
-          <a:ln>
-            <a:solidFill>
-              <a:srgbClr val="FF0000"/>
-            </a:solidFill>
-            <a:tailEnd type="arrow"/>
-          </a:ln>
-        </p:spPr>
-        <p:style>
-          <a:lnRef idx="1">
-            <a:schemeClr val="accent1"/>
-          </a:lnRef>
-          <a:fillRef idx="0">
-            <a:schemeClr val="accent1"/>
-          </a:fillRef>
-          <a:effectRef idx="0">
-            <a:schemeClr val="accent1"/>
-          </a:effectRef>
-          <a:fontRef idx="minor">
-            <a:schemeClr val="tx1"/>
-          </a:fontRef>
-        </p:style>
-      </p:cxnSp>
-    </p:spTree>
-    <p:extLst>
-      <p:ext uri="{BB962C8B-B14F-4D97-AF65-F5344CB8AC3E}">
-        <p14:creationId xmlns:p14="http://schemas.microsoft.com/office/powerpoint/2010/main" val="970605240"/>
-      </p:ext>
-    </p:extLst>
-  </p:cSld>
-  <p:clrMapOvr>
-    <a:masterClrMapping/>
-  </p:clrMapOvr>
-  <p:timing>
-    <p:tnLst>
-      <p:par>
-        <p:cTn id="1" dur="indefinite" restart="never" nodeType="tmRoot"/>
-      </p:par>
-    </p:tnLst>
-  </p:timing>
-</p:sld>
-</file>
-
-<file path=ppt/slides/slide6.xml><?xml version="1.0" encoding="utf-8"?>
-<p:sld xmlns:a="http://schemas.openxmlformats.org/drawingml/2006/main" xmlns:r="http://schemas.openxmlformats.org/officeDocument/2006/relationships" xmlns:p="http://schemas.openxmlformats.org/presentationml/2006/main">
-  <p:cSld>
-    <p:spTree>
-      <p:nvGrpSpPr>
-        <p:cNvPr id="1" name=""/>
-        <p:cNvGrpSpPr/>
-        <p:nvPr/>
-      </p:nvGrpSpPr>
-      <p:grpSpPr>
-        <a:xfrm>
-          <a:off x="0" y="0"/>
-          <a:ext cx="0" cy="0"/>
-          <a:chOff x="0" y="0"/>
-          <a:chExt cx="0" cy="0"/>
-        </a:xfrm>
-      </p:grpSpPr>
-      <p:sp>
-        <p:nvSpPr>
-          <p:cNvPr id="4" name="标题 57"/>
-          <p:cNvSpPr>
-            <a:spLocks noGrp="1"/>
-          </p:cNvSpPr>
-          <p:nvPr>
-            <p:ph type="title"/>
-          </p:nvPr>
-        </p:nvSpPr>
-        <p:spPr>
-          <a:xfrm>
-            <a:off x="457200" y="274638"/>
-            <a:ext cx="8229600" cy="634082"/>
-          </a:xfrm>
-        </p:spPr>
-        <p:txBody>
-          <a:bodyPr>
-            <a:normAutofit fontScale="90000"/>
-          </a:bodyPr>
-          <a:lstStyle/>
-          <a:p>
-            <a:r>
-              <a:rPr lang="en-CA" b="1" dirty="0">
-                <a:solidFill>
-                  <a:srgbClr val="0070C0"/>
-                </a:solidFill>
-                <a:latin typeface="Times New Roman" panose="02020603050405020304" pitchFamily="18" charset="0"/>
-                <a:cs typeface="Times New Roman" panose="02020603050405020304" pitchFamily="18" charset="0"/>
-              </a:rPr>
-              <a:t>Challenges and Solutions </a:t>
-            </a:r>
-          </a:p>
-        </p:txBody>
-      </p:sp>
-      <p:cxnSp>
-        <p:nvCxnSpPr>
-          <p:cNvPr id="5" name="直接连接符 4"/>
-          <p:cNvCxnSpPr/>
-          <p:nvPr/>
-        </p:nvCxnSpPr>
-        <p:spPr>
-          <a:xfrm>
-            <a:off x="467544" y="980728"/>
-            <a:ext cx="8280920" cy="0"/>
-          </a:xfrm>
-          <a:prstGeom prst="line">
-            <a:avLst/>
-          </a:prstGeom>
-          <a:ln cmpd="sng"/>
-        </p:spPr>
-        <p:style>
-          <a:lnRef idx="1">
-            <a:schemeClr val="accent1"/>
-          </a:lnRef>
-          <a:fillRef idx="0">
-            <a:schemeClr val="accent1"/>
-          </a:fillRef>
-          <a:effectRef idx="0">
-            <a:schemeClr val="accent1"/>
-          </a:effectRef>
-          <a:fontRef idx="minor">
-            <a:schemeClr val="tx1"/>
-          </a:fontRef>
-        </p:style>
-      </p:cxnSp>
-    </p:spTree>
-    <p:extLst>
-      <p:ext uri="{BB962C8B-B14F-4D97-AF65-F5344CB8AC3E}">
-        <p14:creationId xmlns:p14="http://schemas.microsoft.com/office/powerpoint/2010/main" val="229076445"/>
-      </p:ext>
-    </p:extLst>
-  </p:cSld>
-  <p:clrMapOvr>
-    <a:masterClrMapping/>
-  </p:clrMapOvr>
-  <p:timing>
-    <p:tnLst>
-      <p:par>
-        <p:cTn id="1" dur="indefinite" restart="never" nodeType="tmRoot"/>
-      </p:par>
-    </p:tnLst>
-  </p:timing>
-</p:sld>
-</file>
-
-<file path=ppt/slides/slide7.xml><?xml version="1.0" encoding="utf-8"?>
-<p:sld xmlns:a="http://schemas.openxmlformats.org/drawingml/2006/main" xmlns:r="http://schemas.openxmlformats.org/officeDocument/2006/relationships" xmlns:p="http://schemas.openxmlformats.org/presentationml/2006/main">
-  <p:cSld>
-    <p:spTree>
-      <p:nvGrpSpPr>
-        <p:cNvPr id="1" name=""/>
-        <p:cNvGrpSpPr/>
-        <p:nvPr/>
-      </p:nvGrpSpPr>
-      <p:grpSpPr>
-        <a:xfrm>
-          <a:off x="0" y="0"/>
-          <a:ext cx="0" cy="0"/>
-          <a:chOff x="0" y="0"/>
-          <a:chExt cx="0" cy="0"/>
-        </a:xfrm>
-      </p:grpSpPr>
-      <p:sp>
-        <p:nvSpPr>
-          <p:cNvPr id="4" name="标题 57"/>
-          <p:cNvSpPr>
-            <a:spLocks noGrp="1"/>
-          </p:cNvSpPr>
-          <p:nvPr>
-            <p:ph type="title"/>
-          </p:nvPr>
-        </p:nvSpPr>
-        <p:spPr>
-          <a:xfrm>
-            <a:off x="457200" y="274638"/>
-            <a:ext cx="8229600" cy="634082"/>
-          </a:xfrm>
-        </p:spPr>
-        <p:txBody>
-          <a:bodyPr>
-            <a:normAutofit fontScale="90000"/>
-          </a:bodyPr>
-          <a:lstStyle/>
-          <a:p>
-            <a:r>
-              <a:rPr lang="en-CA" b="1" dirty="0">
-                <a:solidFill>
-                  <a:srgbClr val="0070C0"/>
-                </a:solidFill>
-                <a:latin typeface="Times New Roman" panose="02020603050405020304" pitchFamily="18" charset="0"/>
-                <a:cs typeface="Times New Roman" panose="02020603050405020304" pitchFamily="18" charset="0"/>
-              </a:rPr>
-              <a:t>Challenges and Solutions </a:t>
-            </a:r>
-          </a:p>
-        </p:txBody>
-      </p:sp>
-      <p:cxnSp>
-        <p:nvCxnSpPr>
-          <p:cNvPr id="5" name="直接连接符 4"/>
-          <p:cNvCxnSpPr/>
-          <p:nvPr/>
-        </p:nvCxnSpPr>
-        <p:spPr>
-          <a:xfrm>
-            <a:off x="467544" y="980728"/>
-            <a:ext cx="8280920" cy="0"/>
-          </a:xfrm>
-          <a:prstGeom prst="line">
-            <a:avLst/>
-          </a:prstGeom>
-          <a:ln cmpd="sng"/>
-        </p:spPr>
-        <p:style>
-          <a:lnRef idx="1">
-            <a:schemeClr val="accent1"/>
-          </a:lnRef>
-          <a:fillRef idx="0">
-            <a:schemeClr val="accent1"/>
-          </a:fillRef>
-          <a:effectRef idx="0">
-            <a:schemeClr val="accent1"/>
-          </a:effectRef>
-          <a:fontRef idx="minor">
-            <a:schemeClr val="tx1"/>
-          </a:fontRef>
-        </p:style>
-      </p:cxnSp>
-    </p:spTree>
-    <p:extLst>
-      <p:ext uri="{BB962C8B-B14F-4D97-AF65-F5344CB8AC3E}">
-        <p14:creationId xmlns:p14="http://schemas.microsoft.com/office/powerpoint/2010/main" val="3001060692"/>
-      </p:ext>
-    </p:extLst>
-  </p:cSld>
-  <p:clrMapOvr>
-    <a:masterClrMapping/>
-  </p:clrMapOvr>
-  <p:timing>
-    <p:tnLst>
-      <p:par>
-        <p:cTn id="1" dur="indefinite" restart="never" nodeType="tmRoot"/>
-      </p:par>
-    </p:tnLst>
-  </p:timing>
 </p:sld>
 </file>
 
@@ -7886,7 +9630,7 @@
       </p:grpSpPr>
       <p:sp>
         <p:nvSpPr>
-          <p:cNvPr id="4" name="标题 57"/>
+          <p:cNvPr id="58" name="标题 57"/>
           <p:cNvSpPr>
             <a:spLocks noGrp="1"/>
           </p:cNvSpPr>
@@ -7896,7 +9640,7 @@
         </p:nvSpPr>
         <p:spPr>
           <a:xfrm>
-            <a:off x="457200" y="274638"/>
+            <a:off x="493204" y="188640"/>
             <a:ext cx="8229600" cy="634082"/>
           </a:xfrm>
         </p:spPr>
@@ -7914,14 +9658,14 @@
                 <a:latin typeface="Times New Roman" panose="02020603050405020304" pitchFamily="18" charset="0"/>
                 <a:cs typeface="Times New Roman" panose="02020603050405020304" pitchFamily="18" charset="0"/>
               </a:rPr>
-              <a:t>Challenges and Solutions </a:t>
+              <a:t>Solution Overview  </a:t>
             </a:r>
           </a:p>
         </p:txBody>
       </p:sp>
       <p:cxnSp>
         <p:nvCxnSpPr>
-          <p:cNvPr id="5" name="直接连接符 4"/>
+          <p:cNvPr id="60" name="直接连接符 59"/>
           <p:cNvCxnSpPr/>
           <p:nvPr/>
         </p:nvCxnSpPr>
@@ -7950,176 +9694,281 @@
           </a:fontRef>
         </p:style>
       </p:cxnSp>
-      <p:pic>
-        <p:nvPicPr>
-          <p:cNvPr id="3" name="图片 2"/>
-          <p:cNvPicPr>
-            <a:picLocks noChangeAspect="1"/>
-          </p:cNvPicPr>
-          <p:nvPr/>
-        </p:nvPicPr>
-        <p:blipFill>
-          <a:blip r:embed="rId2">
-            <a:extLst>
-              <a:ext uri="{28A0092B-C50C-407E-A947-70E740481C1C}">
-                <a14:useLocalDpi xmlns:a14="http://schemas.microsoft.com/office/drawing/2010/main" val="0"/>
-              </a:ext>
-            </a:extLst>
-          </a:blip>
-          <a:stretch>
-            <a:fillRect/>
-          </a:stretch>
-        </p:blipFill>
-        <p:spPr>
-          <a:xfrm>
-            <a:off x="467544" y="1196752"/>
-            <a:ext cx="3384376" cy="314369"/>
-          </a:xfrm>
-          <a:prstGeom prst="rect">
-            <a:avLst/>
-          </a:prstGeom>
-        </p:spPr>
-      </p:pic>
-      <p:pic>
-        <p:nvPicPr>
-          <p:cNvPr id="12" name="图片 11"/>
-          <p:cNvPicPr>
-            <a:picLocks noChangeAspect="1"/>
-          </p:cNvPicPr>
-          <p:nvPr/>
-        </p:nvPicPr>
-        <p:blipFill>
-          <a:blip r:embed="rId3">
-            <a:extLst>
-              <a:ext uri="{28A0092B-C50C-407E-A947-70E740481C1C}">
-                <a14:useLocalDpi xmlns:a14="http://schemas.microsoft.com/office/drawing/2010/main" val="0"/>
-              </a:ext>
-            </a:extLst>
-          </a:blip>
-          <a:stretch>
-            <a:fillRect/>
-          </a:stretch>
-        </p:blipFill>
-        <p:spPr>
-          <a:xfrm>
-            <a:off x="3851921" y="2004494"/>
-            <a:ext cx="4896544" cy="1064466"/>
-          </a:xfrm>
-          <a:prstGeom prst="rect">
-            <a:avLst/>
-          </a:prstGeom>
-        </p:spPr>
-      </p:pic>
-      <p:pic>
-        <p:nvPicPr>
-          <p:cNvPr id="14" name="图片 13"/>
-          <p:cNvPicPr>
-            <a:picLocks noChangeAspect="1"/>
-          </p:cNvPicPr>
-          <p:nvPr/>
-        </p:nvPicPr>
-        <p:blipFill>
-          <a:blip r:embed="rId4">
-            <a:extLst>
-              <a:ext uri="{28A0092B-C50C-407E-A947-70E740481C1C}">
-                <a14:useLocalDpi xmlns:a14="http://schemas.microsoft.com/office/drawing/2010/main" val="0"/>
-              </a:ext>
-            </a:extLst>
-          </a:blip>
-          <a:stretch>
-            <a:fillRect/>
-          </a:stretch>
-        </p:blipFill>
-        <p:spPr>
-          <a:xfrm>
-            <a:off x="3851920" y="4689562"/>
-            <a:ext cx="4896534" cy="971686"/>
-          </a:xfrm>
-          <a:prstGeom prst="rect">
-            <a:avLst/>
-          </a:prstGeom>
-        </p:spPr>
-      </p:pic>
-      <p:pic>
-        <p:nvPicPr>
-          <p:cNvPr id="16" name="图片 15"/>
-          <p:cNvPicPr>
-            <a:picLocks noChangeAspect="1"/>
-          </p:cNvPicPr>
-          <p:nvPr/>
-        </p:nvPicPr>
-        <p:blipFill>
-          <a:blip r:embed="rId5">
-            <a:extLst>
-              <a:ext uri="{28A0092B-C50C-407E-A947-70E740481C1C}">
-                <a14:useLocalDpi xmlns:a14="http://schemas.microsoft.com/office/drawing/2010/main" val="0"/>
-              </a:ext>
-            </a:extLst>
-          </a:blip>
-          <a:stretch>
-            <a:fillRect/>
-          </a:stretch>
-        </p:blipFill>
-        <p:spPr>
-          <a:xfrm>
-            <a:off x="467544" y="3178221"/>
-            <a:ext cx="3384376" cy="1690939"/>
+      <p:sp>
+        <p:nvSpPr>
+          <p:cNvPr id="2" name="矩形 1"/>
+          <p:cNvSpPr/>
+          <p:nvPr/>
+        </p:nvSpPr>
+        <p:spPr>
+          <a:xfrm>
+            <a:off x="1979712" y="1124744"/>
+            <a:ext cx="4968552" cy="1938992"/>
           </a:xfrm>
           <a:prstGeom prst="rect">
             <a:avLst/>
           </a:prstGeom>
           <a:ln>
             <a:solidFill>
-              <a:schemeClr val="bg1"/>
+              <a:srgbClr val="0070C0"/>
             </a:solidFill>
           </a:ln>
         </p:spPr>
-      </p:pic>
-      <p:pic>
-        <p:nvPicPr>
-          <p:cNvPr id="17" name="图片 16"/>
-          <p:cNvPicPr>
-            <a:picLocks noChangeAspect="1"/>
-          </p:cNvPicPr>
-          <p:nvPr/>
-        </p:nvPicPr>
-        <p:blipFill>
-          <a:blip r:embed="rId6">
-            <a:extLst>
-              <a:ext uri="{28A0092B-C50C-407E-A947-70E740481C1C}">
-                <a14:useLocalDpi xmlns:a14="http://schemas.microsoft.com/office/drawing/2010/main" val="0"/>
-              </a:ext>
-            </a:extLst>
-          </a:blip>
-          <a:stretch>
-            <a:fillRect/>
-          </a:stretch>
-        </p:blipFill>
-        <p:spPr>
-          <a:xfrm>
-            <a:off x="467544" y="5999334"/>
-            <a:ext cx="3384376" cy="381994"/>
+        <p:txBody>
+          <a:bodyPr wrap="square">
+            <a:spAutoFit/>
+          </a:bodyPr>
+          <a:lstStyle/>
+          <a:p>
+            <a:r>
+              <a:rPr lang="en-US" sz="2000" b="1" dirty="0"/>
+              <a:t>The code we will develop include some URLs.</a:t>
+            </a:r>
+          </a:p>
+          <a:p>
+            <a:r>
+              <a:rPr lang="en-US" sz="2000" b="1" dirty="0"/>
+              <a:t>The list is shown below:</a:t>
+            </a:r>
+            <a:endParaRPr lang="en-CA" sz="2000" b="1" dirty="0"/>
+          </a:p>
+          <a:p>
+            <a:pPr marL="285750" lvl="0" indent="-285750">
+              <a:buFont typeface="Arial" panose="020B0604020202020204" pitchFamily="34" charset="0"/>
+              <a:buChar char="•"/>
+            </a:pPr>
+            <a:r>
+              <a:rPr lang="en-US" sz="2000" b="1" dirty="0"/>
+              <a:t>/login</a:t>
+            </a:r>
+            <a:endParaRPr lang="en-CA" sz="2000" b="1" dirty="0"/>
+          </a:p>
+          <a:p>
+            <a:pPr marL="285750" lvl="0" indent="-285750">
+              <a:buFont typeface="Arial" panose="020B0604020202020204" pitchFamily="34" charset="0"/>
+              <a:buChar char="•"/>
+            </a:pPr>
+            <a:r>
+              <a:rPr lang="en-US" sz="2000" b="1" dirty="0"/>
+              <a:t>/register</a:t>
+            </a:r>
+            <a:endParaRPr lang="en-CA" sz="2000" b="1" dirty="0"/>
+          </a:p>
+          <a:p>
+            <a:pPr marL="285750" lvl="0" indent="-285750">
+              <a:buFont typeface="Arial" panose="020B0604020202020204" pitchFamily="34" charset="0"/>
+              <a:buChar char="•"/>
+            </a:pPr>
+            <a:r>
+              <a:rPr lang="en-US" sz="2000" b="1" dirty="0"/>
+              <a:t>/passwordreset</a:t>
+            </a:r>
+            <a:endParaRPr lang="en-CA" sz="2000" b="1" dirty="0"/>
+          </a:p>
+          <a:p>
+            <a:pPr marL="285750" lvl="0" indent="-285750">
+              <a:buFont typeface="Arial" panose="020B0604020202020204" pitchFamily="34" charset="0"/>
+              <a:buChar char="•"/>
+            </a:pPr>
+            <a:r>
+              <a:rPr lang="en-US" sz="2000" b="1" dirty="0"/>
+              <a:t>/logout</a:t>
+            </a:r>
+            <a:endParaRPr lang="en-CA" sz="2000" b="1" dirty="0"/>
+          </a:p>
+        </p:txBody>
+      </p:sp>
+      <p:sp>
+        <p:nvSpPr>
+          <p:cNvPr id="4" name="矩形 3"/>
+          <p:cNvSpPr/>
+          <p:nvPr/>
+        </p:nvSpPr>
+        <p:spPr>
+          <a:xfrm>
+            <a:off x="5796136" y="4298320"/>
+            <a:ext cx="2941538" cy="1938992"/>
           </a:xfrm>
           <a:prstGeom prst="rect">
             <a:avLst/>
           </a:prstGeom>
-        </p:spPr>
-      </p:pic>
+          <a:ln>
+            <a:solidFill>
+              <a:srgbClr val="0070C0"/>
+            </a:solidFill>
+          </a:ln>
+        </p:spPr>
+        <p:txBody>
+          <a:bodyPr wrap="square">
+            <a:spAutoFit/>
+          </a:bodyPr>
+          <a:lstStyle/>
+          <a:p>
+            <a:pPr lvl="0" algn="ctr"/>
+            <a:r>
+              <a:rPr lang="en-US" sz="2000" b="1" dirty="0"/>
+              <a:t>Admin</a:t>
+            </a:r>
+          </a:p>
+          <a:p>
+            <a:pPr marL="285750" lvl="0" indent="-285750">
+              <a:buFont typeface="Arial" panose="020B0604020202020204" pitchFamily="34" charset="0"/>
+              <a:buChar char="•"/>
+            </a:pPr>
+            <a:r>
+              <a:rPr lang="en-US" sz="2000" b="1" dirty="0"/>
+              <a:t>/admin/list</a:t>
+            </a:r>
+            <a:endParaRPr lang="en-CA" sz="2000" b="1" dirty="0"/>
+          </a:p>
+          <a:p>
+            <a:pPr marL="285750" lvl="0" indent="-285750">
+              <a:buFont typeface="Arial" panose="020B0604020202020204" pitchFamily="34" charset="0"/>
+              <a:buChar char="•"/>
+            </a:pPr>
+            <a:r>
+              <a:rPr lang="en-US" sz="2000" b="1" dirty="0"/>
+              <a:t>/admin/edit/:userid</a:t>
+            </a:r>
+            <a:endParaRPr lang="en-CA" sz="2000" b="1" dirty="0"/>
+          </a:p>
+          <a:p>
+            <a:pPr marL="285750" lvl="0" indent="-285750">
+              <a:buFont typeface="Arial" panose="020B0604020202020204" pitchFamily="34" charset="0"/>
+              <a:buChar char="•"/>
+            </a:pPr>
+            <a:r>
+              <a:rPr lang="en-US" sz="2000" b="1" dirty="0"/>
+              <a:t>/admin/delete/:userid</a:t>
+            </a:r>
+            <a:endParaRPr lang="en-CA" sz="2000" b="1" dirty="0"/>
+          </a:p>
+          <a:p>
+            <a:pPr marL="285750" lvl="0" indent="-285750">
+              <a:buFont typeface="Arial" panose="020B0604020202020204" pitchFamily="34" charset="0"/>
+              <a:buChar char="•"/>
+            </a:pPr>
+            <a:r>
+              <a:rPr lang="en-US" sz="2000" b="1" dirty="0"/>
+              <a:t>/admin/block/:userid </a:t>
+            </a:r>
+          </a:p>
+          <a:p>
+            <a:pPr marL="285750" lvl="0" indent="-285750">
+              <a:buFont typeface="Arial" panose="020B0604020202020204" pitchFamily="34" charset="0"/>
+              <a:buChar char="•"/>
+            </a:pPr>
+            <a:r>
+              <a:rPr lang="en-US" sz="2000" b="1" dirty="0"/>
+              <a:t>/admin/view/:userid</a:t>
+            </a:r>
+            <a:endParaRPr lang="en-CA" sz="2000" b="1" dirty="0"/>
+          </a:p>
+        </p:txBody>
+      </p:sp>
+      <p:sp>
+        <p:nvSpPr>
+          <p:cNvPr id="6" name="矩形 5"/>
+          <p:cNvSpPr/>
+          <p:nvPr/>
+        </p:nvSpPr>
+        <p:spPr>
+          <a:xfrm>
+            <a:off x="467544" y="4266962"/>
+            <a:ext cx="2520280" cy="1938992"/>
+          </a:xfrm>
+          <a:prstGeom prst="rect">
+            <a:avLst/>
+          </a:prstGeom>
+          <a:ln>
+            <a:solidFill>
+              <a:srgbClr val="0070C0"/>
+            </a:solidFill>
+          </a:ln>
+        </p:spPr>
+        <p:txBody>
+          <a:bodyPr wrap="square">
+            <a:spAutoFit/>
+          </a:bodyPr>
+          <a:lstStyle/>
+          <a:p>
+            <a:pPr lvl="0" algn="ctr"/>
+            <a:r>
+              <a:rPr lang="en-US" sz="2000" b="1" dirty="0"/>
+              <a:t>No-admin User</a:t>
+            </a:r>
+          </a:p>
+          <a:p>
+            <a:pPr marL="285750" lvl="0" indent="-285750">
+              <a:buFont typeface="Arial" panose="020B0604020202020204" pitchFamily="34" charset="0"/>
+              <a:buChar char="•"/>
+            </a:pPr>
+            <a:r>
+              <a:rPr lang="en-US" sz="2000" b="1" dirty="0"/>
+              <a:t>/upload</a:t>
+            </a:r>
+          </a:p>
+          <a:p>
+            <a:pPr marL="285750" lvl="0" indent="-285750">
+              <a:buFont typeface="Arial" panose="020B0604020202020204" pitchFamily="34" charset="0"/>
+              <a:buChar char="•"/>
+            </a:pPr>
+            <a:r>
+              <a:rPr lang="en-US" sz="2000" b="1" dirty="0"/>
+              <a:t>/list</a:t>
+            </a:r>
+            <a:endParaRPr lang="en-CA" sz="2000" b="1" dirty="0"/>
+          </a:p>
+          <a:p>
+            <a:pPr marL="285750" lvl="0" indent="-285750">
+              <a:buFont typeface="Arial" panose="020B0604020202020204" pitchFamily="34" charset="0"/>
+              <a:buChar char="•"/>
+            </a:pPr>
+            <a:r>
+              <a:rPr lang="en-US" sz="2000" b="1" dirty="0"/>
+              <a:t>/download/:fileid</a:t>
+            </a:r>
+            <a:endParaRPr lang="en-CA" sz="2000" b="1" dirty="0"/>
+          </a:p>
+          <a:p>
+            <a:pPr marL="285750" lvl="0" indent="-285750">
+              <a:buFont typeface="Arial" panose="020B0604020202020204" pitchFamily="34" charset="0"/>
+              <a:buChar char="•"/>
+            </a:pPr>
+            <a:r>
+              <a:rPr lang="en-US" sz="2000" b="1" dirty="0"/>
+              <a:t>/delete/:fileid</a:t>
+            </a:r>
+            <a:endParaRPr lang="en-CA" sz="2000" b="1" dirty="0"/>
+          </a:p>
+          <a:p>
+            <a:pPr marL="285750" lvl="0" indent="-285750">
+              <a:buFont typeface="Arial" panose="020B0604020202020204" pitchFamily="34" charset="0"/>
+              <a:buChar char="•"/>
+            </a:pPr>
+            <a:r>
+              <a:rPr lang="en-US" sz="2000" b="1" dirty="0"/>
+              <a:t>/rename/:fileid</a:t>
+            </a:r>
+            <a:endParaRPr lang="en-CA" sz="2000" b="1" dirty="0"/>
+          </a:p>
+        </p:txBody>
+      </p:sp>
       <p:cxnSp>
         <p:nvCxnSpPr>
-          <p:cNvPr id="21" name="曲线连接符 20"/>
+          <p:cNvPr id="11" name="直接箭头连接符 10"/>
           <p:cNvCxnSpPr>
-            <a:stCxn id="12" idx="1"/>
-            <a:endCxn id="16" idx="0"/>
+            <a:stCxn id="2" idx="2"/>
+            <a:endCxn id="6" idx="0"/>
           </p:cNvCxnSpPr>
           <p:nvPr/>
         </p:nvCxnSpPr>
         <p:spPr>
-          <a:xfrm rot="10800000" flipV="1">
-            <a:off x="2159733" y="2536727"/>
-            <a:ext cx="1692189" cy="641494"/>
-          </a:xfrm>
-          <a:prstGeom prst="curvedConnector2">
+          <a:xfrm flipH="1">
+            <a:off x="1727684" y="3063736"/>
+            <a:ext cx="2736304" cy="1203226"/>
+          </a:xfrm>
+          <a:prstGeom prst="straightConnector1">
             <a:avLst/>
           </a:prstGeom>
           <a:ln>
@@ -8146,103 +9995,24 @@
       </p:cxnSp>
       <p:cxnSp>
         <p:nvCxnSpPr>
-          <p:cNvPr id="23" name="曲线连接符 22"/>
+          <p:cNvPr id="13" name="直接箭头连接符 12"/>
           <p:cNvCxnSpPr>
-            <a:stCxn id="3" idx="3"/>
-            <a:endCxn id="12" idx="0"/>
+            <a:stCxn id="2" idx="2"/>
+            <a:endCxn id="4" idx="0"/>
           </p:cNvCxnSpPr>
           <p:nvPr/>
         </p:nvCxnSpPr>
         <p:spPr>
           <a:xfrm>
-            <a:off x="3851920" y="1353937"/>
-            <a:ext cx="2448273" cy="650557"/>
-          </a:xfrm>
-          <a:prstGeom prst="curvedConnector2">
+            <a:off x="4463988" y="3063736"/>
+            <a:ext cx="2802917" cy="1234584"/>
+          </a:xfrm>
+          <a:prstGeom prst="straightConnector1">
             <a:avLst/>
           </a:prstGeom>
           <a:ln>
             <a:solidFill>
               <a:srgbClr val="FF0000"/>
-            </a:solidFill>
-            <a:tailEnd type="arrow"/>
-          </a:ln>
-        </p:spPr>
-        <p:style>
-          <a:lnRef idx="1">
-            <a:schemeClr val="accent1"/>
-          </a:lnRef>
-          <a:fillRef idx="0">
-            <a:schemeClr val="accent1"/>
-          </a:fillRef>
-          <a:effectRef idx="0">
-            <a:schemeClr val="accent1"/>
-          </a:effectRef>
-          <a:fontRef idx="minor">
-            <a:schemeClr val="tx1"/>
-          </a:fontRef>
-        </p:style>
-      </p:cxnSp>
-      <p:cxnSp>
-        <p:nvCxnSpPr>
-          <p:cNvPr id="25" name="曲线连接符 24"/>
-          <p:cNvCxnSpPr>
-            <a:stCxn id="16" idx="3"/>
-            <a:endCxn id="14" idx="0"/>
-          </p:cNvCxnSpPr>
-          <p:nvPr/>
-        </p:nvCxnSpPr>
-        <p:spPr>
-          <a:xfrm>
-            <a:off x="3851920" y="4023691"/>
-            <a:ext cx="2448267" cy="665871"/>
-          </a:xfrm>
-          <a:prstGeom prst="curvedConnector2">
-            <a:avLst/>
-          </a:prstGeom>
-          <a:ln>
-            <a:solidFill>
-              <a:srgbClr val="FF0000"/>
-            </a:solidFill>
-            <a:tailEnd type="arrow"/>
-          </a:ln>
-        </p:spPr>
-        <p:style>
-          <a:lnRef idx="1">
-            <a:schemeClr val="accent1"/>
-          </a:lnRef>
-          <a:fillRef idx="0">
-            <a:schemeClr val="accent1"/>
-          </a:fillRef>
-          <a:effectRef idx="0">
-            <a:schemeClr val="accent1"/>
-          </a:effectRef>
-          <a:fontRef idx="minor">
-            <a:schemeClr val="tx1"/>
-          </a:fontRef>
-        </p:style>
-      </p:cxnSp>
-      <p:cxnSp>
-        <p:nvCxnSpPr>
-          <p:cNvPr id="27" name="曲线连接符 26"/>
-          <p:cNvCxnSpPr>
-            <a:endCxn id="17" idx="0"/>
-          </p:cNvCxnSpPr>
-          <p:nvPr/>
-        </p:nvCxnSpPr>
-        <p:spPr>
-          <a:xfrm rot="16200000" flipH="1">
-            <a:off x="676543" y="4516145"/>
-            <a:ext cx="1778246" cy="1188132"/>
-          </a:xfrm>
-          <a:prstGeom prst="curvedConnector3">
-            <a:avLst>
-              <a:gd name="adj1" fmla="val 50000"/>
-            </a:avLst>
-          </a:prstGeom>
-          <a:ln>
-            <a:solidFill>
-              <a:schemeClr val="tx1"/>
             </a:solidFill>
             <a:tailEnd type="arrow"/>
           </a:ln>
@@ -8265,20 +10035,13 @@
     </p:spTree>
     <p:extLst>
       <p:ext uri="{BB962C8B-B14F-4D97-AF65-F5344CB8AC3E}">
-        <p14:creationId xmlns:p14="http://schemas.microsoft.com/office/powerpoint/2010/main" val="3135880905"/>
+        <p14:creationId xmlns:p14="http://schemas.microsoft.com/office/powerpoint/2010/main" val="970605240"/>
       </p:ext>
     </p:extLst>
   </p:cSld>
   <p:clrMapOvr>
     <a:masterClrMapping/>
   </p:clrMapOvr>
-  <p:timing>
-    <p:tnLst>
-      <p:par>
-        <p:cTn id="1" dur="indefinite" restart="never" nodeType="tmRoot"/>
-      </p:par>
-    </p:tnLst>
-  </p:timing>
 </p:sld>
 </file>
 
@@ -8302,40 +10065,24 @@
       <p:sp>
         <p:nvSpPr>
           <p:cNvPr id="4" name="标题 57"/>
-          <p:cNvSpPr txBox="1">
-            <a:spLocks/>
+          <p:cNvSpPr>
+            <a:spLocks noGrp="1"/>
           </p:cNvSpPr>
-          <p:nvPr/>
+          <p:nvPr>
+            <p:ph type="title"/>
+          </p:nvPr>
         </p:nvSpPr>
         <p:spPr>
           <a:xfrm>
             <a:off x="457200" y="274638"/>
             <a:ext cx="8229600" cy="634082"/>
           </a:xfrm>
-          <a:prstGeom prst="rect">
-            <a:avLst/>
-          </a:prstGeom>
-        </p:spPr>
-        <p:txBody>
-          <a:bodyPr vert="horz" lIns="91440" tIns="45720" rIns="91440" bIns="45720" rtlCol="0" anchor="ctr">
-            <a:normAutofit fontScale="90000" lnSpcReduction="20000"/>
+        </p:spPr>
+        <p:txBody>
+          <a:bodyPr>
+            <a:normAutofit fontScale="90000"/>
           </a:bodyPr>
-          <a:lstStyle>
-            <a:lvl1pPr algn="ctr" defTabSz="914400" rtl="0" eaLnBrk="1" latinLnBrk="0" hangingPunct="1">
-              <a:spcBef>
-                <a:spcPct val="0"/>
-              </a:spcBef>
-              <a:buNone/>
-              <a:defRPr sz="4400" kern="1200">
-                <a:solidFill>
-                  <a:schemeClr val="tx1"/>
-                </a:solidFill>
-                <a:latin typeface="+mj-lt"/>
-                <a:ea typeface="+mj-ea"/>
-                <a:cs typeface="+mj-cs"/>
-              </a:defRPr>
-            </a:lvl1pPr>
-          </a:lstStyle>
+          <a:lstStyle/>
           <a:p>
             <a:r>
               <a:rPr lang="en-CA" b="1" dirty="0">
@@ -8381,329 +10128,275 @@
           </a:fontRef>
         </p:style>
       </p:cxnSp>
-      <p:pic>
-        <p:nvPicPr>
-          <p:cNvPr id="6" name="图片 5"/>
-          <p:cNvPicPr>
-            <a:picLocks noChangeAspect="1"/>
-          </p:cNvPicPr>
-          <p:nvPr/>
-        </p:nvPicPr>
-        <p:blipFill>
-          <a:blip r:embed="rId2">
-            <a:extLst>
-              <a:ext uri="{28A0092B-C50C-407E-A947-70E740481C1C}">
-                <a14:useLocalDpi xmlns:a14="http://schemas.microsoft.com/office/drawing/2010/main" val="0"/>
-              </a:ext>
-            </a:extLst>
-          </a:blip>
-          <a:stretch>
-            <a:fillRect/>
-          </a:stretch>
-        </p:blipFill>
-        <p:spPr>
-          <a:xfrm>
-            <a:off x="467543" y="1268760"/>
-            <a:ext cx="3340659" cy="314369"/>
+      <p:sp>
+        <p:nvSpPr>
+          <p:cNvPr id="2" name="Rectangle 1"/>
+          <p:cNvSpPr/>
+          <p:nvPr/>
+        </p:nvSpPr>
+        <p:spPr>
+          <a:xfrm>
+            <a:off x="683568" y="2348880"/>
+            <a:ext cx="8003232" cy="1569660"/>
           </a:xfrm>
           <a:prstGeom prst="rect">
             <a:avLst/>
           </a:prstGeom>
         </p:spPr>
-      </p:pic>
-      <p:pic>
-        <p:nvPicPr>
-          <p:cNvPr id="8" name="图片 7"/>
-          <p:cNvPicPr>
-            <a:picLocks noChangeAspect="1"/>
-          </p:cNvPicPr>
-          <p:nvPr/>
-        </p:nvPicPr>
-        <p:blipFill>
-          <a:blip r:embed="rId3">
-            <a:extLst>
-              <a:ext uri="{28A0092B-C50C-407E-A947-70E740481C1C}">
-                <a14:useLocalDpi xmlns:a14="http://schemas.microsoft.com/office/drawing/2010/main" val="0"/>
-              </a:ext>
-            </a:extLst>
-          </a:blip>
-          <a:stretch>
-            <a:fillRect/>
-          </a:stretch>
-        </p:blipFill>
-        <p:spPr>
-          <a:xfrm>
-            <a:off x="3808203" y="2141147"/>
-            <a:ext cx="4940261" cy="1071829"/>
+        <p:txBody>
+          <a:bodyPr wrap="square">
+            <a:spAutoFit/>
+          </a:bodyPr>
+          <a:lstStyle/>
+          <a:p>
+            <a:r>
+              <a:rPr lang="en-CA" sz="3200" dirty="0">
+                <a:latin typeface="Times New Roman" panose="02020603050405020304" pitchFamily="18" charset="0"/>
+                <a:cs typeface="Times New Roman" panose="02020603050405020304" pitchFamily="18" charset="0"/>
+              </a:rPr>
+              <a:t>\Slim\Route::</a:t>
+            </a:r>
+            <a:r>
+              <a:rPr lang="en-CA" sz="3200" dirty="0" err="1">
+                <a:latin typeface="Times New Roman" panose="02020603050405020304" pitchFamily="18" charset="0"/>
+                <a:cs typeface="Times New Roman" panose="02020603050405020304" pitchFamily="18" charset="0"/>
+              </a:rPr>
+              <a:t>setDefaultConditions</a:t>
+            </a:r>
+            <a:r>
+              <a:rPr lang="en-CA" sz="3200" dirty="0">
+                <a:latin typeface="Times New Roman" panose="02020603050405020304" pitchFamily="18" charset="0"/>
+                <a:cs typeface="Times New Roman" panose="02020603050405020304" pitchFamily="18" charset="0"/>
+              </a:rPr>
+              <a:t>(array(</a:t>
+            </a:r>
+          </a:p>
+          <a:p>
+            <a:r>
+              <a:rPr lang="en-CA" sz="3200" dirty="0">
+                <a:latin typeface="Times New Roman" panose="02020603050405020304" pitchFamily="18" charset="0"/>
+                <a:cs typeface="Times New Roman" panose="02020603050405020304" pitchFamily="18" charset="0"/>
+              </a:rPr>
+              <a:t>    '</a:t>
+            </a:r>
+            <a:r>
+              <a:rPr lang="en-CA" sz="3200" dirty="0" err="1">
+                <a:latin typeface="Times New Roman" panose="02020603050405020304" pitchFamily="18" charset="0"/>
+                <a:cs typeface="Times New Roman" panose="02020603050405020304" pitchFamily="18" charset="0"/>
+              </a:rPr>
+              <a:t>lang</a:t>
+            </a:r>
+            <a:r>
+              <a:rPr lang="en-CA" sz="3200" dirty="0">
+                <a:latin typeface="Times New Roman" panose="02020603050405020304" pitchFamily="18" charset="0"/>
+                <a:cs typeface="Times New Roman" panose="02020603050405020304" pitchFamily="18" charset="0"/>
+              </a:rPr>
+              <a:t>' =&gt; '(</a:t>
+            </a:r>
+            <a:r>
+              <a:rPr lang="en-CA" sz="3200" dirty="0" err="1">
+                <a:latin typeface="Times New Roman" panose="02020603050405020304" pitchFamily="18" charset="0"/>
+                <a:cs typeface="Times New Roman" panose="02020603050405020304" pitchFamily="18" charset="0"/>
+              </a:rPr>
+              <a:t>en|fr</a:t>
+            </a:r>
+            <a:r>
+              <a:rPr lang="en-CA" sz="3200" dirty="0">
+                <a:latin typeface="Times New Roman" panose="02020603050405020304" pitchFamily="18" charset="0"/>
+                <a:cs typeface="Times New Roman" panose="02020603050405020304" pitchFamily="18" charset="0"/>
+              </a:rPr>
+              <a:t>)'</a:t>
+            </a:r>
+          </a:p>
+          <a:p>
+            <a:r>
+              <a:rPr lang="en-CA" sz="3200" dirty="0">
+                <a:latin typeface="Times New Roman" panose="02020603050405020304" pitchFamily="18" charset="0"/>
+                <a:cs typeface="Times New Roman" panose="02020603050405020304" pitchFamily="18" charset="0"/>
+              </a:rPr>
+              <a:t>));</a:t>
+            </a:r>
+          </a:p>
+        </p:txBody>
+      </p:sp>
+      <p:sp>
+        <p:nvSpPr>
+          <p:cNvPr id="3" name="Rectangle 2"/>
+          <p:cNvSpPr/>
+          <p:nvPr/>
+        </p:nvSpPr>
+        <p:spPr>
+          <a:xfrm>
+            <a:off x="683568" y="1385771"/>
+            <a:ext cx="7848872" cy="523220"/>
           </a:xfrm>
           <a:prstGeom prst="rect">
             <a:avLst/>
           </a:prstGeom>
         </p:spPr>
-      </p:pic>
-      <p:pic>
-        <p:nvPicPr>
-          <p:cNvPr id="9" name="图片 8"/>
-          <p:cNvPicPr>
-            <a:picLocks noChangeAspect="1"/>
-          </p:cNvPicPr>
-          <p:nvPr/>
-        </p:nvPicPr>
-        <p:blipFill>
-          <a:blip r:embed="rId4">
-            <a:extLst>
-              <a:ext uri="{28A0092B-C50C-407E-A947-70E740481C1C}">
-                <a14:useLocalDpi xmlns:a14="http://schemas.microsoft.com/office/drawing/2010/main" val="0"/>
-              </a:ext>
-            </a:extLst>
-          </a:blip>
-          <a:stretch>
-            <a:fillRect/>
-          </a:stretch>
-        </p:blipFill>
-        <p:spPr>
-          <a:xfrm>
-            <a:off x="467544" y="3321495"/>
-            <a:ext cx="3340658" cy="1691681"/>
+        <p:txBody>
+          <a:bodyPr wrap="square">
+            <a:spAutoFit/>
+          </a:bodyPr>
+          <a:lstStyle/>
+          <a:p>
+            <a:r>
+              <a:rPr lang="en-CA" sz="2800" b="1" dirty="0">
+                <a:solidFill>
+                  <a:srgbClr val="6A6A6A"/>
+                </a:solidFill>
+                <a:latin typeface="Times New Roman" panose="02020603050405020304" pitchFamily="18" charset="0"/>
+                <a:cs typeface="Times New Roman" panose="02020603050405020304" pitchFamily="18" charset="0"/>
+              </a:rPr>
+              <a:t>Slim</a:t>
+            </a:r>
+            <a:r>
+              <a:rPr lang="en-CA" sz="2800" dirty="0">
+                <a:solidFill>
+                  <a:srgbClr val="545454"/>
+                </a:solidFill>
+                <a:latin typeface="Times New Roman" panose="02020603050405020304" pitchFamily="18" charset="0"/>
+                <a:cs typeface="Times New Roman" panose="02020603050405020304" pitchFamily="18" charset="0"/>
+              </a:rPr>
+              <a:t> lets you assign </a:t>
+            </a:r>
+            <a:r>
+              <a:rPr lang="en-CA" sz="2800" b="1" dirty="0">
+                <a:solidFill>
+                  <a:srgbClr val="6A6A6A"/>
+                </a:solidFill>
+                <a:latin typeface="Times New Roman" panose="02020603050405020304" pitchFamily="18" charset="0"/>
+                <a:cs typeface="Times New Roman" panose="02020603050405020304" pitchFamily="18" charset="0"/>
+              </a:rPr>
+              <a:t>conditions</a:t>
+            </a:r>
+            <a:r>
+              <a:rPr lang="en-CA" sz="2800" dirty="0">
+                <a:solidFill>
+                  <a:srgbClr val="545454"/>
+                </a:solidFill>
+                <a:latin typeface="Times New Roman" panose="02020603050405020304" pitchFamily="18" charset="0"/>
+                <a:cs typeface="Times New Roman" panose="02020603050405020304" pitchFamily="18" charset="0"/>
+              </a:rPr>
+              <a:t> to </a:t>
+            </a:r>
+            <a:r>
+              <a:rPr lang="en-CA" sz="2800" b="1" dirty="0">
+                <a:solidFill>
+                  <a:srgbClr val="6A6A6A"/>
+                </a:solidFill>
+                <a:latin typeface="Times New Roman" panose="02020603050405020304" pitchFamily="18" charset="0"/>
+                <a:cs typeface="Times New Roman" panose="02020603050405020304" pitchFamily="18" charset="0"/>
+              </a:rPr>
+              <a:t>route</a:t>
+            </a:r>
+            <a:r>
+              <a:rPr lang="en-CA" sz="2800" dirty="0">
+                <a:solidFill>
+                  <a:srgbClr val="545454"/>
+                </a:solidFill>
+                <a:latin typeface="Times New Roman" panose="02020603050405020304" pitchFamily="18" charset="0"/>
+                <a:cs typeface="Times New Roman" panose="02020603050405020304" pitchFamily="18" charset="0"/>
+              </a:rPr>
+              <a:t> parameters.</a:t>
+            </a:r>
+            <a:endParaRPr lang="en-CA" sz="2800" dirty="0">
+              <a:latin typeface="Times New Roman" panose="02020603050405020304" pitchFamily="18" charset="0"/>
+              <a:cs typeface="Times New Roman" panose="02020603050405020304" pitchFamily="18" charset="0"/>
+            </a:endParaRPr>
+          </a:p>
+        </p:txBody>
+      </p:sp>
+      <p:sp>
+        <p:nvSpPr>
+          <p:cNvPr id="6" name="Rectangle 5"/>
+          <p:cNvSpPr/>
+          <p:nvPr/>
+        </p:nvSpPr>
+        <p:spPr>
+          <a:xfrm>
+            <a:off x="683568" y="4221088"/>
+            <a:ext cx="7848872" cy="2062103"/>
           </a:xfrm>
           <a:prstGeom prst="rect">
             <a:avLst/>
           </a:prstGeom>
         </p:spPr>
-      </p:pic>
-      <p:pic>
-        <p:nvPicPr>
-          <p:cNvPr id="10" name="图片 9"/>
-          <p:cNvPicPr>
-            <a:picLocks noChangeAspect="1"/>
-          </p:cNvPicPr>
-          <p:nvPr/>
-        </p:nvPicPr>
-        <p:blipFill>
-          <a:blip r:embed="rId5">
-            <a:extLst>
-              <a:ext uri="{28A0092B-C50C-407E-A947-70E740481C1C}">
-                <a14:useLocalDpi xmlns:a14="http://schemas.microsoft.com/office/drawing/2010/main" val="0"/>
-              </a:ext>
-            </a:extLst>
-          </a:blip>
-          <a:stretch>
-            <a:fillRect/>
-          </a:stretch>
-        </p:blipFill>
-        <p:spPr>
-          <a:xfrm>
-            <a:off x="3808204" y="4883744"/>
-            <a:ext cx="4940260" cy="921520"/>
-          </a:xfrm>
-          <a:prstGeom prst="rect">
-            <a:avLst/>
-          </a:prstGeom>
-        </p:spPr>
-      </p:pic>
-      <p:pic>
-        <p:nvPicPr>
-          <p:cNvPr id="11" name="图片 10"/>
-          <p:cNvPicPr>
-            <a:picLocks noChangeAspect="1"/>
-          </p:cNvPicPr>
-          <p:nvPr/>
-        </p:nvPicPr>
-        <p:blipFill>
-          <a:blip r:embed="rId6">
-            <a:extLst>
-              <a:ext uri="{28A0092B-C50C-407E-A947-70E740481C1C}">
-                <a14:useLocalDpi xmlns:a14="http://schemas.microsoft.com/office/drawing/2010/main" val="0"/>
-              </a:ext>
-            </a:extLst>
-          </a:blip>
-          <a:stretch>
-            <a:fillRect/>
-          </a:stretch>
-        </p:blipFill>
-        <p:spPr>
-          <a:xfrm>
-            <a:off x="467544" y="6066718"/>
-            <a:ext cx="3340658" cy="386618"/>
-          </a:xfrm>
-          <a:prstGeom prst="rect">
-            <a:avLst/>
-          </a:prstGeom>
-        </p:spPr>
-      </p:pic>
-      <p:cxnSp>
-        <p:nvCxnSpPr>
-          <p:cNvPr id="15" name="曲线连接符 14"/>
-          <p:cNvCxnSpPr>
-            <a:stCxn id="6" idx="3"/>
-            <a:endCxn id="8" idx="0"/>
-          </p:cNvCxnSpPr>
-          <p:nvPr/>
-        </p:nvCxnSpPr>
-        <p:spPr>
-          <a:xfrm>
-            <a:off x="3808202" y="1425945"/>
-            <a:ext cx="2470132" cy="715202"/>
-          </a:xfrm>
-          <a:prstGeom prst="curvedConnector2">
-            <a:avLst/>
-          </a:prstGeom>
-          <a:ln>
-            <a:solidFill>
-              <a:srgbClr val="FF0000"/>
-            </a:solidFill>
-            <a:tailEnd type="arrow"/>
-          </a:ln>
-        </p:spPr>
-        <p:style>
-          <a:lnRef idx="1">
-            <a:schemeClr val="accent1"/>
-          </a:lnRef>
-          <a:fillRef idx="0">
-            <a:schemeClr val="accent1"/>
-          </a:fillRef>
-          <a:effectRef idx="0">
-            <a:schemeClr val="accent1"/>
-          </a:effectRef>
-          <a:fontRef idx="minor">
-            <a:schemeClr val="tx1"/>
-          </a:fontRef>
-        </p:style>
-      </p:cxnSp>
-      <p:cxnSp>
-        <p:nvCxnSpPr>
-          <p:cNvPr id="19" name="曲线连接符 18"/>
-          <p:cNvCxnSpPr>
-            <a:stCxn id="8" idx="1"/>
-            <a:endCxn id="9" idx="0"/>
-          </p:cNvCxnSpPr>
-          <p:nvPr/>
-        </p:nvCxnSpPr>
-        <p:spPr>
-          <a:xfrm rot="10800000" flipV="1">
-            <a:off x="2137873" y="2677061"/>
-            <a:ext cx="1670330" cy="644433"/>
-          </a:xfrm>
-          <a:prstGeom prst="curvedConnector2">
-            <a:avLst/>
-          </a:prstGeom>
-          <a:ln>
-            <a:solidFill>
-              <a:srgbClr val="FF0000"/>
-            </a:solidFill>
-            <a:tailEnd type="arrow"/>
-          </a:ln>
-        </p:spPr>
-        <p:style>
-          <a:lnRef idx="1">
-            <a:schemeClr val="accent1"/>
-          </a:lnRef>
-          <a:fillRef idx="0">
-            <a:schemeClr val="accent1"/>
-          </a:fillRef>
-          <a:effectRef idx="0">
-            <a:schemeClr val="accent1"/>
-          </a:effectRef>
-          <a:fontRef idx="minor">
-            <a:schemeClr val="tx1"/>
-          </a:fontRef>
-        </p:style>
-      </p:cxnSp>
-      <p:cxnSp>
-        <p:nvCxnSpPr>
-          <p:cNvPr id="23" name="曲线连接符 22"/>
-          <p:cNvCxnSpPr>
-            <a:stCxn id="9" idx="3"/>
-            <a:endCxn id="10" idx="0"/>
-          </p:cNvCxnSpPr>
-          <p:nvPr/>
-        </p:nvCxnSpPr>
-        <p:spPr>
-          <a:xfrm>
-            <a:off x="3808202" y="4167336"/>
-            <a:ext cx="2470132" cy="716408"/>
-          </a:xfrm>
-          <a:prstGeom prst="curvedConnector2">
-            <a:avLst/>
-          </a:prstGeom>
-          <a:ln>
-            <a:solidFill>
-              <a:srgbClr val="FF0000"/>
-            </a:solidFill>
-            <a:tailEnd type="arrow"/>
-          </a:ln>
-        </p:spPr>
-        <p:style>
-          <a:lnRef idx="1">
-            <a:schemeClr val="accent1"/>
-          </a:lnRef>
-          <a:fillRef idx="0">
-            <a:schemeClr val="accent1"/>
-          </a:fillRef>
-          <a:effectRef idx="0">
-            <a:schemeClr val="accent1"/>
-          </a:effectRef>
-          <a:fontRef idx="minor">
-            <a:schemeClr val="tx1"/>
-          </a:fontRef>
-        </p:style>
-      </p:cxnSp>
-      <p:cxnSp>
-        <p:nvCxnSpPr>
-          <p:cNvPr id="25" name="曲线连接符 24"/>
-          <p:cNvCxnSpPr>
-            <a:stCxn id="10" idx="1"/>
-            <a:endCxn id="11" idx="0"/>
-          </p:cNvCxnSpPr>
-          <p:nvPr/>
-        </p:nvCxnSpPr>
-        <p:spPr>
-          <a:xfrm rot="10800000" flipV="1">
-            <a:off x="2137874" y="5344504"/>
-            <a:ext cx="1670331" cy="722214"/>
-          </a:xfrm>
-          <a:prstGeom prst="curvedConnector2">
-            <a:avLst/>
-          </a:prstGeom>
-          <a:ln>
-            <a:solidFill>
-              <a:srgbClr val="FF0000"/>
-            </a:solidFill>
-            <a:tailEnd type="arrow"/>
-          </a:ln>
-        </p:spPr>
-        <p:style>
-          <a:lnRef idx="1">
-            <a:schemeClr val="accent1"/>
-          </a:lnRef>
-          <a:fillRef idx="0">
-            <a:schemeClr val="accent1"/>
-          </a:fillRef>
-          <a:effectRef idx="0">
-            <a:schemeClr val="accent1"/>
-          </a:effectRef>
-          <a:fontRef idx="minor">
-            <a:schemeClr val="tx1"/>
-          </a:fontRef>
-        </p:style>
-      </p:cxnSp>
+        <p:txBody>
+          <a:bodyPr wrap="square">
+            <a:spAutoFit/>
+          </a:bodyPr>
+          <a:lstStyle/>
+          <a:p>
+            <a:r>
+              <a:rPr lang="en-CA" sz="3200" dirty="0"/>
+              <a:t>$app-&gt;get('(/:</a:t>
+            </a:r>
+            <a:r>
+              <a:rPr lang="en-CA" sz="3200" dirty="0" err="1"/>
+              <a:t>lang</a:t>
+            </a:r>
+            <a:r>
+              <a:rPr lang="en-CA" sz="3200" dirty="0"/>
+              <a:t>)/', function($</a:t>
+            </a:r>
+            <a:r>
+              <a:rPr lang="en-CA" sz="3200" dirty="0" err="1"/>
+              <a:t>lang</a:t>
+            </a:r>
+            <a:r>
+              <a:rPr lang="en-CA" sz="3200" dirty="0"/>
+              <a:t> = '</a:t>
+            </a:r>
+            <a:r>
+              <a:rPr lang="en-CA" sz="3200" dirty="0" err="1"/>
+              <a:t>en</a:t>
+            </a:r>
+            <a:r>
+              <a:rPr lang="en-CA" sz="3200" dirty="0"/>
+              <a:t>') use ($app) {</a:t>
+            </a:r>
+          </a:p>
+          <a:p>
+            <a:r>
+              <a:rPr lang="en-CA" sz="3200" dirty="0"/>
+              <a:t>    $app-&gt;render($</a:t>
+            </a:r>
+            <a:r>
+              <a:rPr lang="en-CA" sz="3200" dirty="0" err="1"/>
+              <a:t>lang</a:t>
+            </a:r>
+            <a:r>
+              <a:rPr lang="en-CA" sz="3200" dirty="0"/>
+              <a:t> . '/</a:t>
+            </a:r>
+            <a:r>
+              <a:rPr lang="en-CA" sz="3200" dirty="0" err="1"/>
+              <a:t>register.html.twig</a:t>
+            </a:r>
+            <a:r>
+              <a:rPr lang="en-CA" sz="3200" dirty="0"/>
+              <a:t>');</a:t>
+            </a:r>
+          </a:p>
+          <a:p>
+            <a:r>
+              <a:rPr lang="en-CA" sz="3200" dirty="0"/>
+              <a:t>});</a:t>
+            </a:r>
+          </a:p>
+        </p:txBody>
+      </p:sp>
     </p:spTree>
     <p:extLst>
       <p:ext uri="{BB962C8B-B14F-4D97-AF65-F5344CB8AC3E}">
-        <p14:creationId xmlns:p14="http://schemas.microsoft.com/office/powerpoint/2010/main" val="4267307649"/>
+        <p14:creationId xmlns:p14="http://schemas.microsoft.com/office/powerpoint/2010/main" val="229076445"/>
       </p:ext>
     </p:extLst>
   </p:cSld>
   <p:clrMapOvr>
     <a:masterClrMapping/>
   </p:clrMapOvr>
-  <p:timing>
-    <p:tnLst>
-      <p:par>
-        <p:cTn id="1" dur="indefinite" restart="never" nodeType="tmRoot"/>
-      </p:par>
-    </p:tnLst>
-  </p:timing>
 </p:sld>
 </file>
 
@@ -8990,4 +10683,299 @@
   <a:objectDefaults/>
   <a:extraClrSchemeLst/>
 </a:theme>
+</file>
+
+<file path=ppt/theme/theme2.xml><?xml version="1.0" encoding="utf-8"?>
+<a:theme xmlns:a="http://schemas.openxmlformats.org/drawingml/2006/main" name="Office Theme">
+  <a:themeElements>
+    <a:clrScheme name="Office">
+      <a:dk1>
+        <a:sysClr val="windowText" lastClr="000000"/>
+      </a:dk1>
+      <a:lt1>
+        <a:sysClr val="window" lastClr="FFFFFF"/>
+      </a:lt1>
+      <a:dk2>
+        <a:srgbClr val="44546A"/>
+      </a:dk2>
+      <a:lt2>
+        <a:srgbClr val="E7E6E6"/>
+      </a:lt2>
+      <a:accent1>
+        <a:srgbClr val="4472C4"/>
+      </a:accent1>
+      <a:accent2>
+        <a:srgbClr val="ED7D31"/>
+      </a:accent2>
+      <a:accent3>
+        <a:srgbClr val="A5A5A5"/>
+      </a:accent3>
+      <a:accent4>
+        <a:srgbClr val="FFC000"/>
+      </a:accent4>
+      <a:accent5>
+        <a:srgbClr val="5B9BD5"/>
+      </a:accent5>
+      <a:accent6>
+        <a:srgbClr val="70AD47"/>
+      </a:accent6>
+      <a:hlink>
+        <a:srgbClr val="0563C1"/>
+      </a:hlink>
+      <a:folHlink>
+        <a:srgbClr val="954F72"/>
+      </a:folHlink>
+    </a:clrScheme>
+    <a:fontScheme name="Office">
+      <a:majorFont>
+        <a:latin typeface="Calibri Light" panose="020F0302020204030204"/>
+        <a:ea typeface=""/>
+        <a:cs typeface=""/>
+        <a:font script="Jpan" typeface="游ゴシック Light"/>
+        <a:font script="Hang" typeface="맑은 고딕"/>
+        <a:font script="Hans" typeface="等线 Light"/>
+        <a:font script="Hant" typeface="新細明體"/>
+        <a:font script="Arab" typeface="Times New Roman"/>
+        <a:font script="Hebr" typeface="Times New Roman"/>
+        <a:font script="Thai" typeface="Angsana New"/>
+        <a:font script="Ethi" typeface="Nyala"/>
+        <a:font script="Beng" typeface="Vrinda"/>
+        <a:font script="Gujr" typeface="Shruti"/>
+        <a:font script="Khmr" typeface="MoolBoran"/>
+        <a:font script="Knda" typeface="Tunga"/>
+        <a:font script="Guru" typeface="Raavi"/>
+        <a:font script="Cans" typeface="Euphemia"/>
+        <a:font script="Cher" typeface="Plantagenet Cherokee"/>
+        <a:font script="Yiii" typeface="Microsoft Yi Baiti"/>
+        <a:font script="Tibt" typeface="Microsoft Himalaya"/>
+        <a:font script="Thaa" typeface="MV Boli"/>
+        <a:font script="Deva" typeface="Mangal"/>
+        <a:font script="Telu" typeface="Gautami"/>
+        <a:font script="Taml" typeface="Latha"/>
+        <a:font script="Syrc" typeface="Estrangelo Edessa"/>
+        <a:font script="Orya" typeface="Kalinga"/>
+        <a:font script="Mlym" typeface="Kartika"/>
+        <a:font script="Laoo" typeface="DokChampa"/>
+        <a:font script="Sinh" typeface="Iskoola Pota"/>
+        <a:font script="Mong" typeface="Mongolian Baiti"/>
+        <a:font script="Viet" typeface="Times New Roman"/>
+        <a:font script="Uigh" typeface="Microsoft Uighur"/>
+        <a:font script="Geor" typeface="Sylfaen"/>
+        <a:font script="Armn" typeface="Arial"/>
+        <a:font script="Bugi" typeface="Leelawadee UI"/>
+        <a:font script="Bopo" typeface="Microsoft JhengHei"/>
+        <a:font script="Java" typeface="Javanese Text"/>
+        <a:font script="Lisu" typeface="Segoe UI"/>
+        <a:font script="Mymr" typeface="Myanmar Text"/>
+        <a:font script="Nkoo" typeface="Ebrima"/>
+        <a:font script="Olck" typeface="Nirmala UI"/>
+        <a:font script="Osma" typeface="Ebrima"/>
+        <a:font script="Phag" typeface="Phagspa"/>
+        <a:font script="Syrn" typeface="Estrangelo Edessa"/>
+        <a:font script="Syrj" typeface="Estrangelo Edessa"/>
+        <a:font script="Syre" typeface="Estrangelo Edessa"/>
+        <a:font script="Sora" typeface="Nirmala UI"/>
+        <a:font script="Tale" typeface="Microsoft Tai Le"/>
+        <a:font script="Talu" typeface="Microsoft New Tai Lue"/>
+        <a:font script="Tfng" typeface="Ebrima"/>
+      </a:majorFont>
+      <a:minorFont>
+        <a:latin typeface="Calibri" panose="020F0502020204030204"/>
+        <a:ea typeface=""/>
+        <a:cs typeface=""/>
+        <a:font script="Jpan" typeface="游ゴシック"/>
+        <a:font script="Hang" typeface="맑은 고딕"/>
+        <a:font script="Hans" typeface="等线"/>
+        <a:font script="Hant" typeface="新細明體"/>
+        <a:font script="Arab" typeface="Arial"/>
+        <a:font script="Hebr" typeface="Arial"/>
+        <a:font script="Thai" typeface="Cordia New"/>
+        <a:font script="Ethi" typeface="Nyala"/>
+        <a:font script="Beng" typeface="Vrinda"/>
+        <a:font script="Gujr" typeface="Shruti"/>
+        <a:font script="Khmr" typeface="DaunPenh"/>
+        <a:font script="Knda" typeface="Tunga"/>
+        <a:font script="Guru" typeface="Raavi"/>
+        <a:font script="Cans" typeface="Euphemia"/>
+        <a:font script="Cher" typeface="Plantagenet Cherokee"/>
+        <a:font script="Yiii" typeface="Microsoft Yi Baiti"/>
+        <a:font script="Tibt" typeface="Microsoft Himalaya"/>
+        <a:font script="Thaa" typeface="MV Boli"/>
+        <a:font script="Deva" typeface="Mangal"/>
+        <a:font script="Telu" typeface="Gautami"/>
+        <a:font script="Taml" typeface="Latha"/>
+        <a:font script="Syrc" typeface="Estrangelo Edessa"/>
+        <a:font script="Orya" typeface="Kalinga"/>
+        <a:font script="Mlym" typeface="Kartika"/>
+        <a:font script="Laoo" typeface="DokChampa"/>
+        <a:font script="Sinh" typeface="Iskoola Pota"/>
+        <a:font script="Mong" typeface="Mongolian Baiti"/>
+        <a:font script="Viet" typeface="Arial"/>
+        <a:font script="Uigh" typeface="Microsoft Uighur"/>
+        <a:font script="Geor" typeface="Sylfaen"/>
+        <a:font script="Armn" typeface="Arial"/>
+        <a:font script="Bugi" typeface="Leelawadee UI"/>
+        <a:font script="Bopo" typeface="Microsoft JhengHei"/>
+        <a:font script="Java" typeface="Javanese Text"/>
+        <a:font script="Lisu" typeface="Segoe UI"/>
+        <a:font script="Mymr" typeface="Myanmar Text"/>
+        <a:font script="Nkoo" typeface="Ebrima"/>
+        <a:font script="Olck" typeface="Nirmala UI"/>
+        <a:font script="Osma" typeface="Ebrima"/>
+        <a:font script="Phag" typeface="Phagspa"/>
+        <a:font script="Syrn" typeface="Estrangelo Edessa"/>
+        <a:font script="Syrj" typeface="Estrangelo Edessa"/>
+        <a:font script="Syre" typeface="Estrangelo Edessa"/>
+        <a:font script="Sora" typeface="Nirmala UI"/>
+        <a:font script="Tale" typeface="Microsoft Tai Le"/>
+        <a:font script="Talu" typeface="Microsoft New Tai Lue"/>
+        <a:font script="Tfng" typeface="Ebrima"/>
+      </a:minorFont>
+    </a:fontScheme>
+    <a:fmtScheme name="Office">
+      <a:fillStyleLst>
+        <a:solidFill>
+          <a:schemeClr val="phClr"/>
+        </a:solidFill>
+        <a:gradFill rotWithShape="1">
+          <a:gsLst>
+            <a:gs pos="0">
+              <a:schemeClr val="phClr">
+                <a:lumMod val="110000"/>
+                <a:satMod val="105000"/>
+                <a:tint val="67000"/>
+              </a:schemeClr>
+            </a:gs>
+            <a:gs pos="50000">
+              <a:schemeClr val="phClr">
+                <a:lumMod val="105000"/>
+                <a:satMod val="103000"/>
+                <a:tint val="73000"/>
+              </a:schemeClr>
+            </a:gs>
+            <a:gs pos="100000">
+              <a:schemeClr val="phClr">
+                <a:lumMod val="105000"/>
+                <a:satMod val="109000"/>
+                <a:tint val="81000"/>
+              </a:schemeClr>
+            </a:gs>
+          </a:gsLst>
+          <a:lin ang="5400000" scaled="0"/>
+        </a:gradFill>
+        <a:gradFill rotWithShape="1">
+          <a:gsLst>
+            <a:gs pos="0">
+              <a:schemeClr val="phClr">
+                <a:satMod val="103000"/>
+                <a:lumMod val="102000"/>
+                <a:tint val="94000"/>
+              </a:schemeClr>
+            </a:gs>
+            <a:gs pos="50000">
+              <a:schemeClr val="phClr">
+                <a:satMod val="110000"/>
+                <a:lumMod val="100000"/>
+                <a:shade val="100000"/>
+              </a:schemeClr>
+            </a:gs>
+            <a:gs pos="100000">
+              <a:schemeClr val="phClr">
+                <a:lumMod val="99000"/>
+                <a:satMod val="120000"/>
+                <a:shade val="78000"/>
+              </a:schemeClr>
+            </a:gs>
+          </a:gsLst>
+          <a:lin ang="5400000" scaled="0"/>
+        </a:gradFill>
+      </a:fillStyleLst>
+      <a:lnStyleLst>
+        <a:ln w="6350" cap="flat" cmpd="sng" algn="ctr">
+          <a:solidFill>
+            <a:schemeClr val="phClr"/>
+          </a:solidFill>
+          <a:prstDash val="solid"/>
+          <a:miter lim="800000"/>
+        </a:ln>
+        <a:ln w="12700" cap="flat" cmpd="sng" algn="ctr">
+          <a:solidFill>
+            <a:schemeClr val="phClr"/>
+          </a:solidFill>
+          <a:prstDash val="solid"/>
+          <a:miter lim="800000"/>
+        </a:ln>
+        <a:ln w="19050" cap="flat" cmpd="sng" algn="ctr">
+          <a:solidFill>
+            <a:schemeClr val="phClr"/>
+          </a:solidFill>
+          <a:prstDash val="solid"/>
+          <a:miter lim="800000"/>
+        </a:ln>
+      </a:lnStyleLst>
+      <a:effectStyleLst>
+        <a:effectStyle>
+          <a:effectLst/>
+        </a:effectStyle>
+        <a:effectStyle>
+          <a:effectLst/>
+        </a:effectStyle>
+        <a:effectStyle>
+          <a:effectLst>
+            <a:outerShdw blurRad="57150" dist="19050" dir="5400000" algn="ctr" rotWithShape="0">
+              <a:srgbClr val="000000">
+                <a:alpha val="63000"/>
+              </a:srgbClr>
+            </a:outerShdw>
+          </a:effectLst>
+        </a:effectStyle>
+      </a:effectStyleLst>
+      <a:bgFillStyleLst>
+        <a:solidFill>
+          <a:schemeClr val="phClr"/>
+        </a:solidFill>
+        <a:solidFill>
+          <a:schemeClr val="phClr">
+            <a:tint val="95000"/>
+            <a:satMod val="170000"/>
+          </a:schemeClr>
+        </a:solidFill>
+        <a:gradFill rotWithShape="1">
+          <a:gsLst>
+            <a:gs pos="0">
+              <a:schemeClr val="phClr">
+                <a:tint val="93000"/>
+                <a:satMod val="150000"/>
+                <a:shade val="98000"/>
+                <a:lumMod val="102000"/>
+              </a:schemeClr>
+            </a:gs>
+            <a:gs pos="50000">
+              <a:schemeClr val="phClr">
+                <a:tint val="98000"/>
+                <a:satMod val="130000"/>
+                <a:shade val="90000"/>
+                <a:lumMod val="103000"/>
+              </a:schemeClr>
+            </a:gs>
+            <a:gs pos="100000">
+              <a:schemeClr val="phClr">
+                <a:shade val="63000"/>
+                <a:satMod val="120000"/>
+              </a:schemeClr>
+            </a:gs>
+          </a:gsLst>
+          <a:lin ang="5400000" scaled="0"/>
+        </a:gradFill>
+      </a:bgFillStyleLst>
+    </a:fmtScheme>
+  </a:themeElements>
+  <a:objectDefaults/>
+  <a:extraClrSchemeLst/>
+  <a:extLst>
+    <a:ext uri="{05A4C25C-085E-4340-85A3-A5531E510DB2}">
+      <thm15:themeFamily xmlns:thm15="http://schemas.microsoft.com/office/thememl/2012/main" name="Office Theme" id="{62F939B6-93AF-4DB8-9C6B-D6C7DFDC589F}" vid="{4A3C46E8-61CC-4603-A589-7422A47A8E4A}"/>
+    </a:ext>
+  </a:extLst>
+</a:theme>
 </file>